--- a/EC_FINAL_PROJECT/EC_FINAL_PROJECT/verilog/POP_RF/CrossOver_Mutate_Truncation.pptx
+++ b/EC_FINAL_PROJECT/EC_FINAL_PROJECT/verilog/POP_RF/CrossOver_Mutate_Truncation.pptx
@@ -254,7 +254,7 @@
           <a:p>
             <a:fld id="{20D1ACE9-C6DD-4E59-A308-5666C47F0088}" type="datetimeFigureOut">
               <a:rPr lang="zh-TW" altLang="en-US" smtClean="0"/>
-              <a:t>2022/12/12</a:t>
+              <a:t>2022/12/13</a:t>
             </a:fld>
             <a:endParaRPr lang="zh-TW" altLang="en-US"/>
           </a:p>
@@ -424,7 +424,7 @@
           <a:p>
             <a:fld id="{20D1ACE9-C6DD-4E59-A308-5666C47F0088}" type="datetimeFigureOut">
               <a:rPr lang="zh-TW" altLang="en-US" smtClean="0"/>
-              <a:t>2022/12/12</a:t>
+              <a:t>2022/12/13</a:t>
             </a:fld>
             <a:endParaRPr lang="zh-TW" altLang="en-US"/>
           </a:p>
@@ -604,7 +604,7 @@
           <a:p>
             <a:fld id="{20D1ACE9-C6DD-4E59-A308-5666C47F0088}" type="datetimeFigureOut">
               <a:rPr lang="zh-TW" altLang="en-US" smtClean="0"/>
-              <a:t>2022/12/12</a:t>
+              <a:t>2022/12/13</a:t>
             </a:fld>
             <a:endParaRPr lang="zh-TW" altLang="en-US"/>
           </a:p>
@@ -774,7 +774,7 @@
           <a:p>
             <a:fld id="{20D1ACE9-C6DD-4E59-A308-5666C47F0088}" type="datetimeFigureOut">
               <a:rPr lang="zh-TW" altLang="en-US" smtClean="0"/>
-              <a:t>2022/12/12</a:t>
+              <a:t>2022/12/13</a:t>
             </a:fld>
             <a:endParaRPr lang="zh-TW" altLang="en-US"/>
           </a:p>
@@ -1025,7 +1025,7 @@
           <a:p>
             <a:fld id="{20D1ACE9-C6DD-4E59-A308-5666C47F0088}" type="datetimeFigureOut">
               <a:rPr lang="zh-TW" altLang="en-US" smtClean="0"/>
-              <a:t>2022/12/12</a:t>
+              <a:t>2022/12/13</a:t>
             </a:fld>
             <a:endParaRPr lang="zh-TW" altLang="en-US"/>
           </a:p>
@@ -1257,7 +1257,7 @@
           <a:p>
             <a:fld id="{20D1ACE9-C6DD-4E59-A308-5666C47F0088}" type="datetimeFigureOut">
               <a:rPr lang="zh-TW" altLang="en-US" smtClean="0"/>
-              <a:t>2022/12/12</a:t>
+              <a:t>2022/12/13</a:t>
             </a:fld>
             <a:endParaRPr lang="zh-TW" altLang="en-US"/>
           </a:p>
@@ -1604,7 +1604,7 @@
           <a:p>
             <a:fld id="{20D1ACE9-C6DD-4E59-A308-5666C47F0088}" type="datetimeFigureOut">
               <a:rPr lang="zh-TW" altLang="en-US" smtClean="0"/>
-              <a:t>2022/12/12</a:t>
+              <a:t>2022/12/13</a:t>
             </a:fld>
             <a:endParaRPr lang="zh-TW" altLang="en-US"/>
           </a:p>
@@ -1722,7 +1722,7 @@
           <a:p>
             <a:fld id="{20D1ACE9-C6DD-4E59-A308-5666C47F0088}" type="datetimeFigureOut">
               <a:rPr lang="zh-TW" altLang="en-US" smtClean="0"/>
-              <a:t>2022/12/12</a:t>
+              <a:t>2022/12/13</a:t>
             </a:fld>
             <a:endParaRPr lang="zh-TW" altLang="en-US"/>
           </a:p>
@@ -1840,7 +1840,7 @@
           <a:p>
             <a:fld id="{20D1ACE9-C6DD-4E59-A308-5666C47F0088}" type="datetimeFigureOut">
               <a:rPr lang="zh-TW" altLang="en-US" smtClean="0"/>
-              <a:t>2022/12/12</a:t>
+              <a:t>2022/12/13</a:t>
             </a:fld>
             <a:endParaRPr lang="zh-TW" altLang="en-US"/>
           </a:p>
@@ -2124,7 +2124,7 @@
           <a:p>
             <a:fld id="{20D1ACE9-C6DD-4E59-A308-5666C47F0088}" type="datetimeFigureOut">
               <a:rPr lang="zh-TW" altLang="en-US" smtClean="0"/>
-              <a:t>2022/12/12</a:t>
+              <a:t>2022/12/13</a:t>
             </a:fld>
             <a:endParaRPr lang="zh-TW" altLang="en-US"/>
           </a:p>
@@ -2388,7 +2388,7 @@
           <a:p>
             <a:fld id="{20D1ACE9-C6DD-4E59-A308-5666C47F0088}" type="datetimeFigureOut">
               <a:rPr lang="zh-TW" altLang="en-US" smtClean="0"/>
-              <a:t>2022/12/12</a:t>
+              <a:t>2022/12/13</a:t>
             </a:fld>
             <a:endParaRPr lang="zh-TW" altLang="en-US"/>
           </a:p>
@@ -2602,7 +2602,7 @@
           <a:p>
             <a:fld id="{20D1ACE9-C6DD-4E59-A308-5666C47F0088}" type="datetimeFigureOut">
               <a:rPr lang="zh-TW" altLang="en-US" smtClean="0"/>
-              <a:t>2022/12/12</a:t>
+              <a:t>2022/12/13</a:t>
             </a:fld>
             <a:endParaRPr lang="zh-TW" altLang="en-US"/>
           </a:p>
@@ -2998,10 +2998,10 @@
       </p:grpSpPr>
       <p:grpSp>
         <p:nvGrpSpPr>
-          <p:cNvPr id="18" name="群組 17">
+          <p:cNvPr id="346" name="群組 345">
             <a:extLst>
               <a:ext uri="{FF2B5EF4-FFF2-40B4-BE49-F238E27FC236}">
-                <a16:creationId xmlns:a16="http://schemas.microsoft.com/office/drawing/2014/main" id="{AC6CBD23-D662-4001-8A96-4A4D23847524}"/>
+                <a16:creationId xmlns:a16="http://schemas.microsoft.com/office/drawing/2014/main" id="{65F15D5E-24AF-4C38-B0A6-279D7FB555A3}"/>
               </a:ext>
             </a:extLst>
           </p:cNvPr>
@@ -3009,65 +3009,19 @@
           <p:nvPr/>
         </p:nvGrpSpPr>
         <p:grpSpPr>
-          <a:xfrm>
-            <a:off x="12404357" y="3045539"/>
-            <a:ext cx="1014668" cy="827561"/>
-            <a:chOff x="3600931" y="1887446"/>
-            <a:chExt cx="1014668" cy="827561"/>
+          <a:xfrm rot="16200000">
+            <a:off x="2659435" y="4913787"/>
+            <a:ext cx="214985" cy="276999"/>
+            <a:chOff x="4626544" y="406290"/>
+            <a:chExt cx="576698" cy="276999"/>
           </a:xfrm>
         </p:grpSpPr>
-        <p:sp>
-          <p:nvSpPr>
-            <p:cNvPr id="40" name="箭號: 向右 39">
+        <p:cxnSp>
+          <p:nvCxnSpPr>
+            <p:cNvPr id="347" name="直線單箭頭接點 346">
               <a:extLst>
                 <a:ext uri="{FF2B5EF4-FFF2-40B4-BE49-F238E27FC236}">
-                  <a16:creationId xmlns:a16="http://schemas.microsoft.com/office/drawing/2014/main" id="{58FD028D-15C1-4B94-8BB3-BF63B4B049AB}"/>
-                </a:ext>
-              </a:extLst>
-            </p:cNvPr>
-            <p:cNvSpPr/>
-            <p:nvPr/>
-          </p:nvSpPr>
-          <p:spPr>
-            <a:xfrm>
-              <a:off x="3600931" y="2275407"/>
-              <a:ext cx="1014668" cy="312535"/>
-            </a:xfrm>
-            <a:prstGeom prst="rightArrow">
-              <a:avLst/>
-            </a:prstGeom>
-          </p:spPr>
-          <p:style>
-            <a:lnRef idx="2">
-              <a:schemeClr val="accent1">
-                <a:shade val="50000"/>
-              </a:schemeClr>
-            </a:lnRef>
-            <a:fillRef idx="1">
-              <a:schemeClr val="accent1"/>
-            </a:fillRef>
-            <a:effectRef idx="0">
-              <a:schemeClr val="accent1"/>
-            </a:effectRef>
-            <a:fontRef idx="minor">
-              <a:schemeClr val="lt1"/>
-            </a:fontRef>
-          </p:style>
-          <p:txBody>
-            <a:bodyPr rtlCol="0" anchor="ctr"/>
-            <a:lstStyle/>
-            <a:p>
-              <a:pPr algn="ctr"/>
-              <a:endParaRPr lang="zh-TW" altLang="en-US"/>
-            </a:p>
-          </p:txBody>
-        </p:sp>
-        <p:cxnSp>
-          <p:nvCxnSpPr>
-            <p:cNvPr id="41" name="直線接點 40">
-              <a:extLst>
-                <a:ext uri="{FF2B5EF4-FFF2-40B4-BE49-F238E27FC236}">
-                  <a16:creationId xmlns:a16="http://schemas.microsoft.com/office/drawing/2014/main" id="{A2E72F2C-7827-4EFD-ABFD-64E2F2D20CA3}"/>
+                  <a16:creationId xmlns:a16="http://schemas.microsoft.com/office/drawing/2014/main" id="{3011DB95-6E62-44C3-9A3D-C9F3693D59CB}"/>
                 </a:ext>
               </a:extLst>
             </p:cNvPr>
@@ -3078,8 +3032,146 @@
           </p:nvCxnSpPr>
           <p:spPr>
             <a:xfrm>
-              <a:off x="4067079" y="2148341"/>
-              <a:ext cx="172795" cy="566666"/>
+              <a:off x="4626544" y="675073"/>
+              <a:ext cx="478006" cy="0"/>
+            </a:xfrm>
+            <a:prstGeom prst="straightConnector1">
+              <a:avLst/>
+            </a:prstGeom>
+            <a:ln>
+              <a:tailEnd type="triangle"/>
+            </a:ln>
+          </p:spPr>
+          <p:style>
+            <a:lnRef idx="3">
+              <a:schemeClr val="accent1"/>
+            </a:lnRef>
+            <a:fillRef idx="0">
+              <a:schemeClr val="accent1"/>
+            </a:fillRef>
+            <a:effectRef idx="2">
+              <a:schemeClr val="accent1"/>
+            </a:effectRef>
+            <a:fontRef idx="minor">
+              <a:schemeClr val="tx1"/>
+            </a:fontRef>
+          </p:style>
+        </p:cxnSp>
+        <p:sp>
+          <p:nvSpPr>
+            <p:cNvPr id="350" name="文字方塊 349">
+              <a:extLst>
+                <a:ext uri="{FF2B5EF4-FFF2-40B4-BE49-F238E27FC236}">
+                  <a16:creationId xmlns:a16="http://schemas.microsoft.com/office/drawing/2014/main" id="{A3D7764A-02D9-4D9C-903A-1B56C0786CC5}"/>
+                </a:ext>
+              </a:extLst>
+            </p:cNvPr>
+            <p:cNvSpPr txBox="1"/>
+            <p:nvPr/>
+          </p:nvSpPr>
+          <p:spPr>
+            <a:xfrm>
+              <a:off x="4669842" y="406290"/>
+              <a:ext cx="533400" cy="276999"/>
+            </a:xfrm>
+            <a:prstGeom prst="rect">
+              <a:avLst/>
+            </a:prstGeom>
+            <a:noFill/>
+          </p:spPr>
+          <p:txBody>
+            <a:bodyPr wrap="square" rtlCol="0">
+              <a:spAutoFit/>
+            </a:bodyPr>
+            <a:lstStyle/>
+            <a:p>
+              <a:endParaRPr lang="zh-TW" altLang="en-US" sz="1200" dirty="0">
+                <a:latin typeface="Times New Roman" panose="02020603050405020304" pitchFamily="18" charset="0"/>
+                <a:cs typeface="Times New Roman" panose="02020603050405020304" pitchFamily="18" charset="0"/>
+              </a:endParaRPr>
+            </a:p>
+          </p:txBody>
+        </p:sp>
+      </p:grpSp>
+      <p:grpSp>
+        <p:nvGrpSpPr>
+          <p:cNvPr id="410" name="群組 409">
+            <a:extLst>
+              <a:ext uri="{FF2B5EF4-FFF2-40B4-BE49-F238E27FC236}">
+                <a16:creationId xmlns:a16="http://schemas.microsoft.com/office/drawing/2014/main" id="{1E89B047-CC75-4E35-A1DB-DA1238908E92}"/>
+              </a:ext>
+            </a:extLst>
+          </p:cNvPr>
+          <p:cNvGrpSpPr/>
+          <p:nvPr/>
+        </p:nvGrpSpPr>
+        <p:grpSpPr>
+          <a:xfrm>
+            <a:off x="2538336" y="4909767"/>
+            <a:ext cx="733460" cy="351512"/>
+            <a:chOff x="4626544" y="406290"/>
+            <a:chExt cx="576698" cy="351512"/>
+          </a:xfrm>
+        </p:grpSpPr>
+        <p:cxnSp>
+          <p:nvCxnSpPr>
+            <p:cNvPr id="411" name="直線單箭頭接點 410">
+              <a:extLst>
+                <a:ext uri="{FF2B5EF4-FFF2-40B4-BE49-F238E27FC236}">
+                  <a16:creationId xmlns:a16="http://schemas.microsoft.com/office/drawing/2014/main" id="{0DBE213B-2582-4C8F-BBCD-2F274837163D}"/>
+                </a:ext>
+              </a:extLst>
+            </p:cNvPr>
+            <p:cNvCxnSpPr>
+              <a:cxnSpLocks/>
+            </p:cNvCxnSpPr>
+            <p:nvPr/>
+          </p:nvCxnSpPr>
+          <p:spPr>
+            <a:xfrm>
+              <a:off x="4626544" y="675073"/>
+              <a:ext cx="478006" cy="0"/>
+            </a:xfrm>
+            <a:prstGeom prst="straightConnector1">
+              <a:avLst/>
+            </a:prstGeom>
+            <a:ln>
+              <a:tailEnd type="triangle"/>
+            </a:ln>
+          </p:spPr>
+          <p:style>
+            <a:lnRef idx="3">
+              <a:schemeClr val="accent1"/>
+            </a:lnRef>
+            <a:fillRef idx="0">
+              <a:schemeClr val="accent1"/>
+            </a:fillRef>
+            <a:effectRef idx="2">
+              <a:schemeClr val="accent1"/>
+            </a:effectRef>
+            <a:fontRef idx="minor">
+              <a:schemeClr val="tx1"/>
+            </a:fontRef>
+          </p:style>
+        </p:cxnSp>
+        <p:cxnSp>
+          <p:nvCxnSpPr>
+            <p:cNvPr id="412" name="直線接點 411">
+              <a:extLst>
+                <a:ext uri="{FF2B5EF4-FFF2-40B4-BE49-F238E27FC236}">
+                  <a16:creationId xmlns:a16="http://schemas.microsoft.com/office/drawing/2014/main" id="{07C9B0EB-A486-4BF1-A27E-2BA10219DD67}"/>
+                </a:ext>
+              </a:extLst>
+            </p:cNvPr>
+            <p:cNvCxnSpPr>
+              <a:cxnSpLocks/>
+            </p:cNvCxnSpPr>
+            <p:nvPr/>
+          </p:nvCxnSpPr>
+          <p:spPr>
+            <a:xfrm>
+              <a:off x="4750671" y="613267"/>
+              <a:ext cx="97186" cy="144535"/>
             </a:xfrm>
             <a:prstGeom prst="line">
               <a:avLst/>
@@ -3102,10 +3194,10 @@
         </p:cxnSp>
         <p:sp>
           <p:nvSpPr>
-            <p:cNvPr id="42" name="文字方塊 41">
+            <p:cNvPr id="413" name="文字方塊 412">
               <a:extLst>
                 <a:ext uri="{FF2B5EF4-FFF2-40B4-BE49-F238E27FC236}">
-                  <a16:creationId xmlns:a16="http://schemas.microsoft.com/office/drawing/2014/main" id="{B50F42B3-9AC9-44B3-BADA-37FA2980EB21}"/>
+                  <a16:creationId xmlns:a16="http://schemas.microsoft.com/office/drawing/2014/main" id="{EC3E820B-7E3F-40A8-B16C-1E0291293B28}"/>
                 </a:ext>
               </a:extLst>
             </p:cNvPr>
@@ -3114,7 +3206,7 @@
           </p:nvSpPr>
           <p:spPr>
             <a:xfrm>
-              <a:off x="3886776" y="1887446"/>
+              <a:off x="4669842" y="406290"/>
               <a:ext cx="533400" cy="276999"/>
             </a:xfrm>
             <a:prstGeom prst="rect">
@@ -3133,7 +3225,7 @@
                   <a:latin typeface="Times New Roman" panose="02020603050405020304" pitchFamily="18" charset="0"/>
                   <a:cs typeface="Times New Roman" panose="02020603050405020304" pitchFamily="18" charset="0"/>
                 </a:rPr>
-                <a:t>11x5</a:t>
+                <a:t>8</a:t>
               </a:r>
               <a:endParaRPr lang="zh-TW" altLang="en-US" sz="1200" dirty="0">
                 <a:latin typeface="Times New Roman" panose="02020603050405020304" pitchFamily="18" charset="0"/>
@@ -3143,304 +3235,6 @@
           </p:txBody>
         </p:sp>
       </p:grpSp>
-      <p:sp>
-        <p:nvSpPr>
-          <p:cNvPr id="44" name="流程圖: 接點 43">
-            <a:extLst>
-              <a:ext uri="{FF2B5EF4-FFF2-40B4-BE49-F238E27FC236}">
-                <a16:creationId xmlns:a16="http://schemas.microsoft.com/office/drawing/2014/main" id="{DA8836D9-D12F-49ED-B3AE-1705E280B00C}"/>
-              </a:ext>
-            </a:extLst>
-          </p:cNvPr>
-          <p:cNvSpPr/>
-          <p:nvPr/>
-        </p:nvSpPr>
-        <p:spPr>
-          <a:xfrm>
-            <a:off x="12668122" y="1654523"/>
-            <a:ext cx="464610" cy="438150"/>
-          </a:xfrm>
-          <a:prstGeom prst="flowChartConnector">
-            <a:avLst/>
-          </a:prstGeom>
-        </p:spPr>
-        <p:style>
-          <a:lnRef idx="2">
-            <a:schemeClr val="accent4">
-              <a:shade val="50000"/>
-            </a:schemeClr>
-          </a:lnRef>
-          <a:fillRef idx="1">
-            <a:schemeClr val="accent4"/>
-          </a:fillRef>
-          <a:effectRef idx="0">
-            <a:schemeClr val="accent4"/>
-          </a:effectRef>
-          <a:fontRef idx="minor">
-            <a:schemeClr val="lt1"/>
-          </a:fontRef>
-        </p:style>
-        <p:txBody>
-          <a:bodyPr rtlCol="0" anchor="ctr"/>
-          <a:lstStyle/>
-          <a:p>
-            <a:pPr algn="ctr"/>
-            <a:r>
-              <a:rPr lang="en-US" altLang="zh-TW" sz="1100" dirty="0"/>
-              <a:t>&lt;&lt;</a:t>
-            </a:r>
-            <a:endParaRPr lang="zh-TW" altLang="en-US" sz="1100" dirty="0"/>
-          </a:p>
-        </p:txBody>
-      </p:sp>
-      <p:cxnSp>
-        <p:nvCxnSpPr>
-          <p:cNvPr id="57" name="直線接點 56">
-            <a:extLst>
-              <a:ext uri="{FF2B5EF4-FFF2-40B4-BE49-F238E27FC236}">
-                <a16:creationId xmlns:a16="http://schemas.microsoft.com/office/drawing/2014/main" id="{815F4BD6-E325-4DE9-9EE3-6BBF6DDDEA8B}"/>
-              </a:ext>
-            </a:extLst>
-          </p:cNvPr>
-          <p:cNvCxnSpPr>
-            <a:cxnSpLocks/>
-          </p:cNvCxnSpPr>
-          <p:nvPr/>
-        </p:nvCxnSpPr>
-        <p:spPr>
-          <a:xfrm>
-            <a:off x="12648153" y="1558094"/>
-            <a:ext cx="116454" cy="127477"/>
-          </a:xfrm>
-          <a:prstGeom prst="line">
-            <a:avLst/>
-          </a:prstGeom>
-        </p:spPr>
-        <p:style>
-          <a:lnRef idx="3">
-            <a:schemeClr val="dk1"/>
-          </a:lnRef>
-          <a:fillRef idx="0">
-            <a:schemeClr val="dk1"/>
-          </a:fillRef>
-          <a:effectRef idx="2">
-            <a:schemeClr val="dk1"/>
-          </a:effectRef>
-          <a:fontRef idx="minor">
-            <a:schemeClr val="tx1"/>
-          </a:fontRef>
-        </p:style>
-      </p:cxnSp>
-      <p:sp>
-        <p:nvSpPr>
-          <p:cNvPr id="60" name="文字方塊 59">
-            <a:extLst>
-              <a:ext uri="{FF2B5EF4-FFF2-40B4-BE49-F238E27FC236}">
-                <a16:creationId xmlns:a16="http://schemas.microsoft.com/office/drawing/2014/main" id="{7C4AC1EF-4711-491A-AC7F-334A89234651}"/>
-              </a:ext>
-            </a:extLst>
-          </p:cNvPr>
-          <p:cNvSpPr txBox="1"/>
-          <p:nvPr/>
-        </p:nvSpPr>
-        <p:spPr>
-          <a:xfrm>
-            <a:off x="12475477" y="1356176"/>
-            <a:ext cx="533400" cy="276999"/>
-          </a:xfrm>
-          <a:prstGeom prst="rect">
-            <a:avLst/>
-          </a:prstGeom>
-          <a:noFill/>
-        </p:spPr>
-        <p:txBody>
-          <a:bodyPr wrap="square" rtlCol="0">
-            <a:spAutoFit/>
-          </a:bodyPr>
-          <a:lstStyle/>
-          <a:p>
-            <a:r>
-              <a:rPr lang="en-US" altLang="zh-TW" sz="1200" dirty="0">
-                <a:latin typeface="Times New Roman" panose="02020603050405020304" pitchFamily="18" charset="0"/>
-                <a:cs typeface="Times New Roman" panose="02020603050405020304" pitchFamily="18" charset="0"/>
-              </a:rPr>
-              <a:t>1</a:t>
-            </a:r>
-            <a:endParaRPr lang="zh-TW" altLang="en-US" sz="1200" dirty="0">
-              <a:latin typeface="Times New Roman" panose="02020603050405020304" pitchFamily="18" charset="0"/>
-              <a:cs typeface="Times New Roman" panose="02020603050405020304" pitchFamily="18" charset="0"/>
-            </a:endParaRPr>
-          </a:p>
-        </p:txBody>
-      </p:sp>
-      <p:sp>
-        <p:nvSpPr>
-          <p:cNvPr id="62" name="文字方塊 61">
-            <a:extLst>
-              <a:ext uri="{FF2B5EF4-FFF2-40B4-BE49-F238E27FC236}">
-                <a16:creationId xmlns:a16="http://schemas.microsoft.com/office/drawing/2014/main" id="{2041E518-652E-4BA2-95BB-4ABA185678CA}"/>
-              </a:ext>
-            </a:extLst>
-          </p:cNvPr>
-          <p:cNvSpPr txBox="1"/>
-          <p:nvPr/>
-        </p:nvSpPr>
-        <p:spPr>
-          <a:xfrm>
-            <a:off x="12280979" y="2112325"/>
-            <a:ext cx="533400" cy="276999"/>
-          </a:xfrm>
-          <a:prstGeom prst="rect">
-            <a:avLst/>
-          </a:prstGeom>
-          <a:noFill/>
-        </p:spPr>
-        <p:txBody>
-          <a:bodyPr wrap="square" rtlCol="0">
-            <a:spAutoFit/>
-          </a:bodyPr>
-          <a:lstStyle/>
-          <a:p>
-            <a:r>
-              <a:rPr lang="en-US" altLang="zh-TW" sz="1200" dirty="0">
-                <a:latin typeface="Times New Roman" panose="02020603050405020304" pitchFamily="18" charset="0"/>
-                <a:cs typeface="Times New Roman" panose="02020603050405020304" pitchFamily="18" charset="0"/>
-              </a:rPr>
-              <a:t>10x4</a:t>
-            </a:r>
-            <a:endParaRPr lang="zh-TW" altLang="en-US" sz="1200" dirty="0">
-              <a:latin typeface="Times New Roman" panose="02020603050405020304" pitchFamily="18" charset="0"/>
-              <a:cs typeface="Times New Roman" panose="02020603050405020304" pitchFamily="18" charset="0"/>
-            </a:endParaRPr>
-          </a:p>
-        </p:txBody>
-      </p:sp>
-      <p:sp>
-        <p:nvSpPr>
-          <p:cNvPr id="63" name="箭號: 向右 62">
-            <a:extLst>
-              <a:ext uri="{FF2B5EF4-FFF2-40B4-BE49-F238E27FC236}">
-                <a16:creationId xmlns:a16="http://schemas.microsoft.com/office/drawing/2014/main" id="{E48E23E6-D215-4CB7-988C-C3B424908BAE}"/>
-              </a:ext>
-            </a:extLst>
-          </p:cNvPr>
-          <p:cNvSpPr/>
-          <p:nvPr/>
-        </p:nvSpPr>
-        <p:spPr>
-          <a:xfrm>
-            <a:off x="13146669" y="1717331"/>
-            <a:ext cx="247230" cy="312535"/>
-          </a:xfrm>
-          <a:prstGeom prst="rightArrow">
-            <a:avLst/>
-          </a:prstGeom>
-        </p:spPr>
-        <p:style>
-          <a:lnRef idx="2">
-            <a:schemeClr val="accent1">
-              <a:shade val="50000"/>
-            </a:schemeClr>
-          </a:lnRef>
-          <a:fillRef idx="1">
-            <a:schemeClr val="accent1"/>
-          </a:fillRef>
-          <a:effectRef idx="0">
-            <a:schemeClr val="accent1"/>
-          </a:effectRef>
-          <a:fontRef idx="minor">
-            <a:schemeClr val="lt1"/>
-          </a:fontRef>
-        </p:style>
-        <p:txBody>
-          <a:bodyPr rtlCol="0" anchor="ctr"/>
-          <a:lstStyle/>
-          <a:p>
-            <a:pPr algn="ctr"/>
-            <a:endParaRPr lang="zh-TW" altLang="en-US"/>
-          </a:p>
-        </p:txBody>
-      </p:sp>
-      <p:cxnSp>
-        <p:nvCxnSpPr>
-          <p:cNvPr id="64" name="直線接點 63">
-            <a:extLst>
-              <a:ext uri="{FF2B5EF4-FFF2-40B4-BE49-F238E27FC236}">
-                <a16:creationId xmlns:a16="http://schemas.microsoft.com/office/drawing/2014/main" id="{1C560B4B-D4F7-4EE0-9B18-9506D2BF350E}"/>
-              </a:ext>
-            </a:extLst>
-          </p:cNvPr>
-          <p:cNvCxnSpPr>
-            <a:cxnSpLocks/>
-          </p:cNvCxnSpPr>
-          <p:nvPr/>
-        </p:nvCxnSpPr>
-        <p:spPr>
-          <a:xfrm>
-            <a:off x="13161006" y="1590265"/>
-            <a:ext cx="172795" cy="566666"/>
-          </a:xfrm>
-          <a:prstGeom prst="line">
-            <a:avLst/>
-          </a:prstGeom>
-        </p:spPr>
-        <p:style>
-          <a:lnRef idx="3">
-            <a:schemeClr val="dk1"/>
-          </a:lnRef>
-          <a:fillRef idx="0">
-            <a:schemeClr val="dk1"/>
-          </a:fillRef>
-          <a:effectRef idx="2">
-            <a:schemeClr val="dk1"/>
-          </a:effectRef>
-          <a:fontRef idx="minor">
-            <a:schemeClr val="tx1"/>
-          </a:fontRef>
-        </p:style>
-      </p:cxnSp>
-      <p:sp>
-        <p:nvSpPr>
-          <p:cNvPr id="65" name="文字方塊 64">
-            <a:extLst>
-              <a:ext uri="{FF2B5EF4-FFF2-40B4-BE49-F238E27FC236}">
-                <a16:creationId xmlns:a16="http://schemas.microsoft.com/office/drawing/2014/main" id="{4EE49654-8F5E-4B80-B5F1-F492DD9E8C4B}"/>
-              </a:ext>
-            </a:extLst>
-          </p:cNvPr>
-          <p:cNvSpPr txBox="1"/>
-          <p:nvPr/>
-        </p:nvSpPr>
-        <p:spPr>
-          <a:xfrm>
-            <a:off x="12993212" y="2105292"/>
-            <a:ext cx="533400" cy="276999"/>
-          </a:xfrm>
-          <a:prstGeom prst="rect">
-            <a:avLst/>
-          </a:prstGeom>
-          <a:noFill/>
-        </p:spPr>
-        <p:txBody>
-          <a:bodyPr wrap="square" rtlCol="0">
-            <a:spAutoFit/>
-          </a:bodyPr>
-          <a:lstStyle/>
-          <a:p>
-            <a:r>
-              <a:rPr lang="en-US" altLang="zh-TW" sz="1200" dirty="0">
-                <a:latin typeface="Times New Roman" panose="02020603050405020304" pitchFamily="18" charset="0"/>
-                <a:cs typeface="Times New Roman" panose="02020603050405020304" pitchFamily="18" charset="0"/>
-              </a:rPr>
-              <a:t>10x5</a:t>
-            </a:r>
-            <a:endParaRPr lang="zh-TW" altLang="en-US" sz="1200" dirty="0">
-              <a:latin typeface="Times New Roman" panose="02020603050405020304" pitchFamily="18" charset="0"/>
-              <a:cs typeface="Times New Roman" panose="02020603050405020304" pitchFamily="18" charset="0"/>
-            </a:endParaRPr>
-          </a:p>
-        </p:txBody>
-      </p:sp>
       <p:grpSp>
         <p:nvGrpSpPr>
           <p:cNvPr id="67" name="群組 66">
@@ -3613,57 +3407,6 @@
       </p:grpSp>
       <p:sp>
         <p:nvSpPr>
-          <p:cNvPr id="94" name="文字方塊 93">
-            <a:extLst>
-              <a:ext uri="{FF2B5EF4-FFF2-40B4-BE49-F238E27FC236}">
-                <a16:creationId xmlns:a16="http://schemas.microsoft.com/office/drawing/2014/main" id="{A9C3B8BD-3A39-497A-96BB-95875E226229}"/>
-              </a:ext>
-            </a:extLst>
-          </p:cNvPr>
-          <p:cNvSpPr txBox="1"/>
-          <p:nvPr/>
-        </p:nvSpPr>
-        <p:spPr>
-          <a:xfrm>
-            <a:off x="12361090" y="2345781"/>
-            <a:ext cx="1165522" cy="461665"/>
-          </a:xfrm>
-          <a:prstGeom prst="rect">
-            <a:avLst/>
-          </a:prstGeom>
-          <a:noFill/>
-        </p:spPr>
-        <p:txBody>
-          <a:bodyPr wrap="square" rtlCol="0">
-            <a:spAutoFit/>
-          </a:bodyPr>
-          <a:lstStyle/>
-          <a:p>
-            <a:r>
-              <a:rPr lang="en-US" altLang="zh-TW" sz="1200" dirty="0">
-                <a:latin typeface="Times New Roman" panose="02020603050405020304" pitchFamily="18" charset="0"/>
-                <a:cs typeface="Times New Roman" panose="02020603050405020304" pitchFamily="18" charset="0"/>
-              </a:rPr>
-              <a:t>Interact</a:t>
-            </a:r>
-          </a:p>
-          <a:p>
-            <a:r>
-              <a:rPr lang="en-US" altLang="zh-TW" sz="1200" dirty="0" err="1">
-                <a:latin typeface="Times New Roman" panose="02020603050405020304" pitchFamily="18" charset="0"/>
-                <a:cs typeface="Times New Roman" panose="02020603050405020304" pitchFamily="18" charset="0"/>
-              </a:rPr>
-              <a:t>matrix_vec_wr</a:t>
-            </a:r>
-            <a:endParaRPr lang="zh-TW" altLang="en-US" sz="1200" dirty="0">
-              <a:latin typeface="Times New Roman" panose="02020603050405020304" pitchFamily="18" charset="0"/>
-              <a:cs typeface="Times New Roman" panose="02020603050405020304" pitchFamily="18" charset="0"/>
-            </a:endParaRPr>
-          </a:p>
-        </p:txBody>
-      </p:sp>
-      <p:sp>
-        <p:nvSpPr>
           <p:cNvPr id="115" name="文字方塊 114">
             <a:extLst>
               <a:ext uri="{FF2B5EF4-FFF2-40B4-BE49-F238E27FC236}">
@@ -3755,90 +3498,6 @@
           </a:fontRef>
         </p:style>
       </p:cxnSp>
-      <p:sp>
-        <p:nvSpPr>
-          <p:cNvPr id="43" name="箭號: 向右 42">
-            <a:extLst>
-              <a:ext uri="{FF2B5EF4-FFF2-40B4-BE49-F238E27FC236}">
-                <a16:creationId xmlns:a16="http://schemas.microsoft.com/office/drawing/2014/main" id="{CDD279CF-44F2-4239-BEE9-8F465213C4BE}"/>
-              </a:ext>
-            </a:extLst>
-          </p:cNvPr>
-          <p:cNvSpPr/>
-          <p:nvPr/>
-        </p:nvSpPr>
-        <p:spPr>
-          <a:xfrm>
-            <a:off x="12885548" y="1695930"/>
-            <a:ext cx="265736" cy="312535"/>
-          </a:xfrm>
-          <a:prstGeom prst="rightArrow">
-            <a:avLst/>
-          </a:prstGeom>
-        </p:spPr>
-        <p:style>
-          <a:lnRef idx="2">
-            <a:schemeClr val="accent1">
-              <a:shade val="50000"/>
-            </a:schemeClr>
-          </a:lnRef>
-          <a:fillRef idx="1">
-            <a:schemeClr val="accent1"/>
-          </a:fillRef>
-          <a:effectRef idx="0">
-            <a:schemeClr val="accent1"/>
-          </a:effectRef>
-          <a:fontRef idx="minor">
-            <a:schemeClr val="lt1"/>
-          </a:fontRef>
-        </p:style>
-        <p:txBody>
-          <a:bodyPr rtlCol="0" anchor="ctr"/>
-          <a:lstStyle/>
-          <a:p>
-            <a:pPr algn="ctr"/>
-            <a:endParaRPr lang="zh-TW" altLang="en-US"/>
-          </a:p>
-        </p:txBody>
-      </p:sp>
-      <p:cxnSp>
-        <p:nvCxnSpPr>
-          <p:cNvPr id="61" name="直線接點 60">
-            <a:extLst>
-              <a:ext uri="{FF2B5EF4-FFF2-40B4-BE49-F238E27FC236}">
-                <a16:creationId xmlns:a16="http://schemas.microsoft.com/office/drawing/2014/main" id="{B0ED813E-48CA-458A-9965-F5F64A6EFD63}"/>
-              </a:ext>
-            </a:extLst>
-          </p:cNvPr>
-          <p:cNvCxnSpPr>
-            <a:cxnSpLocks/>
-          </p:cNvCxnSpPr>
-          <p:nvPr/>
-        </p:nvCxnSpPr>
-        <p:spPr>
-          <a:xfrm>
-            <a:off x="12918467" y="1591657"/>
-            <a:ext cx="172795" cy="566666"/>
-          </a:xfrm>
-          <a:prstGeom prst="line">
-            <a:avLst/>
-          </a:prstGeom>
-        </p:spPr>
-        <p:style>
-          <a:lnRef idx="3">
-            <a:schemeClr val="dk1"/>
-          </a:lnRef>
-          <a:fillRef idx="0">
-            <a:schemeClr val="dk1"/>
-          </a:fillRef>
-          <a:effectRef idx="2">
-            <a:schemeClr val="dk1"/>
-          </a:effectRef>
-          <a:fontRef idx="minor">
-            <a:schemeClr val="tx1"/>
-          </a:fontRef>
-        </p:style>
-      </p:cxnSp>
       <p:grpSp>
         <p:nvGrpSpPr>
           <p:cNvPr id="208" name="群組 207">
@@ -3854,7 +3513,7 @@
         <p:grpSpPr>
           <a:xfrm>
             <a:off x="8806274" y="635825"/>
-            <a:ext cx="498051" cy="6200774"/>
+            <a:ext cx="398825" cy="6200774"/>
             <a:chOff x="2383389" y="3557589"/>
             <a:chExt cx="258674" cy="443047"/>
           </a:xfrm>
@@ -4221,10 +3880,10 @@
         </p:nvGrpSpPr>
         <p:grpSpPr>
           <a:xfrm>
-            <a:off x="2507989" y="2324379"/>
-            <a:ext cx="2669100" cy="2221727"/>
-            <a:chOff x="2017380" y="789218"/>
-            <a:chExt cx="2669100" cy="2489940"/>
+            <a:off x="2602453" y="2324379"/>
+            <a:ext cx="2574636" cy="2221727"/>
+            <a:chOff x="2111844" y="789218"/>
+            <a:chExt cx="2574636" cy="2489940"/>
           </a:xfrm>
         </p:grpSpPr>
         <p:grpSp>
@@ -4464,8 +4123,8 @@
           </p:nvSpPr>
           <p:spPr>
             <a:xfrm>
-              <a:off x="2017380" y="1043488"/>
-              <a:ext cx="1380190" cy="276999"/>
+              <a:off x="2111844" y="934339"/>
+              <a:ext cx="1248210" cy="310439"/>
             </a:xfrm>
             <a:prstGeom prst="rect">
               <a:avLst/>
@@ -4696,10 +4355,10 @@
         </p:nvGrpSpPr>
         <p:grpSpPr>
           <a:xfrm>
-            <a:off x="2514480" y="4693728"/>
-            <a:ext cx="3229303" cy="2181817"/>
-            <a:chOff x="2021754" y="4649894"/>
-            <a:chExt cx="3229303" cy="2072085"/>
+            <a:off x="2566977" y="4693728"/>
+            <a:ext cx="3176806" cy="2149863"/>
+            <a:chOff x="2074251" y="4649894"/>
+            <a:chExt cx="3176806" cy="2041738"/>
           </a:xfrm>
         </p:grpSpPr>
         <p:grpSp>
@@ -4911,7 +4570,7 @@
           <p:spPr>
             <a:xfrm flipV="1">
               <a:off x="2830353" y="6206875"/>
-              <a:ext cx="0" cy="515104"/>
+              <a:ext cx="0" cy="443049"/>
             </a:xfrm>
             <a:prstGeom prst="straightConnector1">
               <a:avLst/>
@@ -4949,7 +4608,7 @@
           </p:nvSpPr>
           <p:spPr>
             <a:xfrm>
-              <a:off x="2021754" y="6347152"/>
+              <a:off x="2074251" y="6349245"/>
               <a:ext cx="860503" cy="276999"/>
             </a:xfrm>
             <a:prstGeom prst="rect">
@@ -5169,153 +4828,6 @@
       </p:grpSp>
       <p:grpSp>
         <p:nvGrpSpPr>
-          <p:cNvPr id="257" name="群組 256">
-            <a:extLst>
-              <a:ext uri="{FF2B5EF4-FFF2-40B4-BE49-F238E27FC236}">
-                <a16:creationId xmlns:a16="http://schemas.microsoft.com/office/drawing/2014/main" id="{3F31AE88-0952-41E2-A04E-1DD3B79EB0EB}"/>
-              </a:ext>
-            </a:extLst>
-          </p:cNvPr>
-          <p:cNvGrpSpPr/>
-          <p:nvPr/>
-        </p:nvGrpSpPr>
-        <p:grpSpPr>
-          <a:xfrm>
-            <a:off x="4466226" y="4372382"/>
-            <a:ext cx="719093" cy="819254"/>
-            <a:chOff x="3600931" y="1895753"/>
-            <a:chExt cx="1014668" cy="819254"/>
-          </a:xfrm>
-        </p:grpSpPr>
-        <p:sp>
-          <p:nvSpPr>
-            <p:cNvPr id="259" name="箭號: 向右 258">
-              <a:extLst>
-                <a:ext uri="{FF2B5EF4-FFF2-40B4-BE49-F238E27FC236}">
-                  <a16:creationId xmlns:a16="http://schemas.microsoft.com/office/drawing/2014/main" id="{F5C787D6-234E-4E7A-AC40-E70952B44FD8}"/>
-                </a:ext>
-              </a:extLst>
-            </p:cNvPr>
-            <p:cNvSpPr/>
-            <p:nvPr/>
-          </p:nvSpPr>
-          <p:spPr>
-            <a:xfrm>
-              <a:off x="3600931" y="2275407"/>
-              <a:ext cx="1014668" cy="312535"/>
-            </a:xfrm>
-            <a:prstGeom prst="rightArrow">
-              <a:avLst/>
-            </a:prstGeom>
-          </p:spPr>
-          <p:style>
-            <a:lnRef idx="2">
-              <a:schemeClr val="accent1">
-                <a:shade val="50000"/>
-              </a:schemeClr>
-            </a:lnRef>
-            <a:fillRef idx="1">
-              <a:schemeClr val="accent1"/>
-            </a:fillRef>
-            <a:effectRef idx="0">
-              <a:schemeClr val="accent1"/>
-            </a:effectRef>
-            <a:fontRef idx="minor">
-              <a:schemeClr val="lt1"/>
-            </a:fontRef>
-          </p:style>
-          <p:txBody>
-            <a:bodyPr rtlCol="0" anchor="ctr"/>
-            <a:lstStyle/>
-            <a:p>
-              <a:pPr algn="ctr"/>
-              <a:endParaRPr lang="zh-TW" altLang="en-US"/>
-            </a:p>
-          </p:txBody>
-        </p:sp>
-        <p:cxnSp>
-          <p:nvCxnSpPr>
-            <p:cNvPr id="260" name="直線接點 259">
-              <a:extLst>
-                <a:ext uri="{FF2B5EF4-FFF2-40B4-BE49-F238E27FC236}">
-                  <a16:creationId xmlns:a16="http://schemas.microsoft.com/office/drawing/2014/main" id="{A5BA2D34-443C-4732-BD27-54CD213ED6F8}"/>
-                </a:ext>
-              </a:extLst>
-            </p:cNvPr>
-            <p:cNvCxnSpPr>
-              <a:cxnSpLocks/>
-            </p:cNvCxnSpPr>
-            <p:nvPr/>
-          </p:nvCxnSpPr>
-          <p:spPr>
-            <a:xfrm>
-              <a:off x="3793042" y="2200487"/>
-              <a:ext cx="446831" cy="514520"/>
-            </a:xfrm>
-            <a:prstGeom prst="line">
-              <a:avLst/>
-            </a:prstGeom>
-          </p:spPr>
-          <p:style>
-            <a:lnRef idx="3">
-              <a:schemeClr val="dk1"/>
-            </a:lnRef>
-            <a:fillRef idx="0">
-              <a:schemeClr val="dk1"/>
-            </a:fillRef>
-            <a:effectRef idx="2">
-              <a:schemeClr val="dk1"/>
-            </a:effectRef>
-            <a:fontRef idx="minor">
-              <a:schemeClr val="tx1"/>
-            </a:fontRef>
-          </p:style>
-        </p:cxnSp>
-        <p:sp>
-          <p:nvSpPr>
-            <p:cNvPr id="264" name="文字方塊 263">
-              <a:extLst>
-                <a:ext uri="{FF2B5EF4-FFF2-40B4-BE49-F238E27FC236}">
-                  <a16:creationId xmlns:a16="http://schemas.microsoft.com/office/drawing/2014/main" id="{BC2DFA8F-326F-4181-B448-F212F9BFEDED}"/>
-                </a:ext>
-              </a:extLst>
-            </p:cNvPr>
-            <p:cNvSpPr txBox="1"/>
-            <p:nvPr/>
-          </p:nvSpPr>
-          <p:spPr>
-            <a:xfrm>
-              <a:off x="3749241" y="1895753"/>
-              <a:ext cx="796016" cy="276999"/>
-            </a:xfrm>
-            <a:prstGeom prst="rect">
-              <a:avLst/>
-            </a:prstGeom>
-            <a:noFill/>
-          </p:spPr>
-          <p:txBody>
-            <a:bodyPr wrap="square" rtlCol="0">
-              <a:spAutoFit/>
-            </a:bodyPr>
-            <a:lstStyle/>
-            <a:p>
-              <a:r>
-                <a:rPr lang="en-US" altLang="zh-TW" sz="1200" dirty="0">
-                  <a:latin typeface="Times New Roman" panose="02020603050405020304" pitchFamily="18" charset="0"/>
-                  <a:cs typeface="Times New Roman" panose="02020603050405020304" pitchFamily="18" charset="0"/>
-                </a:rPr>
-                <a:t>11*2</a:t>
-              </a:r>
-              <a:endParaRPr lang="zh-TW" altLang="en-US" sz="1200" dirty="0">
-                <a:latin typeface="Times New Roman" panose="02020603050405020304" pitchFamily="18" charset="0"/>
-                <a:cs typeface="Times New Roman" panose="02020603050405020304" pitchFamily="18" charset="0"/>
-              </a:endParaRPr>
-            </a:p>
-          </p:txBody>
-        </p:sp>
-      </p:grpSp>
-      <p:grpSp>
-        <p:nvGrpSpPr>
           <p:cNvPr id="266" name="群組 265">
             <a:extLst>
               <a:ext uri="{FF2B5EF4-FFF2-40B4-BE49-F238E27FC236}">
@@ -5328,10 +4840,10 @@
         </p:nvGrpSpPr>
         <p:grpSpPr>
           <a:xfrm>
-            <a:off x="4470425" y="5205662"/>
-            <a:ext cx="719093" cy="725228"/>
-            <a:chOff x="3600931" y="1989779"/>
-            <a:chExt cx="1014668" cy="725228"/>
+            <a:off x="4334531" y="5205662"/>
+            <a:ext cx="952609" cy="725228"/>
+            <a:chOff x="3409179" y="1989779"/>
+            <a:chExt cx="1344168" cy="725228"/>
           </a:xfrm>
         </p:grpSpPr>
         <p:sp>
@@ -5432,8 +4944,8 @@
           </p:nvSpPr>
           <p:spPr>
             <a:xfrm>
-              <a:off x="3677756" y="1989779"/>
-              <a:ext cx="796016" cy="276999"/>
+              <a:off x="3409179" y="1989779"/>
+              <a:ext cx="1344168" cy="276999"/>
             </a:xfrm>
             <a:prstGeom prst="rect">
               <a:avLst/>
@@ -5451,7 +4963,7 @@
                   <a:latin typeface="Times New Roman" panose="02020603050405020304" pitchFamily="18" charset="0"/>
                   <a:cs typeface="Times New Roman" panose="02020603050405020304" pitchFamily="18" charset="0"/>
                 </a:rPr>
-                <a:t>11*2</a:t>
+                <a:t>11*2+8+10</a:t>
               </a:r>
               <a:endParaRPr lang="zh-TW" altLang="en-US" sz="1200" dirty="0">
                 <a:latin typeface="Times New Roman" panose="02020603050405020304" pitchFamily="18" charset="0"/>
@@ -5475,7 +4987,7 @@
         </p:nvSpPr>
         <p:spPr>
           <a:xfrm>
-            <a:off x="4225684" y="5865312"/>
+            <a:off x="4326476" y="5887526"/>
             <a:ext cx="1162511" cy="215444"/>
           </a:xfrm>
           <a:prstGeom prst="rect">
@@ -5494,7 +5006,7 @@
                 <a:latin typeface="Times New Roman" panose="02020603050405020304" pitchFamily="18" charset="0"/>
                 <a:cs typeface="Times New Roman" panose="02020603050405020304" pitchFamily="18" charset="0"/>
               </a:rPr>
-              <a:t>Offspring_ind1_DF</a:t>
+              <a:t>OffspringInd1_DF</a:t>
             </a:r>
             <a:endParaRPr lang="zh-TW" altLang="en-US" sz="800" dirty="0">
               <a:latin typeface="Times New Roman" panose="02020603050405020304" pitchFamily="18" charset="0"/>
@@ -5503,48 +5015,217 @@
           </a:p>
         </p:txBody>
       </p:sp>
-      <p:sp>
-        <p:nvSpPr>
-          <p:cNvPr id="277" name="文字方塊 276">
+      <p:grpSp>
+        <p:nvGrpSpPr>
+          <p:cNvPr id="21" name="群組 20">
             <a:extLst>
               <a:ext uri="{FF2B5EF4-FFF2-40B4-BE49-F238E27FC236}">
-                <a16:creationId xmlns:a16="http://schemas.microsoft.com/office/drawing/2014/main" id="{A9AC6EA7-8410-48A1-960A-42EC1BA5F6D2}"/>
+                <a16:creationId xmlns:a16="http://schemas.microsoft.com/office/drawing/2014/main" id="{903C1288-89FF-49F0-BD04-3E1E31BE8DC7}"/>
               </a:ext>
             </a:extLst>
           </p:cNvPr>
-          <p:cNvSpPr txBox="1"/>
+          <p:cNvGrpSpPr/>
           <p:nvPr/>
-        </p:nvSpPr>
-        <p:spPr>
+        </p:nvGrpSpPr>
+        <p:grpSpPr>
           <a:xfrm>
-            <a:off x="4254872" y="5105316"/>
-            <a:ext cx="1162511" cy="215444"/>
+            <a:off x="4318937" y="4466142"/>
+            <a:ext cx="1162511" cy="843615"/>
+            <a:chOff x="4318937" y="4466142"/>
+            <a:chExt cx="1162511" cy="843615"/>
           </a:xfrm>
-          <a:prstGeom prst="rect">
-            <a:avLst/>
-          </a:prstGeom>
-          <a:noFill/>
-        </p:spPr>
-        <p:txBody>
-          <a:bodyPr wrap="square" rtlCol="0">
-            <a:spAutoFit/>
-          </a:bodyPr>
-          <a:lstStyle/>
-          <a:p>
-            <a:r>
-              <a:rPr lang="en-US" altLang="zh-TW" sz="800" dirty="0">
+        </p:grpSpPr>
+        <p:grpSp>
+          <p:nvGrpSpPr>
+            <p:cNvPr id="257" name="群組 256">
+              <a:extLst>
+                <a:ext uri="{FF2B5EF4-FFF2-40B4-BE49-F238E27FC236}">
+                  <a16:creationId xmlns:a16="http://schemas.microsoft.com/office/drawing/2014/main" id="{3F31AE88-0952-41E2-A04E-1DD3B79EB0EB}"/>
+                </a:ext>
+              </a:extLst>
+            </p:cNvPr>
+            <p:cNvGrpSpPr/>
+            <p:nvPr/>
+          </p:nvGrpSpPr>
+          <p:grpSpPr>
+            <a:xfrm>
+              <a:off x="4375606" y="4466142"/>
+              <a:ext cx="931208" cy="628171"/>
+              <a:chOff x="3473064" y="1989513"/>
+              <a:chExt cx="1313971" cy="628171"/>
+            </a:xfrm>
+          </p:grpSpPr>
+          <p:sp>
+            <p:nvSpPr>
+              <p:cNvPr id="259" name="箭號: 向右 258">
+                <a:extLst>
+                  <a:ext uri="{FF2B5EF4-FFF2-40B4-BE49-F238E27FC236}">
+                    <a16:creationId xmlns:a16="http://schemas.microsoft.com/office/drawing/2014/main" id="{F5C787D6-234E-4E7A-AC40-E70952B44FD8}"/>
+                  </a:ext>
+                </a:extLst>
+              </p:cNvPr>
+              <p:cNvSpPr/>
+              <p:nvPr/>
+            </p:nvSpPr>
+            <p:spPr>
+              <a:xfrm>
+                <a:off x="3600931" y="2275407"/>
+                <a:ext cx="1014668" cy="312535"/>
+              </a:xfrm>
+              <a:prstGeom prst="rightArrow">
+                <a:avLst/>
+              </a:prstGeom>
+            </p:spPr>
+            <p:style>
+              <a:lnRef idx="2">
+                <a:schemeClr val="accent1">
+                  <a:shade val="50000"/>
+                </a:schemeClr>
+              </a:lnRef>
+              <a:fillRef idx="1">
+                <a:schemeClr val="accent1"/>
+              </a:fillRef>
+              <a:effectRef idx="0">
+                <a:schemeClr val="accent1"/>
+              </a:effectRef>
+              <a:fontRef idx="minor">
+                <a:schemeClr val="lt1"/>
+              </a:fontRef>
+            </p:style>
+            <p:txBody>
+              <a:bodyPr rtlCol="0" anchor="ctr"/>
+              <a:lstStyle/>
+              <a:p>
+                <a:pPr algn="ctr"/>
+                <a:endParaRPr lang="zh-TW" altLang="en-US"/>
+              </a:p>
+            </p:txBody>
+          </p:sp>
+          <p:cxnSp>
+            <p:nvCxnSpPr>
+              <p:cNvPr id="260" name="直線接點 259">
+                <a:extLst>
+                  <a:ext uri="{FF2B5EF4-FFF2-40B4-BE49-F238E27FC236}">
+                    <a16:creationId xmlns:a16="http://schemas.microsoft.com/office/drawing/2014/main" id="{A5BA2D34-443C-4732-BD27-54CD213ED6F8}"/>
+                  </a:ext>
+                </a:extLst>
+              </p:cNvPr>
+              <p:cNvCxnSpPr>
+                <a:cxnSpLocks/>
+                <a:endCxn id="277" idx="0"/>
+              </p:cNvCxnSpPr>
+              <p:nvPr/>
+            </p:nvCxnSpPr>
+            <p:spPr>
+              <a:xfrm>
+                <a:off x="3793041" y="2200487"/>
+                <a:ext cx="420236" cy="417197"/>
+              </a:xfrm>
+              <a:prstGeom prst="line">
+                <a:avLst/>
+              </a:prstGeom>
+            </p:spPr>
+            <p:style>
+              <a:lnRef idx="3">
+                <a:schemeClr val="dk1"/>
+              </a:lnRef>
+              <a:fillRef idx="0">
+                <a:schemeClr val="dk1"/>
+              </a:fillRef>
+              <a:effectRef idx="2">
+                <a:schemeClr val="dk1"/>
+              </a:effectRef>
+              <a:fontRef idx="minor">
+                <a:schemeClr val="tx1"/>
+              </a:fontRef>
+            </p:style>
+          </p:cxnSp>
+          <p:sp>
+            <p:nvSpPr>
+              <p:cNvPr id="264" name="文字方塊 263">
+                <a:extLst>
+                  <a:ext uri="{FF2B5EF4-FFF2-40B4-BE49-F238E27FC236}">
+                    <a16:creationId xmlns:a16="http://schemas.microsoft.com/office/drawing/2014/main" id="{BC2DFA8F-326F-4181-B448-F212F9BFEDED}"/>
+                  </a:ext>
+                </a:extLst>
+              </p:cNvPr>
+              <p:cNvSpPr txBox="1"/>
+              <p:nvPr/>
+            </p:nvSpPr>
+            <p:spPr>
+              <a:xfrm>
+                <a:off x="3473064" y="1989513"/>
+                <a:ext cx="1313971" cy="276999"/>
+              </a:xfrm>
+              <a:prstGeom prst="rect">
+                <a:avLst/>
+              </a:prstGeom>
+              <a:noFill/>
+            </p:spPr>
+            <p:txBody>
+              <a:bodyPr wrap="square" rtlCol="0">
+                <a:spAutoFit/>
+              </a:bodyPr>
+              <a:lstStyle/>
+              <a:p>
+                <a:r>
+                  <a:rPr lang="en-US" altLang="zh-TW" sz="1200" dirty="0">
+                    <a:latin typeface="Times New Roman" panose="02020603050405020304" pitchFamily="18" charset="0"/>
+                    <a:cs typeface="Times New Roman" panose="02020603050405020304" pitchFamily="18" charset="0"/>
+                  </a:rPr>
+                  <a:t>11*2+8+10</a:t>
+                </a:r>
+                <a:endParaRPr lang="zh-TW" altLang="en-US" sz="1200" dirty="0">
+                  <a:latin typeface="Times New Roman" panose="02020603050405020304" pitchFamily="18" charset="0"/>
+                  <a:cs typeface="Times New Roman" panose="02020603050405020304" pitchFamily="18" charset="0"/>
+                </a:endParaRPr>
+              </a:p>
+            </p:txBody>
+          </p:sp>
+        </p:grpSp>
+        <p:sp>
+          <p:nvSpPr>
+            <p:cNvPr id="277" name="文字方塊 276">
+              <a:extLst>
+                <a:ext uri="{FF2B5EF4-FFF2-40B4-BE49-F238E27FC236}">
+                  <a16:creationId xmlns:a16="http://schemas.microsoft.com/office/drawing/2014/main" id="{A9AC6EA7-8410-48A1-960A-42EC1BA5F6D2}"/>
+                </a:ext>
+              </a:extLst>
+            </p:cNvPr>
+            <p:cNvSpPr txBox="1"/>
+            <p:nvPr/>
+          </p:nvSpPr>
+          <p:spPr>
+            <a:xfrm>
+              <a:off x="4318937" y="5094313"/>
+              <a:ext cx="1162511" cy="215444"/>
+            </a:xfrm>
+            <a:prstGeom prst="rect">
+              <a:avLst/>
+            </a:prstGeom>
+            <a:noFill/>
+          </p:spPr>
+          <p:txBody>
+            <a:bodyPr wrap="square" rtlCol="0">
+              <a:spAutoFit/>
+            </a:bodyPr>
+            <a:lstStyle/>
+            <a:p>
+              <a:r>
+                <a:rPr lang="en-US" altLang="zh-TW" sz="800" dirty="0">
+                  <a:latin typeface="Times New Roman" panose="02020603050405020304" pitchFamily="18" charset="0"/>
+                  <a:cs typeface="Times New Roman" panose="02020603050405020304" pitchFamily="18" charset="0"/>
+                </a:rPr>
+                <a:t>OffspringInd2_DF</a:t>
+              </a:r>
+              <a:endParaRPr lang="zh-TW" altLang="en-US" sz="800" dirty="0">
                 <a:latin typeface="Times New Roman" panose="02020603050405020304" pitchFamily="18" charset="0"/>
                 <a:cs typeface="Times New Roman" panose="02020603050405020304" pitchFamily="18" charset="0"/>
-              </a:rPr>
-              <a:t>Offspring_ind2_DF</a:t>
-            </a:r>
-            <a:endParaRPr lang="zh-TW" altLang="en-US" sz="800" dirty="0">
-              <a:latin typeface="Times New Roman" panose="02020603050405020304" pitchFamily="18" charset="0"/>
-              <a:cs typeface="Times New Roman" panose="02020603050405020304" pitchFamily="18" charset="0"/>
-            </a:endParaRPr>
-          </a:p>
-        </p:txBody>
-      </p:sp>
+              </a:endParaRPr>
+            </a:p>
+          </p:txBody>
+        </p:sp>
+      </p:grpSp>
       <p:grpSp>
         <p:nvGrpSpPr>
           <p:cNvPr id="30" name="群組 29">
@@ -5559,10 +5240,10 @@
         </p:nvGrpSpPr>
         <p:grpSpPr>
           <a:xfrm>
-            <a:off x="4466306" y="3594147"/>
-            <a:ext cx="1162511" cy="646863"/>
-            <a:chOff x="3969206" y="3615548"/>
-            <a:chExt cx="1162511" cy="646863"/>
+            <a:off x="4385901" y="3594147"/>
+            <a:ext cx="1242916" cy="646863"/>
+            <a:chOff x="3888801" y="3615548"/>
+            <a:chExt cx="1242916" cy="646863"/>
           </a:xfrm>
         </p:grpSpPr>
         <p:grpSp>
@@ -5579,10 +5260,10 @@
           </p:nvGrpSpPr>
           <p:grpSpPr>
             <a:xfrm>
-              <a:off x="3979482" y="3615548"/>
-              <a:ext cx="719093" cy="505278"/>
-              <a:chOff x="3600931" y="1895753"/>
-              <a:chExt cx="1014668" cy="819254"/>
+              <a:off x="3888801" y="3615548"/>
+              <a:ext cx="935172" cy="505278"/>
+              <a:chOff x="3472977" y="1895753"/>
+              <a:chExt cx="1319564" cy="819254"/>
             </a:xfrm>
           </p:grpSpPr>
           <p:sp>
@@ -5683,8 +5364,8 @@
             </p:nvSpPr>
             <p:spPr>
               <a:xfrm>
-                <a:off x="3749241" y="1895753"/>
-                <a:ext cx="796016" cy="276999"/>
+                <a:off x="3472977" y="1895753"/>
+                <a:ext cx="1319564" cy="449124"/>
               </a:xfrm>
               <a:prstGeom prst="rect">
                 <a:avLst/>
@@ -5702,7 +5383,7 @@
                     <a:latin typeface="Times New Roman" panose="02020603050405020304" pitchFamily="18" charset="0"/>
                     <a:cs typeface="Times New Roman" panose="02020603050405020304" pitchFamily="18" charset="0"/>
                   </a:rPr>
-                  <a:t>11*2</a:t>
+                  <a:t>11*2+8+10</a:t>
                 </a:r>
                 <a:endParaRPr lang="zh-TW" altLang="en-US" sz="1200" dirty="0">
                   <a:latin typeface="Times New Roman" panose="02020603050405020304" pitchFamily="18" charset="0"/>
@@ -5745,7 +5426,7 @@
                   <a:latin typeface="Times New Roman" panose="02020603050405020304" pitchFamily="18" charset="0"/>
                   <a:cs typeface="Times New Roman" panose="02020603050405020304" pitchFamily="18" charset="0"/>
                 </a:rPr>
-                <a:t>Pop_ind_DF</a:t>
+                <a:t>PopInd_DF</a:t>
               </a:r>
               <a:endParaRPr lang="zh-TW" altLang="en-US" sz="800" dirty="0">
                 <a:latin typeface="Times New Roman" panose="02020603050405020304" pitchFamily="18" charset="0"/>
@@ -7919,10 +7600,10 @@
         </p:nvGrpSpPr>
         <p:grpSpPr>
           <a:xfrm>
-            <a:off x="2542450" y="3315056"/>
-            <a:ext cx="686677" cy="351512"/>
-            <a:chOff x="4626544" y="406290"/>
-            <a:chExt cx="576698" cy="351512"/>
+            <a:off x="2542450" y="3305144"/>
+            <a:ext cx="861819" cy="344380"/>
+            <a:chOff x="4626544" y="396378"/>
+            <a:chExt cx="723789" cy="344380"/>
           </a:xfrm>
         </p:grpSpPr>
         <p:cxnSp>
@@ -7982,8 +7663,8 @@
           </p:nvCxnSpPr>
           <p:spPr>
             <a:xfrm>
-              <a:off x="4750671" y="613267"/>
-              <a:ext cx="97186" cy="144535"/>
+              <a:off x="4889529" y="614505"/>
+              <a:ext cx="74867" cy="126253"/>
             </a:xfrm>
             <a:prstGeom prst="line">
               <a:avLst/>
@@ -8018,149 +7699,7 @@
           </p:nvSpPr>
           <p:spPr>
             <a:xfrm>
-              <a:off x="4669842" y="406290"/>
-              <a:ext cx="533400" cy="276999"/>
-            </a:xfrm>
-            <a:prstGeom prst="rect">
-              <a:avLst/>
-            </a:prstGeom>
-            <a:noFill/>
-          </p:spPr>
-          <p:txBody>
-            <a:bodyPr wrap="square" rtlCol="0">
-              <a:spAutoFit/>
-            </a:bodyPr>
-            <a:lstStyle/>
-            <a:p>
-              <a:r>
-                <a:rPr lang="en-US" altLang="zh-TW" sz="1200" dirty="0">
-                  <a:latin typeface="Times New Roman" panose="02020603050405020304" pitchFamily="18" charset="0"/>
-                  <a:cs typeface="Times New Roman" panose="02020603050405020304" pitchFamily="18" charset="0"/>
-                </a:rPr>
-                <a:t>8</a:t>
-              </a:r>
-              <a:endParaRPr lang="zh-TW" altLang="en-US" sz="1200" dirty="0">
-                <a:latin typeface="Times New Roman" panose="02020603050405020304" pitchFamily="18" charset="0"/>
-                <a:cs typeface="Times New Roman" panose="02020603050405020304" pitchFamily="18" charset="0"/>
-              </a:endParaRPr>
-            </a:p>
-          </p:txBody>
-        </p:sp>
-      </p:grpSp>
-      <p:grpSp>
-        <p:nvGrpSpPr>
-          <p:cNvPr id="410" name="群組 409">
-            <a:extLst>
-              <a:ext uri="{FF2B5EF4-FFF2-40B4-BE49-F238E27FC236}">
-                <a16:creationId xmlns:a16="http://schemas.microsoft.com/office/drawing/2014/main" id="{1E89B047-CC75-4E35-A1DB-DA1238908E92}"/>
-              </a:ext>
-            </a:extLst>
-          </p:cNvPr>
-          <p:cNvGrpSpPr/>
-          <p:nvPr/>
-        </p:nvGrpSpPr>
-        <p:grpSpPr>
-          <a:xfrm>
-            <a:off x="2538336" y="4909767"/>
-            <a:ext cx="733460" cy="351512"/>
-            <a:chOff x="4626544" y="406290"/>
-            <a:chExt cx="576698" cy="351512"/>
-          </a:xfrm>
-        </p:grpSpPr>
-        <p:cxnSp>
-          <p:nvCxnSpPr>
-            <p:cNvPr id="411" name="直線單箭頭接點 410">
-              <a:extLst>
-                <a:ext uri="{FF2B5EF4-FFF2-40B4-BE49-F238E27FC236}">
-                  <a16:creationId xmlns:a16="http://schemas.microsoft.com/office/drawing/2014/main" id="{0DBE213B-2582-4C8F-BBCD-2F274837163D}"/>
-                </a:ext>
-              </a:extLst>
-            </p:cNvPr>
-            <p:cNvCxnSpPr>
-              <a:cxnSpLocks/>
-            </p:cNvCxnSpPr>
-            <p:nvPr/>
-          </p:nvCxnSpPr>
-          <p:spPr>
-            <a:xfrm>
-              <a:off x="4626544" y="675073"/>
-              <a:ext cx="478006" cy="0"/>
-            </a:xfrm>
-            <a:prstGeom prst="straightConnector1">
-              <a:avLst/>
-            </a:prstGeom>
-            <a:ln>
-              <a:tailEnd type="triangle"/>
-            </a:ln>
-          </p:spPr>
-          <p:style>
-            <a:lnRef idx="3">
-              <a:schemeClr val="accent1"/>
-            </a:lnRef>
-            <a:fillRef idx="0">
-              <a:schemeClr val="accent1"/>
-            </a:fillRef>
-            <a:effectRef idx="2">
-              <a:schemeClr val="accent1"/>
-            </a:effectRef>
-            <a:fontRef idx="minor">
-              <a:schemeClr val="tx1"/>
-            </a:fontRef>
-          </p:style>
-        </p:cxnSp>
-        <p:cxnSp>
-          <p:nvCxnSpPr>
-            <p:cNvPr id="412" name="直線接點 411">
-              <a:extLst>
-                <a:ext uri="{FF2B5EF4-FFF2-40B4-BE49-F238E27FC236}">
-                  <a16:creationId xmlns:a16="http://schemas.microsoft.com/office/drawing/2014/main" id="{07C9B0EB-A486-4BF1-A27E-2BA10219DD67}"/>
-                </a:ext>
-              </a:extLst>
-            </p:cNvPr>
-            <p:cNvCxnSpPr>
-              <a:cxnSpLocks/>
-            </p:cNvCxnSpPr>
-            <p:nvPr/>
-          </p:nvCxnSpPr>
-          <p:spPr>
-            <a:xfrm>
-              <a:off x="4750671" y="613267"/>
-              <a:ext cx="97186" cy="144535"/>
-            </a:xfrm>
-            <a:prstGeom prst="line">
-              <a:avLst/>
-            </a:prstGeom>
-          </p:spPr>
-          <p:style>
-            <a:lnRef idx="3">
-              <a:schemeClr val="dk1"/>
-            </a:lnRef>
-            <a:fillRef idx="0">
-              <a:schemeClr val="dk1"/>
-            </a:fillRef>
-            <a:effectRef idx="2">
-              <a:schemeClr val="dk1"/>
-            </a:effectRef>
-            <a:fontRef idx="minor">
-              <a:schemeClr val="tx1"/>
-            </a:fontRef>
-          </p:style>
-        </p:cxnSp>
-        <p:sp>
-          <p:nvSpPr>
-            <p:cNvPr id="413" name="文字方塊 412">
-              <a:extLst>
-                <a:ext uri="{FF2B5EF4-FFF2-40B4-BE49-F238E27FC236}">
-                  <a16:creationId xmlns:a16="http://schemas.microsoft.com/office/drawing/2014/main" id="{EC3E820B-7E3F-40A8-B16C-1E0291293B28}"/>
-                </a:ext>
-              </a:extLst>
-            </p:cNvPr>
-            <p:cNvSpPr txBox="1"/>
-            <p:nvPr/>
-          </p:nvSpPr>
-          <p:spPr>
-            <a:xfrm>
-              <a:off x="4669842" y="406290"/>
+              <a:off x="4816933" y="396378"/>
               <a:ext cx="533400" cy="276999"/>
             </a:xfrm>
             <a:prstGeom prst="rect">
@@ -8205,8 +7744,8 @@
         </p:nvCxnSpPr>
         <p:spPr>
           <a:xfrm>
-            <a:off x="2675748" y="3592055"/>
-            <a:ext cx="0" cy="1232884"/>
+            <a:off x="2666225" y="1717331"/>
+            <a:ext cx="9523" cy="3107608"/>
           </a:xfrm>
           <a:prstGeom prst="line">
             <a:avLst/>
@@ -8780,8 +8319,8 @@
         </p:nvGrpSpPr>
         <p:grpSpPr>
           <a:xfrm>
-            <a:off x="10621360" y="635825"/>
-            <a:ext cx="498051" cy="6200774"/>
+            <a:off x="10722129" y="635825"/>
+            <a:ext cx="397282" cy="6200774"/>
             <a:chOff x="2383389" y="3557589"/>
             <a:chExt cx="258674" cy="443047"/>
           </a:xfrm>
@@ -8996,8 +8535,8 @@
         </p:nvSpPr>
         <p:spPr>
           <a:xfrm>
-            <a:off x="3310910" y="6529951"/>
-            <a:ext cx="597811" cy="215444"/>
+            <a:off x="3322563" y="6540021"/>
+            <a:ext cx="597811" cy="338554"/>
           </a:xfrm>
           <a:prstGeom prst="rect">
             <a:avLst/>
@@ -9015,7 +8554,7 @@
                 <a:latin typeface="Times New Roman" panose="02020603050405020304" pitchFamily="18" charset="0"/>
                 <a:cs typeface="Times New Roman" panose="02020603050405020304" pitchFamily="18" charset="0"/>
               </a:rPr>
-              <a:t>RegWrite</a:t>
+              <a:t>OffspringWrite</a:t>
             </a:r>
             <a:endParaRPr lang="zh-TW" altLang="en-US" sz="800" dirty="0">
               <a:latin typeface="Times New Roman" panose="02020603050405020304" pitchFamily="18" charset="0"/>
@@ -9038,7 +8577,7 @@
         </p:nvSpPr>
         <p:spPr>
           <a:xfrm>
-            <a:off x="1993239" y="672333"/>
+            <a:off x="1992926" y="611015"/>
             <a:ext cx="913085" cy="944245"/>
           </a:xfrm>
           <a:prstGeom prst="ellipse">
@@ -9399,10 +8938,10 @@
         </p:nvGrpSpPr>
         <p:grpSpPr>
           <a:xfrm>
-            <a:off x="9265294" y="545333"/>
-            <a:ext cx="952977" cy="461665"/>
-            <a:chOff x="2827224" y="950358"/>
-            <a:chExt cx="2509466" cy="461665"/>
+            <a:off x="9130425" y="610815"/>
+            <a:ext cx="1251224" cy="276999"/>
+            <a:chOff x="2691697" y="1065650"/>
+            <a:chExt cx="3048387" cy="315136"/>
           </a:xfrm>
         </p:grpSpPr>
         <p:cxnSp>
@@ -9460,8 +8999,8 @@
           </p:nvSpPr>
           <p:spPr>
             <a:xfrm>
-              <a:off x="2827224" y="950358"/>
-              <a:ext cx="2509466" cy="461665"/>
+              <a:off x="2691697" y="1065650"/>
+              <a:ext cx="3048387" cy="315136"/>
             </a:xfrm>
             <a:prstGeom prst="rect">
               <a:avLst/>
@@ -9660,7 +9199,7 @@
         <p:spPr>
           <a:xfrm>
             <a:off x="10542515" y="951151"/>
-            <a:ext cx="78845" cy="0"/>
+            <a:ext cx="179614" cy="0"/>
           </a:xfrm>
           <a:prstGeom prst="straightConnector1">
             <a:avLst/>
@@ -9739,7 +9278,7 @@
         </p:nvSpPr>
         <p:spPr>
           <a:xfrm>
-            <a:off x="9285094" y="897080"/>
+            <a:off x="9260993" y="828055"/>
             <a:ext cx="952977" cy="461665"/>
           </a:xfrm>
           <a:prstGeom prst="rect">
@@ -9790,8 +9329,8 @@
         </p:nvSpPr>
         <p:spPr>
           <a:xfrm>
-            <a:off x="1512981" y="5544461"/>
-            <a:ext cx="378347" cy="1255214"/>
+            <a:off x="1503021" y="5544461"/>
+            <a:ext cx="388307" cy="1255214"/>
           </a:xfrm>
           <a:custGeom>
             <a:avLst/>
@@ -9872,13 +9411,13 @@
         </p:spPr>
         <p:style>
           <a:lnRef idx="0">
-            <a:schemeClr val="accent6"/>
+            <a:schemeClr val="accent4"/>
           </a:lnRef>
           <a:fillRef idx="3">
-            <a:schemeClr val="accent6"/>
+            <a:schemeClr val="accent4"/>
           </a:fillRef>
           <a:effectRef idx="3">
-            <a:schemeClr val="accent6"/>
+            <a:schemeClr val="accent4"/>
           </a:effectRef>
           <a:fontRef idx="minor">
             <a:schemeClr val="lt1"/>
@@ -9889,7 +9428,18 @@
           <a:lstStyle/>
           <a:p>
             <a:pPr algn="ctr"/>
-            <a:endParaRPr lang="zh-TW" altLang="en-US" dirty="0"/>
+            <a:r>
+              <a:rPr lang="en-US" altLang="zh-TW" sz="1050" dirty="0"/>
+              <a:t>WB</a:t>
+            </a:r>
+          </a:p>
+          <a:p>
+            <a:pPr algn="ctr"/>
+            <a:r>
+              <a:rPr lang="en-US" altLang="zh-TW" sz="1050" dirty="0"/>
+              <a:t>SEL</a:t>
+            </a:r>
+            <a:endParaRPr lang="zh-TW" altLang="en-US" sz="1050" dirty="0"/>
           </a:p>
         </p:txBody>
       </p:sp>
@@ -9956,47 +9506,6 @@
         <p:spPr>
           <a:xfrm>
             <a:off x="271714" y="6441157"/>
-            <a:ext cx="1226857" cy="0"/>
-          </a:xfrm>
-          <a:prstGeom prst="straightConnector1">
-            <a:avLst/>
-          </a:prstGeom>
-          <a:ln>
-            <a:tailEnd type="triangle"/>
-          </a:ln>
-        </p:spPr>
-        <p:style>
-          <a:lnRef idx="3">
-            <a:schemeClr val="accent1"/>
-          </a:lnRef>
-          <a:fillRef idx="0">
-            <a:schemeClr val="accent1"/>
-          </a:fillRef>
-          <a:effectRef idx="2">
-            <a:schemeClr val="accent1"/>
-          </a:effectRef>
-          <a:fontRef idx="minor">
-            <a:schemeClr val="tx1"/>
-          </a:fontRef>
-        </p:style>
-      </p:cxnSp>
-      <p:cxnSp>
-        <p:nvCxnSpPr>
-          <p:cNvPr id="465" name="直線單箭頭接點 464">
-            <a:extLst>
-              <a:ext uri="{FF2B5EF4-FFF2-40B4-BE49-F238E27FC236}">
-                <a16:creationId xmlns:a16="http://schemas.microsoft.com/office/drawing/2014/main" id="{AF30C126-EA61-4986-B2F5-8178EF873BF3}"/>
-              </a:ext>
-            </a:extLst>
-          </p:cNvPr>
-          <p:cNvCxnSpPr>
-            <a:cxnSpLocks/>
-          </p:cNvCxnSpPr>
-          <p:nvPr/>
-        </p:nvCxnSpPr>
-        <p:spPr>
-          <a:xfrm>
-            <a:off x="271714" y="6664305"/>
             <a:ext cx="1226857" cy="0"/>
           </a:xfrm>
           <a:prstGeom prst="straightConnector1">
@@ -10136,7 +9645,7 @@
         </p:nvSpPr>
         <p:spPr>
           <a:xfrm>
-            <a:off x="897241" y="5764798"/>
+            <a:off x="-15949" y="5591018"/>
             <a:ext cx="1162511" cy="215444"/>
           </a:xfrm>
           <a:prstGeom prst="rect">
@@ -10155,49 +9664,7 @@
                 <a:latin typeface="Times New Roman" panose="02020603050405020304" pitchFamily="18" charset="0"/>
                 <a:cs typeface="Times New Roman" panose="02020603050405020304" pitchFamily="18" charset="0"/>
               </a:rPr>
-              <a:t>new_state_MU</a:t>
-            </a:r>
-            <a:endParaRPr lang="zh-TW" altLang="en-US" sz="800" dirty="0">
-              <a:latin typeface="Times New Roman" panose="02020603050405020304" pitchFamily="18" charset="0"/>
-              <a:cs typeface="Times New Roman" panose="02020603050405020304" pitchFamily="18" charset="0"/>
-            </a:endParaRPr>
-          </a:p>
-        </p:txBody>
-      </p:sp>
-      <p:sp>
-        <p:nvSpPr>
-          <p:cNvPr id="478" name="文字方塊 477">
-            <a:extLst>
-              <a:ext uri="{FF2B5EF4-FFF2-40B4-BE49-F238E27FC236}">
-                <a16:creationId xmlns:a16="http://schemas.microsoft.com/office/drawing/2014/main" id="{7C8D23FC-F28F-4BED-A239-8A5F7FC27108}"/>
-              </a:ext>
-            </a:extLst>
-          </p:cNvPr>
-          <p:cNvSpPr txBox="1"/>
-          <p:nvPr/>
-        </p:nvSpPr>
-        <p:spPr>
-          <a:xfrm>
-            <a:off x="670714" y="6672009"/>
-            <a:ext cx="1162511" cy="215444"/>
-          </a:xfrm>
-          <a:prstGeom prst="rect">
-            <a:avLst/>
-          </a:prstGeom>
-          <a:noFill/>
-        </p:spPr>
-        <p:txBody>
-          <a:bodyPr wrap="square" rtlCol="0">
-            <a:spAutoFit/>
-          </a:bodyPr>
-          <a:lstStyle/>
-          <a:p>
-            <a:r>
-              <a:rPr lang="en-US" altLang="zh-TW" sz="800" dirty="0">
-                <a:latin typeface="Times New Roman" panose="02020603050405020304" pitchFamily="18" charset="0"/>
-                <a:cs typeface="Times New Roman" panose="02020603050405020304" pitchFamily="18" charset="0"/>
-              </a:rPr>
-              <a:t>fit</a:t>
+              <a:t>TourState_MU</a:t>
             </a:r>
             <a:endParaRPr lang="zh-TW" altLang="en-US" sz="800" dirty="0">
               <a:latin typeface="Times New Roman" panose="02020603050405020304" pitchFamily="18" charset="0"/>
@@ -10291,44 +9758,6 @@
       </p:sp>
       <p:cxnSp>
         <p:nvCxnSpPr>
-          <p:cNvPr id="483" name="直線接點 482">
-            <a:extLst>
-              <a:ext uri="{FF2B5EF4-FFF2-40B4-BE49-F238E27FC236}">
-                <a16:creationId xmlns:a16="http://schemas.microsoft.com/office/drawing/2014/main" id="{A657DB17-0BAA-43D9-A89C-AE3145AF6174}"/>
-              </a:ext>
-            </a:extLst>
-          </p:cNvPr>
-          <p:cNvCxnSpPr>
-            <a:cxnSpLocks/>
-          </p:cNvCxnSpPr>
-          <p:nvPr/>
-        </p:nvCxnSpPr>
-        <p:spPr>
-          <a:xfrm>
-            <a:off x="739660" y="6604353"/>
-            <a:ext cx="173322" cy="148216"/>
-          </a:xfrm>
-          <a:prstGeom prst="line">
-            <a:avLst/>
-          </a:prstGeom>
-        </p:spPr>
-        <p:style>
-          <a:lnRef idx="3">
-            <a:schemeClr val="dk1"/>
-          </a:lnRef>
-          <a:fillRef idx="0">
-            <a:schemeClr val="dk1"/>
-          </a:fillRef>
-          <a:effectRef idx="2">
-            <a:schemeClr val="dk1"/>
-          </a:effectRef>
-          <a:fontRef idx="minor">
-            <a:schemeClr val="tx1"/>
-          </a:fontRef>
-        </p:style>
-      </p:cxnSp>
-      <p:cxnSp>
-        <p:nvCxnSpPr>
           <p:cNvPr id="484" name="直線接點 483">
             <a:extLst>
               <a:ext uri="{FF2B5EF4-FFF2-40B4-BE49-F238E27FC236}">
@@ -10365,48 +9794,190 @@
           </a:fontRef>
         </p:style>
       </p:cxnSp>
-      <p:sp>
-        <p:nvSpPr>
-          <p:cNvPr id="486" name="文字方塊 485">
+      <p:grpSp>
+        <p:nvGrpSpPr>
+          <p:cNvPr id="31" name="群組 30">
             <a:extLst>
               <a:ext uri="{FF2B5EF4-FFF2-40B4-BE49-F238E27FC236}">
-                <a16:creationId xmlns:a16="http://schemas.microsoft.com/office/drawing/2014/main" id="{7ABFD5FF-D28C-4350-85AE-94E92FA23297}"/>
+                <a16:creationId xmlns:a16="http://schemas.microsoft.com/office/drawing/2014/main" id="{CE791F4B-CE6C-41C7-9E4E-2F84B5B0809F}"/>
               </a:ext>
             </a:extLst>
           </p:cNvPr>
-          <p:cNvSpPr txBox="1"/>
+          <p:cNvGrpSpPr/>
           <p:nvPr/>
-        </p:nvSpPr>
-        <p:spPr>
+        </p:nvGrpSpPr>
+        <p:grpSpPr>
           <a:xfrm>
-            <a:off x="681527" y="6440041"/>
-            <a:ext cx="564135" cy="276999"/>
+            <a:off x="198936" y="6440041"/>
+            <a:ext cx="1299635" cy="401056"/>
+            <a:chOff x="198936" y="6440041"/>
+            <a:chExt cx="1299635" cy="401056"/>
           </a:xfrm>
-          <a:prstGeom prst="rect">
-            <a:avLst/>
-          </a:prstGeom>
-          <a:noFill/>
-        </p:spPr>
-        <p:txBody>
-          <a:bodyPr wrap="square" rtlCol="0">
-            <a:spAutoFit/>
-          </a:bodyPr>
-          <a:lstStyle/>
-          <a:p>
-            <a:r>
-              <a:rPr lang="en-US" altLang="zh-TW" sz="1200" dirty="0">
+        </p:grpSpPr>
+        <p:cxnSp>
+          <p:nvCxnSpPr>
+            <p:cNvPr id="465" name="直線單箭頭接點 464">
+              <a:extLst>
+                <a:ext uri="{FF2B5EF4-FFF2-40B4-BE49-F238E27FC236}">
+                  <a16:creationId xmlns:a16="http://schemas.microsoft.com/office/drawing/2014/main" id="{AF30C126-EA61-4986-B2F5-8178EF873BF3}"/>
+                </a:ext>
+              </a:extLst>
+            </p:cNvPr>
+            <p:cNvCxnSpPr>
+              <a:cxnSpLocks/>
+            </p:cNvCxnSpPr>
+            <p:nvPr/>
+          </p:nvCxnSpPr>
+          <p:spPr>
+            <a:xfrm>
+              <a:off x="271714" y="6664305"/>
+              <a:ext cx="1226857" cy="0"/>
+            </a:xfrm>
+            <a:prstGeom prst="straightConnector1">
+              <a:avLst/>
+            </a:prstGeom>
+            <a:ln>
+              <a:tailEnd type="triangle"/>
+            </a:ln>
+          </p:spPr>
+          <p:style>
+            <a:lnRef idx="3">
+              <a:schemeClr val="accent1"/>
+            </a:lnRef>
+            <a:fillRef idx="0">
+              <a:schemeClr val="accent1"/>
+            </a:fillRef>
+            <a:effectRef idx="2">
+              <a:schemeClr val="accent1"/>
+            </a:effectRef>
+            <a:fontRef idx="minor">
+              <a:schemeClr val="tx1"/>
+            </a:fontRef>
+          </p:style>
+        </p:cxnSp>
+        <p:sp>
+          <p:nvSpPr>
+            <p:cNvPr id="478" name="文字方塊 477">
+              <a:extLst>
+                <a:ext uri="{FF2B5EF4-FFF2-40B4-BE49-F238E27FC236}">
+                  <a16:creationId xmlns:a16="http://schemas.microsoft.com/office/drawing/2014/main" id="{7C8D23FC-F28F-4BED-A239-8A5F7FC27108}"/>
+                </a:ext>
+              </a:extLst>
+            </p:cNvPr>
+            <p:cNvSpPr txBox="1"/>
+            <p:nvPr/>
+          </p:nvSpPr>
+          <p:spPr>
+            <a:xfrm>
+              <a:off x="198936" y="6625653"/>
+              <a:ext cx="1162511" cy="215444"/>
+            </a:xfrm>
+            <a:prstGeom prst="rect">
+              <a:avLst/>
+            </a:prstGeom>
+            <a:noFill/>
+          </p:spPr>
+          <p:txBody>
+            <a:bodyPr wrap="square" rtlCol="0">
+              <a:spAutoFit/>
+            </a:bodyPr>
+            <a:lstStyle/>
+            <a:p>
+              <a:r>
+                <a:rPr lang="en-US" altLang="zh-TW" sz="800" dirty="0" err="1">
+                  <a:latin typeface="Times New Roman" panose="02020603050405020304" pitchFamily="18" charset="0"/>
+                  <a:cs typeface="Times New Roman" panose="02020603050405020304" pitchFamily="18" charset="0"/>
+                </a:rPr>
+                <a:t>fit_FR</a:t>
+              </a:r>
+              <a:endParaRPr lang="zh-TW" altLang="en-US" sz="800" dirty="0">
                 <a:latin typeface="Times New Roman" panose="02020603050405020304" pitchFamily="18" charset="0"/>
                 <a:cs typeface="Times New Roman" panose="02020603050405020304" pitchFamily="18" charset="0"/>
-              </a:rPr>
-              <a:t>10</a:t>
-            </a:r>
-            <a:endParaRPr lang="zh-TW" altLang="en-US" sz="1200" dirty="0">
-              <a:latin typeface="Times New Roman" panose="02020603050405020304" pitchFamily="18" charset="0"/>
-              <a:cs typeface="Times New Roman" panose="02020603050405020304" pitchFamily="18" charset="0"/>
-            </a:endParaRPr>
-          </a:p>
-        </p:txBody>
-      </p:sp>
+              </a:endParaRPr>
+            </a:p>
+          </p:txBody>
+        </p:sp>
+        <p:cxnSp>
+          <p:nvCxnSpPr>
+            <p:cNvPr id="483" name="直線接點 482">
+              <a:extLst>
+                <a:ext uri="{FF2B5EF4-FFF2-40B4-BE49-F238E27FC236}">
+                  <a16:creationId xmlns:a16="http://schemas.microsoft.com/office/drawing/2014/main" id="{A657DB17-0BAA-43D9-A89C-AE3145AF6174}"/>
+                </a:ext>
+              </a:extLst>
+            </p:cNvPr>
+            <p:cNvCxnSpPr>
+              <a:cxnSpLocks/>
+            </p:cNvCxnSpPr>
+            <p:nvPr/>
+          </p:nvCxnSpPr>
+          <p:spPr>
+            <a:xfrm>
+              <a:off x="739660" y="6604353"/>
+              <a:ext cx="173322" cy="148216"/>
+            </a:xfrm>
+            <a:prstGeom prst="line">
+              <a:avLst/>
+            </a:prstGeom>
+          </p:spPr>
+          <p:style>
+            <a:lnRef idx="3">
+              <a:schemeClr val="dk1"/>
+            </a:lnRef>
+            <a:fillRef idx="0">
+              <a:schemeClr val="dk1"/>
+            </a:fillRef>
+            <a:effectRef idx="2">
+              <a:schemeClr val="dk1"/>
+            </a:effectRef>
+            <a:fontRef idx="minor">
+              <a:schemeClr val="tx1"/>
+            </a:fontRef>
+          </p:style>
+        </p:cxnSp>
+        <p:sp>
+          <p:nvSpPr>
+            <p:cNvPr id="486" name="文字方塊 485">
+              <a:extLst>
+                <a:ext uri="{FF2B5EF4-FFF2-40B4-BE49-F238E27FC236}">
+                  <a16:creationId xmlns:a16="http://schemas.microsoft.com/office/drawing/2014/main" id="{7ABFD5FF-D28C-4350-85AE-94E92FA23297}"/>
+                </a:ext>
+              </a:extLst>
+            </p:cNvPr>
+            <p:cNvSpPr txBox="1"/>
+            <p:nvPr/>
+          </p:nvSpPr>
+          <p:spPr>
+            <a:xfrm>
+              <a:off x="681527" y="6440041"/>
+              <a:ext cx="564135" cy="276999"/>
+            </a:xfrm>
+            <a:prstGeom prst="rect">
+              <a:avLst/>
+            </a:prstGeom>
+            <a:noFill/>
+          </p:spPr>
+          <p:txBody>
+            <a:bodyPr wrap="square" rtlCol="0">
+              <a:spAutoFit/>
+            </a:bodyPr>
+            <a:lstStyle/>
+            <a:p>
+              <a:r>
+                <a:rPr lang="en-US" altLang="zh-TW" sz="1200" dirty="0">
+                  <a:latin typeface="Times New Roman" panose="02020603050405020304" pitchFamily="18" charset="0"/>
+                  <a:cs typeface="Times New Roman" panose="02020603050405020304" pitchFamily="18" charset="0"/>
+                </a:rPr>
+                <a:t>10</a:t>
+              </a:r>
+              <a:endParaRPr lang="zh-TW" altLang="en-US" sz="1200" dirty="0">
+                <a:latin typeface="Times New Roman" panose="02020603050405020304" pitchFamily="18" charset="0"/>
+                <a:cs typeface="Times New Roman" panose="02020603050405020304" pitchFamily="18" charset="0"/>
+              </a:endParaRPr>
+            </a:p>
+          </p:txBody>
+        </p:sp>
+      </p:grpSp>
       <p:sp>
         <p:nvSpPr>
           <p:cNvPr id="487" name="文字方塊 486">
@@ -10664,7 +10235,7 @@
         </p:nvSpPr>
         <p:spPr>
           <a:xfrm>
-            <a:off x="114405" y="6394920"/>
+            <a:off x="115235" y="6405522"/>
             <a:ext cx="1037186" cy="215444"/>
           </a:xfrm>
           <a:prstGeom prst="rect">
@@ -10734,6 +10305,6248 @@
           </a:p>
         </p:txBody>
       </p:sp>
+      <p:sp>
+        <p:nvSpPr>
+          <p:cNvPr id="203" name="流程圖: 接點 202">
+            <a:extLst>
+              <a:ext uri="{FF2B5EF4-FFF2-40B4-BE49-F238E27FC236}">
+                <a16:creationId xmlns:a16="http://schemas.microsoft.com/office/drawing/2014/main" id="{7B9FF79A-5B19-4DA0-A5F0-CA4EC601A4A0}"/>
+              </a:ext>
+            </a:extLst>
+          </p:cNvPr>
+          <p:cNvSpPr/>
+          <p:nvPr/>
+        </p:nvSpPr>
+        <p:spPr>
+          <a:xfrm>
+            <a:off x="1967295" y="4355081"/>
+            <a:ext cx="257190" cy="250031"/>
+          </a:xfrm>
+          <a:prstGeom prst="flowChartConnector">
+            <a:avLst/>
+          </a:prstGeom>
+        </p:spPr>
+        <p:style>
+          <a:lnRef idx="2">
+            <a:schemeClr val="accent4">
+              <a:shade val="50000"/>
+            </a:schemeClr>
+          </a:lnRef>
+          <a:fillRef idx="1">
+            <a:schemeClr val="accent4"/>
+          </a:fillRef>
+          <a:effectRef idx="0">
+            <a:schemeClr val="accent4"/>
+          </a:effectRef>
+          <a:fontRef idx="minor">
+            <a:schemeClr val="lt1"/>
+          </a:fontRef>
+        </p:style>
+        <p:txBody>
+          <a:bodyPr rtlCol="0" anchor="ctr"/>
+          <a:lstStyle/>
+          <a:p>
+            <a:pPr algn="ctr"/>
+            <a:r>
+              <a:rPr lang="en-US" altLang="zh-TW" dirty="0"/>
+              <a:t>+</a:t>
+            </a:r>
+            <a:endParaRPr lang="zh-TW" altLang="en-US" dirty="0"/>
+          </a:p>
+        </p:txBody>
+      </p:sp>
+      <p:grpSp>
+        <p:nvGrpSpPr>
+          <p:cNvPr id="204" name="群組 203">
+            <a:extLst>
+              <a:ext uri="{FF2B5EF4-FFF2-40B4-BE49-F238E27FC236}">
+                <a16:creationId xmlns:a16="http://schemas.microsoft.com/office/drawing/2014/main" id="{37430F37-EEE4-4499-8935-EAE244C50C9B}"/>
+              </a:ext>
+            </a:extLst>
+          </p:cNvPr>
+          <p:cNvGrpSpPr/>
+          <p:nvPr/>
+        </p:nvGrpSpPr>
+        <p:grpSpPr>
+          <a:xfrm rot="8532751">
+            <a:off x="2209706" y="4218917"/>
+            <a:ext cx="314993" cy="276999"/>
+            <a:chOff x="4235454" y="518439"/>
+            <a:chExt cx="832125" cy="276999"/>
+          </a:xfrm>
+        </p:grpSpPr>
+        <p:cxnSp>
+          <p:nvCxnSpPr>
+            <p:cNvPr id="205" name="直線單箭頭接點 204">
+              <a:extLst>
+                <a:ext uri="{FF2B5EF4-FFF2-40B4-BE49-F238E27FC236}">
+                  <a16:creationId xmlns:a16="http://schemas.microsoft.com/office/drawing/2014/main" id="{346453BB-046D-40C7-9176-D7B3BD32EE29}"/>
+                </a:ext>
+              </a:extLst>
+            </p:cNvPr>
+            <p:cNvCxnSpPr>
+              <a:cxnSpLocks/>
+            </p:cNvCxnSpPr>
+            <p:nvPr/>
+          </p:nvCxnSpPr>
+          <p:spPr>
+            <a:xfrm>
+              <a:off x="4589573" y="702941"/>
+              <a:ext cx="478006" cy="0"/>
+            </a:xfrm>
+            <a:prstGeom prst="straightConnector1">
+              <a:avLst/>
+            </a:prstGeom>
+            <a:ln>
+              <a:tailEnd type="triangle"/>
+            </a:ln>
+          </p:spPr>
+          <p:style>
+            <a:lnRef idx="3">
+              <a:schemeClr val="accent1"/>
+            </a:lnRef>
+            <a:fillRef idx="0">
+              <a:schemeClr val="accent1"/>
+            </a:fillRef>
+            <a:effectRef idx="2">
+              <a:schemeClr val="accent1"/>
+            </a:effectRef>
+            <a:fontRef idx="minor">
+              <a:schemeClr val="tx1"/>
+            </a:fontRef>
+          </p:style>
+        </p:cxnSp>
+        <p:sp>
+          <p:nvSpPr>
+            <p:cNvPr id="207" name="文字方塊 206">
+              <a:extLst>
+                <a:ext uri="{FF2B5EF4-FFF2-40B4-BE49-F238E27FC236}">
+                  <a16:creationId xmlns:a16="http://schemas.microsoft.com/office/drawing/2014/main" id="{006D9A7A-892F-483B-AF3D-446A2C0C8F5E}"/>
+                </a:ext>
+              </a:extLst>
+            </p:cNvPr>
+            <p:cNvSpPr txBox="1"/>
+            <p:nvPr/>
+          </p:nvSpPr>
+          <p:spPr>
+            <a:xfrm rot="13067249">
+              <a:off x="4235454" y="518439"/>
+              <a:ext cx="533400" cy="276999"/>
+            </a:xfrm>
+            <a:prstGeom prst="rect">
+              <a:avLst/>
+            </a:prstGeom>
+            <a:noFill/>
+          </p:spPr>
+          <p:txBody>
+            <a:bodyPr wrap="square" rtlCol="0">
+              <a:spAutoFit/>
+            </a:bodyPr>
+            <a:lstStyle/>
+            <a:p>
+              <a:r>
+                <a:rPr lang="en-US" altLang="zh-TW" sz="1200" dirty="0">
+                  <a:latin typeface="Times New Roman" panose="02020603050405020304" pitchFamily="18" charset="0"/>
+                  <a:cs typeface="Times New Roman" panose="02020603050405020304" pitchFamily="18" charset="0"/>
+                </a:rPr>
+                <a:t>1</a:t>
+              </a:r>
+              <a:endParaRPr lang="zh-TW" altLang="en-US" sz="1200" dirty="0">
+                <a:latin typeface="Times New Roman" panose="02020603050405020304" pitchFamily="18" charset="0"/>
+                <a:cs typeface="Times New Roman" panose="02020603050405020304" pitchFamily="18" charset="0"/>
+              </a:endParaRPr>
+            </a:p>
+          </p:txBody>
+        </p:sp>
+      </p:grpSp>
+      <p:cxnSp>
+        <p:nvCxnSpPr>
+          <p:cNvPr id="212" name="直線單箭頭接點 211">
+            <a:extLst>
+              <a:ext uri="{FF2B5EF4-FFF2-40B4-BE49-F238E27FC236}">
+                <a16:creationId xmlns:a16="http://schemas.microsoft.com/office/drawing/2014/main" id="{AAB294D2-0EA6-4A70-8C7D-3615AFF2C2EF}"/>
+              </a:ext>
+            </a:extLst>
+          </p:cNvPr>
+          <p:cNvCxnSpPr>
+            <a:cxnSpLocks/>
+            <a:endCxn id="203" idx="0"/>
+          </p:cNvCxnSpPr>
+          <p:nvPr/>
+        </p:nvCxnSpPr>
+        <p:spPr>
+          <a:xfrm>
+            <a:off x="2095890" y="4189120"/>
+            <a:ext cx="0" cy="165961"/>
+          </a:xfrm>
+          <a:prstGeom prst="straightConnector1">
+            <a:avLst/>
+          </a:prstGeom>
+          <a:ln>
+            <a:tailEnd type="triangle"/>
+          </a:ln>
+        </p:spPr>
+        <p:style>
+          <a:lnRef idx="3">
+            <a:schemeClr val="accent1"/>
+          </a:lnRef>
+          <a:fillRef idx="0">
+            <a:schemeClr val="accent1"/>
+          </a:fillRef>
+          <a:effectRef idx="2">
+            <a:schemeClr val="accent1"/>
+          </a:effectRef>
+          <a:fontRef idx="minor">
+            <a:schemeClr val="tx1"/>
+          </a:fontRef>
+        </p:style>
+      </p:cxnSp>
+      <p:cxnSp>
+        <p:nvCxnSpPr>
+          <p:cNvPr id="213" name="直線單箭頭接點 212">
+            <a:extLst>
+              <a:ext uri="{FF2B5EF4-FFF2-40B4-BE49-F238E27FC236}">
+                <a16:creationId xmlns:a16="http://schemas.microsoft.com/office/drawing/2014/main" id="{C2A8126B-918B-4DC0-A09B-8D121581F466}"/>
+              </a:ext>
+            </a:extLst>
+          </p:cNvPr>
+          <p:cNvCxnSpPr>
+            <a:cxnSpLocks/>
+            <a:stCxn id="203" idx="4"/>
+          </p:cNvCxnSpPr>
+          <p:nvPr/>
+        </p:nvCxnSpPr>
+        <p:spPr>
+          <a:xfrm flipH="1">
+            <a:off x="2092686" y="4605112"/>
+            <a:ext cx="3204" cy="88051"/>
+          </a:xfrm>
+          <a:prstGeom prst="straightConnector1">
+            <a:avLst/>
+          </a:prstGeom>
+          <a:ln>
+            <a:tailEnd type="triangle"/>
+          </a:ln>
+        </p:spPr>
+        <p:style>
+          <a:lnRef idx="3">
+            <a:schemeClr val="accent1"/>
+          </a:lnRef>
+          <a:fillRef idx="0">
+            <a:schemeClr val="accent1"/>
+          </a:fillRef>
+          <a:effectRef idx="2">
+            <a:schemeClr val="accent1"/>
+          </a:effectRef>
+          <a:fontRef idx="minor">
+            <a:schemeClr val="tx1"/>
+          </a:fontRef>
+        </p:style>
+      </p:cxnSp>
+      <p:grpSp>
+        <p:nvGrpSpPr>
+          <p:cNvPr id="217" name="群組 216">
+            <a:extLst>
+              <a:ext uri="{FF2B5EF4-FFF2-40B4-BE49-F238E27FC236}">
+                <a16:creationId xmlns:a16="http://schemas.microsoft.com/office/drawing/2014/main" id="{3303FACA-5881-4924-8BB1-6F02C508DE35}"/>
+              </a:ext>
+            </a:extLst>
+          </p:cNvPr>
+          <p:cNvGrpSpPr/>
+          <p:nvPr/>
+        </p:nvGrpSpPr>
+        <p:grpSpPr>
+          <a:xfrm>
+            <a:off x="5811313" y="3618029"/>
+            <a:ext cx="2129361" cy="681025"/>
+            <a:chOff x="3979482" y="3615548"/>
+            <a:chExt cx="1237085" cy="681025"/>
+          </a:xfrm>
+        </p:grpSpPr>
+        <p:grpSp>
+          <p:nvGrpSpPr>
+            <p:cNvPr id="218" name="群組 217">
+              <a:extLst>
+                <a:ext uri="{FF2B5EF4-FFF2-40B4-BE49-F238E27FC236}">
+                  <a16:creationId xmlns:a16="http://schemas.microsoft.com/office/drawing/2014/main" id="{5C3FF04D-940C-4D55-9E76-A4DCE4882E6F}"/>
+                </a:ext>
+              </a:extLst>
+            </p:cNvPr>
+            <p:cNvGrpSpPr/>
+            <p:nvPr/>
+          </p:nvGrpSpPr>
+          <p:grpSpPr>
+            <a:xfrm>
+              <a:off x="3979482" y="3615548"/>
+              <a:ext cx="719093" cy="426910"/>
+              <a:chOff x="3600931" y="1895753"/>
+              <a:chExt cx="1014668" cy="692189"/>
+            </a:xfrm>
+          </p:grpSpPr>
+          <p:sp>
+            <p:nvSpPr>
+              <p:cNvPr id="220" name="箭號: 向右 219">
+                <a:extLst>
+                  <a:ext uri="{FF2B5EF4-FFF2-40B4-BE49-F238E27FC236}">
+                    <a16:creationId xmlns:a16="http://schemas.microsoft.com/office/drawing/2014/main" id="{A12B1AE7-17DF-47FC-890C-B8FB12D02F98}"/>
+                  </a:ext>
+                </a:extLst>
+              </p:cNvPr>
+              <p:cNvSpPr/>
+              <p:nvPr/>
+            </p:nvSpPr>
+            <p:spPr>
+              <a:xfrm>
+                <a:off x="3600931" y="2275407"/>
+                <a:ext cx="1014668" cy="312535"/>
+              </a:xfrm>
+              <a:prstGeom prst="rightArrow">
+                <a:avLst/>
+              </a:prstGeom>
+            </p:spPr>
+            <p:style>
+              <a:lnRef idx="2">
+                <a:schemeClr val="accent1">
+                  <a:shade val="50000"/>
+                </a:schemeClr>
+              </a:lnRef>
+              <a:fillRef idx="1">
+                <a:schemeClr val="accent1"/>
+              </a:fillRef>
+              <a:effectRef idx="0">
+                <a:schemeClr val="accent1"/>
+              </a:effectRef>
+              <a:fontRef idx="minor">
+                <a:schemeClr val="lt1"/>
+              </a:fontRef>
+            </p:style>
+            <p:txBody>
+              <a:bodyPr rtlCol="0" anchor="ctr"/>
+              <a:lstStyle/>
+              <a:p>
+                <a:pPr algn="ctr"/>
+                <a:endParaRPr lang="zh-TW" altLang="en-US"/>
+              </a:p>
+            </p:txBody>
+          </p:sp>
+          <p:cxnSp>
+            <p:nvCxnSpPr>
+              <p:cNvPr id="221" name="直線接點 220">
+                <a:extLst>
+                  <a:ext uri="{FF2B5EF4-FFF2-40B4-BE49-F238E27FC236}">
+                    <a16:creationId xmlns:a16="http://schemas.microsoft.com/office/drawing/2014/main" id="{E3F0DCD7-CCF5-4DA2-89CC-E1110A715AA3}"/>
+                  </a:ext>
+                </a:extLst>
+              </p:cNvPr>
+              <p:cNvCxnSpPr>
+                <a:cxnSpLocks/>
+              </p:cNvCxnSpPr>
+              <p:nvPr/>
+            </p:nvCxnSpPr>
+            <p:spPr>
+              <a:xfrm>
+                <a:off x="3907230" y="2269581"/>
+                <a:ext cx="147349" cy="317026"/>
+              </a:xfrm>
+              <a:prstGeom prst="line">
+                <a:avLst/>
+              </a:prstGeom>
+            </p:spPr>
+            <p:style>
+              <a:lnRef idx="3">
+                <a:schemeClr val="dk1"/>
+              </a:lnRef>
+              <a:fillRef idx="0">
+                <a:schemeClr val="dk1"/>
+              </a:fillRef>
+              <a:effectRef idx="2">
+                <a:schemeClr val="dk1"/>
+              </a:effectRef>
+              <a:fontRef idx="minor">
+                <a:schemeClr val="tx1"/>
+              </a:fontRef>
+            </p:style>
+          </p:cxnSp>
+          <p:sp>
+            <p:nvSpPr>
+              <p:cNvPr id="222" name="文字方塊 221">
+                <a:extLst>
+                  <a:ext uri="{FF2B5EF4-FFF2-40B4-BE49-F238E27FC236}">
+                    <a16:creationId xmlns:a16="http://schemas.microsoft.com/office/drawing/2014/main" id="{F2FC8B37-76D0-4641-A246-49B1C9889D01}"/>
+                  </a:ext>
+                </a:extLst>
+              </p:cNvPr>
+              <p:cNvSpPr txBox="1"/>
+              <p:nvPr/>
+            </p:nvSpPr>
+            <p:spPr>
+              <a:xfrm>
+                <a:off x="3749241" y="1895753"/>
+                <a:ext cx="796016" cy="276999"/>
+              </a:xfrm>
+              <a:prstGeom prst="rect">
+                <a:avLst/>
+              </a:prstGeom>
+              <a:noFill/>
+            </p:spPr>
+            <p:txBody>
+              <a:bodyPr wrap="square" rtlCol="0">
+                <a:spAutoFit/>
+              </a:bodyPr>
+              <a:lstStyle/>
+              <a:p>
+                <a:r>
+                  <a:rPr lang="en-US" altLang="zh-TW" sz="1200" dirty="0">
+                    <a:latin typeface="Times New Roman" panose="02020603050405020304" pitchFamily="18" charset="0"/>
+                    <a:cs typeface="Times New Roman" panose="02020603050405020304" pitchFamily="18" charset="0"/>
+                  </a:rPr>
+                  <a:t>11*2</a:t>
+                </a:r>
+                <a:endParaRPr lang="zh-TW" altLang="en-US" sz="1200" dirty="0">
+                  <a:latin typeface="Times New Roman" panose="02020603050405020304" pitchFamily="18" charset="0"/>
+                  <a:cs typeface="Times New Roman" panose="02020603050405020304" pitchFamily="18" charset="0"/>
+                </a:endParaRPr>
+              </a:p>
+            </p:txBody>
+          </p:sp>
+        </p:grpSp>
+        <p:sp>
+          <p:nvSpPr>
+            <p:cNvPr id="219" name="文字方塊 218">
+              <a:extLst>
+                <a:ext uri="{FF2B5EF4-FFF2-40B4-BE49-F238E27FC236}">
+                  <a16:creationId xmlns:a16="http://schemas.microsoft.com/office/drawing/2014/main" id="{039280CC-ABB4-4CB8-9B55-DCBA79841679}"/>
+                </a:ext>
+              </a:extLst>
+            </p:cNvPr>
+            <p:cNvSpPr txBox="1"/>
+            <p:nvPr/>
+          </p:nvSpPr>
+          <p:spPr>
+            <a:xfrm>
+              <a:off x="4054056" y="4081129"/>
+              <a:ext cx="1162511" cy="215444"/>
+            </a:xfrm>
+            <a:prstGeom prst="rect">
+              <a:avLst/>
+            </a:prstGeom>
+            <a:noFill/>
+          </p:spPr>
+          <p:txBody>
+            <a:bodyPr wrap="square" rtlCol="0">
+              <a:spAutoFit/>
+            </a:bodyPr>
+            <a:lstStyle/>
+            <a:p>
+              <a:r>
+                <a:rPr lang="en-US" altLang="zh-TW" sz="800" dirty="0" err="1">
+                  <a:latin typeface="Times New Roman" panose="02020603050405020304" pitchFamily="18" charset="0"/>
+                  <a:cs typeface="Times New Roman" panose="02020603050405020304" pitchFamily="18" charset="0"/>
+                </a:rPr>
+                <a:t>Pop_indState_CRX</a:t>
+              </a:r>
+              <a:endParaRPr lang="zh-TW" altLang="en-US" sz="800" dirty="0">
+                <a:latin typeface="Times New Roman" panose="02020603050405020304" pitchFamily="18" charset="0"/>
+                <a:cs typeface="Times New Roman" panose="02020603050405020304" pitchFamily="18" charset="0"/>
+              </a:endParaRPr>
+            </a:p>
+          </p:txBody>
+        </p:sp>
+      </p:grpSp>
+      <p:grpSp>
+        <p:nvGrpSpPr>
+          <p:cNvPr id="236" name="群組 235">
+            <a:extLst>
+              <a:ext uri="{FF2B5EF4-FFF2-40B4-BE49-F238E27FC236}">
+                <a16:creationId xmlns:a16="http://schemas.microsoft.com/office/drawing/2014/main" id="{C105823F-50DD-4DF0-BCA0-B8425E6E6E98}"/>
+              </a:ext>
+            </a:extLst>
+          </p:cNvPr>
+          <p:cNvGrpSpPr/>
+          <p:nvPr/>
+        </p:nvGrpSpPr>
+        <p:grpSpPr>
+          <a:xfrm>
+            <a:off x="5793626" y="4493142"/>
+            <a:ext cx="2000999" cy="806568"/>
+            <a:chOff x="4460643" y="4533535"/>
+            <a:chExt cx="1162511" cy="806568"/>
+          </a:xfrm>
+        </p:grpSpPr>
+        <p:grpSp>
+          <p:nvGrpSpPr>
+            <p:cNvPr id="237" name="群組 236">
+              <a:extLst>
+                <a:ext uri="{FF2B5EF4-FFF2-40B4-BE49-F238E27FC236}">
+                  <a16:creationId xmlns:a16="http://schemas.microsoft.com/office/drawing/2014/main" id="{73F33ECA-8E10-4E20-9B14-C881B1824E2E}"/>
+                </a:ext>
+              </a:extLst>
+            </p:cNvPr>
+            <p:cNvGrpSpPr/>
+            <p:nvPr/>
+          </p:nvGrpSpPr>
+          <p:grpSpPr>
+            <a:xfrm>
+              <a:off x="4466226" y="4533535"/>
+              <a:ext cx="719093" cy="543454"/>
+              <a:chOff x="3600931" y="2056906"/>
+              <a:chExt cx="1014668" cy="543454"/>
+            </a:xfrm>
+          </p:grpSpPr>
+          <p:sp>
+            <p:nvSpPr>
+              <p:cNvPr id="239" name="箭號: 向右 238">
+                <a:extLst>
+                  <a:ext uri="{FF2B5EF4-FFF2-40B4-BE49-F238E27FC236}">
+                    <a16:creationId xmlns:a16="http://schemas.microsoft.com/office/drawing/2014/main" id="{2BDDD215-5923-42E9-A2CD-813E994D1302}"/>
+                  </a:ext>
+                </a:extLst>
+              </p:cNvPr>
+              <p:cNvSpPr/>
+              <p:nvPr/>
+            </p:nvSpPr>
+            <p:spPr>
+              <a:xfrm>
+                <a:off x="3600931" y="2275407"/>
+                <a:ext cx="1014668" cy="312535"/>
+              </a:xfrm>
+              <a:prstGeom prst="rightArrow">
+                <a:avLst/>
+              </a:prstGeom>
+            </p:spPr>
+            <p:style>
+              <a:lnRef idx="2">
+                <a:schemeClr val="accent1">
+                  <a:shade val="50000"/>
+                </a:schemeClr>
+              </a:lnRef>
+              <a:fillRef idx="1">
+                <a:schemeClr val="accent1"/>
+              </a:fillRef>
+              <a:effectRef idx="0">
+                <a:schemeClr val="accent1"/>
+              </a:effectRef>
+              <a:fontRef idx="minor">
+                <a:schemeClr val="lt1"/>
+              </a:fontRef>
+            </p:style>
+            <p:txBody>
+              <a:bodyPr rtlCol="0" anchor="ctr"/>
+              <a:lstStyle/>
+              <a:p>
+                <a:pPr algn="ctr"/>
+                <a:endParaRPr lang="zh-TW" altLang="en-US"/>
+              </a:p>
+            </p:txBody>
+          </p:sp>
+          <p:cxnSp>
+            <p:nvCxnSpPr>
+              <p:cNvPr id="241" name="直線接點 240">
+                <a:extLst>
+                  <a:ext uri="{FF2B5EF4-FFF2-40B4-BE49-F238E27FC236}">
+                    <a16:creationId xmlns:a16="http://schemas.microsoft.com/office/drawing/2014/main" id="{F639BFA3-A08F-4EF2-9671-D802CFA18CDB}"/>
+                  </a:ext>
+                </a:extLst>
+              </p:cNvPr>
+              <p:cNvCxnSpPr>
+                <a:cxnSpLocks/>
+              </p:cNvCxnSpPr>
+              <p:nvPr/>
+            </p:nvCxnSpPr>
+            <p:spPr>
+              <a:xfrm>
+                <a:off x="3880336" y="2283287"/>
+                <a:ext cx="180864" cy="317073"/>
+              </a:xfrm>
+              <a:prstGeom prst="line">
+                <a:avLst/>
+              </a:prstGeom>
+            </p:spPr>
+            <p:style>
+              <a:lnRef idx="3">
+                <a:schemeClr val="dk1"/>
+              </a:lnRef>
+              <a:fillRef idx="0">
+                <a:schemeClr val="dk1"/>
+              </a:fillRef>
+              <a:effectRef idx="2">
+                <a:schemeClr val="dk1"/>
+              </a:effectRef>
+              <a:fontRef idx="minor">
+                <a:schemeClr val="tx1"/>
+              </a:fontRef>
+            </p:style>
+          </p:cxnSp>
+          <p:sp>
+            <p:nvSpPr>
+              <p:cNvPr id="251" name="文字方塊 250">
+                <a:extLst>
+                  <a:ext uri="{FF2B5EF4-FFF2-40B4-BE49-F238E27FC236}">
+                    <a16:creationId xmlns:a16="http://schemas.microsoft.com/office/drawing/2014/main" id="{EA876825-0BBE-4002-BAC7-5CFEAA21A720}"/>
+                  </a:ext>
+                </a:extLst>
+              </p:cNvPr>
+              <p:cNvSpPr txBox="1"/>
+              <p:nvPr/>
+            </p:nvSpPr>
+            <p:spPr>
+              <a:xfrm>
+                <a:off x="3747613" y="2056906"/>
+                <a:ext cx="796016" cy="276999"/>
+              </a:xfrm>
+              <a:prstGeom prst="rect">
+                <a:avLst/>
+              </a:prstGeom>
+              <a:noFill/>
+            </p:spPr>
+            <p:txBody>
+              <a:bodyPr wrap="square" rtlCol="0">
+                <a:spAutoFit/>
+              </a:bodyPr>
+              <a:lstStyle/>
+              <a:p>
+                <a:r>
+                  <a:rPr lang="en-US" altLang="zh-TW" sz="1200" dirty="0">
+                    <a:latin typeface="Times New Roman" panose="02020603050405020304" pitchFamily="18" charset="0"/>
+                    <a:cs typeface="Times New Roman" panose="02020603050405020304" pitchFamily="18" charset="0"/>
+                  </a:rPr>
+                  <a:t>11*2</a:t>
+                </a:r>
+                <a:endParaRPr lang="zh-TW" altLang="en-US" sz="1200" dirty="0">
+                  <a:latin typeface="Times New Roman" panose="02020603050405020304" pitchFamily="18" charset="0"/>
+                  <a:cs typeface="Times New Roman" panose="02020603050405020304" pitchFamily="18" charset="0"/>
+                </a:endParaRPr>
+              </a:p>
+            </p:txBody>
+          </p:sp>
+        </p:grpSp>
+        <p:sp>
+          <p:nvSpPr>
+            <p:cNvPr id="238" name="文字方塊 237">
+              <a:extLst>
+                <a:ext uri="{FF2B5EF4-FFF2-40B4-BE49-F238E27FC236}">
+                  <a16:creationId xmlns:a16="http://schemas.microsoft.com/office/drawing/2014/main" id="{54F84349-E4A7-4880-A1AF-9803BAA6B6AC}"/>
+                </a:ext>
+              </a:extLst>
+            </p:cNvPr>
+            <p:cNvSpPr txBox="1"/>
+            <p:nvPr/>
+          </p:nvSpPr>
+          <p:spPr>
+            <a:xfrm>
+              <a:off x="4460643" y="5124659"/>
+              <a:ext cx="1162511" cy="215444"/>
+            </a:xfrm>
+            <a:prstGeom prst="rect">
+              <a:avLst/>
+            </a:prstGeom>
+            <a:noFill/>
+          </p:spPr>
+          <p:txBody>
+            <a:bodyPr wrap="square" rtlCol="0">
+              <a:spAutoFit/>
+            </a:bodyPr>
+            <a:lstStyle/>
+            <a:p>
+              <a:r>
+                <a:rPr lang="en-US" altLang="zh-TW" sz="800" dirty="0">
+                  <a:latin typeface="Times New Roman" panose="02020603050405020304" pitchFamily="18" charset="0"/>
+                  <a:cs typeface="Times New Roman" panose="02020603050405020304" pitchFamily="18" charset="0"/>
+                </a:rPr>
+                <a:t>Offspring_ind2State_CRX</a:t>
+              </a:r>
+              <a:endParaRPr lang="zh-TW" altLang="en-US" sz="800" dirty="0">
+                <a:latin typeface="Times New Roman" panose="02020603050405020304" pitchFamily="18" charset="0"/>
+                <a:cs typeface="Times New Roman" panose="02020603050405020304" pitchFamily="18" charset="0"/>
+              </a:endParaRPr>
+            </a:p>
+          </p:txBody>
+        </p:sp>
+      </p:grpSp>
+      <p:grpSp>
+        <p:nvGrpSpPr>
+          <p:cNvPr id="256" name="群組 255">
+            <a:extLst>
+              <a:ext uri="{FF2B5EF4-FFF2-40B4-BE49-F238E27FC236}">
+                <a16:creationId xmlns:a16="http://schemas.microsoft.com/office/drawing/2014/main" id="{115B2B56-C269-4693-8AC7-9D898112788B}"/>
+              </a:ext>
+            </a:extLst>
+          </p:cNvPr>
+          <p:cNvGrpSpPr/>
+          <p:nvPr/>
+        </p:nvGrpSpPr>
+        <p:grpSpPr>
+          <a:xfrm>
+            <a:off x="5800302" y="5214291"/>
+            <a:ext cx="1994323" cy="834174"/>
+            <a:chOff x="4460833" y="4493511"/>
+            <a:chExt cx="1162511" cy="834174"/>
+          </a:xfrm>
+        </p:grpSpPr>
+        <p:grpSp>
+          <p:nvGrpSpPr>
+            <p:cNvPr id="258" name="群組 257">
+              <a:extLst>
+                <a:ext uri="{FF2B5EF4-FFF2-40B4-BE49-F238E27FC236}">
+                  <a16:creationId xmlns:a16="http://schemas.microsoft.com/office/drawing/2014/main" id="{6BD86D70-1C6B-412F-8DDC-CFAB248B94B9}"/>
+                </a:ext>
+              </a:extLst>
+            </p:cNvPr>
+            <p:cNvGrpSpPr/>
+            <p:nvPr/>
+          </p:nvGrpSpPr>
+          <p:grpSpPr>
+            <a:xfrm>
+              <a:off x="4466226" y="4493511"/>
+              <a:ext cx="719093" cy="571060"/>
+              <a:chOff x="3600931" y="2016882"/>
+              <a:chExt cx="1014668" cy="571060"/>
+            </a:xfrm>
+          </p:grpSpPr>
+          <p:sp>
+            <p:nvSpPr>
+              <p:cNvPr id="262" name="箭號: 向右 261">
+                <a:extLst>
+                  <a:ext uri="{FF2B5EF4-FFF2-40B4-BE49-F238E27FC236}">
+                    <a16:creationId xmlns:a16="http://schemas.microsoft.com/office/drawing/2014/main" id="{9E289699-3518-4BC9-AB7E-3CBA3F6C2320}"/>
+                  </a:ext>
+                </a:extLst>
+              </p:cNvPr>
+              <p:cNvSpPr/>
+              <p:nvPr/>
+            </p:nvSpPr>
+            <p:spPr>
+              <a:xfrm>
+                <a:off x="3600931" y="2275407"/>
+                <a:ext cx="1014668" cy="312535"/>
+              </a:xfrm>
+              <a:prstGeom prst="rightArrow">
+                <a:avLst/>
+              </a:prstGeom>
+            </p:spPr>
+            <p:style>
+              <a:lnRef idx="2">
+                <a:schemeClr val="accent1">
+                  <a:shade val="50000"/>
+                </a:schemeClr>
+              </a:lnRef>
+              <a:fillRef idx="1">
+                <a:schemeClr val="accent1"/>
+              </a:fillRef>
+              <a:effectRef idx="0">
+                <a:schemeClr val="accent1"/>
+              </a:effectRef>
+              <a:fontRef idx="minor">
+                <a:schemeClr val="lt1"/>
+              </a:fontRef>
+            </p:style>
+            <p:txBody>
+              <a:bodyPr rtlCol="0" anchor="ctr"/>
+              <a:lstStyle/>
+              <a:p>
+                <a:pPr algn="ctr"/>
+                <a:endParaRPr lang="zh-TW" altLang="en-US"/>
+              </a:p>
+            </p:txBody>
+          </p:sp>
+          <p:cxnSp>
+            <p:nvCxnSpPr>
+              <p:cNvPr id="263" name="直線接點 262">
+                <a:extLst>
+                  <a:ext uri="{FF2B5EF4-FFF2-40B4-BE49-F238E27FC236}">
+                    <a16:creationId xmlns:a16="http://schemas.microsoft.com/office/drawing/2014/main" id="{778D741A-F570-4564-B688-855C624FF92B}"/>
+                  </a:ext>
+                </a:extLst>
+              </p:cNvPr>
+              <p:cNvCxnSpPr>
+                <a:cxnSpLocks/>
+              </p:cNvCxnSpPr>
+              <p:nvPr/>
+            </p:nvCxnSpPr>
+            <p:spPr>
+              <a:xfrm>
+                <a:off x="3906178" y="2285245"/>
+                <a:ext cx="168839" cy="300812"/>
+              </a:xfrm>
+              <a:prstGeom prst="line">
+                <a:avLst/>
+              </a:prstGeom>
+            </p:spPr>
+            <p:style>
+              <a:lnRef idx="3">
+                <a:schemeClr val="dk1"/>
+              </a:lnRef>
+              <a:fillRef idx="0">
+                <a:schemeClr val="dk1"/>
+              </a:fillRef>
+              <a:effectRef idx="2">
+                <a:schemeClr val="dk1"/>
+              </a:effectRef>
+              <a:fontRef idx="minor">
+                <a:schemeClr val="tx1"/>
+              </a:fontRef>
+            </p:style>
+          </p:cxnSp>
+          <p:sp>
+            <p:nvSpPr>
+              <p:cNvPr id="265" name="文字方塊 264">
+                <a:extLst>
+                  <a:ext uri="{FF2B5EF4-FFF2-40B4-BE49-F238E27FC236}">
+                    <a16:creationId xmlns:a16="http://schemas.microsoft.com/office/drawing/2014/main" id="{BC248C3D-6126-43E8-A4A8-F4FB42208420}"/>
+                  </a:ext>
+                </a:extLst>
+              </p:cNvPr>
+              <p:cNvSpPr txBox="1"/>
+              <p:nvPr/>
+            </p:nvSpPr>
+            <p:spPr>
+              <a:xfrm>
+                <a:off x="3798200" y="2016882"/>
+                <a:ext cx="796016" cy="276999"/>
+              </a:xfrm>
+              <a:prstGeom prst="rect">
+                <a:avLst/>
+              </a:prstGeom>
+              <a:noFill/>
+            </p:spPr>
+            <p:txBody>
+              <a:bodyPr wrap="square" rtlCol="0">
+                <a:spAutoFit/>
+              </a:bodyPr>
+              <a:lstStyle/>
+              <a:p>
+                <a:r>
+                  <a:rPr lang="en-US" altLang="zh-TW" sz="1200" dirty="0">
+                    <a:latin typeface="Times New Roman" panose="02020603050405020304" pitchFamily="18" charset="0"/>
+                    <a:cs typeface="Times New Roman" panose="02020603050405020304" pitchFamily="18" charset="0"/>
+                  </a:rPr>
+                  <a:t>11*2</a:t>
+                </a:r>
+                <a:endParaRPr lang="zh-TW" altLang="en-US" sz="1200" dirty="0">
+                  <a:latin typeface="Times New Roman" panose="02020603050405020304" pitchFamily="18" charset="0"/>
+                  <a:cs typeface="Times New Roman" panose="02020603050405020304" pitchFamily="18" charset="0"/>
+                </a:endParaRPr>
+              </a:p>
+            </p:txBody>
+          </p:sp>
+        </p:grpSp>
+        <p:sp>
+          <p:nvSpPr>
+            <p:cNvPr id="261" name="文字方塊 260">
+              <a:extLst>
+                <a:ext uri="{FF2B5EF4-FFF2-40B4-BE49-F238E27FC236}">
+                  <a16:creationId xmlns:a16="http://schemas.microsoft.com/office/drawing/2014/main" id="{0A516151-DE24-4E88-BE8E-D69B18BA52A7}"/>
+                </a:ext>
+              </a:extLst>
+            </p:cNvPr>
+            <p:cNvSpPr txBox="1"/>
+            <p:nvPr/>
+          </p:nvSpPr>
+          <p:spPr>
+            <a:xfrm>
+              <a:off x="4460833" y="5112241"/>
+              <a:ext cx="1162511" cy="215444"/>
+            </a:xfrm>
+            <a:prstGeom prst="rect">
+              <a:avLst/>
+            </a:prstGeom>
+            <a:noFill/>
+          </p:spPr>
+          <p:txBody>
+            <a:bodyPr wrap="square" rtlCol="0">
+              <a:spAutoFit/>
+            </a:bodyPr>
+            <a:lstStyle/>
+            <a:p>
+              <a:r>
+                <a:rPr lang="en-US" altLang="zh-TW" sz="800" dirty="0">
+                  <a:latin typeface="Times New Roman" panose="02020603050405020304" pitchFamily="18" charset="0"/>
+                  <a:cs typeface="Times New Roman" panose="02020603050405020304" pitchFamily="18" charset="0"/>
+                </a:rPr>
+                <a:t>Offspring_ind2State_CRX</a:t>
+              </a:r>
+              <a:endParaRPr lang="zh-TW" altLang="en-US" sz="800" dirty="0">
+                <a:latin typeface="Times New Roman" panose="02020603050405020304" pitchFamily="18" charset="0"/>
+                <a:cs typeface="Times New Roman" panose="02020603050405020304" pitchFamily="18" charset="0"/>
+              </a:endParaRPr>
+            </a:p>
+          </p:txBody>
+        </p:sp>
+      </p:grpSp>
+      <p:sp>
+        <p:nvSpPr>
+          <p:cNvPr id="267" name="矩形 35">
+            <a:extLst>
+              <a:ext uri="{FF2B5EF4-FFF2-40B4-BE49-F238E27FC236}">
+                <a16:creationId xmlns:a16="http://schemas.microsoft.com/office/drawing/2014/main" id="{B9EB8BF8-02F3-445F-8ABC-7466C2865E9B}"/>
+              </a:ext>
+            </a:extLst>
+          </p:cNvPr>
+          <p:cNvSpPr/>
+          <p:nvPr/>
+        </p:nvSpPr>
+        <p:spPr>
+          <a:xfrm>
+            <a:off x="7043935" y="3746035"/>
+            <a:ext cx="638815" cy="2136635"/>
+          </a:xfrm>
+          <a:custGeom>
+            <a:avLst/>
+            <a:gdLst>
+              <a:gd name="connsiteX0" fmla="*/ 0 w 460375"/>
+              <a:gd name="connsiteY0" fmla="*/ 0 h 673100"/>
+              <a:gd name="connsiteX1" fmla="*/ 460375 w 460375"/>
+              <a:gd name="connsiteY1" fmla="*/ 0 h 673100"/>
+              <a:gd name="connsiteX2" fmla="*/ 460375 w 460375"/>
+              <a:gd name="connsiteY2" fmla="*/ 673100 h 673100"/>
+              <a:gd name="connsiteX3" fmla="*/ 0 w 460375"/>
+              <a:gd name="connsiteY3" fmla="*/ 673100 h 673100"/>
+              <a:gd name="connsiteX4" fmla="*/ 0 w 460375"/>
+              <a:gd name="connsiteY4" fmla="*/ 0 h 673100"/>
+              <a:gd name="connsiteX0" fmla="*/ 0 w 463550"/>
+              <a:gd name="connsiteY0" fmla="*/ 0 h 673100"/>
+              <a:gd name="connsiteX1" fmla="*/ 463550 w 463550"/>
+              <a:gd name="connsiteY1" fmla="*/ 130175 h 673100"/>
+              <a:gd name="connsiteX2" fmla="*/ 460375 w 463550"/>
+              <a:gd name="connsiteY2" fmla="*/ 673100 h 673100"/>
+              <a:gd name="connsiteX3" fmla="*/ 0 w 463550"/>
+              <a:gd name="connsiteY3" fmla="*/ 673100 h 673100"/>
+              <a:gd name="connsiteX4" fmla="*/ 0 w 463550"/>
+              <a:gd name="connsiteY4" fmla="*/ 0 h 673100"/>
+              <a:gd name="connsiteX0" fmla="*/ 0 w 463855"/>
+              <a:gd name="connsiteY0" fmla="*/ 0 h 673100"/>
+              <a:gd name="connsiteX1" fmla="*/ 463550 w 463855"/>
+              <a:gd name="connsiteY1" fmla="*/ 130175 h 673100"/>
+              <a:gd name="connsiteX2" fmla="*/ 463550 w 463855"/>
+              <a:gd name="connsiteY2" fmla="*/ 555625 h 673100"/>
+              <a:gd name="connsiteX3" fmla="*/ 0 w 463855"/>
+              <a:gd name="connsiteY3" fmla="*/ 673100 h 673100"/>
+              <a:gd name="connsiteX4" fmla="*/ 0 w 463855"/>
+              <a:gd name="connsiteY4" fmla="*/ 0 h 673100"/>
+            </a:gdLst>
+            <a:ahLst/>
+            <a:cxnLst>
+              <a:cxn ang="0">
+                <a:pos x="connsiteX0" y="connsiteY0"/>
+              </a:cxn>
+              <a:cxn ang="0">
+                <a:pos x="connsiteX1" y="connsiteY1"/>
+              </a:cxn>
+              <a:cxn ang="0">
+                <a:pos x="connsiteX2" y="connsiteY2"/>
+              </a:cxn>
+              <a:cxn ang="0">
+                <a:pos x="connsiteX3" y="connsiteY3"/>
+              </a:cxn>
+              <a:cxn ang="0">
+                <a:pos x="connsiteX4" y="connsiteY4"/>
+              </a:cxn>
+            </a:cxnLst>
+            <a:rect l="l" t="t" r="r" b="b"/>
+            <a:pathLst>
+              <a:path w="463855" h="673100">
+                <a:moveTo>
+                  <a:pt x="0" y="0"/>
+                </a:moveTo>
+                <a:lnTo>
+                  <a:pt x="463550" y="130175"/>
+                </a:lnTo>
+                <a:cubicBezTo>
+                  <a:pt x="462492" y="311150"/>
+                  <a:pt x="464608" y="374650"/>
+                  <a:pt x="463550" y="555625"/>
+                </a:cubicBezTo>
+                <a:lnTo>
+                  <a:pt x="0" y="673100"/>
+                </a:lnTo>
+                <a:lnTo>
+                  <a:pt x="0" y="0"/>
+                </a:lnTo>
+                <a:close/>
+              </a:path>
+            </a:pathLst>
+          </a:custGeom>
+        </p:spPr>
+        <p:style>
+          <a:lnRef idx="0">
+            <a:schemeClr val="accent4"/>
+          </a:lnRef>
+          <a:fillRef idx="3">
+            <a:schemeClr val="accent4"/>
+          </a:fillRef>
+          <a:effectRef idx="3">
+            <a:schemeClr val="accent4"/>
+          </a:effectRef>
+          <a:fontRef idx="minor">
+            <a:schemeClr val="lt1"/>
+          </a:fontRef>
+        </p:style>
+        <p:txBody>
+          <a:bodyPr rtlCol="0" anchor="ctr"/>
+          <a:lstStyle/>
+          <a:p>
+            <a:pPr algn="ctr"/>
+            <a:r>
+              <a:rPr lang="en-US" altLang="zh-TW" dirty="0"/>
+              <a:t>CRX</a:t>
+            </a:r>
+          </a:p>
+          <a:p>
+            <a:pPr algn="ctr"/>
+            <a:r>
+              <a:rPr lang="en-US" altLang="zh-TW" dirty="0"/>
+              <a:t>GEN</a:t>
+            </a:r>
+            <a:endParaRPr lang="zh-TW" altLang="en-US" dirty="0"/>
+          </a:p>
+        </p:txBody>
+      </p:sp>
+      <p:grpSp>
+        <p:nvGrpSpPr>
+          <p:cNvPr id="73" name="群組 72">
+            <a:extLst>
+              <a:ext uri="{FF2B5EF4-FFF2-40B4-BE49-F238E27FC236}">
+                <a16:creationId xmlns:a16="http://schemas.microsoft.com/office/drawing/2014/main" id="{00124A65-6B55-44BD-A3F8-977A1A026FF1}"/>
+              </a:ext>
+            </a:extLst>
+          </p:cNvPr>
+          <p:cNvGrpSpPr/>
+          <p:nvPr/>
+        </p:nvGrpSpPr>
+        <p:grpSpPr>
+          <a:xfrm>
+            <a:off x="6740039" y="3404809"/>
+            <a:ext cx="1380190" cy="565988"/>
+            <a:chOff x="6740039" y="3404809"/>
+            <a:chExt cx="1380190" cy="565988"/>
+          </a:xfrm>
+        </p:grpSpPr>
+        <p:cxnSp>
+          <p:nvCxnSpPr>
+            <p:cNvPr id="268" name="直線單箭頭接點 267">
+              <a:extLst>
+                <a:ext uri="{FF2B5EF4-FFF2-40B4-BE49-F238E27FC236}">
+                  <a16:creationId xmlns:a16="http://schemas.microsoft.com/office/drawing/2014/main" id="{441EFE3D-3707-459C-BCE9-89E644957BFA}"/>
+                </a:ext>
+              </a:extLst>
+            </p:cNvPr>
+            <p:cNvCxnSpPr>
+              <a:cxnSpLocks/>
+            </p:cNvCxnSpPr>
+            <p:nvPr/>
+          </p:nvCxnSpPr>
+          <p:spPr>
+            <a:xfrm>
+              <a:off x="7383645" y="3649524"/>
+              <a:ext cx="0" cy="321273"/>
+            </a:xfrm>
+            <a:prstGeom prst="straightConnector1">
+              <a:avLst/>
+            </a:prstGeom>
+            <a:ln>
+              <a:tailEnd type="triangle"/>
+            </a:ln>
+          </p:spPr>
+          <p:style>
+            <a:lnRef idx="3">
+              <a:schemeClr val="accent4"/>
+            </a:lnRef>
+            <a:fillRef idx="0">
+              <a:schemeClr val="accent4"/>
+            </a:fillRef>
+            <a:effectRef idx="2">
+              <a:schemeClr val="accent4"/>
+            </a:effectRef>
+            <a:fontRef idx="minor">
+              <a:schemeClr val="tx1"/>
+            </a:fontRef>
+          </p:style>
+        </p:cxnSp>
+        <p:sp>
+          <p:nvSpPr>
+            <p:cNvPr id="269" name="文字方塊 268">
+              <a:extLst>
+                <a:ext uri="{FF2B5EF4-FFF2-40B4-BE49-F238E27FC236}">
+                  <a16:creationId xmlns:a16="http://schemas.microsoft.com/office/drawing/2014/main" id="{7BE94520-2D1F-41D8-8733-E5DAF1592C2B}"/>
+                </a:ext>
+              </a:extLst>
+            </p:cNvPr>
+            <p:cNvSpPr txBox="1"/>
+            <p:nvPr/>
+          </p:nvSpPr>
+          <p:spPr>
+            <a:xfrm>
+              <a:off x="6740039" y="3404809"/>
+              <a:ext cx="1380190" cy="276999"/>
+            </a:xfrm>
+            <a:prstGeom prst="rect">
+              <a:avLst/>
+            </a:prstGeom>
+            <a:noFill/>
+          </p:spPr>
+          <p:txBody>
+            <a:bodyPr wrap="square" rtlCol="0">
+              <a:spAutoFit/>
+            </a:bodyPr>
+            <a:lstStyle/>
+            <a:p>
+              <a:r>
+                <a:rPr lang="en-US" altLang="zh-TW" sz="1200" dirty="0" err="1">
+                  <a:latin typeface="Times New Roman" panose="02020603050405020304" pitchFamily="18" charset="0"/>
+                  <a:cs typeface="Times New Roman" panose="02020603050405020304" pitchFamily="18" charset="0"/>
+                </a:rPr>
+                <a:t>currentState_CRX</a:t>
+              </a:r>
+              <a:endParaRPr lang="zh-TW" altLang="en-US" sz="1200" dirty="0">
+                <a:latin typeface="Times New Roman" panose="02020603050405020304" pitchFamily="18" charset="0"/>
+                <a:cs typeface="Times New Roman" panose="02020603050405020304" pitchFamily="18" charset="0"/>
+              </a:endParaRPr>
+            </a:p>
+          </p:txBody>
+        </p:sp>
+      </p:grpSp>
+      <p:grpSp>
+        <p:nvGrpSpPr>
+          <p:cNvPr id="271" name="群組 270">
+            <a:extLst>
+              <a:ext uri="{FF2B5EF4-FFF2-40B4-BE49-F238E27FC236}">
+                <a16:creationId xmlns:a16="http://schemas.microsoft.com/office/drawing/2014/main" id="{E5A8E996-AC04-4345-88EA-6B2A3B6F1CE1}"/>
+              </a:ext>
+            </a:extLst>
+          </p:cNvPr>
+          <p:cNvGrpSpPr/>
+          <p:nvPr/>
+        </p:nvGrpSpPr>
+        <p:grpSpPr>
+          <a:xfrm>
+            <a:off x="7684423" y="4518708"/>
+            <a:ext cx="1914174" cy="681025"/>
+            <a:chOff x="3979482" y="3615548"/>
+            <a:chExt cx="1237085" cy="681025"/>
+          </a:xfrm>
+        </p:grpSpPr>
+        <p:grpSp>
+          <p:nvGrpSpPr>
+            <p:cNvPr id="273" name="群組 272">
+              <a:extLst>
+                <a:ext uri="{FF2B5EF4-FFF2-40B4-BE49-F238E27FC236}">
+                  <a16:creationId xmlns:a16="http://schemas.microsoft.com/office/drawing/2014/main" id="{B82BB6B0-6544-4888-A84E-F70AA0A420A9}"/>
+                </a:ext>
+              </a:extLst>
+            </p:cNvPr>
+            <p:cNvGrpSpPr/>
+            <p:nvPr/>
+          </p:nvGrpSpPr>
+          <p:grpSpPr>
+            <a:xfrm>
+              <a:off x="3979482" y="3615548"/>
+              <a:ext cx="719093" cy="426910"/>
+              <a:chOff x="3600931" y="1895753"/>
+              <a:chExt cx="1014668" cy="692189"/>
+            </a:xfrm>
+          </p:grpSpPr>
+          <p:sp>
+            <p:nvSpPr>
+              <p:cNvPr id="278" name="箭號: 向右 277">
+                <a:extLst>
+                  <a:ext uri="{FF2B5EF4-FFF2-40B4-BE49-F238E27FC236}">
+                    <a16:creationId xmlns:a16="http://schemas.microsoft.com/office/drawing/2014/main" id="{81B18E4A-B33F-44B7-B5A8-C6470B316B35}"/>
+                  </a:ext>
+                </a:extLst>
+              </p:cNvPr>
+              <p:cNvSpPr/>
+              <p:nvPr/>
+            </p:nvSpPr>
+            <p:spPr>
+              <a:xfrm>
+                <a:off x="3600931" y="2275407"/>
+                <a:ext cx="1014668" cy="312535"/>
+              </a:xfrm>
+              <a:prstGeom prst="rightArrow">
+                <a:avLst/>
+              </a:prstGeom>
+            </p:spPr>
+            <p:style>
+              <a:lnRef idx="2">
+                <a:schemeClr val="accent1">
+                  <a:shade val="50000"/>
+                </a:schemeClr>
+              </a:lnRef>
+              <a:fillRef idx="1">
+                <a:schemeClr val="accent1"/>
+              </a:fillRef>
+              <a:effectRef idx="0">
+                <a:schemeClr val="accent1"/>
+              </a:effectRef>
+              <a:fontRef idx="minor">
+                <a:schemeClr val="lt1"/>
+              </a:fontRef>
+            </p:style>
+            <p:txBody>
+              <a:bodyPr rtlCol="0" anchor="ctr"/>
+              <a:lstStyle/>
+              <a:p>
+                <a:pPr algn="ctr"/>
+                <a:endParaRPr lang="zh-TW" altLang="en-US"/>
+              </a:p>
+            </p:txBody>
+          </p:sp>
+          <p:cxnSp>
+            <p:nvCxnSpPr>
+              <p:cNvPr id="279" name="直線接點 278">
+                <a:extLst>
+                  <a:ext uri="{FF2B5EF4-FFF2-40B4-BE49-F238E27FC236}">
+                    <a16:creationId xmlns:a16="http://schemas.microsoft.com/office/drawing/2014/main" id="{78991DAE-01C8-4AE7-8C2C-5747A1E01802}"/>
+                  </a:ext>
+                </a:extLst>
+              </p:cNvPr>
+              <p:cNvCxnSpPr>
+                <a:cxnSpLocks/>
+              </p:cNvCxnSpPr>
+              <p:nvPr/>
+            </p:nvCxnSpPr>
+            <p:spPr>
+              <a:xfrm>
+                <a:off x="3907230" y="2269581"/>
+                <a:ext cx="147349" cy="317026"/>
+              </a:xfrm>
+              <a:prstGeom prst="line">
+                <a:avLst/>
+              </a:prstGeom>
+            </p:spPr>
+            <p:style>
+              <a:lnRef idx="3">
+                <a:schemeClr val="dk1"/>
+              </a:lnRef>
+              <a:fillRef idx="0">
+                <a:schemeClr val="dk1"/>
+              </a:fillRef>
+              <a:effectRef idx="2">
+                <a:schemeClr val="dk1"/>
+              </a:effectRef>
+              <a:fontRef idx="minor">
+                <a:schemeClr val="tx1"/>
+              </a:fontRef>
+            </p:style>
+          </p:cxnSp>
+          <p:sp>
+            <p:nvSpPr>
+              <p:cNvPr id="280" name="文字方塊 279">
+                <a:extLst>
+                  <a:ext uri="{FF2B5EF4-FFF2-40B4-BE49-F238E27FC236}">
+                    <a16:creationId xmlns:a16="http://schemas.microsoft.com/office/drawing/2014/main" id="{8FC9DC09-EEE7-4C4D-8C0F-420DF52615E1}"/>
+                  </a:ext>
+                </a:extLst>
+              </p:cNvPr>
+              <p:cNvSpPr txBox="1"/>
+              <p:nvPr/>
+            </p:nvSpPr>
+            <p:spPr>
+              <a:xfrm>
+                <a:off x="3749241" y="1895753"/>
+                <a:ext cx="796016" cy="276999"/>
+              </a:xfrm>
+              <a:prstGeom prst="rect">
+                <a:avLst/>
+              </a:prstGeom>
+              <a:noFill/>
+            </p:spPr>
+            <p:txBody>
+              <a:bodyPr wrap="square" rtlCol="0">
+                <a:spAutoFit/>
+              </a:bodyPr>
+              <a:lstStyle/>
+              <a:p>
+                <a:r>
+                  <a:rPr lang="en-US" altLang="zh-TW" sz="1200" dirty="0">
+                    <a:latin typeface="Times New Roman" panose="02020603050405020304" pitchFamily="18" charset="0"/>
+                    <a:cs typeface="Times New Roman" panose="02020603050405020304" pitchFamily="18" charset="0"/>
+                  </a:rPr>
+                  <a:t>11*2</a:t>
+                </a:r>
+                <a:endParaRPr lang="zh-TW" altLang="en-US" sz="1200" dirty="0">
+                  <a:latin typeface="Times New Roman" panose="02020603050405020304" pitchFamily="18" charset="0"/>
+                  <a:cs typeface="Times New Roman" panose="02020603050405020304" pitchFamily="18" charset="0"/>
+                </a:endParaRPr>
+              </a:p>
+            </p:txBody>
+          </p:sp>
+        </p:grpSp>
+        <p:sp>
+          <p:nvSpPr>
+            <p:cNvPr id="275" name="文字方塊 274">
+              <a:extLst>
+                <a:ext uri="{FF2B5EF4-FFF2-40B4-BE49-F238E27FC236}">
+                  <a16:creationId xmlns:a16="http://schemas.microsoft.com/office/drawing/2014/main" id="{B225C59C-BD7B-47E9-8465-2924A7926830}"/>
+                </a:ext>
+              </a:extLst>
+            </p:cNvPr>
+            <p:cNvSpPr txBox="1"/>
+            <p:nvPr/>
+          </p:nvSpPr>
+          <p:spPr>
+            <a:xfrm>
+              <a:off x="4054056" y="4081129"/>
+              <a:ext cx="1162511" cy="215444"/>
+            </a:xfrm>
+            <a:prstGeom prst="rect">
+              <a:avLst/>
+            </a:prstGeom>
+            <a:noFill/>
+          </p:spPr>
+          <p:txBody>
+            <a:bodyPr wrap="square" rtlCol="0">
+              <a:spAutoFit/>
+            </a:bodyPr>
+            <a:lstStyle/>
+            <a:p>
+              <a:r>
+                <a:rPr lang="en-US" altLang="zh-TW" sz="800" dirty="0" err="1">
+                  <a:latin typeface="Times New Roman" panose="02020603050405020304" pitchFamily="18" charset="0"/>
+                  <a:cs typeface="Times New Roman" panose="02020603050405020304" pitchFamily="18" charset="0"/>
+                </a:rPr>
+                <a:t>newStateCRX</a:t>
+              </a:r>
+              <a:endParaRPr lang="zh-TW" altLang="en-US" sz="800" dirty="0">
+                <a:latin typeface="Times New Roman" panose="02020603050405020304" pitchFamily="18" charset="0"/>
+                <a:cs typeface="Times New Roman" panose="02020603050405020304" pitchFamily="18" charset="0"/>
+              </a:endParaRPr>
+            </a:p>
+          </p:txBody>
+        </p:sp>
+      </p:grpSp>
+      <p:grpSp>
+        <p:nvGrpSpPr>
+          <p:cNvPr id="281" name="群組 280">
+            <a:extLst>
+              <a:ext uri="{FF2B5EF4-FFF2-40B4-BE49-F238E27FC236}">
+                <a16:creationId xmlns:a16="http://schemas.microsoft.com/office/drawing/2014/main" id="{493CE736-2FFD-4203-A3A1-E5B133453B85}"/>
+              </a:ext>
+            </a:extLst>
+          </p:cNvPr>
+          <p:cNvGrpSpPr/>
+          <p:nvPr/>
+        </p:nvGrpSpPr>
+        <p:grpSpPr>
+          <a:xfrm>
+            <a:off x="5775977" y="1183285"/>
+            <a:ext cx="3673358" cy="491990"/>
+            <a:chOff x="271714" y="6407804"/>
+            <a:chExt cx="1503787" cy="491990"/>
+          </a:xfrm>
+        </p:grpSpPr>
+        <p:cxnSp>
+          <p:nvCxnSpPr>
+            <p:cNvPr id="282" name="直線單箭頭接點 281">
+              <a:extLst>
+                <a:ext uri="{FF2B5EF4-FFF2-40B4-BE49-F238E27FC236}">
+                  <a16:creationId xmlns:a16="http://schemas.microsoft.com/office/drawing/2014/main" id="{08BC83A9-A3E5-4701-8166-A2BD140F7894}"/>
+                </a:ext>
+              </a:extLst>
+            </p:cNvPr>
+            <p:cNvCxnSpPr>
+              <a:cxnSpLocks/>
+            </p:cNvCxnSpPr>
+            <p:nvPr/>
+          </p:nvCxnSpPr>
+          <p:spPr>
+            <a:xfrm>
+              <a:off x="271714" y="6664305"/>
+              <a:ext cx="1226857" cy="0"/>
+            </a:xfrm>
+            <a:prstGeom prst="straightConnector1">
+              <a:avLst/>
+            </a:prstGeom>
+            <a:ln>
+              <a:tailEnd type="triangle"/>
+            </a:ln>
+          </p:spPr>
+          <p:style>
+            <a:lnRef idx="3">
+              <a:schemeClr val="accent1"/>
+            </a:lnRef>
+            <a:fillRef idx="0">
+              <a:schemeClr val="accent1"/>
+            </a:fillRef>
+            <a:effectRef idx="2">
+              <a:schemeClr val="accent1"/>
+            </a:effectRef>
+            <a:fontRef idx="minor">
+              <a:schemeClr val="tx1"/>
+            </a:fontRef>
+          </p:style>
+        </p:cxnSp>
+        <p:sp>
+          <p:nvSpPr>
+            <p:cNvPr id="284" name="文字方塊 283">
+              <a:extLst>
+                <a:ext uri="{FF2B5EF4-FFF2-40B4-BE49-F238E27FC236}">
+                  <a16:creationId xmlns:a16="http://schemas.microsoft.com/office/drawing/2014/main" id="{B2F54F44-CA19-4B05-82B3-74C2E3D2D60C}"/>
+                </a:ext>
+              </a:extLst>
+            </p:cNvPr>
+            <p:cNvSpPr txBox="1"/>
+            <p:nvPr/>
+          </p:nvSpPr>
+          <p:spPr>
+            <a:xfrm>
+              <a:off x="612990" y="6684350"/>
+              <a:ext cx="1162511" cy="215444"/>
+            </a:xfrm>
+            <a:prstGeom prst="rect">
+              <a:avLst/>
+            </a:prstGeom>
+            <a:noFill/>
+          </p:spPr>
+          <p:txBody>
+            <a:bodyPr wrap="square" rtlCol="0">
+              <a:spAutoFit/>
+            </a:bodyPr>
+            <a:lstStyle/>
+            <a:p>
+              <a:r>
+                <a:rPr lang="en-US" altLang="zh-TW" sz="800" dirty="0" err="1">
+                  <a:latin typeface="Times New Roman" panose="02020603050405020304" pitchFamily="18" charset="0"/>
+                  <a:cs typeface="Times New Roman" panose="02020603050405020304" pitchFamily="18" charset="0"/>
+                </a:rPr>
+                <a:t>offSpringMutateRate_CRX</a:t>
+              </a:r>
+              <a:endParaRPr lang="zh-TW" altLang="en-US" sz="800" dirty="0">
+                <a:latin typeface="Times New Roman" panose="02020603050405020304" pitchFamily="18" charset="0"/>
+                <a:cs typeface="Times New Roman" panose="02020603050405020304" pitchFamily="18" charset="0"/>
+              </a:endParaRPr>
+            </a:p>
+          </p:txBody>
+        </p:sp>
+        <p:cxnSp>
+          <p:nvCxnSpPr>
+            <p:cNvPr id="286" name="直線接點 285">
+              <a:extLst>
+                <a:ext uri="{FF2B5EF4-FFF2-40B4-BE49-F238E27FC236}">
+                  <a16:creationId xmlns:a16="http://schemas.microsoft.com/office/drawing/2014/main" id="{97248665-7DF4-4BD7-86EF-5D4F1D1E1D4A}"/>
+                </a:ext>
+              </a:extLst>
+            </p:cNvPr>
+            <p:cNvCxnSpPr>
+              <a:cxnSpLocks/>
+            </p:cNvCxnSpPr>
+            <p:nvPr/>
+          </p:nvCxnSpPr>
+          <p:spPr>
+            <a:xfrm>
+              <a:off x="739660" y="6604353"/>
+              <a:ext cx="173322" cy="148216"/>
+            </a:xfrm>
+            <a:prstGeom prst="line">
+              <a:avLst/>
+            </a:prstGeom>
+          </p:spPr>
+          <p:style>
+            <a:lnRef idx="3">
+              <a:schemeClr val="dk1"/>
+            </a:lnRef>
+            <a:fillRef idx="0">
+              <a:schemeClr val="dk1"/>
+            </a:fillRef>
+            <a:effectRef idx="2">
+              <a:schemeClr val="dk1"/>
+            </a:effectRef>
+            <a:fontRef idx="minor">
+              <a:schemeClr val="tx1"/>
+            </a:fontRef>
+          </p:style>
+        </p:cxnSp>
+        <p:sp>
+          <p:nvSpPr>
+            <p:cNvPr id="289" name="文字方塊 288">
+              <a:extLst>
+                <a:ext uri="{FF2B5EF4-FFF2-40B4-BE49-F238E27FC236}">
+                  <a16:creationId xmlns:a16="http://schemas.microsoft.com/office/drawing/2014/main" id="{C62D878A-7328-417D-8B91-E5BC1D5F72F3}"/>
+                </a:ext>
+              </a:extLst>
+            </p:cNvPr>
+            <p:cNvSpPr txBox="1"/>
+            <p:nvPr/>
+          </p:nvSpPr>
+          <p:spPr>
+            <a:xfrm>
+              <a:off x="767546" y="6407804"/>
+              <a:ext cx="564135" cy="276999"/>
+            </a:xfrm>
+            <a:prstGeom prst="rect">
+              <a:avLst/>
+            </a:prstGeom>
+            <a:noFill/>
+          </p:spPr>
+          <p:txBody>
+            <a:bodyPr wrap="square" rtlCol="0">
+              <a:spAutoFit/>
+            </a:bodyPr>
+            <a:lstStyle/>
+            <a:p>
+              <a:r>
+                <a:rPr lang="en-US" altLang="zh-TW" sz="1200" dirty="0">
+                  <a:latin typeface="Times New Roman" panose="02020603050405020304" pitchFamily="18" charset="0"/>
+                  <a:cs typeface="Times New Roman" panose="02020603050405020304" pitchFamily="18" charset="0"/>
+                </a:rPr>
+                <a:t>8</a:t>
+              </a:r>
+              <a:endParaRPr lang="zh-TW" altLang="en-US" sz="1200" dirty="0">
+                <a:latin typeface="Times New Roman" panose="02020603050405020304" pitchFamily="18" charset="0"/>
+                <a:cs typeface="Times New Roman" panose="02020603050405020304" pitchFamily="18" charset="0"/>
+              </a:endParaRPr>
+            </a:p>
+          </p:txBody>
+        </p:sp>
+      </p:grpSp>
+      <p:sp>
+        <p:nvSpPr>
+          <p:cNvPr id="290" name="流程圖: 接點 289">
+            <a:extLst>
+              <a:ext uri="{FF2B5EF4-FFF2-40B4-BE49-F238E27FC236}">
+                <a16:creationId xmlns:a16="http://schemas.microsoft.com/office/drawing/2014/main" id="{A38229D7-1850-4F61-82CA-F02365916D59}"/>
+              </a:ext>
+            </a:extLst>
+          </p:cNvPr>
+          <p:cNvSpPr/>
+          <p:nvPr/>
+        </p:nvSpPr>
+        <p:spPr>
+          <a:xfrm>
+            <a:off x="6934500" y="1854803"/>
+            <a:ext cx="515708" cy="527488"/>
+          </a:xfrm>
+          <a:prstGeom prst="flowChartConnector">
+            <a:avLst/>
+          </a:prstGeom>
+        </p:spPr>
+        <p:style>
+          <a:lnRef idx="2">
+            <a:schemeClr val="accent4">
+              <a:shade val="50000"/>
+            </a:schemeClr>
+          </a:lnRef>
+          <a:fillRef idx="1">
+            <a:schemeClr val="accent4"/>
+          </a:fillRef>
+          <a:effectRef idx="0">
+            <a:schemeClr val="accent4"/>
+          </a:effectRef>
+          <a:fontRef idx="minor">
+            <a:schemeClr val="lt1"/>
+          </a:fontRef>
+        </p:style>
+        <p:txBody>
+          <a:bodyPr rtlCol="0" anchor="ctr"/>
+          <a:lstStyle/>
+          <a:p>
+            <a:pPr algn="ctr"/>
+            <a:r>
+              <a:rPr lang="en-US" altLang="zh-TW" sz="3600" dirty="0"/>
+              <a:t>&lt;</a:t>
+            </a:r>
+            <a:endParaRPr lang="zh-TW" altLang="en-US" sz="3600" dirty="0"/>
+          </a:p>
+        </p:txBody>
+      </p:sp>
+      <p:grpSp>
+        <p:nvGrpSpPr>
+          <p:cNvPr id="291" name="群組 290">
+            <a:extLst>
+              <a:ext uri="{FF2B5EF4-FFF2-40B4-BE49-F238E27FC236}">
+                <a16:creationId xmlns:a16="http://schemas.microsoft.com/office/drawing/2014/main" id="{C3BADBD3-1CD0-40B6-9F62-A7B69E63FE0A}"/>
+              </a:ext>
+            </a:extLst>
+          </p:cNvPr>
+          <p:cNvGrpSpPr/>
+          <p:nvPr/>
+        </p:nvGrpSpPr>
+        <p:grpSpPr>
+          <a:xfrm>
+            <a:off x="5793626" y="1718251"/>
+            <a:ext cx="1588905" cy="485446"/>
+            <a:chOff x="271714" y="6407804"/>
+            <a:chExt cx="1677919" cy="485446"/>
+          </a:xfrm>
+        </p:grpSpPr>
+        <p:cxnSp>
+          <p:nvCxnSpPr>
+            <p:cNvPr id="292" name="直線單箭頭接點 291">
+              <a:extLst>
+                <a:ext uri="{FF2B5EF4-FFF2-40B4-BE49-F238E27FC236}">
+                  <a16:creationId xmlns:a16="http://schemas.microsoft.com/office/drawing/2014/main" id="{E410D877-C7F7-4005-B2C0-FF1AEE2F34D9}"/>
+                </a:ext>
+              </a:extLst>
+            </p:cNvPr>
+            <p:cNvCxnSpPr>
+              <a:cxnSpLocks/>
+            </p:cNvCxnSpPr>
+            <p:nvPr/>
+          </p:nvCxnSpPr>
+          <p:spPr>
+            <a:xfrm>
+              <a:off x="271714" y="6664305"/>
+              <a:ext cx="1226857" cy="0"/>
+            </a:xfrm>
+            <a:prstGeom prst="straightConnector1">
+              <a:avLst/>
+            </a:prstGeom>
+            <a:ln>
+              <a:tailEnd type="triangle"/>
+            </a:ln>
+          </p:spPr>
+          <p:style>
+            <a:lnRef idx="3">
+              <a:schemeClr val="accent1"/>
+            </a:lnRef>
+            <a:fillRef idx="0">
+              <a:schemeClr val="accent1"/>
+            </a:fillRef>
+            <a:effectRef idx="2">
+              <a:schemeClr val="accent1"/>
+            </a:effectRef>
+            <a:fontRef idx="minor">
+              <a:schemeClr val="tx1"/>
+            </a:fontRef>
+          </p:style>
+        </p:cxnSp>
+        <p:sp>
+          <p:nvSpPr>
+            <p:cNvPr id="295" name="文字方塊 294">
+              <a:extLst>
+                <a:ext uri="{FF2B5EF4-FFF2-40B4-BE49-F238E27FC236}">
+                  <a16:creationId xmlns:a16="http://schemas.microsoft.com/office/drawing/2014/main" id="{587D9877-3D48-4E20-AFAF-80DE7DB613CF}"/>
+                </a:ext>
+              </a:extLst>
+            </p:cNvPr>
+            <p:cNvSpPr txBox="1"/>
+            <p:nvPr/>
+          </p:nvSpPr>
+          <p:spPr>
+            <a:xfrm>
+              <a:off x="477156" y="6677806"/>
+              <a:ext cx="1472477" cy="215444"/>
+            </a:xfrm>
+            <a:prstGeom prst="rect">
+              <a:avLst/>
+            </a:prstGeom>
+            <a:noFill/>
+          </p:spPr>
+          <p:txBody>
+            <a:bodyPr wrap="square" rtlCol="0">
+              <a:spAutoFit/>
+            </a:bodyPr>
+            <a:lstStyle/>
+            <a:p>
+              <a:r>
+                <a:rPr lang="en-US" altLang="zh-TW" sz="800" dirty="0" err="1">
+                  <a:latin typeface="Times New Roman" panose="02020603050405020304" pitchFamily="18" charset="0"/>
+                  <a:cs typeface="Times New Roman" panose="02020603050405020304" pitchFamily="18" charset="0"/>
+                </a:rPr>
+                <a:t>popFit_CRX</a:t>
+              </a:r>
+              <a:endParaRPr lang="zh-TW" altLang="en-US" sz="800" dirty="0">
+                <a:latin typeface="Times New Roman" panose="02020603050405020304" pitchFamily="18" charset="0"/>
+                <a:cs typeface="Times New Roman" panose="02020603050405020304" pitchFamily="18" charset="0"/>
+              </a:endParaRPr>
+            </a:p>
+          </p:txBody>
+        </p:sp>
+        <p:cxnSp>
+          <p:nvCxnSpPr>
+            <p:cNvPr id="298" name="直線接點 297">
+              <a:extLst>
+                <a:ext uri="{FF2B5EF4-FFF2-40B4-BE49-F238E27FC236}">
+                  <a16:creationId xmlns:a16="http://schemas.microsoft.com/office/drawing/2014/main" id="{4CAED65D-045B-43B2-80C2-64D10829D3ED}"/>
+                </a:ext>
+              </a:extLst>
+            </p:cNvPr>
+            <p:cNvCxnSpPr>
+              <a:cxnSpLocks/>
+            </p:cNvCxnSpPr>
+            <p:nvPr/>
+          </p:nvCxnSpPr>
+          <p:spPr>
+            <a:xfrm>
+              <a:off x="739660" y="6604353"/>
+              <a:ext cx="173322" cy="148216"/>
+            </a:xfrm>
+            <a:prstGeom prst="line">
+              <a:avLst/>
+            </a:prstGeom>
+          </p:spPr>
+          <p:style>
+            <a:lnRef idx="3">
+              <a:schemeClr val="dk1"/>
+            </a:lnRef>
+            <a:fillRef idx="0">
+              <a:schemeClr val="dk1"/>
+            </a:fillRef>
+            <a:effectRef idx="2">
+              <a:schemeClr val="dk1"/>
+            </a:effectRef>
+            <a:fontRef idx="minor">
+              <a:schemeClr val="tx1"/>
+            </a:fontRef>
+          </p:style>
+        </p:cxnSp>
+        <p:sp>
+          <p:nvSpPr>
+            <p:cNvPr id="299" name="文字方塊 298">
+              <a:extLst>
+                <a:ext uri="{FF2B5EF4-FFF2-40B4-BE49-F238E27FC236}">
+                  <a16:creationId xmlns:a16="http://schemas.microsoft.com/office/drawing/2014/main" id="{43F0B85E-B3B5-49FE-B0FF-FB5723ACDAB8}"/>
+                </a:ext>
+              </a:extLst>
+            </p:cNvPr>
+            <p:cNvSpPr txBox="1"/>
+            <p:nvPr/>
+          </p:nvSpPr>
+          <p:spPr>
+            <a:xfrm>
+              <a:off x="767546" y="6407804"/>
+              <a:ext cx="564135" cy="276999"/>
+            </a:xfrm>
+            <a:prstGeom prst="rect">
+              <a:avLst/>
+            </a:prstGeom>
+            <a:noFill/>
+          </p:spPr>
+          <p:txBody>
+            <a:bodyPr wrap="square" rtlCol="0">
+              <a:spAutoFit/>
+            </a:bodyPr>
+            <a:lstStyle/>
+            <a:p>
+              <a:r>
+                <a:rPr lang="en-US" altLang="zh-TW" sz="1200" dirty="0">
+                  <a:latin typeface="Times New Roman" panose="02020603050405020304" pitchFamily="18" charset="0"/>
+                  <a:cs typeface="Times New Roman" panose="02020603050405020304" pitchFamily="18" charset="0"/>
+                </a:rPr>
+                <a:t>10</a:t>
+              </a:r>
+              <a:endParaRPr lang="zh-TW" altLang="en-US" sz="1200" dirty="0">
+                <a:latin typeface="Times New Roman" panose="02020603050405020304" pitchFamily="18" charset="0"/>
+                <a:cs typeface="Times New Roman" panose="02020603050405020304" pitchFamily="18" charset="0"/>
+              </a:endParaRPr>
+            </a:p>
+          </p:txBody>
+        </p:sp>
+      </p:grpSp>
+      <p:grpSp>
+        <p:nvGrpSpPr>
+          <p:cNvPr id="301" name="群組 300">
+            <a:extLst>
+              <a:ext uri="{FF2B5EF4-FFF2-40B4-BE49-F238E27FC236}">
+                <a16:creationId xmlns:a16="http://schemas.microsoft.com/office/drawing/2014/main" id="{6B5BE4A2-BDC5-4819-A7DB-F88282E51D5D}"/>
+              </a:ext>
+            </a:extLst>
+          </p:cNvPr>
+          <p:cNvGrpSpPr/>
+          <p:nvPr/>
+        </p:nvGrpSpPr>
+        <p:grpSpPr>
+          <a:xfrm>
+            <a:off x="5800302" y="2078574"/>
+            <a:ext cx="1526204" cy="444055"/>
+            <a:chOff x="271714" y="6407804"/>
+            <a:chExt cx="1611705" cy="532876"/>
+          </a:xfrm>
+        </p:grpSpPr>
+        <p:cxnSp>
+          <p:nvCxnSpPr>
+            <p:cNvPr id="305" name="直線單箭頭接點 304">
+              <a:extLst>
+                <a:ext uri="{FF2B5EF4-FFF2-40B4-BE49-F238E27FC236}">
+                  <a16:creationId xmlns:a16="http://schemas.microsoft.com/office/drawing/2014/main" id="{6265719F-2F1E-4C69-9459-3CBEBD32074E}"/>
+                </a:ext>
+              </a:extLst>
+            </p:cNvPr>
+            <p:cNvCxnSpPr>
+              <a:cxnSpLocks/>
+            </p:cNvCxnSpPr>
+            <p:nvPr/>
+          </p:nvCxnSpPr>
+          <p:spPr>
+            <a:xfrm>
+              <a:off x="271714" y="6664305"/>
+              <a:ext cx="1226857" cy="0"/>
+            </a:xfrm>
+            <a:prstGeom prst="straightConnector1">
+              <a:avLst/>
+            </a:prstGeom>
+            <a:ln>
+              <a:tailEnd type="triangle"/>
+            </a:ln>
+          </p:spPr>
+          <p:style>
+            <a:lnRef idx="3">
+              <a:schemeClr val="accent1"/>
+            </a:lnRef>
+            <a:fillRef idx="0">
+              <a:schemeClr val="accent1"/>
+            </a:fillRef>
+            <a:effectRef idx="2">
+              <a:schemeClr val="accent1"/>
+            </a:effectRef>
+            <a:fontRef idx="minor">
+              <a:schemeClr val="tx1"/>
+            </a:fontRef>
+          </p:style>
+        </p:cxnSp>
+        <p:sp>
+          <p:nvSpPr>
+            <p:cNvPr id="306" name="文字方塊 305">
+              <a:extLst>
+                <a:ext uri="{FF2B5EF4-FFF2-40B4-BE49-F238E27FC236}">
+                  <a16:creationId xmlns:a16="http://schemas.microsoft.com/office/drawing/2014/main" id="{E0838087-62D5-4022-ABB6-1B5264B0EFF7}"/>
+                </a:ext>
+              </a:extLst>
+            </p:cNvPr>
+            <p:cNvSpPr txBox="1"/>
+            <p:nvPr/>
+          </p:nvSpPr>
+          <p:spPr>
+            <a:xfrm>
+              <a:off x="410942" y="6682142"/>
+              <a:ext cx="1472477" cy="258538"/>
+            </a:xfrm>
+            <a:prstGeom prst="rect">
+              <a:avLst/>
+            </a:prstGeom>
+            <a:noFill/>
+          </p:spPr>
+          <p:txBody>
+            <a:bodyPr wrap="square" rtlCol="0">
+              <a:spAutoFit/>
+            </a:bodyPr>
+            <a:lstStyle/>
+            <a:p>
+              <a:r>
+                <a:rPr lang="en-US" altLang="zh-TW" sz="800" dirty="0" err="1">
+                  <a:latin typeface="Times New Roman" panose="02020603050405020304" pitchFamily="18" charset="0"/>
+                  <a:cs typeface="Times New Roman" panose="02020603050405020304" pitchFamily="18" charset="0"/>
+                </a:rPr>
+                <a:t>offSpringFit_CRX</a:t>
+              </a:r>
+              <a:endParaRPr lang="zh-TW" altLang="en-US" sz="800" dirty="0">
+                <a:latin typeface="Times New Roman" panose="02020603050405020304" pitchFamily="18" charset="0"/>
+                <a:cs typeface="Times New Roman" panose="02020603050405020304" pitchFamily="18" charset="0"/>
+              </a:endParaRPr>
+            </a:p>
+          </p:txBody>
+        </p:sp>
+        <p:cxnSp>
+          <p:nvCxnSpPr>
+            <p:cNvPr id="307" name="直線接點 306">
+              <a:extLst>
+                <a:ext uri="{FF2B5EF4-FFF2-40B4-BE49-F238E27FC236}">
+                  <a16:creationId xmlns:a16="http://schemas.microsoft.com/office/drawing/2014/main" id="{75DD0F6D-F513-4F9B-8A43-019714374573}"/>
+                </a:ext>
+              </a:extLst>
+            </p:cNvPr>
+            <p:cNvCxnSpPr>
+              <a:cxnSpLocks/>
+            </p:cNvCxnSpPr>
+            <p:nvPr/>
+          </p:nvCxnSpPr>
+          <p:spPr>
+            <a:xfrm>
+              <a:off x="739660" y="6604353"/>
+              <a:ext cx="173322" cy="148216"/>
+            </a:xfrm>
+            <a:prstGeom prst="line">
+              <a:avLst/>
+            </a:prstGeom>
+          </p:spPr>
+          <p:style>
+            <a:lnRef idx="3">
+              <a:schemeClr val="dk1"/>
+            </a:lnRef>
+            <a:fillRef idx="0">
+              <a:schemeClr val="dk1"/>
+            </a:fillRef>
+            <a:effectRef idx="2">
+              <a:schemeClr val="dk1"/>
+            </a:effectRef>
+            <a:fontRef idx="minor">
+              <a:schemeClr val="tx1"/>
+            </a:fontRef>
+          </p:style>
+        </p:cxnSp>
+        <p:sp>
+          <p:nvSpPr>
+            <p:cNvPr id="312" name="文字方塊 311">
+              <a:extLst>
+                <a:ext uri="{FF2B5EF4-FFF2-40B4-BE49-F238E27FC236}">
+                  <a16:creationId xmlns:a16="http://schemas.microsoft.com/office/drawing/2014/main" id="{E3E6B344-2FD1-42AC-9EC6-9086194C1335}"/>
+                </a:ext>
+              </a:extLst>
+            </p:cNvPr>
+            <p:cNvSpPr txBox="1"/>
+            <p:nvPr/>
+          </p:nvSpPr>
+          <p:spPr>
+            <a:xfrm>
+              <a:off x="767546" y="6407804"/>
+              <a:ext cx="564135" cy="332405"/>
+            </a:xfrm>
+            <a:prstGeom prst="rect">
+              <a:avLst/>
+            </a:prstGeom>
+            <a:noFill/>
+          </p:spPr>
+          <p:txBody>
+            <a:bodyPr wrap="square" rtlCol="0">
+              <a:spAutoFit/>
+            </a:bodyPr>
+            <a:lstStyle/>
+            <a:p>
+              <a:r>
+                <a:rPr lang="en-US" altLang="zh-TW" sz="1200" dirty="0">
+                  <a:latin typeface="Times New Roman" panose="02020603050405020304" pitchFamily="18" charset="0"/>
+                  <a:cs typeface="Times New Roman" panose="02020603050405020304" pitchFamily="18" charset="0"/>
+                </a:rPr>
+                <a:t>10</a:t>
+              </a:r>
+              <a:endParaRPr lang="zh-TW" altLang="en-US" sz="1200" dirty="0">
+                <a:latin typeface="Times New Roman" panose="02020603050405020304" pitchFamily="18" charset="0"/>
+                <a:cs typeface="Times New Roman" panose="02020603050405020304" pitchFamily="18" charset="0"/>
+              </a:endParaRPr>
+            </a:p>
+          </p:txBody>
+        </p:sp>
+      </p:grpSp>
+      <p:grpSp>
+        <p:nvGrpSpPr>
+          <p:cNvPr id="313" name="群組 312">
+            <a:extLst>
+              <a:ext uri="{FF2B5EF4-FFF2-40B4-BE49-F238E27FC236}">
+                <a16:creationId xmlns:a16="http://schemas.microsoft.com/office/drawing/2014/main" id="{37539CAE-86FA-4AD2-B3D2-6BDA2AE790F4}"/>
+              </a:ext>
+            </a:extLst>
+          </p:cNvPr>
+          <p:cNvGrpSpPr/>
+          <p:nvPr/>
+        </p:nvGrpSpPr>
+        <p:grpSpPr>
+          <a:xfrm>
+            <a:off x="5805272" y="2381771"/>
+            <a:ext cx="1679233" cy="485446"/>
+            <a:chOff x="271714" y="6407804"/>
+            <a:chExt cx="1677919" cy="485446"/>
+          </a:xfrm>
+        </p:grpSpPr>
+        <p:cxnSp>
+          <p:nvCxnSpPr>
+            <p:cNvPr id="314" name="直線單箭頭接點 313">
+              <a:extLst>
+                <a:ext uri="{FF2B5EF4-FFF2-40B4-BE49-F238E27FC236}">
+                  <a16:creationId xmlns:a16="http://schemas.microsoft.com/office/drawing/2014/main" id="{153CFA3B-1C13-443F-BEFC-C43141690422}"/>
+                </a:ext>
+              </a:extLst>
+            </p:cNvPr>
+            <p:cNvCxnSpPr>
+              <a:cxnSpLocks/>
+            </p:cNvCxnSpPr>
+            <p:nvPr/>
+          </p:nvCxnSpPr>
+          <p:spPr>
+            <a:xfrm>
+              <a:off x="271714" y="6664305"/>
+              <a:ext cx="1226857" cy="0"/>
+            </a:xfrm>
+            <a:prstGeom prst="straightConnector1">
+              <a:avLst/>
+            </a:prstGeom>
+            <a:ln>
+              <a:tailEnd type="triangle"/>
+            </a:ln>
+          </p:spPr>
+          <p:style>
+            <a:lnRef idx="3">
+              <a:schemeClr val="accent1"/>
+            </a:lnRef>
+            <a:fillRef idx="0">
+              <a:schemeClr val="accent1"/>
+            </a:fillRef>
+            <a:effectRef idx="2">
+              <a:schemeClr val="accent1"/>
+            </a:effectRef>
+            <a:fontRef idx="minor">
+              <a:schemeClr val="tx1"/>
+            </a:fontRef>
+          </p:style>
+        </p:cxnSp>
+        <p:sp>
+          <p:nvSpPr>
+            <p:cNvPr id="315" name="文字方塊 314">
+              <a:extLst>
+                <a:ext uri="{FF2B5EF4-FFF2-40B4-BE49-F238E27FC236}">
+                  <a16:creationId xmlns:a16="http://schemas.microsoft.com/office/drawing/2014/main" id="{D5FB6D32-CF0F-4D3F-B8E3-FF23DB1C4744}"/>
+                </a:ext>
+              </a:extLst>
+            </p:cNvPr>
+            <p:cNvSpPr txBox="1"/>
+            <p:nvPr/>
+          </p:nvSpPr>
+          <p:spPr>
+            <a:xfrm>
+              <a:off x="477156" y="6677806"/>
+              <a:ext cx="1472477" cy="215444"/>
+            </a:xfrm>
+            <a:prstGeom prst="rect">
+              <a:avLst/>
+            </a:prstGeom>
+            <a:noFill/>
+          </p:spPr>
+          <p:txBody>
+            <a:bodyPr wrap="square" rtlCol="0">
+              <a:spAutoFit/>
+            </a:bodyPr>
+            <a:lstStyle/>
+            <a:p>
+              <a:r>
+                <a:rPr lang="en-US" altLang="zh-TW" sz="800" dirty="0" err="1">
+                  <a:latin typeface="Times New Roman" panose="02020603050405020304" pitchFamily="18" charset="0"/>
+                  <a:cs typeface="Times New Roman" panose="02020603050405020304" pitchFamily="18" charset="0"/>
+                </a:rPr>
+                <a:t>popIdx_CRX</a:t>
+              </a:r>
+              <a:endParaRPr lang="zh-TW" altLang="en-US" sz="800" dirty="0">
+                <a:latin typeface="Times New Roman" panose="02020603050405020304" pitchFamily="18" charset="0"/>
+                <a:cs typeface="Times New Roman" panose="02020603050405020304" pitchFamily="18" charset="0"/>
+              </a:endParaRPr>
+            </a:p>
+          </p:txBody>
+        </p:sp>
+        <p:cxnSp>
+          <p:nvCxnSpPr>
+            <p:cNvPr id="316" name="直線接點 315">
+              <a:extLst>
+                <a:ext uri="{FF2B5EF4-FFF2-40B4-BE49-F238E27FC236}">
+                  <a16:creationId xmlns:a16="http://schemas.microsoft.com/office/drawing/2014/main" id="{16143DFF-81A6-4AF0-AE7C-2968E8AA4100}"/>
+                </a:ext>
+              </a:extLst>
+            </p:cNvPr>
+            <p:cNvCxnSpPr>
+              <a:cxnSpLocks/>
+            </p:cNvCxnSpPr>
+            <p:nvPr/>
+          </p:nvCxnSpPr>
+          <p:spPr>
+            <a:xfrm>
+              <a:off x="739660" y="6604353"/>
+              <a:ext cx="173322" cy="148216"/>
+            </a:xfrm>
+            <a:prstGeom prst="line">
+              <a:avLst/>
+            </a:prstGeom>
+          </p:spPr>
+          <p:style>
+            <a:lnRef idx="3">
+              <a:schemeClr val="dk1"/>
+            </a:lnRef>
+            <a:fillRef idx="0">
+              <a:schemeClr val="dk1"/>
+            </a:fillRef>
+            <a:effectRef idx="2">
+              <a:schemeClr val="dk1"/>
+            </a:effectRef>
+            <a:fontRef idx="minor">
+              <a:schemeClr val="tx1"/>
+            </a:fontRef>
+          </p:style>
+        </p:cxnSp>
+        <p:sp>
+          <p:nvSpPr>
+            <p:cNvPr id="318" name="文字方塊 317">
+              <a:extLst>
+                <a:ext uri="{FF2B5EF4-FFF2-40B4-BE49-F238E27FC236}">
+                  <a16:creationId xmlns:a16="http://schemas.microsoft.com/office/drawing/2014/main" id="{DDB91F79-307A-4B40-A7B2-181F3F6B4A00}"/>
+                </a:ext>
+              </a:extLst>
+            </p:cNvPr>
+            <p:cNvSpPr txBox="1"/>
+            <p:nvPr/>
+          </p:nvSpPr>
+          <p:spPr>
+            <a:xfrm>
+              <a:off x="767546" y="6407804"/>
+              <a:ext cx="564135" cy="276999"/>
+            </a:xfrm>
+            <a:prstGeom prst="rect">
+              <a:avLst/>
+            </a:prstGeom>
+            <a:noFill/>
+          </p:spPr>
+          <p:txBody>
+            <a:bodyPr wrap="square" rtlCol="0">
+              <a:spAutoFit/>
+            </a:bodyPr>
+            <a:lstStyle/>
+            <a:p>
+              <a:r>
+                <a:rPr lang="en-US" altLang="zh-TW" sz="1200" dirty="0">
+                  <a:latin typeface="Times New Roman" panose="02020603050405020304" pitchFamily="18" charset="0"/>
+                  <a:cs typeface="Times New Roman" panose="02020603050405020304" pitchFamily="18" charset="0"/>
+                </a:rPr>
+                <a:t>8</a:t>
+              </a:r>
+              <a:endParaRPr lang="zh-TW" altLang="en-US" sz="1200" dirty="0">
+                <a:latin typeface="Times New Roman" panose="02020603050405020304" pitchFamily="18" charset="0"/>
+                <a:cs typeface="Times New Roman" panose="02020603050405020304" pitchFamily="18" charset="0"/>
+              </a:endParaRPr>
+            </a:p>
+          </p:txBody>
+        </p:sp>
+      </p:grpSp>
+      <p:grpSp>
+        <p:nvGrpSpPr>
+          <p:cNvPr id="320" name="群組 319">
+            <a:extLst>
+              <a:ext uri="{FF2B5EF4-FFF2-40B4-BE49-F238E27FC236}">
+                <a16:creationId xmlns:a16="http://schemas.microsoft.com/office/drawing/2014/main" id="{6815065A-7AA2-43BC-99F0-4351868FB36D}"/>
+              </a:ext>
+            </a:extLst>
+          </p:cNvPr>
+          <p:cNvGrpSpPr/>
+          <p:nvPr/>
+        </p:nvGrpSpPr>
+        <p:grpSpPr>
+          <a:xfrm>
+            <a:off x="5810606" y="6384995"/>
+            <a:ext cx="4301400" cy="493580"/>
+            <a:chOff x="271714" y="6407804"/>
+            <a:chExt cx="1766430" cy="493580"/>
+          </a:xfrm>
+        </p:grpSpPr>
+        <p:cxnSp>
+          <p:nvCxnSpPr>
+            <p:cNvPr id="321" name="直線單箭頭接點 320">
+              <a:extLst>
+                <a:ext uri="{FF2B5EF4-FFF2-40B4-BE49-F238E27FC236}">
+                  <a16:creationId xmlns:a16="http://schemas.microsoft.com/office/drawing/2014/main" id="{5AF84616-9C43-4950-8AE7-9BA66C4EEBF8}"/>
+                </a:ext>
+              </a:extLst>
+            </p:cNvPr>
+            <p:cNvCxnSpPr>
+              <a:cxnSpLocks/>
+            </p:cNvCxnSpPr>
+            <p:nvPr/>
+          </p:nvCxnSpPr>
+          <p:spPr>
+            <a:xfrm>
+              <a:off x="271714" y="6664305"/>
+              <a:ext cx="1226857" cy="0"/>
+            </a:xfrm>
+            <a:prstGeom prst="straightConnector1">
+              <a:avLst/>
+            </a:prstGeom>
+            <a:ln>
+              <a:tailEnd type="triangle"/>
+            </a:ln>
+          </p:spPr>
+          <p:style>
+            <a:lnRef idx="3">
+              <a:schemeClr val="accent1"/>
+            </a:lnRef>
+            <a:fillRef idx="0">
+              <a:schemeClr val="accent1"/>
+            </a:fillRef>
+            <a:effectRef idx="2">
+              <a:schemeClr val="accent1"/>
+            </a:effectRef>
+            <a:fontRef idx="minor">
+              <a:schemeClr val="tx1"/>
+            </a:fontRef>
+          </p:style>
+        </p:cxnSp>
+        <p:sp>
+          <p:nvSpPr>
+            <p:cNvPr id="322" name="文字方塊 321">
+              <a:extLst>
+                <a:ext uri="{FF2B5EF4-FFF2-40B4-BE49-F238E27FC236}">
+                  <a16:creationId xmlns:a16="http://schemas.microsoft.com/office/drawing/2014/main" id="{70B02A37-92A9-498B-BEF1-8FA24A84D237}"/>
+                </a:ext>
+              </a:extLst>
+            </p:cNvPr>
+            <p:cNvSpPr txBox="1"/>
+            <p:nvPr/>
+          </p:nvSpPr>
+          <p:spPr>
+            <a:xfrm>
+              <a:off x="565667" y="6685940"/>
+              <a:ext cx="1472477" cy="215444"/>
+            </a:xfrm>
+            <a:prstGeom prst="rect">
+              <a:avLst/>
+            </a:prstGeom>
+            <a:noFill/>
+          </p:spPr>
+          <p:txBody>
+            <a:bodyPr wrap="square" rtlCol="0">
+              <a:spAutoFit/>
+            </a:bodyPr>
+            <a:lstStyle/>
+            <a:p>
+              <a:r>
+                <a:rPr lang="en-US" altLang="zh-TW" sz="800" dirty="0" err="1">
+                  <a:latin typeface="Times New Roman" panose="02020603050405020304" pitchFamily="18" charset="0"/>
+                  <a:cs typeface="Times New Roman" panose="02020603050405020304" pitchFamily="18" charset="0"/>
+                </a:rPr>
+                <a:t>offspringMutateRate_CRX</a:t>
+              </a:r>
+              <a:endParaRPr lang="zh-TW" altLang="en-US" sz="800" dirty="0">
+                <a:latin typeface="Times New Roman" panose="02020603050405020304" pitchFamily="18" charset="0"/>
+                <a:cs typeface="Times New Roman" panose="02020603050405020304" pitchFamily="18" charset="0"/>
+              </a:endParaRPr>
+            </a:p>
+          </p:txBody>
+        </p:sp>
+        <p:cxnSp>
+          <p:nvCxnSpPr>
+            <p:cNvPr id="324" name="直線接點 323">
+              <a:extLst>
+                <a:ext uri="{FF2B5EF4-FFF2-40B4-BE49-F238E27FC236}">
+                  <a16:creationId xmlns:a16="http://schemas.microsoft.com/office/drawing/2014/main" id="{B3AE9DE7-9EDC-416C-ADB8-5FC8B16D58D3}"/>
+                </a:ext>
+              </a:extLst>
+            </p:cNvPr>
+            <p:cNvCxnSpPr>
+              <a:cxnSpLocks/>
+            </p:cNvCxnSpPr>
+            <p:nvPr/>
+          </p:nvCxnSpPr>
+          <p:spPr>
+            <a:xfrm>
+              <a:off x="739660" y="6604353"/>
+              <a:ext cx="173322" cy="148216"/>
+            </a:xfrm>
+            <a:prstGeom prst="line">
+              <a:avLst/>
+            </a:prstGeom>
+          </p:spPr>
+          <p:style>
+            <a:lnRef idx="3">
+              <a:schemeClr val="dk1"/>
+            </a:lnRef>
+            <a:fillRef idx="0">
+              <a:schemeClr val="dk1"/>
+            </a:fillRef>
+            <a:effectRef idx="2">
+              <a:schemeClr val="dk1"/>
+            </a:effectRef>
+            <a:fontRef idx="minor">
+              <a:schemeClr val="tx1"/>
+            </a:fontRef>
+          </p:style>
+        </p:cxnSp>
+        <p:sp>
+          <p:nvSpPr>
+            <p:cNvPr id="325" name="文字方塊 324">
+              <a:extLst>
+                <a:ext uri="{FF2B5EF4-FFF2-40B4-BE49-F238E27FC236}">
+                  <a16:creationId xmlns:a16="http://schemas.microsoft.com/office/drawing/2014/main" id="{090969E4-6F1A-42E4-9A37-CA8C56F83BA5}"/>
+                </a:ext>
+              </a:extLst>
+            </p:cNvPr>
+            <p:cNvSpPr txBox="1"/>
+            <p:nvPr/>
+          </p:nvSpPr>
+          <p:spPr>
+            <a:xfrm>
+              <a:off x="767546" y="6407804"/>
+              <a:ext cx="564135" cy="276999"/>
+            </a:xfrm>
+            <a:prstGeom prst="rect">
+              <a:avLst/>
+            </a:prstGeom>
+            <a:noFill/>
+          </p:spPr>
+          <p:txBody>
+            <a:bodyPr wrap="square" rtlCol="0">
+              <a:spAutoFit/>
+            </a:bodyPr>
+            <a:lstStyle/>
+            <a:p>
+              <a:r>
+                <a:rPr lang="en-US" altLang="zh-TW" sz="1200" dirty="0">
+                  <a:latin typeface="Times New Roman" panose="02020603050405020304" pitchFamily="18" charset="0"/>
+                  <a:cs typeface="Times New Roman" panose="02020603050405020304" pitchFamily="18" charset="0"/>
+                </a:rPr>
+                <a:t>8</a:t>
+              </a:r>
+              <a:endParaRPr lang="zh-TW" altLang="en-US" sz="1200" dirty="0">
+                <a:latin typeface="Times New Roman" panose="02020603050405020304" pitchFamily="18" charset="0"/>
+                <a:cs typeface="Times New Roman" panose="02020603050405020304" pitchFamily="18" charset="0"/>
+              </a:endParaRPr>
+            </a:p>
+          </p:txBody>
+        </p:sp>
+      </p:grpSp>
+      <p:grpSp>
+        <p:nvGrpSpPr>
+          <p:cNvPr id="332" name="群組 331">
+            <a:extLst>
+              <a:ext uri="{FF2B5EF4-FFF2-40B4-BE49-F238E27FC236}">
+                <a16:creationId xmlns:a16="http://schemas.microsoft.com/office/drawing/2014/main" id="{1CA3F359-F0A9-44F2-98B3-1499A1A58D6C}"/>
+              </a:ext>
+            </a:extLst>
+          </p:cNvPr>
+          <p:cNvGrpSpPr/>
+          <p:nvPr/>
+        </p:nvGrpSpPr>
+        <p:grpSpPr>
+          <a:xfrm>
+            <a:off x="2663566" y="1459831"/>
+            <a:ext cx="3561654" cy="333331"/>
+            <a:chOff x="4626544" y="424471"/>
+            <a:chExt cx="681530" cy="333331"/>
+          </a:xfrm>
+        </p:grpSpPr>
+        <p:cxnSp>
+          <p:nvCxnSpPr>
+            <p:cNvPr id="333" name="直線單箭頭接點 332">
+              <a:extLst>
+                <a:ext uri="{FF2B5EF4-FFF2-40B4-BE49-F238E27FC236}">
+                  <a16:creationId xmlns:a16="http://schemas.microsoft.com/office/drawing/2014/main" id="{AB219224-2FE5-4DFF-923B-DD4A8681C005}"/>
+                </a:ext>
+              </a:extLst>
+            </p:cNvPr>
+            <p:cNvCxnSpPr>
+              <a:cxnSpLocks/>
+            </p:cNvCxnSpPr>
+            <p:nvPr/>
+          </p:nvCxnSpPr>
+          <p:spPr>
+            <a:xfrm>
+              <a:off x="4626544" y="675073"/>
+              <a:ext cx="478006" cy="0"/>
+            </a:xfrm>
+            <a:prstGeom prst="straightConnector1">
+              <a:avLst/>
+            </a:prstGeom>
+            <a:ln>
+              <a:tailEnd type="triangle"/>
+            </a:ln>
+          </p:spPr>
+          <p:style>
+            <a:lnRef idx="3">
+              <a:schemeClr val="accent1"/>
+            </a:lnRef>
+            <a:fillRef idx="0">
+              <a:schemeClr val="accent1"/>
+            </a:fillRef>
+            <a:effectRef idx="2">
+              <a:schemeClr val="accent1"/>
+            </a:effectRef>
+            <a:fontRef idx="minor">
+              <a:schemeClr val="tx1"/>
+            </a:fontRef>
+          </p:style>
+        </p:cxnSp>
+        <p:cxnSp>
+          <p:nvCxnSpPr>
+            <p:cNvPr id="337" name="直線接點 336">
+              <a:extLst>
+                <a:ext uri="{FF2B5EF4-FFF2-40B4-BE49-F238E27FC236}">
+                  <a16:creationId xmlns:a16="http://schemas.microsoft.com/office/drawing/2014/main" id="{CBFA6B97-8798-4A64-8B3E-17568573F91E}"/>
+                </a:ext>
+              </a:extLst>
+            </p:cNvPr>
+            <p:cNvCxnSpPr>
+              <a:cxnSpLocks/>
+            </p:cNvCxnSpPr>
+            <p:nvPr/>
+          </p:nvCxnSpPr>
+          <p:spPr>
+            <a:xfrm>
+              <a:off x="4750671" y="613267"/>
+              <a:ext cx="97186" cy="144535"/>
+            </a:xfrm>
+            <a:prstGeom prst="line">
+              <a:avLst/>
+            </a:prstGeom>
+          </p:spPr>
+          <p:style>
+            <a:lnRef idx="3">
+              <a:schemeClr val="dk1"/>
+            </a:lnRef>
+            <a:fillRef idx="0">
+              <a:schemeClr val="dk1"/>
+            </a:fillRef>
+            <a:effectRef idx="2">
+              <a:schemeClr val="dk1"/>
+            </a:effectRef>
+            <a:fontRef idx="minor">
+              <a:schemeClr val="tx1"/>
+            </a:fontRef>
+          </p:style>
+        </p:cxnSp>
+        <p:sp>
+          <p:nvSpPr>
+            <p:cNvPr id="338" name="文字方塊 337">
+              <a:extLst>
+                <a:ext uri="{FF2B5EF4-FFF2-40B4-BE49-F238E27FC236}">
+                  <a16:creationId xmlns:a16="http://schemas.microsoft.com/office/drawing/2014/main" id="{817DF1F4-6F40-490A-BD48-987C82F1A84D}"/>
+                </a:ext>
+              </a:extLst>
+            </p:cNvPr>
+            <p:cNvSpPr txBox="1"/>
+            <p:nvPr/>
+          </p:nvSpPr>
+          <p:spPr>
+            <a:xfrm>
+              <a:off x="4774674" y="424471"/>
+              <a:ext cx="533400" cy="276999"/>
+            </a:xfrm>
+            <a:prstGeom prst="rect">
+              <a:avLst/>
+            </a:prstGeom>
+            <a:noFill/>
+          </p:spPr>
+          <p:txBody>
+            <a:bodyPr wrap="square" rtlCol="0">
+              <a:spAutoFit/>
+            </a:bodyPr>
+            <a:lstStyle/>
+            <a:p>
+              <a:r>
+                <a:rPr lang="en-US" altLang="zh-TW" sz="1200" dirty="0">
+                  <a:latin typeface="Times New Roman" panose="02020603050405020304" pitchFamily="18" charset="0"/>
+                  <a:cs typeface="Times New Roman" panose="02020603050405020304" pitchFamily="18" charset="0"/>
+                </a:rPr>
+                <a:t>8</a:t>
+              </a:r>
+              <a:endParaRPr lang="zh-TW" altLang="en-US" sz="1200" dirty="0">
+                <a:latin typeface="Times New Roman" panose="02020603050405020304" pitchFamily="18" charset="0"/>
+                <a:cs typeface="Times New Roman" panose="02020603050405020304" pitchFamily="18" charset="0"/>
+              </a:endParaRPr>
+            </a:p>
+          </p:txBody>
+        </p:sp>
+      </p:grpSp>
+      <p:grpSp>
+        <p:nvGrpSpPr>
+          <p:cNvPr id="339" name="群組 338">
+            <a:extLst>
+              <a:ext uri="{FF2B5EF4-FFF2-40B4-BE49-F238E27FC236}">
+                <a16:creationId xmlns:a16="http://schemas.microsoft.com/office/drawing/2014/main" id="{94F6CB1A-BE85-485B-9FEC-072355B90193}"/>
+              </a:ext>
+            </a:extLst>
+          </p:cNvPr>
+          <p:cNvGrpSpPr/>
+          <p:nvPr/>
+        </p:nvGrpSpPr>
+        <p:grpSpPr>
+          <a:xfrm>
+            <a:off x="4623623" y="1758512"/>
+            <a:ext cx="800217" cy="343636"/>
+            <a:chOff x="4626544" y="424471"/>
+            <a:chExt cx="681530" cy="343636"/>
+          </a:xfrm>
+        </p:grpSpPr>
+        <p:cxnSp>
+          <p:nvCxnSpPr>
+            <p:cNvPr id="340" name="直線單箭頭接點 339">
+              <a:extLst>
+                <a:ext uri="{FF2B5EF4-FFF2-40B4-BE49-F238E27FC236}">
+                  <a16:creationId xmlns:a16="http://schemas.microsoft.com/office/drawing/2014/main" id="{63B983D1-4BBB-4398-9A98-B57D248245FC}"/>
+                </a:ext>
+              </a:extLst>
+            </p:cNvPr>
+            <p:cNvCxnSpPr>
+              <a:cxnSpLocks/>
+            </p:cNvCxnSpPr>
+            <p:nvPr/>
+          </p:nvCxnSpPr>
+          <p:spPr>
+            <a:xfrm>
+              <a:off x="4626544" y="675073"/>
+              <a:ext cx="478006" cy="0"/>
+            </a:xfrm>
+            <a:prstGeom prst="straightConnector1">
+              <a:avLst/>
+            </a:prstGeom>
+            <a:ln>
+              <a:tailEnd type="triangle"/>
+            </a:ln>
+          </p:spPr>
+          <p:style>
+            <a:lnRef idx="3">
+              <a:schemeClr val="accent1"/>
+            </a:lnRef>
+            <a:fillRef idx="0">
+              <a:schemeClr val="accent1"/>
+            </a:fillRef>
+            <a:effectRef idx="2">
+              <a:schemeClr val="accent1"/>
+            </a:effectRef>
+            <a:fontRef idx="minor">
+              <a:schemeClr val="tx1"/>
+            </a:fontRef>
+          </p:style>
+        </p:cxnSp>
+        <p:cxnSp>
+          <p:nvCxnSpPr>
+            <p:cNvPr id="341" name="直線接點 340">
+              <a:extLst>
+                <a:ext uri="{FF2B5EF4-FFF2-40B4-BE49-F238E27FC236}">
+                  <a16:creationId xmlns:a16="http://schemas.microsoft.com/office/drawing/2014/main" id="{0AE266D5-E7C5-4B5B-A4BD-C6E7F26F096A}"/>
+                </a:ext>
+              </a:extLst>
+            </p:cNvPr>
+            <p:cNvCxnSpPr>
+              <a:cxnSpLocks/>
+            </p:cNvCxnSpPr>
+            <p:nvPr/>
+          </p:nvCxnSpPr>
+          <p:spPr>
+            <a:xfrm>
+              <a:off x="4819526" y="623572"/>
+              <a:ext cx="97186" cy="144535"/>
+            </a:xfrm>
+            <a:prstGeom prst="line">
+              <a:avLst/>
+            </a:prstGeom>
+          </p:spPr>
+          <p:style>
+            <a:lnRef idx="3">
+              <a:schemeClr val="dk1"/>
+            </a:lnRef>
+            <a:fillRef idx="0">
+              <a:schemeClr val="dk1"/>
+            </a:fillRef>
+            <a:effectRef idx="2">
+              <a:schemeClr val="dk1"/>
+            </a:effectRef>
+            <a:fontRef idx="minor">
+              <a:schemeClr val="tx1"/>
+            </a:fontRef>
+          </p:style>
+        </p:cxnSp>
+        <p:sp>
+          <p:nvSpPr>
+            <p:cNvPr id="344" name="文字方塊 343">
+              <a:extLst>
+                <a:ext uri="{FF2B5EF4-FFF2-40B4-BE49-F238E27FC236}">
+                  <a16:creationId xmlns:a16="http://schemas.microsoft.com/office/drawing/2014/main" id="{1D1B8E21-E9ED-4C72-A362-706915C3FF48}"/>
+                </a:ext>
+              </a:extLst>
+            </p:cNvPr>
+            <p:cNvSpPr txBox="1"/>
+            <p:nvPr/>
+          </p:nvSpPr>
+          <p:spPr>
+            <a:xfrm>
+              <a:off x="4774674" y="424471"/>
+              <a:ext cx="533400" cy="276999"/>
+            </a:xfrm>
+            <a:prstGeom prst="rect">
+              <a:avLst/>
+            </a:prstGeom>
+            <a:noFill/>
+          </p:spPr>
+          <p:txBody>
+            <a:bodyPr wrap="square" rtlCol="0">
+              <a:spAutoFit/>
+            </a:bodyPr>
+            <a:lstStyle/>
+            <a:p>
+              <a:r>
+                <a:rPr lang="en-US" altLang="zh-TW" sz="1200" dirty="0">
+                  <a:latin typeface="Times New Roman" panose="02020603050405020304" pitchFamily="18" charset="0"/>
+                  <a:cs typeface="Times New Roman" panose="02020603050405020304" pitchFamily="18" charset="0"/>
+                </a:rPr>
+                <a:t>8</a:t>
+              </a:r>
+              <a:endParaRPr lang="zh-TW" altLang="en-US" sz="1200" dirty="0">
+                <a:latin typeface="Times New Roman" panose="02020603050405020304" pitchFamily="18" charset="0"/>
+                <a:cs typeface="Times New Roman" panose="02020603050405020304" pitchFamily="18" charset="0"/>
+              </a:endParaRPr>
+            </a:p>
+          </p:txBody>
+        </p:sp>
+      </p:grpSp>
+      <p:sp>
+        <p:nvSpPr>
+          <p:cNvPr id="345" name="流程圖: 接點 344">
+            <a:extLst>
+              <a:ext uri="{FF2B5EF4-FFF2-40B4-BE49-F238E27FC236}">
+                <a16:creationId xmlns:a16="http://schemas.microsoft.com/office/drawing/2014/main" id="{33B2699A-DC4F-4F5D-B676-E3683860172C}"/>
+              </a:ext>
+            </a:extLst>
+          </p:cNvPr>
+          <p:cNvSpPr/>
+          <p:nvPr/>
+        </p:nvSpPr>
+        <p:spPr>
+          <a:xfrm>
+            <a:off x="2869626" y="5153389"/>
+            <a:ext cx="45719" cy="45719"/>
+          </a:xfrm>
+          <a:prstGeom prst="flowChartConnector">
+            <a:avLst/>
+          </a:prstGeom>
+        </p:spPr>
+        <p:style>
+          <a:lnRef idx="2">
+            <a:schemeClr val="dk1">
+              <a:shade val="50000"/>
+            </a:schemeClr>
+          </a:lnRef>
+          <a:fillRef idx="1">
+            <a:schemeClr val="dk1"/>
+          </a:fillRef>
+          <a:effectRef idx="0">
+            <a:schemeClr val="dk1"/>
+          </a:effectRef>
+          <a:fontRef idx="minor">
+            <a:schemeClr val="lt1"/>
+          </a:fontRef>
+        </p:style>
+        <p:txBody>
+          <a:bodyPr rtlCol="0" anchor="ctr"/>
+          <a:lstStyle/>
+          <a:p>
+            <a:pPr algn="ctr"/>
+            <a:endParaRPr lang="zh-TW" altLang="en-US"/>
+          </a:p>
+        </p:txBody>
+      </p:sp>
+      <p:sp>
+        <p:nvSpPr>
+          <p:cNvPr id="351" name="文字方塊 350">
+            <a:extLst>
+              <a:ext uri="{FF2B5EF4-FFF2-40B4-BE49-F238E27FC236}">
+                <a16:creationId xmlns:a16="http://schemas.microsoft.com/office/drawing/2014/main" id="{986F9A33-3BED-4F9D-91BD-D86157163314}"/>
+              </a:ext>
+            </a:extLst>
+          </p:cNvPr>
+          <p:cNvSpPr txBox="1"/>
+          <p:nvPr/>
+        </p:nvSpPr>
+        <p:spPr>
+          <a:xfrm>
+            <a:off x="4362183" y="2034922"/>
+            <a:ext cx="1425079" cy="276999"/>
+          </a:xfrm>
+          <a:prstGeom prst="rect">
+            <a:avLst/>
+          </a:prstGeom>
+          <a:noFill/>
+        </p:spPr>
+        <p:txBody>
+          <a:bodyPr wrap="square" rtlCol="0">
+            <a:spAutoFit/>
+          </a:bodyPr>
+          <a:lstStyle/>
+          <a:p>
+            <a:r>
+              <a:rPr lang="en-US" altLang="zh-TW" sz="1200" dirty="0">
+                <a:latin typeface="Times New Roman" panose="02020603050405020304" pitchFamily="18" charset="0"/>
+                <a:cs typeface="Times New Roman" panose="02020603050405020304" pitchFamily="18" charset="0"/>
+              </a:rPr>
+              <a:t>OffspringIdx2</a:t>
+            </a:r>
+            <a:endParaRPr lang="zh-TW" altLang="en-US" sz="1200" dirty="0">
+              <a:latin typeface="Times New Roman" panose="02020603050405020304" pitchFamily="18" charset="0"/>
+              <a:cs typeface="Times New Roman" panose="02020603050405020304" pitchFamily="18" charset="0"/>
+            </a:endParaRPr>
+          </a:p>
+        </p:txBody>
+      </p:sp>
+      <p:sp>
+        <p:nvSpPr>
+          <p:cNvPr id="354" name="文字方塊 353">
+            <a:extLst>
+              <a:ext uri="{FF2B5EF4-FFF2-40B4-BE49-F238E27FC236}">
+                <a16:creationId xmlns:a16="http://schemas.microsoft.com/office/drawing/2014/main" id="{B18D4554-EA8D-4C6A-BB62-093C7151E3EE}"/>
+              </a:ext>
+            </a:extLst>
+          </p:cNvPr>
+          <p:cNvSpPr txBox="1"/>
+          <p:nvPr/>
+        </p:nvSpPr>
+        <p:spPr>
+          <a:xfrm>
+            <a:off x="2488820" y="5213118"/>
+            <a:ext cx="1162511" cy="215444"/>
+          </a:xfrm>
+          <a:prstGeom prst="rect">
+            <a:avLst/>
+          </a:prstGeom>
+          <a:noFill/>
+        </p:spPr>
+        <p:txBody>
+          <a:bodyPr wrap="square" rtlCol="0">
+            <a:spAutoFit/>
+          </a:bodyPr>
+          <a:lstStyle/>
+          <a:p>
+            <a:r>
+              <a:rPr lang="en-US" altLang="zh-TW" sz="800" dirty="0">
+                <a:latin typeface="Times New Roman" panose="02020603050405020304" pitchFamily="18" charset="0"/>
+                <a:cs typeface="Times New Roman" panose="02020603050405020304" pitchFamily="18" charset="0"/>
+              </a:rPr>
+              <a:t>OffspringIdx2</a:t>
+            </a:r>
+            <a:endParaRPr lang="zh-TW" altLang="en-US" sz="800" dirty="0">
+              <a:latin typeface="Times New Roman" panose="02020603050405020304" pitchFamily="18" charset="0"/>
+              <a:cs typeface="Times New Roman" panose="02020603050405020304" pitchFamily="18" charset="0"/>
+            </a:endParaRPr>
+          </a:p>
+        </p:txBody>
+      </p:sp>
+      <p:sp>
+        <p:nvSpPr>
+          <p:cNvPr id="355" name="文字方塊 354">
+            <a:extLst>
+              <a:ext uri="{FF2B5EF4-FFF2-40B4-BE49-F238E27FC236}">
+                <a16:creationId xmlns:a16="http://schemas.microsoft.com/office/drawing/2014/main" id="{238835B0-7B55-4BC2-BD7D-AE638932AD03}"/>
+              </a:ext>
+            </a:extLst>
+          </p:cNvPr>
+          <p:cNvSpPr txBox="1"/>
+          <p:nvPr/>
+        </p:nvSpPr>
+        <p:spPr>
+          <a:xfrm>
+            <a:off x="2558484" y="4807649"/>
+            <a:ext cx="1162511" cy="215444"/>
+          </a:xfrm>
+          <a:prstGeom prst="rect">
+            <a:avLst/>
+          </a:prstGeom>
+          <a:noFill/>
+        </p:spPr>
+        <p:txBody>
+          <a:bodyPr wrap="square" rtlCol="0">
+            <a:spAutoFit/>
+          </a:bodyPr>
+          <a:lstStyle/>
+          <a:p>
+            <a:r>
+              <a:rPr lang="en-US" altLang="zh-TW" sz="800" dirty="0">
+                <a:latin typeface="Times New Roman" panose="02020603050405020304" pitchFamily="18" charset="0"/>
+                <a:cs typeface="Times New Roman" panose="02020603050405020304" pitchFamily="18" charset="0"/>
+              </a:rPr>
+              <a:t>OffspringIdx1</a:t>
+            </a:r>
+            <a:endParaRPr lang="zh-TW" altLang="en-US" sz="800" dirty="0">
+              <a:latin typeface="Times New Roman" panose="02020603050405020304" pitchFamily="18" charset="0"/>
+              <a:cs typeface="Times New Roman" panose="02020603050405020304" pitchFamily="18" charset="0"/>
+            </a:endParaRPr>
+          </a:p>
+        </p:txBody>
+      </p:sp>
+      <p:sp>
+        <p:nvSpPr>
+          <p:cNvPr id="358" name="文字方塊 357">
+            <a:extLst>
+              <a:ext uri="{FF2B5EF4-FFF2-40B4-BE49-F238E27FC236}">
+                <a16:creationId xmlns:a16="http://schemas.microsoft.com/office/drawing/2014/main" id="{E884DF6C-8D28-471F-8DEE-A8075732DCAE}"/>
+              </a:ext>
+            </a:extLst>
+          </p:cNvPr>
+          <p:cNvSpPr txBox="1"/>
+          <p:nvPr/>
+        </p:nvSpPr>
+        <p:spPr>
+          <a:xfrm>
+            <a:off x="4512061" y="1441441"/>
+            <a:ext cx="1500388" cy="276999"/>
+          </a:xfrm>
+          <a:prstGeom prst="rect">
+            <a:avLst/>
+          </a:prstGeom>
+          <a:noFill/>
+        </p:spPr>
+        <p:txBody>
+          <a:bodyPr wrap="square" rtlCol="0">
+            <a:spAutoFit/>
+          </a:bodyPr>
+          <a:lstStyle/>
+          <a:p>
+            <a:r>
+              <a:rPr lang="en-US" altLang="zh-TW" sz="1200" dirty="0" err="1">
+                <a:latin typeface="Times New Roman" panose="02020603050405020304" pitchFamily="18" charset="0"/>
+                <a:cs typeface="Times New Roman" panose="02020603050405020304" pitchFamily="18" charset="0"/>
+              </a:rPr>
+              <a:t>popIdx</a:t>
+            </a:r>
+            <a:endParaRPr lang="zh-TW" altLang="en-US" sz="1200" dirty="0">
+              <a:latin typeface="Times New Roman" panose="02020603050405020304" pitchFamily="18" charset="0"/>
+              <a:cs typeface="Times New Roman" panose="02020603050405020304" pitchFamily="18" charset="0"/>
+            </a:endParaRPr>
+          </a:p>
+        </p:txBody>
+      </p:sp>
+      <p:sp>
+        <p:nvSpPr>
+          <p:cNvPr id="361" name="矩形 35">
+            <a:extLst>
+              <a:ext uri="{FF2B5EF4-FFF2-40B4-BE49-F238E27FC236}">
+                <a16:creationId xmlns:a16="http://schemas.microsoft.com/office/drawing/2014/main" id="{4E352FBB-A100-4825-93EE-5D554B29BDA6}"/>
+              </a:ext>
+            </a:extLst>
+          </p:cNvPr>
+          <p:cNvSpPr/>
+          <p:nvPr/>
+        </p:nvSpPr>
+        <p:spPr>
+          <a:xfrm>
+            <a:off x="7026883" y="2420962"/>
+            <a:ext cx="378347" cy="779817"/>
+          </a:xfrm>
+          <a:custGeom>
+            <a:avLst/>
+            <a:gdLst>
+              <a:gd name="connsiteX0" fmla="*/ 0 w 460375"/>
+              <a:gd name="connsiteY0" fmla="*/ 0 h 673100"/>
+              <a:gd name="connsiteX1" fmla="*/ 460375 w 460375"/>
+              <a:gd name="connsiteY1" fmla="*/ 0 h 673100"/>
+              <a:gd name="connsiteX2" fmla="*/ 460375 w 460375"/>
+              <a:gd name="connsiteY2" fmla="*/ 673100 h 673100"/>
+              <a:gd name="connsiteX3" fmla="*/ 0 w 460375"/>
+              <a:gd name="connsiteY3" fmla="*/ 673100 h 673100"/>
+              <a:gd name="connsiteX4" fmla="*/ 0 w 460375"/>
+              <a:gd name="connsiteY4" fmla="*/ 0 h 673100"/>
+              <a:gd name="connsiteX0" fmla="*/ 0 w 463550"/>
+              <a:gd name="connsiteY0" fmla="*/ 0 h 673100"/>
+              <a:gd name="connsiteX1" fmla="*/ 463550 w 463550"/>
+              <a:gd name="connsiteY1" fmla="*/ 130175 h 673100"/>
+              <a:gd name="connsiteX2" fmla="*/ 460375 w 463550"/>
+              <a:gd name="connsiteY2" fmla="*/ 673100 h 673100"/>
+              <a:gd name="connsiteX3" fmla="*/ 0 w 463550"/>
+              <a:gd name="connsiteY3" fmla="*/ 673100 h 673100"/>
+              <a:gd name="connsiteX4" fmla="*/ 0 w 463550"/>
+              <a:gd name="connsiteY4" fmla="*/ 0 h 673100"/>
+              <a:gd name="connsiteX0" fmla="*/ 0 w 463855"/>
+              <a:gd name="connsiteY0" fmla="*/ 0 h 673100"/>
+              <a:gd name="connsiteX1" fmla="*/ 463550 w 463855"/>
+              <a:gd name="connsiteY1" fmla="*/ 130175 h 673100"/>
+              <a:gd name="connsiteX2" fmla="*/ 463550 w 463855"/>
+              <a:gd name="connsiteY2" fmla="*/ 555625 h 673100"/>
+              <a:gd name="connsiteX3" fmla="*/ 0 w 463855"/>
+              <a:gd name="connsiteY3" fmla="*/ 673100 h 673100"/>
+              <a:gd name="connsiteX4" fmla="*/ 0 w 463855"/>
+              <a:gd name="connsiteY4" fmla="*/ 0 h 673100"/>
+            </a:gdLst>
+            <a:ahLst/>
+            <a:cxnLst>
+              <a:cxn ang="0">
+                <a:pos x="connsiteX0" y="connsiteY0"/>
+              </a:cxn>
+              <a:cxn ang="0">
+                <a:pos x="connsiteX1" y="connsiteY1"/>
+              </a:cxn>
+              <a:cxn ang="0">
+                <a:pos x="connsiteX2" y="connsiteY2"/>
+              </a:cxn>
+              <a:cxn ang="0">
+                <a:pos x="connsiteX3" y="connsiteY3"/>
+              </a:cxn>
+              <a:cxn ang="0">
+                <a:pos x="connsiteX4" y="connsiteY4"/>
+              </a:cxn>
+            </a:cxnLst>
+            <a:rect l="l" t="t" r="r" b="b"/>
+            <a:pathLst>
+              <a:path w="463855" h="673100">
+                <a:moveTo>
+                  <a:pt x="0" y="0"/>
+                </a:moveTo>
+                <a:lnTo>
+                  <a:pt x="463550" y="130175"/>
+                </a:lnTo>
+                <a:cubicBezTo>
+                  <a:pt x="462492" y="311150"/>
+                  <a:pt x="464608" y="374650"/>
+                  <a:pt x="463550" y="555625"/>
+                </a:cubicBezTo>
+                <a:lnTo>
+                  <a:pt x="0" y="673100"/>
+                </a:lnTo>
+                <a:lnTo>
+                  <a:pt x="0" y="0"/>
+                </a:lnTo>
+                <a:close/>
+              </a:path>
+            </a:pathLst>
+          </a:custGeom>
+        </p:spPr>
+        <p:style>
+          <a:lnRef idx="0">
+            <a:schemeClr val="accent4"/>
+          </a:lnRef>
+          <a:fillRef idx="3">
+            <a:schemeClr val="accent4"/>
+          </a:fillRef>
+          <a:effectRef idx="3">
+            <a:schemeClr val="accent4"/>
+          </a:effectRef>
+          <a:fontRef idx="minor">
+            <a:schemeClr val="lt1"/>
+          </a:fontRef>
+        </p:style>
+        <p:txBody>
+          <a:bodyPr rtlCol="0" anchor="ctr"/>
+          <a:lstStyle/>
+          <a:p>
+            <a:pPr algn="ctr"/>
+            <a:r>
+              <a:rPr lang="en-US" altLang="zh-TW" sz="800" dirty="0"/>
+              <a:t>IDX</a:t>
+            </a:r>
+          </a:p>
+          <a:p>
+            <a:pPr algn="ctr"/>
+            <a:r>
+              <a:rPr lang="en-US" altLang="zh-TW" sz="800" dirty="0"/>
+              <a:t>SEL</a:t>
+            </a:r>
+            <a:endParaRPr lang="zh-TW" altLang="en-US" sz="800" dirty="0"/>
+          </a:p>
+        </p:txBody>
+      </p:sp>
+      <p:grpSp>
+        <p:nvGrpSpPr>
+          <p:cNvPr id="362" name="群組 361">
+            <a:extLst>
+              <a:ext uri="{FF2B5EF4-FFF2-40B4-BE49-F238E27FC236}">
+                <a16:creationId xmlns:a16="http://schemas.microsoft.com/office/drawing/2014/main" id="{2E6BE5BD-FF34-4A43-B998-6F030E31CE55}"/>
+              </a:ext>
+            </a:extLst>
+          </p:cNvPr>
+          <p:cNvGrpSpPr/>
+          <p:nvPr/>
+        </p:nvGrpSpPr>
+        <p:grpSpPr>
+          <a:xfrm>
+            <a:off x="7405075" y="2548259"/>
+            <a:ext cx="1961998" cy="504131"/>
+            <a:chOff x="271714" y="6407804"/>
+            <a:chExt cx="1733363" cy="504131"/>
+          </a:xfrm>
+        </p:grpSpPr>
+        <p:cxnSp>
+          <p:nvCxnSpPr>
+            <p:cNvPr id="363" name="直線單箭頭接點 362">
+              <a:extLst>
+                <a:ext uri="{FF2B5EF4-FFF2-40B4-BE49-F238E27FC236}">
+                  <a16:creationId xmlns:a16="http://schemas.microsoft.com/office/drawing/2014/main" id="{519D7107-E412-44CE-BF39-D952BE4C08E5}"/>
+                </a:ext>
+              </a:extLst>
+            </p:cNvPr>
+            <p:cNvCxnSpPr>
+              <a:cxnSpLocks/>
+            </p:cNvCxnSpPr>
+            <p:nvPr/>
+          </p:nvCxnSpPr>
+          <p:spPr>
+            <a:xfrm>
+              <a:off x="271714" y="6664305"/>
+              <a:ext cx="1226857" cy="0"/>
+            </a:xfrm>
+            <a:prstGeom prst="straightConnector1">
+              <a:avLst/>
+            </a:prstGeom>
+            <a:ln>
+              <a:tailEnd type="triangle"/>
+            </a:ln>
+          </p:spPr>
+          <p:style>
+            <a:lnRef idx="3">
+              <a:schemeClr val="accent1"/>
+            </a:lnRef>
+            <a:fillRef idx="0">
+              <a:schemeClr val="accent1"/>
+            </a:fillRef>
+            <a:effectRef idx="2">
+              <a:schemeClr val="accent1"/>
+            </a:effectRef>
+            <a:fontRef idx="minor">
+              <a:schemeClr val="tx1"/>
+            </a:fontRef>
+          </p:style>
+        </p:cxnSp>
+        <p:sp>
+          <p:nvSpPr>
+            <p:cNvPr id="364" name="文字方塊 363">
+              <a:extLst>
+                <a:ext uri="{FF2B5EF4-FFF2-40B4-BE49-F238E27FC236}">
+                  <a16:creationId xmlns:a16="http://schemas.microsoft.com/office/drawing/2014/main" id="{5FA4115D-0349-4CB8-8803-B871F91FC923}"/>
+                </a:ext>
+              </a:extLst>
+            </p:cNvPr>
+            <p:cNvSpPr txBox="1"/>
+            <p:nvPr/>
+          </p:nvSpPr>
+          <p:spPr>
+            <a:xfrm>
+              <a:off x="532600" y="6696491"/>
+              <a:ext cx="1472477" cy="215444"/>
+            </a:xfrm>
+            <a:prstGeom prst="rect">
+              <a:avLst/>
+            </a:prstGeom>
+            <a:noFill/>
+          </p:spPr>
+          <p:txBody>
+            <a:bodyPr wrap="square" rtlCol="0">
+              <a:spAutoFit/>
+            </a:bodyPr>
+            <a:lstStyle/>
+            <a:p>
+              <a:r>
+                <a:rPr lang="en-US" altLang="zh-TW" sz="800" dirty="0" err="1">
+                  <a:latin typeface="Times New Roman" panose="02020603050405020304" pitchFamily="18" charset="0"/>
+                  <a:cs typeface="Times New Roman" panose="02020603050405020304" pitchFamily="18" charset="0"/>
+                </a:rPr>
+                <a:t>wbIdx_CRX</a:t>
+              </a:r>
+              <a:endParaRPr lang="zh-TW" altLang="en-US" sz="800" dirty="0">
+                <a:latin typeface="Times New Roman" panose="02020603050405020304" pitchFamily="18" charset="0"/>
+                <a:cs typeface="Times New Roman" panose="02020603050405020304" pitchFamily="18" charset="0"/>
+              </a:endParaRPr>
+            </a:p>
+          </p:txBody>
+        </p:sp>
+        <p:cxnSp>
+          <p:nvCxnSpPr>
+            <p:cNvPr id="367" name="直線接點 366">
+              <a:extLst>
+                <a:ext uri="{FF2B5EF4-FFF2-40B4-BE49-F238E27FC236}">
+                  <a16:creationId xmlns:a16="http://schemas.microsoft.com/office/drawing/2014/main" id="{4BC8D4A7-CD73-4214-8025-237B644EAD93}"/>
+                </a:ext>
+              </a:extLst>
+            </p:cNvPr>
+            <p:cNvCxnSpPr>
+              <a:cxnSpLocks/>
+            </p:cNvCxnSpPr>
+            <p:nvPr/>
+          </p:nvCxnSpPr>
+          <p:spPr>
+            <a:xfrm>
+              <a:off x="739660" y="6604353"/>
+              <a:ext cx="173322" cy="148216"/>
+            </a:xfrm>
+            <a:prstGeom prst="line">
+              <a:avLst/>
+            </a:prstGeom>
+          </p:spPr>
+          <p:style>
+            <a:lnRef idx="3">
+              <a:schemeClr val="dk1"/>
+            </a:lnRef>
+            <a:fillRef idx="0">
+              <a:schemeClr val="dk1"/>
+            </a:fillRef>
+            <a:effectRef idx="2">
+              <a:schemeClr val="dk1"/>
+            </a:effectRef>
+            <a:fontRef idx="minor">
+              <a:schemeClr val="tx1"/>
+            </a:fontRef>
+          </p:style>
+        </p:cxnSp>
+        <p:sp>
+          <p:nvSpPr>
+            <p:cNvPr id="368" name="文字方塊 367">
+              <a:extLst>
+                <a:ext uri="{FF2B5EF4-FFF2-40B4-BE49-F238E27FC236}">
+                  <a16:creationId xmlns:a16="http://schemas.microsoft.com/office/drawing/2014/main" id="{306D4C16-6938-4AED-B3CA-FF4527D0936A}"/>
+                </a:ext>
+              </a:extLst>
+            </p:cNvPr>
+            <p:cNvSpPr txBox="1"/>
+            <p:nvPr/>
+          </p:nvSpPr>
+          <p:spPr>
+            <a:xfrm>
+              <a:off x="767546" y="6407804"/>
+              <a:ext cx="564135" cy="276999"/>
+            </a:xfrm>
+            <a:prstGeom prst="rect">
+              <a:avLst/>
+            </a:prstGeom>
+            <a:noFill/>
+          </p:spPr>
+          <p:txBody>
+            <a:bodyPr wrap="square" rtlCol="0">
+              <a:spAutoFit/>
+            </a:bodyPr>
+            <a:lstStyle/>
+            <a:p>
+              <a:r>
+                <a:rPr lang="en-US" altLang="zh-TW" sz="1200" dirty="0">
+                  <a:latin typeface="Times New Roman" panose="02020603050405020304" pitchFamily="18" charset="0"/>
+                  <a:cs typeface="Times New Roman" panose="02020603050405020304" pitchFamily="18" charset="0"/>
+                </a:rPr>
+                <a:t>8</a:t>
+              </a:r>
+              <a:endParaRPr lang="zh-TW" altLang="en-US" sz="1200" dirty="0">
+                <a:latin typeface="Times New Roman" panose="02020603050405020304" pitchFamily="18" charset="0"/>
+                <a:cs typeface="Times New Roman" panose="02020603050405020304" pitchFamily="18" charset="0"/>
+              </a:endParaRPr>
+            </a:p>
+          </p:txBody>
+        </p:sp>
+      </p:grpSp>
+      <p:cxnSp>
+        <p:nvCxnSpPr>
+          <p:cNvPr id="372" name="直線單箭頭接點 371">
+            <a:extLst>
+              <a:ext uri="{FF2B5EF4-FFF2-40B4-BE49-F238E27FC236}">
+                <a16:creationId xmlns:a16="http://schemas.microsoft.com/office/drawing/2014/main" id="{A93526F1-80FA-47A5-970D-F49EC0D0133E}"/>
+              </a:ext>
+            </a:extLst>
+          </p:cNvPr>
+          <p:cNvCxnSpPr>
+            <a:cxnSpLocks/>
+          </p:cNvCxnSpPr>
+          <p:nvPr/>
+        </p:nvCxnSpPr>
+        <p:spPr>
+          <a:xfrm rot="5400000">
+            <a:off x="7242049" y="2438794"/>
+            <a:ext cx="263218" cy="0"/>
+          </a:xfrm>
+          <a:prstGeom prst="straightConnector1">
+            <a:avLst/>
+          </a:prstGeom>
+          <a:ln>
+            <a:tailEnd type="triangle"/>
+          </a:ln>
+        </p:spPr>
+        <p:style>
+          <a:lnRef idx="2">
+            <a:schemeClr val="accent4"/>
+          </a:lnRef>
+          <a:fillRef idx="1">
+            <a:schemeClr val="lt1"/>
+          </a:fillRef>
+          <a:effectRef idx="0">
+            <a:schemeClr val="accent4"/>
+          </a:effectRef>
+          <a:fontRef idx="minor">
+            <a:schemeClr val="dk1"/>
+          </a:fontRef>
+        </p:style>
+      </p:cxnSp>
+      <p:cxnSp>
+        <p:nvCxnSpPr>
+          <p:cNvPr id="391" name="直線單箭頭接點 390">
+            <a:extLst>
+              <a:ext uri="{FF2B5EF4-FFF2-40B4-BE49-F238E27FC236}">
+                <a16:creationId xmlns:a16="http://schemas.microsoft.com/office/drawing/2014/main" id="{910AF07B-B228-400F-9611-45579E4DFA5D}"/>
+              </a:ext>
+            </a:extLst>
+          </p:cNvPr>
+          <p:cNvCxnSpPr>
+            <a:cxnSpLocks/>
+          </p:cNvCxnSpPr>
+          <p:nvPr/>
+        </p:nvCxnSpPr>
+        <p:spPr>
+          <a:xfrm flipV="1">
+            <a:off x="1813455" y="6632435"/>
+            <a:ext cx="0" cy="204164"/>
+          </a:xfrm>
+          <a:prstGeom prst="straightConnector1">
+            <a:avLst/>
+          </a:prstGeom>
+          <a:ln>
+            <a:tailEnd type="triangle"/>
+          </a:ln>
+        </p:spPr>
+        <p:style>
+          <a:lnRef idx="3">
+            <a:schemeClr val="accent4"/>
+          </a:lnRef>
+          <a:fillRef idx="0">
+            <a:schemeClr val="accent4"/>
+          </a:fillRef>
+          <a:effectRef idx="2">
+            <a:schemeClr val="accent4"/>
+          </a:effectRef>
+          <a:fontRef idx="minor">
+            <a:schemeClr val="tx1"/>
+          </a:fontRef>
+        </p:style>
+      </p:cxnSp>
+      <p:sp>
+        <p:nvSpPr>
+          <p:cNvPr id="415" name="文字方塊 414">
+            <a:extLst>
+              <a:ext uri="{FF2B5EF4-FFF2-40B4-BE49-F238E27FC236}">
+                <a16:creationId xmlns:a16="http://schemas.microsoft.com/office/drawing/2014/main" id="{4CD8F829-0F15-46DB-917B-DD3E21FE4173}"/>
+              </a:ext>
+            </a:extLst>
+          </p:cNvPr>
+          <p:cNvSpPr txBox="1"/>
+          <p:nvPr/>
+        </p:nvSpPr>
+        <p:spPr>
+          <a:xfrm>
+            <a:off x="1800224" y="6545041"/>
+            <a:ext cx="860503" cy="276999"/>
+          </a:xfrm>
+          <a:prstGeom prst="rect">
+            <a:avLst/>
+          </a:prstGeom>
+          <a:noFill/>
+        </p:spPr>
+        <p:txBody>
+          <a:bodyPr wrap="square" rtlCol="0">
+            <a:spAutoFit/>
+          </a:bodyPr>
+          <a:lstStyle/>
+          <a:p>
+            <a:r>
+              <a:rPr lang="en-US" altLang="zh-TW" sz="1200" dirty="0" err="1">
+                <a:latin typeface="Times New Roman" panose="02020603050405020304" pitchFamily="18" charset="0"/>
+                <a:cs typeface="Times New Roman" panose="02020603050405020304" pitchFamily="18" charset="0"/>
+              </a:rPr>
+              <a:t>wbCTR</a:t>
+            </a:r>
+            <a:endParaRPr lang="zh-TW" altLang="en-US" sz="1200" dirty="0">
+              <a:latin typeface="Times New Roman" panose="02020603050405020304" pitchFamily="18" charset="0"/>
+              <a:cs typeface="Times New Roman" panose="02020603050405020304" pitchFamily="18" charset="0"/>
+            </a:endParaRPr>
+          </a:p>
+        </p:txBody>
+      </p:sp>
+      <p:cxnSp>
+        <p:nvCxnSpPr>
+          <p:cNvPr id="420" name="直線接點 419">
+            <a:extLst>
+              <a:ext uri="{FF2B5EF4-FFF2-40B4-BE49-F238E27FC236}">
+                <a16:creationId xmlns:a16="http://schemas.microsoft.com/office/drawing/2014/main" id="{6592448D-2FE3-4B2B-B9A0-E83135977F79}"/>
+              </a:ext>
+            </a:extLst>
+          </p:cNvPr>
+          <p:cNvCxnSpPr>
+            <a:cxnSpLocks/>
+          </p:cNvCxnSpPr>
+          <p:nvPr/>
+        </p:nvCxnSpPr>
+        <p:spPr>
+          <a:xfrm>
+            <a:off x="1746129" y="6728234"/>
+            <a:ext cx="145199" cy="89501"/>
+          </a:xfrm>
+          <a:prstGeom prst="line">
+            <a:avLst/>
+          </a:prstGeom>
+        </p:spPr>
+        <p:style>
+          <a:lnRef idx="3">
+            <a:schemeClr val="dk1"/>
+          </a:lnRef>
+          <a:fillRef idx="0">
+            <a:schemeClr val="dk1"/>
+          </a:fillRef>
+          <a:effectRef idx="2">
+            <a:schemeClr val="dk1"/>
+          </a:effectRef>
+          <a:fontRef idx="minor">
+            <a:schemeClr val="tx1"/>
+          </a:fontRef>
+        </p:style>
+      </p:cxnSp>
+      <p:sp>
+        <p:nvSpPr>
+          <p:cNvPr id="423" name="文字方塊 422">
+            <a:extLst>
+              <a:ext uri="{FF2B5EF4-FFF2-40B4-BE49-F238E27FC236}">
+                <a16:creationId xmlns:a16="http://schemas.microsoft.com/office/drawing/2014/main" id="{B7CAD3FD-982D-472A-AB7E-37B5F20DF432}"/>
+              </a:ext>
+            </a:extLst>
+          </p:cNvPr>
+          <p:cNvSpPr txBox="1"/>
+          <p:nvPr/>
+        </p:nvSpPr>
+        <p:spPr>
+          <a:xfrm>
+            <a:off x="1584619" y="6644004"/>
+            <a:ext cx="564135" cy="276999"/>
+          </a:xfrm>
+          <a:prstGeom prst="rect">
+            <a:avLst/>
+          </a:prstGeom>
+          <a:noFill/>
+        </p:spPr>
+        <p:txBody>
+          <a:bodyPr wrap="square" rtlCol="0">
+            <a:spAutoFit/>
+          </a:bodyPr>
+          <a:lstStyle/>
+          <a:p>
+            <a:r>
+              <a:rPr lang="en-US" altLang="zh-TW" sz="1200" dirty="0">
+                <a:latin typeface="Times New Roman" panose="02020603050405020304" pitchFamily="18" charset="0"/>
+                <a:cs typeface="Times New Roman" panose="02020603050405020304" pitchFamily="18" charset="0"/>
+              </a:rPr>
+              <a:t>2</a:t>
+            </a:r>
+            <a:endParaRPr lang="zh-TW" altLang="en-US" sz="1200" dirty="0">
+              <a:latin typeface="Times New Roman" panose="02020603050405020304" pitchFamily="18" charset="0"/>
+              <a:cs typeface="Times New Roman" panose="02020603050405020304" pitchFamily="18" charset="0"/>
+            </a:endParaRPr>
+          </a:p>
+        </p:txBody>
+      </p:sp>
+      <p:sp>
+        <p:nvSpPr>
+          <p:cNvPr id="434" name="文字方塊 433">
+            <a:extLst>
+              <a:ext uri="{FF2B5EF4-FFF2-40B4-BE49-F238E27FC236}">
+                <a16:creationId xmlns:a16="http://schemas.microsoft.com/office/drawing/2014/main" id="{C83BC001-3A12-41E2-87A9-B45E6730C3AB}"/>
+              </a:ext>
+            </a:extLst>
+          </p:cNvPr>
+          <p:cNvSpPr txBox="1"/>
+          <p:nvPr/>
+        </p:nvSpPr>
+        <p:spPr>
+          <a:xfrm>
+            <a:off x="7383429" y="5570837"/>
+            <a:ext cx="1425079" cy="276999"/>
+          </a:xfrm>
+          <a:prstGeom prst="rect">
+            <a:avLst/>
+          </a:prstGeom>
+          <a:noFill/>
+        </p:spPr>
+        <p:txBody>
+          <a:bodyPr wrap="square" rtlCol="0">
+            <a:spAutoFit/>
+          </a:bodyPr>
+          <a:lstStyle/>
+          <a:p>
+            <a:r>
+              <a:rPr lang="en-US" altLang="zh-TW" sz="1200" dirty="0" err="1">
+                <a:latin typeface="Times New Roman" panose="02020603050405020304" pitchFamily="18" charset="0"/>
+                <a:cs typeface="Times New Roman" panose="02020603050405020304" pitchFamily="18" charset="0"/>
+              </a:rPr>
+              <a:t>rndNumMsbVec_i</a:t>
+            </a:r>
+            <a:endParaRPr lang="zh-TW" altLang="en-US" sz="1200" dirty="0">
+              <a:latin typeface="Times New Roman" panose="02020603050405020304" pitchFamily="18" charset="0"/>
+              <a:cs typeface="Times New Roman" panose="02020603050405020304" pitchFamily="18" charset="0"/>
+            </a:endParaRPr>
+          </a:p>
+        </p:txBody>
+      </p:sp>
+      <p:sp>
+        <p:nvSpPr>
+          <p:cNvPr id="442" name="文字方塊 441">
+            <a:extLst>
+              <a:ext uri="{FF2B5EF4-FFF2-40B4-BE49-F238E27FC236}">
+                <a16:creationId xmlns:a16="http://schemas.microsoft.com/office/drawing/2014/main" id="{FB41C5BB-7421-400A-89BA-07F1506C7EB8}"/>
+              </a:ext>
+            </a:extLst>
+          </p:cNvPr>
+          <p:cNvSpPr txBox="1"/>
+          <p:nvPr/>
+        </p:nvSpPr>
+        <p:spPr>
+          <a:xfrm>
+            <a:off x="7365142" y="5786144"/>
+            <a:ext cx="967790" cy="276999"/>
+          </a:xfrm>
+          <a:prstGeom prst="rect">
+            <a:avLst/>
+          </a:prstGeom>
+          <a:noFill/>
+        </p:spPr>
+        <p:txBody>
+          <a:bodyPr wrap="square" rtlCol="0">
+            <a:spAutoFit/>
+          </a:bodyPr>
+          <a:lstStyle/>
+          <a:p>
+            <a:r>
+              <a:rPr lang="en-US" altLang="zh-TW" sz="1200" dirty="0">
+                <a:latin typeface="Times New Roman" panose="02020603050405020304" pitchFamily="18" charset="0"/>
+                <a:cs typeface="Times New Roman" panose="02020603050405020304" pitchFamily="18" charset="0"/>
+              </a:rPr>
+              <a:t>11</a:t>
+            </a:r>
+            <a:endParaRPr lang="zh-TW" altLang="en-US" sz="1200" dirty="0">
+              <a:latin typeface="Times New Roman" panose="02020603050405020304" pitchFamily="18" charset="0"/>
+              <a:cs typeface="Times New Roman" panose="02020603050405020304" pitchFamily="18" charset="0"/>
+            </a:endParaRPr>
+          </a:p>
+        </p:txBody>
+      </p:sp>
+      <p:cxnSp>
+        <p:nvCxnSpPr>
+          <p:cNvPr id="447" name="直線接點 446">
+            <a:extLst>
+              <a:ext uri="{FF2B5EF4-FFF2-40B4-BE49-F238E27FC236}">
+                <a16:creationId xmlns:a16="http://schemas.microsoft.com/office/drawing/2014/main" id="{E1EEF414-CB20-4269-AA4A-86AB234F3EFF}"/>
+              </a:ext>
+            </a:extLst>
+          </p:cNvPr>
+          <p:cNvCxnSpPr>
+            <a:cxnSpLocks/>
+          </p:cNvCxnSpPr>
+          <p:nvPr/>
+        </p:nvCxnSpPr>
+        <p:spPr>
+          <a:xfrm>
+            <a:off x="7356863" y="5908950"/>
+            <a:ext cx="154820" cy="163617"/>
+          </a:xfrm>
+          <a:prstGeom prst="line">
+            <a:avLst/>
+          </a:prstGeom>
+        </p:spPr>
+        <p:style>
+          <a:lnRef idx="3">
+            <a:schemeClr val="dk1"/>
+          </a:lnRef>
+          <a:fillRef idx="0">
+            <a:schemeClr val="dk1"/>
+          </a:fillRef>
+          <a:effectRef idx="2">
+            <a:schemeClr val="dk1"/>
+          </a:effectRef>
+          <a:fontRef idx="minor">
+            <a:schemeClr val="tx1"/>
+          </a:fontRef>
+        </p:style>
+      </p:cxnSp>
+      <p:cxnSp>
+        <p:nvCxnSpPr>
+          <p:cNvPr id="463" name="直線單箭頭接點 462">
+            <a:extLst>
+              <a:ext uri="{FF2B5EF4-FFF2-40B4-BE49-F238E27FC236}">
+                <a16:creationId xmlns:a16="http://schemas.microsoft.com/office/drawing/2014/main" id="{A181E7C8-2E30-49B0-ADF3-9B1061867618}"/>
+              </a:ext>
+            </a:extLst>
+          </p:cNvPr>
+          <p:cNvCxnSpPr>
+            <a:cxnSpLocks/>
+          </p:cNvCxnSpPr>
+          <p:nvPr/>
+        </p:nvCxnSpPr>
+        <p:spPr>
+          <a:xfrm flipV="1">
+            <a:off x="7421105" y="5657111"/>
+            <a:ext cx="0" cy="496501"/>
+          </a:xfrm>
+          <a:prstGeom prst="straightConnector1">
+            <a:avLst/>
+          </a:prstGeom>
+          <a:ln>
+            <a:tailEnd type="triangle"/>
+          </a:ln>
+        </p:spPr>
+        <p:style>
+          <a:lnRef idx="3">
+            <a:schemeClr val="accent2"/>
+          </a:lnRef>
+          <a:fillRef idx="0">
+            <a:schemeClr val="accent2"/>
+          </a:fillRef>
+          <a:effectRef idx="2">
+            <a:schemeClr val="accent2"/>
+          </a:effectRef>
+          <a:fontRef idx="minor">
+            <a:schemeClr val="tx1"/>
+          </a:fontRef>
+        </p:style>
+      </p:cxnSp>
+      <p:cxnSp>
+        <p:nvCxnSpPr>
+          <p:cNvPr id="473" name="直線單箭頭接點 472">
+            <a:extLst>
+              <a:ext uri="{FF2B5EF4-FFF2-40B4-BE49-F238E27FC236}">
+                <a16:creationId xmlns:a16="http://schemas.microsoft.com/office/drawing/2014/main" id="{746F8802-81AF-4D6A-9069-4D5069BD8C4E}"/>
+              </a:ext>
+            </a:extLst>
+          </p:cNvPr>
+          <p:cNvCxnSpPr>
+            <a:cxnSpLocks/>
+          </p:cNvCxnSpPr>
+          <p:nvPr/>
+        </p:nvCxnSpPr>
+        <p:spPr>
+          <a:xfrm flipV="1">
+            <a:off x="7257571" y="3128088"/>
+            <a:ext cx="0" cy="346820"/>
+          </a:xfrm>
+          <a:prstGeom prst="straightConnector1">
+            <a:avLst/>
+          </a:prstGeom>
+          <a:ln>
+            <a:tailEnd type="triangle"/>
+          </a:ln>
+        </p:spPr>
+        <p:style>
+          <a:lnRef idx="3">
+            <a:schemeClr val="accent4"/>
+          </a:lnRef>
+          <a:fillRef idx="0">
+            <a:schemeClr val="accent4"/>
+          </a:fillRef>
+          <a:effectRef idx="2">
+            <a:schemeClr val="accent4"/>
+          </a:effectRef>
+          <a:fontRef idx="minor">
+            <a:schemeClr val="tx1"/>
+          </a:fontRef>
+        </p:style>
+      </p:cxnSp>
+      <p:sp>
+        <p:nvSpPr>
+          <p:cNvPr id="480" name="文字方塊 479">
+            <a:extLst>
+              <a:ext uri="{FF2B5EF4-FFF2-40B4-BE49-F238E27FC236}">
+                <a16:creationId xmlns:a16="http://schemas.microsoft.com/office/drawing/2014/main" id="{DE99D12C-4350-46EE-A806-3FE39773D2A4}"/>
+              </a:ext>
+            </a:extLst>
+          </p:cNvPr>
+          <p:cNvSpPr txBox="1"/>
+          <p:nvPr/>
+        </p:nvSpPr>
+        <p:spPr>
+          <a:xfrm>
+            <a:off x="7321732" y="2278619"/>
+            <a:ext cx="1666700" cy="215444"/>
+          </a:xfrm>
+          <a:prstGeom prst="rect">
+            <a:avLst/>
+          </a:prstGeom>
+          <a:noFill/>
+        </p:spPr>
+        <p:txBody>
+          <a:bodyPr wrap="square" rtlCol="0">
+            <a:spAutoFit/>
+          </a:bodyPr>
+          <a:lstStyle/>
+          <a:p>
+            <a:r>
+              <a:rPr lang="en-US" altLang="zh-TW" sz="800" dirty="0" err="1">
+                <a:latin typeface="Times New Roman" panose="02020603050405020304" pitchFamily="18" charset="0"/>
+                <a:cs typeface="Times New Roman" panose="02020603050405020304" pitchFamily="18" charset="0"/>
+              </a:rPr>
+              <a:t>minFit_CRX</a:t>
+            </a:r>
+            <a:endParaRPr lang="zh-TW" altLang="en-US" sz="800" dirty="0">
+              <a:latin typeface="Times New Roman" panose="02020603050405020304" pitchFamily="18" charset="0"/>
+              <a:cs typeface="Times New Roman" panose="02020603050405020304" pitchFamily="18" charset="0"/>
+            </a:endParaRPr>
+          </a:p>
+        </p:txBody>
+      </p:sp>
+      <p:cxnSp>
+        <p:nvCxnSpPr>
+          <p:cNvPr id="481" name="直線單箭頭接點 480">
+            <a:extLst>
+              <a:ext uri="{FF2B5EF4-FFF2-40B4-BE49-F238E27FC236}">
+                <a16:creationId xmlns:a16="http://schemas.microsoft.com/office/drawing/2014/main" id="{41ACFABF-C573-4BF1-8EE6-83BD753F57B9}"/>
+              </a:ext>
+            </a:extLst>
+          </p:cNvPr>
+          <p:cNvCxnSpPr>
+            <a:cxnSpLocks/>
+          </p:cNvCxnSpPr>
+          <p:nvPr/>
+        </p:nvCxnSpPr>
+        <p:spPr>
+          <a:xfrm flipH="1" flipV="1">
+            <a:off x="7240588" y="5780615"/>
+            <a:ext cx="2045" cy="732629"/>
+          </a:xfrm>
+          <a:prstGeom prst="straightConnector1">
+            <a:avLst/>
+          </a:prstGeom>
+          <a:ln>
+            <a:tailEnd type="triangle"/>
+          </a:ln>
+        </p:spPr>
+        <p:style>
+          <a:lnRef idx="3">
+            <a:schemeClr val="accent2"/>
+          </a:lnRef>
+          <a:fillRef idx="0">
+            <a:schemeClr val="accent2"/>
+          </a:fillRef>
+          <a:effectRef idx="2">
+            <a:schemeClr val="accent2"/>
+          </a:effectRef>
+          <a:fontRef idx="minor">
+            <a:schemeClr val="tx1"/>
+          </a:fontRef>
+        </p:style>
+      </p:cxnSp>
+      <p:cxnSp>
+        <p:nvCxnSpPr>
+          <p:cNvPr id="491" name="直線接點 490">
+            <a:extLst>
+              <a:ext uri="{FF2B5EF4-FFF2-40B4-BE49-F238E27FC236}">
+                <a16:creationId xmlns:a16="http://schemas.microsoft.com/office/drawing/2014/main" id="{F9CB834C-5113-454C-A770-B913ED92E301}"/>
+              </a:ext>
+            </a:extLst>
+          </p:cNvPr>
+          <p:cNvCxnSpPr>
+            <a:cxnSpLocks/>
+          </p:cNvCxnSpPr>
+          <p:nvPr/>
+        </p:nvCxnSpPr>
+        <p:spPr>
+          <a:xfrm>
+            <a:off x="7167986" y="6146929"/>
+            <a:ext cx="154820" cy="163617"/>
+          </a:xfrm>
+          <a:prstGeom prst="line">
+            <a:avLst/>
+          </a:prstGeom>
+        </p:spPr>
+        <p:style>
+          <a:lnRef idx="3">
+            <a:schemeClr val="dk1"/>
+          </a:lnRef>
+          <a:fillRef idx="0">
+            <a:schemeClr val="dk1"/>
+          </a:fillRef>
+          <a:effectRef idx="2">
+            <a:schemeClr val="dk1"/>
+          </a:effectRef>
+          <a:fontRef idx="minor">
+            <a:schemeClr val="tx1"/>
+          </a:fontRef>
+        </p:style>
+      </p:cxnSp>
+      <p:sp>
+        <p:nvSpPr>
+          <p:cNvPr id="495" name="文字方塊 494">
+            <a:extLst>
+              <a:ext uri="{FF2B5EF4-FFF2-40B4-BE49-F238E27FC236}">
+                <a16:creationId xmlns:a16="http://schemas.microsoft.com/office/drawing/2014/main" id="{04F9C31C-AE55-436F-A76E-272827169454}"/>
+              </a:ext>
+            </a:extLst>
+          </p:cNvPr>
+          <p:cNvSpPr txBox="1"/>
+          <p:nvPr/>
+        </p:nvSpPr>
+        <p:spPr>
+          <a:xfrm>
+            <a:off x="7037697" y="5922187"/>
+            <a:ext cx="967790" cy="276999"/>
+          </a:xfrm>
+          <a:prstGeom prst="rect">
+            <a:avLst/>
+          </a:prstGeom>
+          <a:noFill/>
+        </p:spPr>
+        <p:txBody>
+          <a:bodyPr wrap="square" rtlCol="0">
+            <a:spAutoFit/>
+          </a:bodyPr>
+          <a:lstStyle/>
+          <a:p>
+            <a:r>
+              <a:rPr lang="en-US" altLang="zh-TW" sz="1200" dirty="0">
+                <a:latin typeface="Times New Roman" panose="02020603050405020304" pitchFamily="18" charset="0"/>
+                <a:cs typeface="Times New Roman" panose="02020603050405020304" pitchFamily="18" charset="0"/>
+              </a:rPr>
+              <a:t>8</a:t>
+            </a:r>
+            <a:endParaRPr lang="zh-TW" altLang="en-US" sz="1200" dirty="0">
+              <a:latin typeface="Times New Roman" panose="02020603050405020304" pitchFamily="18" charset="0"/>
+              <a:cs typeface="Times New Roman" panose="02020603050405020304" pitchFamily="18" charset="0"/>
+            </a:endParaRPr>
+          </a:p>
+        </p:txBody>
+      </p:sp>
+      <p:sp>
+        <p:nvSpPr>
+          <p:cNvPr id="499" name="文字方塊 498">
+            <a:extLst>
+              <a:ext uri="{FF2B5EF4-FFF2-40B4-BE49-F238E27FC236}">
+                <a16:creationId xmlns:a16="http://schemas.microsoft.com/office/drawing/2014/main" id="{266A3557-3CF4-4267-9E9A-3FB7FCE93AC7}"/>
+              </a:ext>
+            </a:extLst>
+          </p:cNvPr>
+          <p:cNvSpPr txBox="1"/>
+          <p:nvPr/>
+        </p:nvSpPr>
+        <p:spPr>
+          <a:xfrm>
+            <a:off x="7243976" y="6165532"/>
+            <a:ext cx="1425079" cy="276999"/>
+          </a:xfrm>
+          <a:prstGeom prst="rect">
+            <a:avLst/>
+          </a:prstGeom>
+          <a:noFill/>
+        </p:spPr>
+        <p:txBody>
+          <a:bodyPr wrap="square" rtlCol="0">
+            <a:spAutoFit/>
+          </a:bodyPr>
+          <a:lstStyle/>
+          <a:p>
+            <a:r>
+              <a:rPr lang="en-US" altLang="zh-TW" sz="1200" dirty="0" err="1">
+                <a:latin typeface="Times New Roman" panose="02020603050405020304" pitchFamily="18" charset="0"/>
+                <a:cs typeface="Times New Roman" panose="02020603050405020304" pitchFamily="18" charset="0"/>
+              </a:rPr>
+              <a:t>rn_i</a:t>
+            </a:r>
+            <a:endParaRPr lang="zh-TW" altLang="en-US" sz="1200" dirty="0">
+              <a:latin typeface="Times New Roman" panose="02020603050405020304" pitchFamily="18" charset="0"/>
+              <a:cs typeface="Times New Roman" panose="02020603050405020304" pitchFamily="18" charset="0"/>
+            </a:endParaRPr>
+          </a:p>
+        </p:txBody>
+      </p:sp>
+      <p:sp>
+        <p:nvSpPr>
+          <p:cNvPr id="500" name="矩形 35">
+            <a:extLst>
+              <a:ext uri="{FF2B5EF4-FFF2-40B4-BE49-F238E27FC236}">
+                <a16:creationId xmlns:a16="http://schemas.microsoft.com/office/drawing/2014/main" id="{93C9BD0F-BE47-41BC-8B69-4F02E596A42D}"/>
+              </a:ext>
+            </a:extLst>
+          </p:cNvPr>
+          <p:cNvSpPr/>
+          <p:nvPr/>
+        </p:nvSpPr>
+        <p:spPr>
+          <a:xfrm>
+            <a:off x="9671979" y="3693478"/>
+            <a:ext cx="638815" cy="2136635"/>
+          </a:xfrm>
+          <a:custGeom>
+            <a:avLst/>
+            <a:gdLst>
+              <a:gd name="connsiteX0" fmla="*/ 0 w 460375"/>
+              <a:gd name="connsiteY0" fmla="*/ 0 h 673100"/>
+              <a:gd name="connsiteX1" fmla="*/ 460375 w 460375"/>
+              <a:gd name="connsiteY1" fmla="*/ 0 h 673100"/>
+              <a:gd name="connsiteX2" fmla="*/ 460375 w 460375"/>
+              <a:gd name="connsiteY2" fmla="*/ 673100 h 673100"/>
+              <a:gd name="connsiteX3" fmla="*/ 0 w 460375"/>
+              <a:gd name="connsiteY3" fmla="*/ 673100 h 673100"/>
+              <a:gd name="connsiteX4" fmla="*/ 0 w 460375"/>
+              <a:gd name="connsiteY4" fmla="*/ 0 h 673100"/>
+              <a:gd name="connsiteX0" fmla="*/ 0 w 463550"/>
+              <a:gd name="connsiteY0" fmla="*/ 0 h 673100"/>
+              <a:gd name="connsiteX1" fmla="*/ 463550 w 463550"/>
+              <a:gd name="connsiteY1" fmla="*/ 130175 h 673100"/>
+              <a:gd name="connsiteX2" fmla="*/ 460375 w 463550"/>
+              <a:gd name="connsiteY2" fmla="*/ 673100 h 673100"/>
+              <a:gd name="connsiteX3" fmla="*/ 0 w 463550"/>
+              <a:gd name="connsiteY3" fmla="*/ 673100 h 673100"/>
+              <a:gd name="connsiteX4" fmla="*/ 0 w 463550"/>
+              <a:gd name="connsiteY4" fmla="*/ 0 h 673100"/>
+              <a:gd name="connsiteX0" fmla="*/ 0 w 463855"/>
+              <a:gd name="connsiteY0" fmla="*/ 0 h 673100"/>
+              <a:gd name="connsiteX1" fmla="*/ 463550 w 463855"/>
+              <a:gd name="connsiteY1" fmla="*/ 130175 h 673100"/>
+              <a:gd name="connsiteX2" fmla="*/ 463550 w 463855"/>
+              <a:gd name="connsiteY2" fmla="*/ 555625 h 673100"/>
+              <a:gd name="connsiteX3" fmla="*/ 0 w 463855"/>
+              <a:gd name="connsiteY3" fmla="*/ 673100 h 673100"/>
+              <a:gd name="connsiteX4" fmla="*/ 0 w 463855"/>
+              <a:gd name="connsiteY4" fmla="*/ 0 h 673100"/>
+            </a:gdLst>
+            <a:ahLst/>
+            <a:cxnLst>
+              <a:cxn ang="0">
+                <a:pos x="connsiteX0" y="connsiteY0"/>
+              </a:cxn>
+              <a:cxn ang="0">
+                <a:pos x="connsiteX1" y="connsiteY1"/>
+              </a:cxn>
+              <a:cxn ang="0">
+                <a:pos x="connsiteX2" y="connsiteY2"/>
+              </a:cxn>
+              <a:cxn ang="0">
+                <a:pos x="connsiteX3" y="connsiteY3"/>
+              </a:cxn>
+              <a:cxn ang="0">
+                <a:pos x="connsiteX4" y="connsiteY4"/>
+              </a:cxn>
+            </a:cxnLst>
+            <a:rect l="l" t="t" r="r" b="b"/>
+            <a:pathLst>
+              <a:path w="463855" h="673100">
+                <a:moveTo>
+                  <a:pt x="0" y="0"/>
+                </a:moveTo>
+                <a:lnTo>
+                  <a:pt x="463550" y="130175"/>
+                </a:lnTo>
+                <a:cubicBezTo>
+                  <a:pt x="462492" y="311150"/>
+                  <a:pt x="464608" y="374650"/>
+                  <a:pt x="463550" y="555625"/>
+                </a:cubicBezTo>
+                <a:lnTo>
+                  <a:pt x="0" y="673100"/>
+                </a:lnTo>
+                <a:lnTo>
+                  <a:pt x="0" y="0"/>
+                </a:lnTo>
+                <a:close/>
+              </a:path>
+            </a:pathLst>
+          </a:custGeom>
+        </p:spPr>
+        <p:style>
+          <a:lnRef idx="0">
+            <a:schemeClr val="accent4"/>
+          </a:lnRef>
+          <a:fillRef idx="3">
+            <a:schemeClr val="accent4"/>
+          </a:fillRef>
+          <a:effectRef idx="3">
+            <a:schemeClr val="accent4"/>
+          </a:effectRef>
+          <a:fontRef idx="minor">
+            <a:schemeClr val="lt1"/>
+          </a:fontRef>
+        </p:style>
+        <p:txBody>
+          <a:bodyPr rtlCol="0" anchor="ctr"/>
+          <a:lstStyle/>
+          <a:p>
+            <a:pPr algn="ctr"/>
+            <a:r>
+              <a:rPr lang="en-US" altLang="zh-TW" dirty="0"/>
+              <a:t>MU</a:t>
+            </a:r>
+          </a:p>
+          <a:p>
+            <a:pPr algn="ctr"/>
+            <a:r>
+              <a:rPr lang="en-US" altLang="zh-TW" dirty="0"/>
+              <a:t>GEN</a:t>
+            </a:r>
+            <a:endParaRPr lang="zh-TW" altLang="en-US" dirty="0"/>
+          </a:p>
+        </p:txBody>
+      </p:sp>
+      <p:grpSp>
+        <p:nvGrpSpPr>
+          <p:cNvPr id="502" name="群組 501">
+            <a:extLst>
+              <a:ext uri="{FF2B5EF4-FFF2-40B4-BE49-F238E27FC236}">
+                <a16:creationId xmlns:a16="http://schemas.microsoft.com/office/drawing/2014/main" id="{68F677C3-9BED-42F5-8453-4044FF06DBAD}"/>
+              </a:ext>
+            </a:extLst>
+          </p:cNvPr>
+          <p:cNvGrpSpPr/>
+          <p:nvPr/>
+        </p:nvGrpSpPr>
+        <p:grpSpPr>
+          <a:xfrm>
+            <a:off x="5793626" y="2834559"/>
+            <a:ext cx="1686639" cy="485446"/>
+            <a:chOff x="271714" y="6407804"/>
+            <a:chExt cx="1677919" cy="485446"/>
+          </a:xfrm>
+        </p:grpSpPr>
+        <p:cxnSp>
+          <p:nvCxnSpPr>
+            <p:cNvPr id="503" name="直線單箭頭接點 502">
+              <a:extLst>
+                <a:ext uri="{FF2B5EF4-FFF2-40B4-BE49-F238E27FC236}">
+                  <a16:creationId xmlns:a16="http://schemas.microsoft.com/office/drawing/2014/main" id="{97A58889-CFF8-4DCD-A346-89EB86AB34EB}"/>
+                </a:ext>
+              </a:extLst>
+            </p:cNvPr>
+            <p:cNvCxnSpPr>
+              <a:cxnSpLocks/>
+            </p:cNvCxnSpPr>
+            <p:nvPr/>
+          </p:nvCxnSpPr>
+          <p:spPr>
+            <a:xfrm>
+              <a:off x="271714" y="6664305"/>
+              <a:ext cx="1226857" cy="0"/>
+            </a:xfrm>
+            <a:prstGeom prst="straightConnector1">
+              <a:avLst/>
+            </a:prstGeom>
+            <a:ln>
+              <a:tailEnd type="triangle"/>
+            </a:ln>
+          </p:spPr>
+          <p:style>
+            <a:lnRef idx="3">
+              <a:schemeClr val="accent1"/>
+            </a:lnRef>
+            <a:fillRef idx="0">
+              <a:schemeClr val="accent1"/>
+            </a:fillRef>
+            <a:effectRef idx="2">
+              <a:schemeClr val="accent1"/>
+            </a:effectRef>
+            <a:fontRef idx="minor">
+              <a:schemeClr val="tx1"/>
+            </a:fontRef>
+          </p:style>
+        </p:cxnSp>
+        <p:sp>
+          <p:nvSpPr>
+            <p:cNvPr id="504" name="文字方塊 503">
+              <a:extLst>
+                <a:ext uri="{FF2B5EF4-FFF2-40B4-BE49-F238E27FC236}">
+                  <a16:creationId xmlns:a16="http://schemas.microsoft.com/office/drawing/2014/main" id="{3A231247-8C6B-4C0A-8594-8896B6A76ED3}"/>
+                </a:ext>
+              </a:extLst>
+            </p:cNvPr>
+            <p:cNvSpPr txBox="1"/>
+            <p:nvPr/>
+          </p:nvSpPr>
+          <p:spPr>
+            <a:xfrm>
+              <a:off x="477156" y="6677806"/>
+              <a:ext cx="1472477" cy="215444"/>
+            </a:xfrm>
+            <a:prstGeom prst="rect">
+              <a:avLst/>
+            </a:prstGeom>
+            <a:noFill/>
+          </p:spPr>
+          <p:txBody>
+            <a:bodyPr wrap="square" rtlCol="0">
+              <a:spAutoFit/>
+            </a:bodyPr>
+            <a:lstStyle/>
+            <a:p>
+              <a:r>
+                <a:rPr lang="en-US" altLang="zh-TW" sz="800" dirty="0">
+                  <a:latin typeface="Times New Roman" panose="02020603050405020304" pitchFamily="18" charset="0"/>
+                  <a:cs typeface="Times New Roman" panose="02020603050405020304" pitchFamily="18" charset="0"/>
+                </a:rPr>
+                <a:t>OffspringIdx2_CRX</a:t>
+              </a:r>
+              <a:endParaRPr lang="zh-TW" altLang="en-US" sz="800" dirty="0">
+                <a:latin typeface="Times New Roman" panose="02020603050405020304" pitchFamily="18" charset="0"/>
+                <a:cs typeface="Times New Roman" panose="02020603050405020304" pitchFamily="18" charset="0"/>
+              </a:endParaRPr>
+            </a:p>
+          </p:txBody>
+        </p:sp>
+        <p:cxnSp>
+          <p:nvCxnSpPr>
+            <p:cNvPr id="505" name="直線接點 504">
+              <a:extLst>
+                <a:ext uri="{FF2B5EF4-FFF2-40B4-BE49-F238E27FC236}">
+                  <a16:creationId xmlns:a16="http://schemas.microsoft.com/office/drawing/2014/main" id="{0EA7747E-7A22-4F82-8421-05B6655B7F1B}"/>
+                </a:ext>
+              </a:extLst>
+            </p:cNvPr>
+            <p:cNvCxnSpPr>
+              <a:cxnSpLocks/>
+            </p:cNvCxnSpPr>
+            <p:nvPr/>
+          </p:nvCxnSpPr>
+          <p:spPr>
+            <a:xfrm>
+              <a:off x="739660" y="6604353"/>
+              <a:ext cx="173322" cy="148216"/>
+            </a:xfrm>
+            <a:prstGeom prst="line">
+              <a:avLst/>
+            </a:prstGeom>
+          </p:spPr>
+          <p:style>
+            <a:lnRef idx="3">
+              <a:schemeClr val="dk1"/>
+            </a:lnRef>
+            <a:fillRef idx="0">
+              <a:schemeClr val="dk1"/>
+            </a:fillRef>
+            <a:effectRef idx="2">
+              <a:schemeClr val="dk1"/>
+            </a:effectRef>
+            <a:fontRef idx="minor">
+              <a:schemeClr val="tx1"/>
+            </a:fontRef>
+          </p:style>
+        </p:cxnSp>
+        <p:sp>
+          <p:nvSpPr>
+            <p:cNvPr id="506" name="文字方塊 505">
+              <a:extLst>
+                <a:ext uri="{FF2B5EF4-FFF2-40B4-BE49-F238E27FC236}">
+                  <a16:creationId xmlns:a16="http://schemas.microsoft.com/office/drawing/2014/main" id="{795625F4-BA6A-453E-9808-22DE2825761C}"/>
+                </a:ext>
+              </a:extLst>
+            </p:cNvPr>
+            <p:cNvSpPr txBox="1"/>
+            <p:nvPr/>
+          </p:nvSpPr>
+          <p:spPr>
+            <a:xfrm>
+              <a:off x="767546" y="6407804"/>
+              <a:ext cx="564135" cy="276999"/>
+            </a:xfrm>
+            <a:prstGeom prst="rect">
+              <a:avLst/>
+            </a:prstGeom>
+            <a:noFill/>
+          </p:spPr>
+          <p:txBody>
+            <a:bodyPr wrap="square" rtlCol="0">
+              <a:spAutoFit/>
+            </a:bodyPr>
+            <a:lstStyle/>
+            <a:p>
+              <a:r>
+                <a:rPr lang="en-US" altLang="zh-TW" sz="1200" dirty="0">
+                  <a:latin typeface="Times New Roman" panose="02020603050405020304" pitchFamily="18" charset="0"/>
+                  <a:cs typeface="Times New Roman" panose="02020603050405020304" pitchFamily="18" charset="0"/>
+                </a:rPr>
+                <a:t>8</a:t>
+              </a:r>
+              <a:endParaRPr lang="zh-TW" altLang="en-US" sz="1200" dirty="0">
+                <a:latin typeface="Times New Roman" panose="02020603050405020304" pitchFamily="18" charset="0"/>
+                <a:cs typeface="Times New Roman" panose="02020603050405020304" pitchFamily="18" charset="0"/>
+              </a:endParaRPr>
+            </a:p>
+          </p:txBody>
+        </p:sp>
+      </p:grpSp>
+      <p:grpSp>
+        <p:nvGrpSpPr>
+          <p:cNvPr id="507" name="群組 506">
+            <a:extLst>
+              <a:ext uri="{FF2B5EF4-FFF2-40B4-BE49-F238E27FC236}">
+                <a16:creationId xmlns:a16="http://schemas.microsoft.com/office/drawing/2014/main" id="{74180564-C48E-40B1-96F2-52616968C72E}"/>
+              </a:ext>
+            </a:extLst>
+          </p:cNvPr>
+          <p:cNvGrpSpPr/>
+          <p:nvPr/>
+        </p:nvGrpSpPr>
+        <p:grpSpPr>
+          <a:xfrm rot="16200000">
+            <a:off x="9950873" y="5507218"/>
+            <a:ext cx="1008882" cy="1259670"/>
+            <a:chOff x="271714" y="6472833"/>
+            <a:chExt cx="1299886" cy="1259670"/>
+          </a:xfrm>
+        </p:grpSpPr>
+        <p:cxnSp>
+          <p:nvCxnSpPr>
+            <p:cNvPr id="508" name="直線單箭頭接點 507">
+              <a:extLst>
+                <a:ext uri="{FF2B5EF4-FFF2-40B4-BE49-F238E27FC236}">
+                  <a16:creationId xmlns:a16="http://schemas.microsoft.com/office/drawing/2014/main" id="{7CFEE001-5076-4DF0-8935-2490C38AF687}"/>
+                </a:ext>
+              </a:extLst>
+            </p:cNvPr>
+            <p:cNvCxnSpPr>
+              <a:cxnSpLocks/>
+            </p:cNvCxnSpPr>
+            <p:nvPr/>
+          </p:nvCxnSpPr>
+          <p:spPr>
+            <a:xfrm rot="5400000" flipH="1" flipV="1">
+              <a:off x="916834" y="6009540"/>
+              <a:ext cx="9645" cy="1299886"/>
+            </a:xfrm>
+            <a:prstGeom prst="straightConnector1">
+              <a:avLst/>
+            </a:prstGeom>
+            <a:ln>
+              <a:tailEnd type="triangle"/>
+            </a:ln>
+          </p:spPr>
+          <p:style>
+            <a:lnRef idx="3">
+              <a:schemeClr val="accent1"/>
+            </a:lnRef>
+            <a:fillRef idx="0">
+              <a:schemeClr val="accent1"/>
+            </a:fillRef>
+            <a:effectRef idx="2">
+              <a:schemeClr val="accent1"/>
+            </a:effectRef>
+            <a:fontRef idx="minor">
+              <a:schemeClr val="tx1"/>
+            </a:fontRef>
+          </p:style>
+        </p:cxnSp>
+        <p:sp>
+          <p:nvSpPr>
+            <p:cNvPr id="509" name="文字方塊 508">
+              <a:extLst>
+                <a:ext uri="{FF2B5EF4-FFF2-40B4-BE49-F238E27FC236}">
+                  <a16:creationId xmlns:a16="http://schemas.microsoft.com/office/drawing/2014/main" id="{AEEFA4C6-BA28-45B4-8E98-4A9516AE01B6}"/>
+                </a:ext>
+              </a:extLst>
+            </p:cNvPr>
+            <p:cNvSpPr txBox="1"/>
+            <p:nvPr/>
+          </p:nvSpPr>
+          <p:spPr>
+            <a:xfrm rot="5400000">
+              <a:off x="621528" y="6942982"/>
+              <a:ext cx="1142835" cy="436207"/>
+            </a:xfrm>
+            <a:prstGeom prst="rect">
+              <a:avLst/>
+            </a:prstGeom>
+            <a:noFill/>
+          </p:spPr>
+          <p:txBody>
+            <a:bodyPr wrap="square" rtlCol="0">
+              <a:spAutoFit/>
+            </a:bodyPr>
+            <a:lstStyle/>
+            <a:p>
+              <a:r>
+                <a:rPr lang="en-US" altLang="zh-TW" sz="800" dirty="0" err="1">
+                  <a:latin typeface="Times New Roman" panose="02020603050405020304" pitchFamily="18" charset="0"/>
+                  <a:cs typeface="Times New Roman" panose="02020603050405020304" pitchFamily="18" charset="0"/>
+                </a:rPr>
+                <a:t>offspringMutate</a:t>
+              </a:r>
+              <a:endParaRPr lang="en-US" altLang="zh-TW" sz="800" dirty="0">
+                <a:latin typeface="Times New Roman" panose="02020603050405020304" pitchFamily="18" charset="0"/>
+                <a:cs typeface="Times New Roman" panose="02020603050405020304" pitchFamily="18" charset="0"/>
+              </a:endParaRPr>
+            </a:p>
+            <a:p>
+              <a:r>
+                <a:rPr lang="en-US" altLang="zh-TW" sz="800" dirty="0" err="1">
+                  <a:latin typeface="Times New Roman" panose="02020603050405020304" pitchFamily="18" charset="0"/>
+                  <a:cs typeface="Times New Roman" panose="02020603050405020304" pitchFamily="18" charset="0"/>
+                </a:rPr>
+                <a:t>Rate_MU</a:t>
+              </a:r>
+              <a:endParaRPr lang="zh-TW" altLang="en-US" sz="800" dirty="0">
+                <a:latin typeface="Times New Roman" panose="02020603050405020304" pitchFamily="18" charset="0"/>
+                <a:cs typeface="Times New Roman" panose="02020603050405020304" pitchFamily="18" charset="0"/>
+              </a:endParaRPr>
+            </a:p>
+          </p:txBody>
+        </p:sp>
+        <p:cxnSp>
+          <p:nvCxnSpPr>
+            <p:cNvPr id="510" name="直線接點 509">
+              <a:extLst>
+                <a:ext uri="{FF2B5EF4-FFF2-40B4-BE49-F238E27FC236}">
+                  <a16:creationId xmlns:a16="http://schemas.microsoft.com/office/drawing/2014/main" id="{7D636209-32C9-45A3-9867-3F53513C037F}"/>
+                </a:ext>
+              </a:extLst>
+            </p:cNvPr>
+            <p:cNvCxnSpPr>
+              <a:cxnSpLocks/>
+            </p:cNvCxnSpPr>
+            <p:nvPr/>
+          </p:nvCxnSpPr>
+          <p:spPr>
+            <a:xfrm>
+              <a:off x="739660" y="6604353"/>
+              <a:ext cx="173322" cy="148216"/>
+            </a:xfrm>
+            <a:prstGeom prst="line">
+              <a:avLst/>
+            </a:prstGeom>
+          </p:spPr>
+          <p:style>
+            <a:lnRef idx="3">
+              <a:schemeClr val="dk1"/>
+            </a:lnRef>
+            <a:fillRef idx="0">
+              <a:schemeClr val="dk1"/>
+            </a:fillRef>
+            <a:effectRef idx="2">
+              <a:schemeClr val="dk1"/>
+            </a:effectRef>
+            <a:fontRef idx="minor">
+              <a:schemeClr val="tx1"/>
+            </a:fontRef>
+          </p:style>
+        </p:cxnSp>
+        <p:sp>
+          <p:nvSpPr>
+            <p:cNvPr id="511" name="文字方塊 510">
+              <a:extLst>
+                <a:ext uri="{FF2B5EF4-FFF2-40B4-BE49-F238E27FC236}">
+                  <a16:creationId xmlns:a16="http://schemas.microsoft.com/office/drawing/2014/main" id="{4C3D69AB-3DF5-4ECD-AC3D-B5BEFD6F09F0}"/>
+                </a:ext>
+              </a:extLst>
+            </p:cNvPr>
+            <p:cNvSpPr txBox="1"/>
+            <p:nvPr/>
+          </p:nvSpPr>
+          <p:spPr>
+            <a:xfrm rot="5400000">
+              <a:off x="694062" y="6513306"/>
+              <a:ext cx="437843" cy="356897"/>
+            </a:xfrm>
+            <a:prstGeom prst="rect">
+              <a:avLst/>
+            </a:prstGeom>
+            <a:noFill/>
+          </p:spPr>
+          <p:txBody>
+            <a:bodyPr wrap="square" rtlCol="0">
+              <a:spAutoFit/>
+            </a:bodyPr>
+            <a:lstStyle/>
+            <a:p>
+              <a:r>
+                <a:rPr lang="en-US" altLang="zh-TW" sz="1200" dirty="0">
+                  <a:latin typeface="Times New Roman" panose="02020603050405020304" pitchFamily="18" charset="0"/>
+                  <a:cs typeface="Times New Roman" panose="02020603050405020304" pitchFamily="18" charset="0"/>
+                </a:rPr>
+                <a:t>8</a:t>
+              </a:r>
+              <a:endParaRPr lang="zh-TW" altLang="en-US" sz="1200" dirty="0">
+                <a:latin typeface="Times New Roman" panose="02020603050405020304" pitchFamily="18" charset="0"/>
+                <a:cs typeface="Times New Roman" panose="02020603050405020304" pitchFamily="18" charset="0"/>
+              </a:endParaRPr>
+            </a:p>
+          </p:txBody>
+        </p:sp>
+      </p:grpSp>
+      <p:cxnSp>
+        <p:nvCxnSpPr>
+          <p:cNvPr id="512" name="直線接點 511">
+            <a:extLst>
+              <a:ext uri="{FF2B5EF4-FFF2-40B4-BE49-F238E27FC236}">
+                <a16:creationId xmlns:a16="http://schemas.microsoft.com/office/drawing/2014/main" id="{FB30C45F-AAF4-4A2A-9226-25A0DCA7EE41}"/>
+              </a:ext>
+            </a:extLst>
+          </p:cNvPr>
+          <p:cNvCxnSpPr>
+            <a:cxnSpLocks/>
+          </p:cNvCxnSpPr>
+          <p:nvPr/>
+        </p:nvCxnSpPr>
+        <p:spPr>
+          <a:xfrm flipH="1">
+            <a:off x="9211856" y="6637673"/>
+            <a:ext cx="811184" cy="0"/>
+          </a:xfrm>
+          <a:prstGeom prst="line">
+            <a:avLst/>
+          </a:prstGeom>
+        </p:spPr>
+        <p:style>
+          <a:lnRef idx="3">
+            <a:schemeClr val="accent1"/>
+          </a:lnRef>
+          <a:fillRef idx="0">
+            <a:schemeClr val="accent1"/>
+          </a:fillRef>
+          <a:effectRef idx="2">
+            <a:schemeClr val="accent1"/>
+          </a:effectRef>
+          <a:fontRef idx="minor">
+            <a:schemeClr val="tx1"/>
+          </a:fontRef>
+        </p:style>
+      </p:cxnSp>
+      <p:grpSp>
+        <p:nvGrpSpPr>
+          <p:cNvPr id="518" name="群組 517">
+            <a:extLst>
+              <a:ext uri="{FF2B5EF4-FFF2-40B4-BE49-F238E27FC236}">
+                <a16:creationId xmlns:a16="http://schemas.microsoft.com/office/drawing/2014/main" id="{F5FC3859-AF7C-4E10-AABA-FA263B888951}"/>
+              </a:ext>
+            </a:extLst>
+          </p:cNvPr>
+          <p:cNvGrpSpPr/>
+          <p:nvPr/>
+        </p:nvGrpSpPr>
+        <p:grpSpPr>
+          <a:xfrm>
+            <a:off x="9211855" y="2522549"/>
+            <a:ext cx="2191931" cy="503765"/>
+            <a:chOff x="271714" y="6407804"/>
+            <a:chExt cx="1787060" cy="503765"/>
+          </a:xfrm>
+        </p:grpSpPr>
+        <p:cxnSp>
+          <p:nvCxnSpPr>
+            <p:cNvPr id="519" name="直線單箭頭接點 518">
+              <a:extLst>
+                <a:ext uri="{FF2B5EF4-FFF2-40B4-BE49-F238E27FC236}">
+                  <a16:creationId xmlns:a16="http://schemas.microsoft.com/office/drawing/2014/main" id="{06623363-0E7D-4E5A-B005-2A27B126987D}"/>
+                </a:ext>
+              </a:extLst>
+            </p:cNvPr>
+            <p:cNvCxnSpPr>
+              <a:cxnSpLocks/>
+            </p:cNvCxnSpPr>
+            <p:nvPr/>
+          </p:nvCxnSpPr>
+          <p:spPr>
+            <a:xfrm>
+              <a:off x="271714" y="6664305"/>
+              <a:ext cx="1226857" cy="0"/>
+            </a:xfrm>
+            <a:prstGeom prst="straightConnector1">
+              <a:avLst/>
+            </a:prstGeom>
+            <a:ln>
+              <a:tailEnd type="triangle"/>
+            </a:ln>
+          </p:spPr>
+          <p:style>
+            <a:lnRef idx="3">
+              <a:schemeClr val="accent1"/>
+            </a:lnRef>
+            <a:fillRef idx="0">
+              <a:schemeClr val="accent1"/>
+            </a:fillRef>
+            <a:effectRef idx="2">
+              <a:schemeClr val="accent1"/>
+            </a:effectRef>
+            <a:fontRef idx="minor">
+              <a:schemeClr val="tx1"/>
+            </a:fontRef>
+          </p:style>
+        </p:cxnSp>
+        <p:sp>
+          <p:nvSpPr>
+            <p:cNvPr id="520" name="文字方塊 519">
+              <a:extLst>
+                <a:ext uri="{FF2B5EF4-FFF2-40B4-BE49-F238E27FC236}">
+                  <a16:creationId xmlns:a16="http://schemas.microsoft.com/office/drawing/2014/main" id="{C8423D3D-370A-4BB3-AD44-8B032FE81983}"/>
+                </a:ext>
+              </a:extLst>
+            </p:cNvPr>
+            <p:cNvSpPr txBox="1"/>
+            <p:nvPr/>
+          </p:nvSpPr>
+          <p:spPr>
+            <a:xfrm>
+              <a:off x="586297" y="6696125"/>
+              <a:ext cx="1472477" cy="215444"/>
+            </a:xfrm>
+            <a:prstGeom prst="rect">
+              <a:avLst/>
+            </a:prstGeom>
+            <a:noFill/>
+          </p:spPr>
+          <p:txBody>
+            <a:bodyPr wrap="square" rtlCol="0">
+              <a:spAutoFit/>
+            </a:bodyPr>
+            <a:lstStyle/>
+            <a:p>
+              <a:r>
+                <a:rPr lang="en-US" altLang="zh-TW" sz="800" dirty="0" err="1">
+                  <a:latin typeface="Times New Roman" panose="02020603050405020304" pitchFamily="18" charset="0"/>
+                  <a:cs typeface="Times New Roman" panose="02020603050405020304" pitchFamily="18" charset="0"/>
+                </a:rPr>
+                <a:t>wbIdx_MU</a:t>
+              </a:r>
+              <a:endParaRPr lang="zh-TW" altLang="en-US" sz="800" dirty="0">
+                <a:latin typeface="Times New Roman" panose="02020603050405020304" pitchFamily="18" charset="0"/>
+                <a:cs typeface="Times New Roman" panose="02020603050405020304" pitchFamily="18" charset="0"/>
+              </a:endParaRPr>
+            </a:p>
+          </p:txBody>
+        </p:sp>
+        <p:cxnSp>
+          <p:nvCxnSpPr>
+            <p:cNvPr id="521" name="直線接點 520">
+              <a:extLst>
+                <a:ext uri="{FF2B5EF4-FFF2-40B4-BE49-F238E27FC236}">
+                  <a16:creationId xmlns:a16="http://schemas.microsoft.com/office/drawing/2014/main" id="{BA7BFEC7-5958-4B7B-9CE2-660D047B3958}"/>
+                </a:ext>
+              </a:extLst>
+            </p:cNvPr>
+            <p:cNvCxnSpPr>
+              <a:cxnSpLocks/>
+            </p:cNvCxnSpPr>
+            <p:nvPr/>
+          </p:nvCxnSpPr>
+          <p:spPr>
+            <a:xfrm>
+              <a:off x="739660" y="6604353"/>
+              <a:ext cx="173322" cy="148216"/>
+            </a:xfrm>
+            <a:prstGeom prst="line">
+              <a:avLst/>
+            </a:prstGeom>
+          </p:spPr>
+          <p:style>
+            <a:lnRef idx="3">
+              <a:schemeClr val="dk1"/>
+            </a:lnRef>
+            <a:fillRef idx="0">
+              <a:schemeClr val="dk1"/>
+            </a:fillRef>
+            <a:effectRef idx="2">
+              <a:schemeClr val="dk1"/>
+            </a:effectRef>
+            <a:fontRef idx="minor">
+              <a:schemeClr val="tx1"/>
+            </a:fontRef>
+          </p:style>
+        </p:cxnSp>
+        <p:sp>
+          <p:nvSpPr>
+            <p:cNvPr id="522" name="文字方塊 521">
+              <a:extLst>
+                <a:ext uri="{FF2B5EF4-FFF2-40B4-BE49-F238E27FC236}">
+                  <a16:creationId xmlns:a16="http://schemas.microsoft.com/office/drawing/2014/main" id="{1BD97D87-AD76-4001-A6CD-A409A75B0FDA}"/>
+                </a:ext>
+              </a:extLst>
+            </p:cNvPr>
+            <p:cNvSpPr txBox="1"/>
+            <p:nvPr/>
+          </p:nvSpPr>
+          <p:spPr>
+            <a:xfrm>
+              <a:off x="767546" y="6407804"/>
+              <a:ext cx="564135" cy="276999"/>
+            </a:xfrm>
+            <a:prstGeom prst="rect">
+              <a:avLst/>
+            </a:prstGeom>
+            <a:noFill/>
+          </p:spPr>
+          <p:txBody>
+            <a:bodyPr wrap="square" rtlCol="0">
+              <a:spAutoFit/>
+            </a:bodyPr>
+            <a:lstStyle/>
+            <a:p>
+              <a:r>
+                <a:rPr lang="en-US" altLang="zh-TW" sz="1200" dirty="0">
+                  <a:latin typeface="Times New Roman" panose="02020603050405020304" pitchFamily="18" charset="0"/>
+                  <a:cs typeface="Times New Roman" panose="02020603050405020304" pitchFamily="18" charset="0"/>
+                </a:rPr>
+                <a:t>8</a:t>
+              </a:r>
+              <a:endParaRPr lang="zh-TW" altLang="en-US" sz="1200" dirty="0">
+                <a:latin typeface="Times New Roman" panose="02020603050405020304" pitchFamily="18" charset="0"/>
+                <a:cs typeface="Times New Roman" panose="02020603050405020304" pitchFamily="18" charset="0"/>
+              </a:endParaRPr>
+            </a:p>
+          </p:txBody>
+        </p:sp>
+      </p:grpSp>
+      <p:grpSp>
+        <p:nvGrpSpPr>
+          <p:cNvPr id="535" name="群組 534">
+            <a:extLst>
+              <a:ext uri="{FF2B5EF4-FFF2-40B4-BE49-F238E27FC236}">
+                <a16:creationId xmlns:a16="http://schemas.microsoft.com/office/drawing/2014/main" id="{4B1A8EE5-D99D-479B-A4A5-33ACF37464B7}"/>
+              </a:ext>
+            </a:extLst>
+          </p:cNvPr>
+          <p:cNvGrpSpPr/>
+          <p:nvPr/>
+        </p:nvGrpSpPr>
+        <p:grpSpPr>
+          <a:xfrm rot="16200000">
+            <a:off x="9303890" y="2271742"/>
+            <a:ext cx="478006" cy="533400"/>
+            <a:chOff x="4626544" y="484484"/>
+            <a:chExt cx="478006" cy="533400"/>
+          </a:xfrm>
+        </p:grpSpPr>
+        <p:cxnSp>
+          <p:nvCxnSpPr>
+            <p:cNvPr id="536" name="直線單箭頭接點 535">
+              <a:extLst>
+                <a:ext uri="{FF2B5EF4-FFF2-40B4-BE49-F238E27FC236}">
+                  <a16:creationId xmlns:a16="http://schemas.microsoft.com/office/drawing/2014/main" id="{CBF8A7A7-F83E-4ABD-BFE2-2EFB3F5A73A2}"/>
+                </a:ext>
+              </a:extLst>
+            </p:cNvPr>
+            <p:cNvCxnSpPr>
+              <a:cxnSpLocks/>
+            </p:cNvCxnSpPr>
+            <p:nvPr/>
+          </p:nvCxnSpPr>
+          <p:spPr>
+            <a:xfrm>
+              <a:off x="4626544" y="675073"/>
+              <a:ext cx="478006" cy="0"/>
+            </a:xfrm>
+            <a:prstGeom prst="straightConnector1">
+              <a:avLst/>
+            </a:prstGeom>
+            <a:ln>
+              <a:tailEnd type="triangle"/>
+            </a:ln>
+          </p:spPr>
+          <p:style>
+            <a:lnRef idx="3">
+              <a:schemeClr val="accent1"/>
+            </a:lnRef>
+            <a:fillRef idx="0">
+              <a:schemeClr val="accent1"/>
+            </a:fillRef>
+            <a:effectRef idx="2">
+              <a:schemeClr val="accent1"/>
+            </a:effectRef>
+            <a:fontRef idx="minor">
+              <a:schemeClr val="tx1"/>
+            </a:fontRef>
+          </p:style>
+        </p:cxnSp>
+        <p:cxnSp>
+          <p:nvCxnSpPr>
+            <p:cNvPr id="537" name="直線接點 536">
+              <a:extLst>
+                <a:ext uri="{FF2B5EF4-FFF2-40B4-BE49-F238E27FC236}">
+                  <a16:creationId xmlns:a16="http://schemas.microsoft.com/office/drawing/2014/main" id="{C8CF796B-F1F3-47A2-86C5-1CA89A83A408}"/>
+                </a:ext>
+              </a:extLst>
+            </p:cNvPr>
+            <p:cNvCxnSpPr>
+              <a:cxnSpLocks/>
+            </p:cNvCxnSpPr>
+            <p:nvPr/>
+          </p:nvCxnSpPr>
+          <p:spPr>
+            <a:xfrm>
+              <a:off x="4750671" y="613267"/>
+              <a:ext cx="97186" cy="144535"/>
+            </a:xfrm>
+            <a:prstGeom prst="line">
+              <a:avLst/>
+            </a:prstGeom>
+          </p:spPr>
+          <p:style>
+            <a:lnRef idx="3">
+              <a:schemeClr val="dk1"/>
+            </a:lnRef>
+            <a:fillRef idx="0">
+              <a:schemeClr val="dk1"/>
+            </a:fillRef>
+            <a:effectRef idx="2">
+              <a:schemeClr val="dk1"/>
+            </a:effectRef>
+            <a:fontRef idx="minor">
+              <a:schemeClr val="tx1"/>
+            </a:fontRef>
+          </p:style>
+        </p:cxnSp>
+        <p:sp>
+          <p:nvSpPr>
+            <p:cNvPr id="538" name="文字方塊 537">
+              <a:extLst>
+                <a:ext uri="{FF2B5EF4-FFF2-40B4-BE49-F238E27FC236}">
+                  <a16:creationId xmlns:a16="http://schemas.microsoft.com/office/drawing/2014/main" id="{CEDD26E1-8F28-4538-9A55-705EBF139330}"/>
+                </a:ext>
+              </a:extLst>
+            </p:cNvPr>
+            <p:cNvSpPr txBox="1"/>
+            <p:nvPr/>
+          </p:nvSpPr>
+          <p:spPr>
+            <a:xfrm rot="5400000">
+              <a:off x="4603930" y="612684"/>
+              <a:ext cx="533400" cy="276999"/>
+            </a:xfrm>
+            <a:prstGeom prst="rect">
+              <a:avLst/>
+            </a:prstGeom>
+            <a:noFill/>
+          </p:spPr>
+          <p:txBody>
+            <a:bodyPr wrap="square" rtlCol="0">
+              <a:spAutoFit/>
+            </a:bodyPr>
+            <a:lstStyle/>
+            <a:p>
+              <a:r>
+                <a:rPr lang="en-US" altLang="zh-TW" sz="1200" dirty="0">
+                  <a:latin typeface="Times New Roman" panose="02020603050405020304" pitchFamily="18" charset="0"/>
+                  <a:cs typeface="Times New Roman" panose="02020603050405020304" pitchFamily="18" charset="0"/>
+                </a:rPr>
+                <a:t>8</a:t>
+              </a:r>
+              <a:endParaRPr lang="zh-TW" altLang="en-US" sz="1200" dirty="0">
+                <a:latin typeface="Times New Roman" panose="02020603050405020304" pitchFamily="18" charset="0"/>
+                <a:cs typeface="Times New Roman" panose="02020603050405020304" pitchFamily="18" charset="0"/>
+              </a:endParaRPr>
+            </a:p>
+          </p:txBody>
+        </p:sp>
+      </p:grpSp>
+      <p:sp>
+        <p:nvSpPr>
+          <p:cNvPr id="529" name="流程圖: 接點 528">
+            <a:extLst>
+              <a:ext uri="{FF2B5EF4-FFF2-40B4-BE49-F238E27FC236}">
+                <a16:creationId xmlns:a16="http://schemas.microsoft.com/office/drawing/2014/main" id="{F375BBB2-0570-44EA-9767-23DF3F7518ED}"/>
+              </a:ext>
+            </a:extLst>
+          </p:cNvPr>
+          <p:cNvSpPr/>
+          <p:nvPr/>
+        </p:nvSpPr>
+        <p:spPr>
+          <a:xfrm>
+            <a:off x="9440985" y="2742844"/>
+            <a:ext cx="52889" cy="73045"/>
+          </a:xfrm>
+          <a:prstGeom prst="flowChartConnector">
+            <a:avLst/>
+          </a:prstGeom>
+        </p:spPr>
+        <p:style>
+          <a:lnRef idx="2">
+            <a:schemeClr val="dk1">
+              <a:shade val="50000"/>
+            </a:schemeClr>
+          </a:lnRef>
+          <a:fillRef idx="1">
+            <a:schemeClr val="dk1"/>
+          </a:fillRef>
+          <a:effectRef idx="0">
+            <a:schemeClr val="dk1"/>
+          </a:effectRef>
+          <a:fontRef idx="minor">
+            <a:schemeClr val="lt1"/>
+          </a:fontRef>
+        </p:style>
+        <p:txBody>
+          <a:bodyPr rtlCol="0" anchor="ctr"/>
+          <a:lstStyle/>
+          <a:p>
+            <a:pPr algn="ctr"/>
+            <a:endParaRPr lang="zh-TW" altLang="en-US"/>
+          </a:p>
+        </p:txBody>
+      </p:sp>
+      <p:sp>
+        <p:nvSpPr>
+          <p:cNvPr id="539" name="文字方塊 538">
+            <a:extLst>
+              <a:ext uri="{FF2B5EF4-FFF2-40B4-BE49-F238E27FC236}">
+                <a16:creationId xmlns:a16="http://schemas.microsoft.com/office/drawing/2014/main" id="{2A60C0B8-AE41-4518-A92B-10F0BC904FC1}"/>
+              </a:ext>
+            </a:extLst>
+          </p:cNvPr>
+          <p:cNvSpPr txBox="1"/>
+          <p:nvPr/>
+        </p:nvSpPr>
+        <p:spPr>
+          <a:xfrm>
+            <a:off x="9440985" y="2339886"/>
+            <a:ext cx="1806077" cy="215444"/>
+          </a:xfrm>
+          <a:prstGeom prst="rect">
+            <a:avLst/>
+          </a:prstGeom>
+          <a:noFill/>
+        </p:spPr>
+        <p:txBody>
+          <a:bodyPr wrap="square" rtlCol="0">
+            <a:spAutoFit/>
+          </a:bodyPr>
+          <a:lstStyle/>
+          <a:p>
+            <a:r>
+              <a:rPr lang="en-US" altLang="zh-TW" sz="800" dirty="0" err="1">
+                <a:latin typeface="Times New Roman" panose="02020603050405020304" pitchFamily="18" charset="0"/>
+                <a:cs typeface="Times New Roman" panose="02020603050405020304" pitchFamily="18" charset="0"/>
+              </a:rPr>
+              <a:t>Tour_wb_idx_MU</a:t>
+            </a:r>
+            <a:endParaRPr lang="zh-TW" altLang="en-US" sz="800" dirty="0">
+              <a:latin typeface="Times New Roman" panose="02020603050405020304" pitchFamily="18" charset="0"/>
+              <a:cs typeface="Times New Roman" panose="02020603050405020304" pitchFamily="18" charset="0"/>
+            </a:endParaRPr>
+          </a:p>
+        </p:txBody>
+      </p:sp>
+      <p:grpSp>
+        <p:nvGrpSpPr>
+          <p:cNvPr id="540" name="群組 539">
+            <a:extLst>
+              <a:ext uri="{FF2B5EF4-FFF2-40B4-BE49-F238E27FC236}">
+                <a16:creationId xmlns:a16="http://schemas.microsoft.com/office/drawing/2014/main" id="{33F783D5-F2B4-4EF0-BF1F-DF4F50A57D90}"/>
+              </a:ext>
+            </a:extLst>
+          </p:cNvPr>
+          <p:cNvGrpSpPr/>
+          <p:nvPr/>
+        </p:nvGrpSpPr>
+        <p:grpSpPr>
+          <a:xfrm>
+            <a:off x="11130578" y="2510915"/>
+            <a:ext cx="1446726" cy="499494"/>
+            <a:chOff x="271714" y="6407804"/>
+            <a:chExt cx="1716872" cy="499494"/>
+          </a:xfrm>
+        </p:grpSpPr>
+        <p:cxnSp>
+          <p:nvCxnSpPr>
+            <p:cNvPr id="541" name="直線單箭頭接點 540">
+              <a:extLst>
+                <a:ext uri="{FF2B5EF4-FFF2-40B4-BE49-F238E27FC236}">
+                  <a16:creationId xmlns:a16="http://schemas.microsoft.com/office/drawing/2014/main" id="{1ED683DB-14BB-49B3-944D-0A9050D10054}"/>
+                </a:ext>
+              </a:extLst>
+            </p:cNvPr>
+            <p:cNvCxnSpPr>
+              <a:cxnSpLocks/>
+            </p:cNvCxnSpPr>
+            <p:nvPr/>
+          </p:nvCxnSpPr>
+          <p:spPr>
+            <a:xfrm>
+              <a:off x="271714" y="6664305"/>
+              <a:ext cx="1226857" cy="0"/>
+            </a:xfrm>
+            <a:prstGeom prst="straightConnector1">
+              <a:avLst/>
+            </a:prstGeom>
+            <a:ln>
+              <a:tailEnd type="triangle"/>
+            </a:ln>
+          </p:spPr>
+          <p:style>
+            <a:lnRef idx="3">
+              <a:schemeClr val="accent1"/>
+            </a:lnRef>
+            <a:fillRef idx="0">
+              <a:schemeClr val="accent1"/>
+            </a:fillRef>
+            <a:effectRef idx="2">
+              <a:schemeClr val="accent1"/>
+            </a:effectRef>
+            <a:fontRef idx="minor">
+              <a:schemeClr val="tx1"/>
+            </a:fontRef>
+          </p:style>
+        </p:cxnSp>
+        <p:sp>
+          <p:nvSpPr>
+            <p:cNvPr id="542" name="文字方塊 541">
+              <a:extLst>
+                <a:ext uri="{FF2B5EF4-FFF2-40B4-BE49-F238E27FC236}">
+                  <a16:creationId xmlns:a16="http://schemas.microsoft.com/office/drawing/2014/main" id="{C7C6725A-D3DB-452A-9FD1-B56C1CB2F615}"/>
+                </a:ext>
+              </a:extLst>
+            </p:cNvPr>
+            <p:cNvSpPr txBox="1"/>
+            <p:nvPr/>
+          </p:nvSpPr>
+          <p:spPr>
+            <a:xfrm>
+              <a:off x="516109" y="6691854"/>
+              <a:ext cx="1472477" cy="215444"/>
+            </a:xfrm>
+            <a:prstGeom prst="rect">
+              <a:avLst/>
+            </a:prstGeom>
+            <a:noFill/>
+          </p:spPr>
+          <p:txBody>
+            <a:bodyPr wrap="square" rtlCol="0">
+              <a:spAutoFit/>
+            </a:bodyPr>
+            <a:lstStyle/>
+            <a:p>
+              <a:r>
+                <a:rPr lang="en-US" altLang="zh-TW" sz="800" dirty="0" err="1">
+                  <a:latin typeface="Times New Roman" panose="02020603050405020304" pitchFamily="18" charset="0"/>
+                  <a:cs typeface="Times New Roman" panose="02020603050405020304" pitchFamily="18" charset="0"/>
+                </a:rPr>
+                <a:t>wbIdx_EF</a:t>
+              </a:r>
+              <a:endParaRPr lang="zh-TW" altLang="en-US" sz="800" dirty="0">
+                <a:latin typeface="Times New Roman" panose="02020603050405020304" pitchFamily="18" charset="0"/>
+                <a:cs typeface="Times New Roman" panose="02020603050405020304" pitchFamily="18" charset="0"/>
+              </a:endParaRPr>
+            </a:p>
+          </p:txBody>
+        </p:sp>
+        <p:cxnSp>
+          <p:nvCxnSpPr>
+            <p:cNvPr id="543" name="直線接點 542">
+              <a:extLst>
+                <a:ext uri="{FF2B5EF4-FFF2-40B4-BE49-F238E27FC236}">
+                  <a16:creationId xmlns:a16="http://schemas.microsoft.com/office/drawing/2014/main" id="{A1ABA6C4-2995-4428-BFE3-57BCCD331827}"/>
+                </a:ext>
+              </a:extLst>
+            </p:cNvPr>
+            <p:cNvCxnSpPr>
+              <a:cxnSpLocks/>
+            </p:cNvCxnSpPr>
+            <p:nvPr/>
+          </p:nvCxnSpPr>
+          <p:spPr>
+            <a:xfrm>
+              <a:off x="739660" y="6604353"/>
+              <a:ext cx="173322" cy="148216"/>
+            </a:xfrm>
+            <a:prstGeom prst="line">
+              <a:avLst/>
+            </a:prstGeom>
+          </p:spPr>
+          <p:style>
+            <a:lnRef idx="3">
+              <a:schemeClr val="dk1"/>
+            </a:lnRef>
+            <a:fillRef idx="0">
+              <a:schemeClr val="dk1"/>
+            </a:fillRef>
+            <a:effectRef idx="2">
+              <a:schemeClr val="dk1"/>
+            </a:effectRef>
+            <a:fontRef idx="minor">
+              <a:schemeClr val="tx1"/>
+            </a:fontRef>
+          </p:style>
+        </p:cxnSp>
+        <p:sp>
+          <p:nvSpPr>
+            <p:cNvPr id="544" name="文字方塊 543">
+              <a:extLst>
+                <a:ext uri="{FF2B5EF4-FFF2-40B4-BE49-F238E27FC236}">
+                  <a16:creationId xmlns:a16="http://schemas.microsoft.com/office/drawing/2014/main" id="{145B9749-6B7F-4D6D-9782-E1CAFB7AAF1F}"/>
+                </a:ext>
+              </a:extLst>
+            </p:cNvPr>
+            <p:cNvSpPr txBox="1"/>
+            <p:nvPr/>
+          </p:nvSpPr>
+          <p:spPr>
+            <a:xfrm>
+              <a:off x="767546" y="6407804"/>
+              <a:ext cx="564135" cy="276999"/>
+            </a:xfrm>
+            <a:prstGeom prst="rect">
+              <a:avLst/>
+            </a:prstGeom>
+            <a:noFill/>
+          </p:spPr>
+          <p:txBody>
+            <a:bodyPr wrap="square" rtlCol="0">
+              <a:spAutoFit/>
+            </a:bodyPr>
+            <a:lstStyle/>
+            <a:p>
+              <a:r>
+                <a:rPr lang="en-US" altLang="zh-TW" sz="1200" dirty="0">
+                  <a:latin typeface="Times New Roman" panose="02020603050405020304" pitchFamily="18" charset="0"/>
+                  <a:cs typeface="Times New Roman" panose="02020603050405020304" pitchFamily="18" charset="0"/>
+                </a:rPr>
+                <a:t>8</a:t>
+              </a:r>
+              <a:endParaRPr lang="zh-TW" altLang="en-US" sz="1200" dirty="0">
+                <a:latin typeface="Times New Roman" panose="02020603050405020304" pitchFamily="18" charset="0"/>
+                <a:cs typeface="Times New Roman" panose="02020603050405020304" pitchFamily="18" charset="0"/>
+              </a:endParaRPr>
+            </a:p>
+          </p:txBody>
+        </p:sp>
+      </p:grpSp>
+      <p:grpSp>
+        <p:nvGrpSpPr>
+          <p:cNvPr id="545" name="群組 544">
+            <a:extLst>
+              <a:ext uri="{FF2B5EF4-FFF2-40B4-BE49-F238E27FC236}">
+                <a16:creationId xmlns:a16="http://schemas.microsoft.com/office/drawing/2014/main" id="{CDAB0C07-8792-48B3-A102-FD1DEC6B1564}"/>
+              </a:ext>
+            </a:extLst>
+          </p:cNvPr>
+          <p:cNvGrpSpPr/>
+          <p:nvPr/>
+        </p:nvGrpSpPr>
+        <p:grpSpPr>
+          <a:xfrm>
+            <a:off x="9046254" y="4519371"/>
+            <a:ext cx="828314" cy="614006"/>
+            <a:chOff x="3690433" y="3624513"/>
+            <a:chExt cx="1388005" cy="614006"/>
+          </a:xfrm>
+        </p:grpSpPr>
+        <p:grpSp>
+          <p:nvGrpSpPr>
+            <p:cNvPr id="546" name="群組 545">
+              <a:extLst>
+                <a:ext uri="{FF2B5EF4-FFF2-40B4-BE49-F238E27FC236}">
+                  <a16:creationId xmlns:a16="http://schemas.microsoft.com/office/drawing/2014/main" id="{D57FEFCD-F0BD-48F8-8533-E0F7C8FBDFE0}"/>
+                </a:ext>
+              </a:extLst>
+            </p:cNvPr>
+            <p:cNvGrpSpPr/>
+            <p:nvPr/>
+          </p:nvGrpSpPr>
+          <p:grpSpPr>
+            <a:xfrm>
+              <a:off x="3979482" y="3624513"/>
+              <a:ext cx="889123" cy="417945"/>
+              <a:chOff x="3600931" y="1910289"/>
+              <a:chExt cx="1254587" cy="677653"/>
+            </a:xfrm>
+          </p:grpSpPr>
+          <p:sp>
+            <p:nvSpPr>
+              <p:cNvPr id="548" name="箭號: 向右 547">
+                <a:extLst>
+                  <a:ext uri="{FF2B5EF4-FFF2-40B4-BE49-F238E27FC236}">
+                    <a16:creationId xmlns:a16="http://schemas.microsoft.com/office/drawing/2014/main" id="{23F3FCE6-9225-451C-8813-FE916F4E76E1}"/>
+                  </a:ext>
+                </a:extLst>
+              </p:cNvPr>
+              <p:cNvSpPr/>
+              <p:nvPr/>
+            </p:nvSpPr>
+            <p:spPr>
+              <a:xfrm>
+                <a:off x="3600931" y="2275407"/>
+                <a:ext cx="1014668" cy="312535"/>
+              </a:xfrm>
+              <a:prstGeom prst="rightArrow">
+                <a:avLst/>
+              </a:prstGeom>
+            </p:spPr>
+            <p:style>
+              <a:lnRef idx="2">
+                <a:schemeClr val="accent1">
+                  <a:shade val="50000"/>
+                </a:schemeClr>
+              </a:lnRef>
+              <a:fillRef idx="1">
+                <a:schemeClr val="accent1"/>
+              </a:fillRef>
+              <a:effectRef idx="0">
+                <a:schemeClr val="accent1"/>
+              </a:effectRef>
+              <a:fontRef idx="minor">
+                <a:schemeClr val="lt1"/>
+              </a:fontRef>
+            </p:style>
+            <p:txBody>
+              <a:bodyPr rtlCol="0" anchor="ctr"/>
+              <a:lstStyle/>
+              <a:p>
+                <a:pPr algn="ctr"/>
+                <a:endParaRPr lang="zh-TW" altLang="en-US"/>
+              </a:p>
+            </p:txBody>
+          </p:sp>
+          <p:cxnSp>
+            <p:nvCxnSpPr>
+              <p:cNvPr id="549" name="直線接點 548">
+                <a:extLst>
+                  <a:ext uri="{FF2B5EF4-FFF2-40B4-BE49-F238E27FC236}">
+                    <a16:creationId xmlns:a16="http://schemas.microsoft.com/office/drawing/2014/main" id="{A75D38F1-3D70-4316-98F1-30FB433F52DA}"/>
+                  </a:ext>
+                </a:extLst>
+              </p:cNvPr>
+              <p:cNvCxnSpPr>
+                <a:cxnSpLocks/>
+              </p:cNvCxnSpPr>
+              <p:nvPr/>
+            </p:nvCxnSpPr>
+            <p:spPr>
+              <a:xfrm>
+                <a:off x="4064787" y="2269213"/>
+                <a:ext cx="147349" cy="317026"/>
+              </a:xfrm>
+              <a:prstGeom prst="line">
+                <a:avLst/>
+              </a:prstGeom>
+            </p:spPr>
+            <p:style>
+              <a:lnRef idx="3">
+                <a:schemeClr val="dk1"/>
+              </a:lnRef>
+              <a:fillRef idx="0">
+                <a:schemeClr val="dk1"/>
+              </a:fillRef>
+              <a:effectRef idx="2">
+                <a:schemeClr val="dk1"/>
+              </a:effectRef>
+              <a:fontRef idx="minor">
+                <a:schemeClr val="tx1"/>
+              </a:fontRef>
+            </p:style>
+          </p:cxnSp>
+          <p:sp>
+            <p:nvSpPr>
+              <p:cNvPr id="550" name="文字方塊 549">
+                <a:extLst>
+                  <a:ext uri="{FF2B5EF4-FFF2-40B4-BE49-F238E27FC236}">
+                    <a16:creationId xmlns:a16="http://schemas.microsoft.com/office/drawing/2014/main" id="{F0B47479-F30F-4FD2-9B34-FC4CD70A6734}"/>
+                  </a:ext>
+                </a:extLst>
+              </p:cNvPr>
+              <p:cNvSpPr txBox="1"/>
+              <p:nvPr/>
+            </p:nvSpPr>
+            <p:spPr>
+              <a:xfrm>
+                <a:off x="3698239" y="1910289"/>
+                <a:ext cx="1157279" cy="449124"/>
+              </a:xfrm>
+              <a:prstGeom prst="rect">
+                <a:avLst/>
+              </a:prstGeom>
+              <a:noFill/>
+            </p:spPr>
+            <p:txBody>
+              <a:bodyPr wrap="square" rtlCol="0">
+                <a:spAutoFit/>
+              </a:bodyPr>
+              <a:lstStyle/>
+              <a:p>
+                <a:r>
+                  <a:rPr lang="en-US" altLang="zh-TW" sz="1200" dirty="0">
+                    <a:latin typeface="Times New Roman" panose="02020603050405020304" pitchFamily="18" charset="0"/>
+                    <a:cs typeface="Times New Roman" panose="02020603050405020304" pitchFamily="18" charset="0"/>
+                  </a:rPr>
+                  <a:t>11*2</a:t>
+                </a:r>
+                <a:endParaRPr lang="zh-TW" altLang="en-US" sz="1200" dirty="0">
+                  <a:latin typeface="Times New Roman" panose="02020603050405020304" pitchFamily="18" charset="0"/>
+                  <a:cs typeface="Times New Roman" panose="02020603050405020304" pitchFamily="18" charset="0"/>
+                </a:endParaRPr>
+              </a:p>
+            </p:txBody>
+          </p:sp>
+        </p:grpSp>
+        <p:sp>
+          <p:nvSpPr>
+            <p:cNvPr id="547" name="文字方塊 546">
+              <a:extLst>
+                <a:ext uri="{FF2B5EF4-FFF2-40B4-BE49-F238E27FC236}">
+                  <a16:creationId xmlns:a16="http://schemas.microsoft.com/office/drawing/2014/main" id="{E0103A6B-374B-4F4C-87FC-1684A3E1E835}"/>
+                </a:ext>
+              </a:extLst>
+            </p:cNvPr>
+            <p:cNvSpPr txBox="1"/>
+            <p:nvPr/>
+          </p:nvSpPr>
+          <p:spPr>
+            <a:xfrm>
+              <a:off x="3690433" y="4023075"/>
+              <a:ext cx="1388005" cy="215444"/>
+            </a:xfrm>
+            <a:prstGeom prst="rect">
+              <a:avLst/>
+            </a:prstGeom>
+            <a:noFill/>
+          </p:spPr>
+          <p:txBody>
+            <a:bodyPr wrap="square" rtlCol="0">
+              <a:spAutoFit/>
+            </a:bodyPr>
+            <a:lstStyle/>
+            <a:p>
+              <a:r>
+                <a:rPr lang="en-US" altLang="zh-TW" sz="800" dirty="0" err="1">
+                  <a:latin typeface="Times New Roman" panose="02020603050405020304" pitchFamily="18" charset="0"/>
+                  <a:cs typeface="Times New Roman" panose="02020603050405020304" pitchFamily="18" charset="0"/>
+                </a:rPr>
+                <a:t>newStateMU</a:t>
+              </a:r>
+              <a:endParaRPr lang="zh-TW" altLang="en-US" sz="800" dirty="0">
+                <a:latin typeface="Times New Roman" panose="02020603050405020304" pitchFamily="18" charset="0"/>
+                <a:cs typeface="Times New Roman" panose="02020603050405020304" pitchFamily="18" charset="0"/>
+              </a:endParaRPr>
+            </a:p>
+          </p:txBody>
+        </p:sp>
+      </p:grpSp>
+      <p:sp>
+        <p:nvSpPr>
+          <p:cNvPr id="551" name="箭號: 向右 550">
+            <a:extLst>
+              <a:ext uri="{FF2B5EF4-FFF2-40B4-BE49-F238E27FC236}">
+                <a16:creationId xmlns:a16="http://schemas.microsoft.com/office/drawing/2014/main" id="{56FD5496-EFEC-4186-8D46-C3AF66D8BB18}"/>
+              </a:ext>
+            </a:extLst>
+          </p:cNvPr>
+          <p:cNvSpPr/>
+          <p:nvPr/>
+        </p:nvSpPr>
+        <p:spPr>
+          <a:xfrm rot="16200000">
+            <a:off x="8984089" y="4475672"/>
+            <a:ext cx="647694" cy="178370"/>
+          </a:xfrm>
+          <a:prstGeom prst="rightArrow">
+            <a:avLst/>
+          </a:prstGeom>
+        </p:spPr>
+        <p:style>
+          <a:lnRef idx="2">
+            <a:schemeClr val="accent1">
+              <a:shade val="50000"/>
+            </a:schemeClr>
+          </a:lnRef>
+          <a:fillRef idx="1">
+            <a:schemeClr val="accent1"/>
+          </a:fillRef>
+          <a:effectRef idx="0">
+            <a:schemeClr val="accent1"/>
+          </a:effectRef>
+          <a:fontRef idx="minor">
+            <a:schemeClr val="lt1"/>
+          </a:fontRef>
+        </p:style>
+        <p:txBody>
+          <a:bodyPr rtlCol="0" anchor="ctr"/>
+          <a:lstStyle/>
+          <a:p>
+            <a:pPr algn="ctr"/>
+            <a:endParaRPr lang="zh-TW" altLang="en-US"/>
+          </a:p>
+        </p:txBody>
+      </p:sp>
+      <p:sp>
+        <p:nvSpPr>
+          <p:cNvPr id="552" name="文字方塊 551">
+            <a:extLst>
+              <a:ext uri="{FF2B5EF4-FFF2-40B4-BE49-F238E27FC236}">
+                <a16:creationId xmlns:a16="http://schemas.microsoft.com/office/drawing/2014/main" id="{890F950F-B614-4C85-8847-F41D0B6A380A}"/>
+              </a:ext>
+            </a:extLst>
+          </p:cNvPr>
+          <p:cNvSpPr txBox="1"/>
+          <p:nvPr/>
+        </p:nvSpPr>
+        <p:spPr>
+          <a:xfrm>
+            <a:off x="8964322" y="4061543"/>
+            <a:ext cx="768895" cy="215444"/>
+          </a:xfrm>
+          <a:prstGeom prst="rect">
+            <a:avLst/>
+          </a:prstGeom>
+          <a:noFill/>
+        </p:spPr>
+        <p:txBody>
+          <a:bodyPr wrap="square" rtlCol="0">
+            <a:spAutoFit/>
+          </a:bodyPr>
+          <a:lstStyle/>
+          <a:p>
+            <a:r>
+              <a:rPr lang="en-US" altLang="zh-TW" sz="800" dirty="0" err="1">
+                <a:latin typeface="Times New Roman" panose="02020603050405020304" pitchFamily="18" charset="0"/>
+                <a:cs typeface="Times New Roman" panose="02020603050405020304" pitchFamily="18" charset="0"/>
+              </a:rPr>
+              <a:t>TourStateMU</a:t>
+            </a:r>
+            <a:endParaRPr lang="zh-TW" altLang="en-US" sz="800" dirty="0">
+              <a:latin typeface="Times New Roman" panose="02020603050405020304" pitchFamily="18" charset="0"/>
+              <a:cs typeface="Times New Roman" panose="02020603050405020304" pitchFamily="18" charset="0"/>
+            </a:endParaRPr>
+          </a:p>
+        </p:txBody>
+      </p:sp>
+      <p:sp>
+        <p:nvSpPr>
+          <p:cNvPr id="553" name="箭號: 向右 552">
+            <a:extLst>
+              <a:ext uri="{FF2B5EF4-FFF2-40B4-BE49-F238E27FC236}">
+                <a16:creationId xmlns:a16="http://schemas.microsoft.com/office/drawing/2014/main" id="{23F1AB39-F0A6-442B-90CD-E4D37B2072E9}"/>
+              </a:ext>
+            </a:extLst>
+          </p:cNvPr>
+          <p:cNvSpPr/>
+          <p:nvPr/>
+        </p:nvSpPr>
+        <p:spPr>
+          <a:xfrm>
+            <a:off x="293161" y="5931459"/>
+            <a:ext cx="1195045" cy="158090"/>
+          </a:xfrm>
+          <a:prstGeom prst="rightArrow">
+            <a:avLst/>
+          </a:prstGeom>
+        </p:spPr>
+        <p:style>
+          <a:lnRef idx="2">
+            <a:schemeClr val="accent1">
+              <a:shade val="50000"/>
+            </a:schemeClr>
+          </a:lnRef>
+          <a:fillRef idx="1">
+            <a:schemeClr val="accent1"/>
+          </a:fillRef>
+          <a:effectRef idx="0">
+            <a:schemeClr val="accent1"/>
+          </a:effectRef>
+          <a:fontRef idx="minor">
+            <a:schemeClr val="lt1"/>
+          </a:fontRef>
+        </p:style>
+        <p:txBody>
+          <a:bodyPr rtlCol="0" anchor="ctr"/>
+          <a:lstStyle/>
+          <a:p>
+            <a:pPr algn="ctr"/>
+            <a:endParaRPr lang="zh-TW" altLang="en-US"/>
+          </a:p>
+        </p:txBody>
+      </p:sp>
+      <p:sp>
+        <p:nvSpPr>
+          <p:cNvPr id="554" name="文字方塊 553">
+            <a:extLst>
+              <a:ext uri="{FF2B5EF4-FFF2-40B4-BE49-F238E27FC236}">
+                <a16:creationId xmlns:a16="http://schemas.microsoft.com/office/drawing/2014/main" id="{48E893EF-8A25-432C-B046-88189D53FB74}"/>
+              </a:ext>
+            </a:extLst>
+          </p:cNvPr>
+          <p:cNvSpPr txBox="1"/>
+          <p:nvPr/>
+        </p:nvSpPr>
+        <p:spPr>
+          <a:xfrm>
+            <a:off x="86616" y="5794759"/>
+            <a:ext cx="1162511" cy="215444"/>
+          </a:xfrm>
+          <a:prstGeom prst="rect">
+            <a:avLst/>
+          </a:prstGeom>
+          <a:noFill/>
+        </p:spPr>
+        <p:txBody>
+          <a:bodyPr wrap="square" rtlCol="0">
+            <a:spAutoFit/>
+          </a:bodyPr>
+          <a:lstStyle/>
+          <a:p>
+            <a:r>
+              <a:rPr lang="en-US" altLang="zh-TW" sz="800" dirty="0" err="1">
+                <a:latin typeface="Times New Roman" panose="02020603050405020304" pitchFamily="18" charset="0"/>
+                <a:cs typeface="Times New Roman" panose="02020603050405020304" pitchFamily="18" charset="0"/>
+              </a:rPr>
+              <a:t>State_FR</a:t>
+            </a:r>
+            <a:endParaRPr lang="zh-TW" altLang="en-US" sz="800" dirty="0">
+              <a:latin typeface="Times New Roman" panose="02020603050405020304" pitchFamily="18" charset="0"/>
+              <a:cs typeface="Times New Roman" panose="02020603050405020304" pitchFamily="18" charset="0"/>
+            </a:endParaRPr>
+          </a:p>
+        </p:txBody>
+      </p:sp>
+      <p:grpSp>
+        <p:nvGrpSpPr>
+          <p:cNvPr id="555" name="群組 554">
+            <a:extLst>
+              <a:ext uri="{FF2B5EF4-FFF2-40B4-BE49-F238E27FC236}">
+                <a16:creationId xmlns:a16="http://schemas.microsoft.com/office/drawing/2014/main" id="{25518273-7DED-4C36-830D-FA8AC5E1CFD9}"/>
+              </a:ext>
+            </a:extLst>
+          </p:cNvPr>
+          <p:cNvGrpSpPr/>
+          <p:nvPr/>
+        </p:nvGrpSpPr>
+        <p:grpSpPr>
+          <a:xfrm>
+            <a:off x="10136319" y="4484874"/>
+            <a:ext cx="959869" cy="680779"/>
+            <a:chOff x="3680512" y="3609048"/>
+            <a:chExt cx="1644796" cy="680779"/>
+          </a:xfrm>
+        </p:grpSpPr>
+        <p:grpSp>
+          <p:nvGrpSpPr>
+            <p:cNvPr id="556" name="群組 555">
+              <a:extLst>
+                <a:ext uri="{FF2B5EF4-FFF2-40B4-BE49-F238E27FC236}">
+                  <a16:creationId xmlns:a16="http://schemas.microsoft.com/office/drawing/2014/main" id="{0ED94E3E-C5F9-4425-B25C-229EE04EDAB7}"/>
+                </a:ext>
+              </a:extLst>
+            </p:cNvPr>
+            <p:cNvGrpSpPr/>
+            <p:nvPr/>
+          </p:nvGrpSpPr>
+          <p:grpSpPr>
+            <a:xfrm>
+              <a:off x="3871662" y="3609048"/>
+              <a:ext cx="1453646" cy="433410"/>
+              <a:chOff x="3448792" y="1885214"/>
+              <a:chExt cx="2051150" cy="702728"/>
+            </a:xfrm>
+          </p:grpSpPr>
+          <p:sp>
+            <p:nvSpPr>
+              <p:cNvPr id="558" name="箭號: 向右 557">
+                <a:extLst>
+                  <a:ext uri="{FF2B5EF4-FFF2-40B4-BE49-F238E27FC236}">
+                    <a16:creationId xmlns:a16="http://schemas.microsoft.com/office/drawing/2014/main" id="{61D940E6-72D3-4D0B-A7F1-7F0FF9E35917}"/>
+                  </a:ext>
+                </a:extLst>
+              </p:cNvPr>
+              <p:cNvSpPr/>
+              <p:nvPr/>
+            </p:nvSpPr>
+            <p:spPr>
+              <a:xfrm>
+                <a:off x="3600931" y="2275407"/>
+                <a:ext cx="1014668" cy="312535"/>
+              </a:xfrm>
+              <a:prstGeom prst="rightArrow">
+                <a:avLst/>
+              </a:prstGeom>
+            </p:spPr>
+            <p:style>
+              <a:lnRef idx="2">
+                <a:schemeClr val="accent1">
+                  <a:shade val="50000"/>
+                </a:schemeClr>
+              </a:lnRef>
+              <a:fillRef idx="1">
+                <a:schemeClr val="accent1"/>
+              </a:fillRef>
+              <a:effectRef idx="0">
+                <a:schemeClr val="accent1"/>
+              </a:effectRef>
+              <a:fontRef idx="minor">
+                <a:schemeClr val="lt1"/>
+              </a:fontRef>
+            </p:style>
+            <p:txBody>
+              <a:bodyPr rtlCol="0" anchor="ctr"/>
+              <a:lstStyle/>
+              <a:p>
+                <a:pPr algn="ctr"/>
+                <a:endParaRPr lang="zh-TW" altLang="en-US"/>
+              </a:p>
+            </p:txBody>
+          </p:sp>
+          <p:cxnSp>
+            <p:nvCxnSpPr>
+              <p:cNvPr id="559" name="直線接點 558">
+                <a:extLst>
+                  <a:ext uri="{FF2B5EF4-FFF2-40B4-BE49-F238E27FC236}">
+                    <a16:creationId xmlns:a16="http://schemas.microsoft.com/office/drawing/2014/main" id="{FF0BD046-2B81-4CD9-98CD-DF3D6274AED8}"/>
+                  </a:ext>
+                </a:extLst>
+              </p:cNvPr>
+              <p:cNvCxnSpPr>
+                <a:cxnSpLocks/>
+              </p:cNvCxnSpPr>
+              <p:nvPr/>
+            </p:nvCxnSpPr>
+            <p:spPr>
+              <a:xfrm>
+                <a:off x="3907230" y="2269581"/>
+                <a:ext cx="147349" cy="317026"/>
+              </a:xfrm>
+              <a:prstGeom prst="line">
+                <a:avLst/>
+              </a:prstGeom>
+            </p:spPr>
+            <p:style>
+              <a:lnRef idx="3">
+                <a:schemeClr val="dk1"/>
+              </a:lnRef>
+              <a:fillRef idx="0">
+                <a:schemeClr val="dk1"/>
+              </a:fillRef>
+              <a:effectRef idx="2">
+                <a:schemeClr val="dk1"/>
+              </a:effectRef>
+              <a:fontRef idx="minor">
+                <a:schemeClr val="tx1"/>
+              </a:fontRef>
+            </p:style>
+          </p:cxnSp>
+          <p:sp>
+            <p:nvSpPr>
+              <p:cNvPr id="560" name="文字方塊 559">
+                <a:extLst>
+                  <a:ext uri="{FF2B5EF4-FFF2-40B4-BE49-F238E27FC236}">
+                    <a16:creationId xmlns:a16="http://schemas.microsoft.com/office/drawing/2014/main" id="{AC74780E-9ADD-4B56-BF17-943E58AFF389}"/>
+                  </a:ext>
+                </a:extLst>
+              </p:cNvPr>
+              <p:cNvSpPr txBox="1"/>
+              <p:nvPr/>
+            </p:nvSpPr>
+            <p:spPr>
+              <a:xfrm>
+                <a:off x="3448792" y="1885214"/>
+                <a:ext cx="2051150" cy="449124"/>
+              </a:xfrm>
+              <a:prstGeom prst="rect">
+                <a:avLst/>
+              </a:prstGeom>
+              <a:noFill/>
+            </p:spPr>
+            <p:txBody>
+              <a:bodyPr wrap="square" rtlCol="0">
+                <a:spAutoFit/>
+              </a:bodyPr>
+              <a:lstStyle/>
+              <a:p>
+                <a:r>
+                  <a:rPr lang="en-US" altLang="zh-TW" sz="1200" dirty="0">
+                    <a:latin typeface="Times New Roman" panose="02020603050405020304" pitchFamily="18" charset="0"/>
+                    <a:cs typeface="Times New Roman" panose="02020603050405020304" pitchFamily="18" charset="0"/>
+                  </a:rPr>
+                  <a:t>11*2</a:t>
+                </a:r>
+                <a:endParaRPr lang="zh-TW" altLang="en-US" sz="1200" dirty="0">
+                  <a:latin typeface="Times New Roman" panose="02020603050405020304" pitchFamily="18" charset="0"/>
+                  <a:cs typeface="Times New Roman" panose="02020603050405020304" pitchFamily="18" charset="0"/>
+                </a:endParaRPr>
+              </a:p>
+            </p:txBody>
+          </p:sp>
+        </p:grpSp>
+        <p:sp>
+          <p:nvSpPr>
+            <p:cNvPr id="557" name="文字方塊 556">
+              <a:extLst>
+                <a:ext uri="{FF2B5EF4-FFF2-40B4-BE49-F238E27FC236}">
+                  <a16:creationId xmlns:a16="http://schemas.microsoft.com/office/drawing/2014/main" id="{5842EC7F-0C7A-4C57-B472-38ADEE750D49}"/>
+                </a:ext>
+              </a:extLst>
+            </p:cNvPr>
+            <p:cNvSpPr txBox="1"/>
+            <p:nvPr/>
+          </p:nvSpPr>
+          <p:spPr>
+            <a:xfrm>
+              <a:off x="3680512" y="4074383"/>
+              <a:ext cx="1536060" cy="215444"/>
+            </a:xfrm>
+            <a:prstGeom prst="rect">
+              <a:avLst/>
+            </a:prstGeom>
+            <a:noFill/>
+          </p:spPr>
+          <p:txBody>
+            <a:bodyPr wrap="square" rtlCol="0">
+              <a:spAutoFit/>
+            </a:bodyPr>
+            <a:lstStyle/>
+            <a:p>
+              <a:r>
+                <a:rPr lang="en-US" altLang="zh-TW" sz="800" dirty="0" err="1">
+                  <a:latin typeface="Times New Roman" panose="02020603050405020304" pitchFamily="18" charset="0"/>
+                  <a:cs typeface="Times New Roman" panose="02020603050405020304" pitchFamily="18" charset="0"/>
+                </a:rPr>
+                <a:t>mutateState_MU</a:t>
+              </a:r>
+              <a:endParaRPr lang="zh-TW" altLang="en-US" sz="800" dirty="0">
+                <a:latin typeface="Times New Roman" panose="02020603050405020304" pitchFamily="18" charset="0"/>
+                <a:cs typeface="Times New Roman" panose="02020603050405020304" pitchFamily="18" charset="0"/>
+              </a:endParaRPr>
+            </a:p>
+          </p:txBody>
+        </p:sp>
+      </p:grpSp>
+      <p:grpSp>
+        <p:nvGrpSpPr>
+          <p:cNvPr id="561" name="群組 560">
+            <a:extLst>
+              <a:ext uri="{FF2B5EF4-FFF2-40B4-BE49-F238E27FC236}">
+                <a16:creationId xmlns:a16="http://schemas.microsoft.com/office/drawing/2014/main" id="{CEBA8E32-AA12-41C4-8CE7-95BBC7022FDC}"/>
+              </a:ext>
+            </a:extLst>
+          </p:cNvPr>
+          <p:cNvGrpSpPr/>
+          <p:nvPr/>
+        </p:nvGrpSpPr>
+        <p:grpSpPr>
+          <a:xfrm>
+            <a:off x="11047023" y="4469693"/>
+            <a:ext cx="2335032" cy="630797"/>
+            <a:chOff x="3929078" y="3608849"/>
+            <a:chExt cx="1635263" cy="630797"/>
+          </a:xfrm>
+        </p:grpSpPr>
+        <p:grpSp>
+          <p:nvGrpSpPr>
+            <p:cNvPr id="562" name="群組 561">
+              <a:extLst>
+                <a:ext uri="{FF2B5EF4-FFF2-40B4-BE49-F238E27FC236}">
+                  <a16:creationId xmlns:a16="http://schemas.microsoft.com/office/drawing/2014/main" id="{291A6061-5680-4FA2-9BE5-1F22C733BB2C}"/>
+                </a:ext>
+              </a:extLst>
+            </p:cNvPr>
+            <p:cNvGrpSpPr/>
+            <p:nvPr/>
+          </p:nvGrpSpPr>
+          <p:grpSpPr>
+            <a:xfrm>
+              <a:off x="3979483" y="3608849"/>
+              <a:ext cx="1584858" cy="433610"/>
+              <a:chOff x="3600931" y="1884890"/>
+              <a:chExt cx="2236295" cy="703052"/>
+            </a:xfrm>
+          </p:grpSpPr>
+          <p:sp>
+            <p:nvSpPr>
+              <p:cNvPr id="564" name="箭號: 向右 563">
+                <a:extLst>
+                  <a:ext uri="{FF2B5EF4-FFF2-40B4-BE49-F238E27FC236}">
+                    <a16:creationId xmlns:a16="http://schemas.microsoft.com/office/drawing/2014/main" id="{3AC6F92D-8525-472D-9DCF-B76349E3FA04}"/>
+                  </a:ext>
+                </a:extLst>
+              </p:cNvPr>
+              <p:cNvSpPr/>
+              <p:nvPr/>
+            </p:nvSpPr>
+            <p:spPr>
+              <a:xfrm>
+                <a:off x="3600931" y="2275407"/>
+                <a:ext cx="1014668" cy="312535"/>
+              </a:xfrm>
+              <a:prstGeom prst="rightArrow">
+                <a:avLst/>
+              </a:prstGeom>
+            </p:spPr>
+            <p:style>
+              <a:lnRef idx="2">
+                <a:schemeClr val="accent1">
+                  <a:shade val="50000"/>
+                </a:schemeClr>
+              </a:lnRef>
+              <a:fillRef idx="1">
+                <a:schemeClr val="accent1"/>
+              </a:fillRef>
+              <a:effectRef idx="0">
+                <a:schemeClr val="accent1"/>
+              </a:effectRef>
+              <a:fontRef idx="minor">
+                <a:schemeClr val="lt1"/>
+              </a:fontRef>
+            </p:style>
+            <p:txBody>
+              <a:bodyPr rtlCol="0" anchor="ctr"/>
+              <a:lstStyle/>
+              <a:p>
+                <a:pPr algn="ctr"/>
+                <a:endParaRPr lang="zh-TW" altLang="en-US"/>
+              </a:p>
+            </p:txBody>
+          </p:sp>
+          <p:cxnSp>
+            <p:nvCxnSpPr>
+              <p:cNvPr id="565" name="直線接點 564">
+                <a:extLst>
+                  <a:ext uri="{FF2B5EF4-FFF2-40B4-BE49-F238E27FC236}">
+                    <a16:creationId xmlns:a16="http://schemas.microsoft.com/office/drawing/2014/main" id="{DCB5A20F-E609-46EF-ADE3-11A7A504835C}"/>
+                  </a:ext>
+                </a:extLst>
+              </p:cNvPr>
+              <p:cNvCxnSpPr>
+                <a:cxnSpLocks/>
+              </p:cNvCxnSpPr>
+              <p:nvPr/>
+            </p:nvCxnSpPr>
+            <p:spPr>
+              <a:xfrm>
+                <a:off x="3907230" y="2269581"/>
+                <a:ext cx="147349" cy="317026"/>
+              </a:xfrm>
+              <a:prstGeom prst="line">
+                <a:avLst/>
+              </a:prstGeom>
+            </p:spPr>
+            <p:style>
+              <a:lnRef idx="3">
+                <a:schemeClr val="dk1"/>
+              </a:lnRef>
+              <a:fillRef idx="0">
+                <a:schemeClr val="dk1"/>
+              </a:fillRef>
+              <a:effectRef idx="2">
+                <a:schemeClr val="dk1"/>
+              </a:effectRef>
+              <a:fontRef idx="minor">
+                <a:schemeClr val="tx1"/>
+              </a:fontRef>
+            </p:style>
+          </p:cxnSp>
+          <p:sp>
+            <p:nvSpPr>
+              <p:cNvPr id="566" name="文字方塊 565">
+                <a:extLst>
+                  <a:ext uri="{FF2B5EF4-FFF2-40B4-BE49-F238E27FC236}">
+                    <a16:creationId xmlns:a16="http://schemas.microsoft.com/office/drawing/2014/main" id="{B5221086-AF23-44B1-A152-9C1A389F36D8}"/>
+                  </a:ext>
+                </a:extLst>
+              </p:cNvPr>
+              <p:cNvSpPr txBox="1"/>
+              <p:nvPr/>
+            </p:nvSpPr>
+            <p:spPr>
+              <a:xfrm>
+                <a:off x="3786076" y="1884890"/>
+                <a:ext cx="2051150" cy="449124"/>
+              </a:xfrm>
+              <a:prstGeom prst="rect">
+                <a:avLst/>
+              </a:prstGeom>
+              <a:noFill/>
+            </p:spPr>
+            <p:txBody>
+              <a:bodyPr wrap="square" rtlCol="0">
+                <a:spAutoFit/>
+              </a:bodyPr>
+              <a:lstStyle/>
+              <a:p>
+                <a:r>
+                  <a:rPr lang="en-US" altLang="zh-TW" sz="1200" dirty="0">
+                    <a:latin typeface="Times New Roman" panose="02020603050405020304" pitchFamily="18" charset="0"/>
+                    <a:cs typeface="Times New Roman" panose="02020603050405020304" pitchFamily="18" charset="0"/>
+                  </a:rPr>
+                  <a:t>11*2</a:t>
+                </a:r>
+                <a:endParaRPr lang="zh-TW" altLang="en-US" sz="1200" dirty="0">
+                  <a:latin typeface="Times New Roman" panose="02020603050405020304" pitchFamily="18" charset="0"/>
+                  <a:cs typeface="Times New Roman" panose="02020603050405020304" pitchFamily="18" charset="0"/>
+                </a:endParaRPr>
+              </a:p>
+            </p:txBody>
+          </p:sp>
+        </p:grpSp>
+        <p:sp>
+          <p:nvSpPr>
+            <p:cNvPr id="563" name="文字方塊 562">
+              <a:extLst>
+                <a:ext uri="{FF2B5EF4-FFF2-40B4-BE49-F238E27FC236}">
+                  <a16:creationId xmlns:a16="http://schemas.microsoft.com/office/drawing/2014/main" id="{C900EB27-C5DB-4A69-92C1-A5070912A2CE}"/>
+                </a:ext>
+              </a:extLst>
+            </p:cNvPr>
+            <p:cNvSpPr txBox="1"/>
+            <p:nvPr/>
+          </p:nvSpPr>
+          <p:spPr>
+            <a:xfrm>
+              <a:off x="3929078" y="4024202"/>
+              <a:ext cx="1524295" cy="215444"/>
+            </a:xfrm>
+            <a:prstGeom prst="rect">
+              <a:avLst/>
+            </a:prstGeom>
+            <a:noFill/>
+          </p:spPr>
+          <p:txBody>
+            <a:bodyPr wrap="square" rtlCol="0">
+              <a:spAutoFit/>
+            </a:bodyPr>
+            <a:lstStyle/>
+            <a:p>
+              <a:r>
+                <a:rPr lang="en-US" altLang="zh-TW" sz="800" dirty="0" err="1">
+                  <a:latin typeface="Times New Roman" panose="02020603050405020304" pitchFamily="18" charset="0"/>
+                  <a:cs typeface="Times New Roman" panose="02020603050405020304" pitchFamily="18" charset="0"/>
+                </a:rPr>
+                <a:t>mutateState_EF</a:t>
+              </a:r>
+              <a:endParaRPr lang="zh-TW" altLang="en-US" sz="800" dirty="0">
+                <a:latin typeface="Times New Roman" panose="02020603050405020304" pitchFamily="18" charset="0"/>
+                <a:cs typeface="Times New Roman" panose="02020603050405020304" pitchFamily="18" charset="0"/>
+              </a:endParaRPr>
+            </a:p>
+          </p:txBody>
+        </p:sp>
+      </p:grpSp>
+      <p:grpSp>
+        <p:nvGrpSpPr>
+          <p:cNvPr id="567" name="群組 566">
+            <a:extLst>
+              <a:ext uri="{FF2B5EF4-FFF2-40B4-BE49-F238E27FC236}">
+                <a16:creationId xmlns:a16="http://schemas.microsoft.com/office/drawing/2014/main" id="{50E54FD8-DFBE-446D-A800-36E8456DC06A}"/>
+              </a:ext>
+            </a:extLst>
+          </p:cNvPr>
+          <p:cNvGrpSpPr/>
+          <p:nvPr/>
+        </p:nvGrpSpPr>
+        <p:grpSpPr>
+          <a:xfrm>
+            <a:off x="9404976" y="3361545"/>
+            <a:ext cx="1380190" cy="565988"/>
+            <a:chOff x="6740039" y="3404809"/>
+            <a:chExt cx="1380190" cy="565988"/>
+          </a:xfrm>
+        </p:grpSpPr>
+        <p:cxnSp>
+          <p:nvCxnSpPr>
+            <p:cNvPr id="568" name="直線單箭頭接點 567">
+              <a:extLst>
+                <a:ext uri="{FF2B5EF4-FFF2-40B4-BE49-F238E27FC236}">
+                  <a16:creationId xmlns:a16="http://schemas.microsoft.com/office/drawing/2014/main" id="{16BD4109-7E14-44B5-A2DF-64E21F2A5699}"/>
+                </a:ext>
+              </a:extLst>
+            </p:cNvPr>
+            <p:cNvCxnSpPr>
+              <a:cxnSpLocks/>
+            </p:cNvCxnSpPr>
+            <p:nvPr/>
+          </p:nvCxnSpPr>
+          <p:spPr>
+            <a:xfrm>
+              <a:off x="7383645" y="3649524"/>
+              <a:ext cx="0" cy="321273"/>
+            </a:xfrm>
+            <a:prstGeom prst="straightConnector1">
+              <a:avLst/>
+            </a:prstGeom>
+            <a:ln>
+              <a:tailEnd type="triangle"/>
+            </a:ln>
+          </p:spPr>
+          <p:style>
+            <a:lnRef idx="3">
+              <a:schemeClr val="accent4"/>
+            </a:lnRef>
+            <a:fillRef idx="0">
+              <a:schemeClr val="accent4"/>
+            </a:fillRef>
+            <a:effectRef idx="2">
+              <a:schemeClr val="accent4"/>
+            </a:effectRef>
+            <a:fontRef idx="minor">
+              <a:schemeClr val="tx1"/>
+            </a:fontRef>
+          </p:style>
+        </p:cxnSp>
+        <p:sp>
+          <p:nvSpPr>
+            <p:cNvPr id="569" name="文字方塊 568">
+              <a:extLst>
+                <a:ext uri="{FF2B5EF4-FFF2-40B4-BE49-F238E27FC236}">
+                  <a16:creationId xmlns:a16="http://schemas.microsoft.com/office/drawing/2014/main" id="{5EFF1C0B-30F7-4857-80B2-4885A9438CC9}"/>
+                </a:ext>
+              </a:extLst>
+            </p:cNvPr>
+            <p:cNvSpPr txBox="1"/>
+            <p:nvPr/>
+          </p:nvSpPr>
+          <p:spPr>
+            <a:xfrm>
+              <a:off x="6740039" y="3404809"/>
+              <a:ext cx="1380190" cy="276999"/>
+            </a:xfrm>
+            <a:prstGeom prst="rect">
+              <a:avLst/>
+            </a:prstGeom>
+            <a:noFill/>
+          </p:spPr>
+          <p:txBody>
+            <a:bodyPr wrap="square" rtlCol="0">
+              <a:spAutoFit/>
+            </a:bodyPr>
+            <a:lstStyle/>
+            <a:p>
+              <a:r>
+                <a:rPr lang="en-US" altLang="zh-TW" sz="1200" dirty="0" err="1">
+                  <a:latin typeface="Times New Roman" panose="02020603050405020304" pitchFamily="18" charset="0"/>
+                  <a:cs typeface="Times New Roman" panose="02020603050405020304" pitchFamily="18" charset="0"/>
+                </a:rPr>
+                <a:t>currentState_MU</a:t>
+              </a:r>
+              <a:endParaRPr lang="zh-TW" altLang="en-US" sz="1200" dirty="0">
+                <a:latin typeface="Times New Roman" panose="02020603050405020304" pitchFamily="18" charset="0"/>
+                <a:cs typeface="Times New Roman" panose="02020603050405020304" pitchFamily="18" charset="0"/>
+              </a:endParaRPr>
+            </a:p>
+          </p:txBody>
+        </p:sp>
+      </p:grpSp>
+      <p:grpSp>
+        <p:nvGrpSpPr>
+          <p:cNvPr id="74" name="群組 73">
+            <a:extLst>
+              <a:ext uri="{FF2B5EF4-FFF2-40B4-BE49-F238E27FC236}">
+                <a16:creationId xmlns:a16="http://schemas.microsoft.com/office/drawing/2014/main" id="{EF4C1045-692E-4500-B177-666A1DD2D469}"/>
+              </a:ext>
+            </a:extLst>
+          </p:cNvPr>
+          <p:cNvGrpSpPr/>
+          <p:nvPr/>
+        </p:nvGrpSpPr>
+        <p:grpSpPr>
+          <a:xfrm>
+            <a:off x="9237134" y="5795178"/>
+            <a:ext cx="667064" cy="507184"/>
+            <a:chOff x="9223814" y="5795178"/>
+            <a:chExt cx="803887" cy="507184"/>
+          </a:xfrm>
+        </p:grpSpPr>
+        <p:sp>
+          <p:nvSpPr>
+            <p:cNvPr id="570" name="箭號: 向右 569">
+              <a:extLst>
+                <a:ext uri="{FF2B5EF4-FFF2-40B4-BE49-F238E27FC236}">
+                  <a16:creationId xmlns:a16="http://schemas.microsoft.com/office/drawing/2014/main" id="{DBE96A90-7A21-4CBF-A770-776A5010C8CF}"/>
+                </a:ext>
+              </a:extLst>
+            </p:cNvPr>
+            <p:cNvSpPr/>
+            <p:nvPr/>
+          </p:nvSpPr>
+          <p:spPr>
+            <a:xfrm rot="16200000">
+              <a:off x="9530740" y="5892502"/>
+              <a:ext cx="507184" cy="312535"/>
+            </a:xfrm>
+            <a:prstGeom prst="rightArrow">
+              <a:avLst/>
+            </a:prstGeom>
+          </p:spPr>
+          <p:style>
+            <a:lnRef idx="2">
+              <a:schemeClr val="accent2">
+                <a:shade val="50000"/>
+              </a:schemeClr>
+            </a:lnRef>
+            <a:fillRef idx="1">
+              <a:schemeClr val="accent2"/>
+            </a:fillRef>
+            <a:effectRef idx="0">
+              <a:schemeClr val="accent2"/>
+            </a:effectRef>
+            <a:fontRef idx="minor">
+              <a:schemeClr val="lt1"/>
+            </a:fontRef>
+          </p:style>
+          <p:txBody>
+            <a:bodyPr rtlCol="0" anchor="ctr"/>
+            <a:lstStyle/>
+            <a:p>
+              <a:pPr algn="ctr"/>
+              <a:endParaRPr lang="zh-TW" altLang="en-US"/>
+            </a:p>
+          </p:txBody>
+        </p:sp>
+        <p:cxnSp>
+          <p:nvCxnSpPr>
+            <p:cNvPr id="571" name="直線接點 570">
+              <a:extLst>
+                <a:ext uri="{FF2B5EF4-FFF2-40B4-BE49-F238E27FC236}">
+                  <a16:creationId xmlns:a16="http://schemas.microsoft.com/office/drawing/2014/main" id="{33B4D2E5-1C45-4536-BFCB-9FA47DE7CE4B}"/>
+                </a:ext>
+              </a:extLst>
+            </p:cNvPr>
+            <p:cNvCxnSpPr>
+              <a:cxnSpLocks/>
+            </p:cNvCxnSpPr>
+            <p:nvPr/>
+          </p:nvCxnSpPr>
+          <p:spPr>
+            <a:xfrm rot="10800000">
+              <a:off x="9514377" y="5973347"/>
+              <a:ext cx="513324" cy="235715"/>
+            </a:xfrm>
+            <a:prstGeom prst="line">
+              <a:avLst/>
+            </a:prstGeom>
+          </p:spPr>
+          <p:style>
+            <a:lnRef idx="3">
+              <a:schemeClr val="dk1"/>
+            </a:lnRef>
+            <a:fillRef idx="0">
+              <a:schemeClr val="dk1"/>
+            </a:fillRef>
+            <a:effectRef idx="2">
+              <a:schemeClr val="dk1"/>
+            </a:effectRef>
+            <a:fontRef idx="minor">
+              <a:schemeClr val="tx1"/>
+            </a:fontRef>
+          </p:style>
+        </p:cxnSp>
+        <p:sp>
+          <p:nvSpPr>
+            <p:cNvPr id="572" name="文字方塊 571">
+              <a:extLst>
+                <a:ext uri="{FF2B5EF4-FFF2-40B4-BE49-F238E27FC236}">
+                  <a16:creationId xmlns:a16="http://schemas.microsoft.com/office/drawing/2014/main" id="{8A0DF7B0-036B-4FC6-A4D1-5AE97DDD556B}"/>
+                </a:ext>
+              </a:extLst>
+            </p:cNvPr>
+            <p:cNvSpPr txBox="1"/>
+            <p:nvPr/>
+          </p:nvSpPr>
+          <p:spPr>
+            <a:xfrm>
+              <a:off x="9223814" y="5990675"/>
+              <a:ext cx="616575" cy="276999"/>
+            </a:xfrm>
+            <a:prstGeom prst="rect">
+              <a:avLst/>
+            </a:prstGeom>
+            <a:noFill/>
+          </p:spPr>
+          <p:txBody>
+            <a:bodyPr wrap="square" rtlCol="0">
+              <a:spAutoFit/>
+            </a:bodyPr>
+            <a:lstStyle/>
+            <a:p>
+              <a:r>
+                <a:rPr lang="en-US" altLang="zh-TW" sz="1200" dirty="0">
+                  <a:latin typeface="Times New Roman" panose="02020603050405020304" pitchFamily="18" charset="0"/>
+                  <a:cs typeface="Times New Roman" panose="02020603050405020304" pitchFamily="18" charset="0"/>
+                </a:rPr>
+                <a:t>11*2</a:t>
+              </a:r>
+              <a:endParaRPr lang="zh-TW" altLang="en-US" sz="1200" dirty="0">
+                <a:latin typeface="Times New Roman" panose="02020603050405020304" pitchFamily="18" charset="0"/>
+                <a:cs typeface="Times New Roman" panose="02020603050405020304" pitchFamily="18" charset="0"/>
+              </a:endParaRPr>
+            </a:p>
+          </p:txBody>
+        </p:sp>
+      </p:grpSp>
+      <p:sp>
+        <p:nvSpPr>
+          <p:cNvPr id="573" name="文字方塊 572">
+            <a:extLst>
+              <a:ext uri="{FF2B5EF4-FFF2-40B4-BE49-F238E27FC236}">
+                <a16:creationId xmlns:a16="http://schemas.microsoft.com/office/drawing/2014/main" id="{A7663091-2477-4D04-A017-DCCD2C2A5D5E}"/>
+              </a:ext>
+            </a:extLst>
+          </p:cNvPr>
+          <p:cNvSpPr txBox="1"/>
+          <p:nvPr/>
+        </p:nvSpPr>
+        <p:spPr>
+          <a:xfrm>
+            <a:off x="9221167" y="6250330"/>
+            <a:ext cx="1142835" cy="215444"/>
+          </a:xfrm>
+          <a:prstGeom prst="rect">
+            <a:avLst/>
+          </a:prstGeom>
+          <a:noFill/>
+        </p:spPr>
+        <p:txBody>
+          <a:bodyPr wrap="square" rtlCol="0">
+            <a:spAutoFit/>
+          </a:bodyPr>
+          <a:lstStyle/>
+          <a:p>
+            <a:r>
+              <a:rPr lang="en-US" altLang="zh-TW" sz="800" dirty="0" err="1">
+                <a:latin typeface="Times New Roman" panose="02020603050405020304" pitchFamily="18" charset="0"/>
+                <a:cs typeface="Times New Roman" panose="02020603050405020304" pitchFamily="18" charset="0"/>
+              </a:rPr>
+              <a:t>rndNumVec_i</a:t>
+            </a:r>
+            <a:endParaRPr lang="zh-TW" altLang="en-US" sz="800" dirty="0">
+              <a:latin typeface="Times New Roman" panose="02020603050405020304" pitchFamily="18" charset="0"/>
+              <a:cs typeface="Times New Roman" panose="02020603050405020304" pitchFamily="18" charset="0"/>
+            </a:endParaRPr>
+          </a:p>
+        </p:txBody>
+      </p:sp>
+      <p:sp>
+        <p:nvSpPr>
+          <p:cNvPr id="574" name="流程圖: 接點 573">
+            <a:extLst>
+              <a:ext uri="{FF2B5EF4-FFF2-40B4-BE49-F238E27FC236}">
+                <a16:creationId xmlns:a16="http://schemas.microsoft.com/office/drawing/2014/main" id="{C57C177E-EC60-4F51-A981-BBE058AAB102}"/>
+              </a:ext>
+            </a:extLst>
+          </p:cNvPr>
+          <p:cNvSpPr/>
+          <p:nvPr/>
+        </p:nvSpPr>
+        <p:spPr>
+          <a:xfrm>
+            <a:off x="9237523" y="4755093"/>
+            <a:ext cx="135462" cy="154674"/>
+          </a:xfrm>
+          <a:prstGeom prst="flowChartConnector">
+            <a:avLst/>
+          </a:prstGeom>
+        </p:spPr>
+        <p:style>
+          <a:lnRef idx="2">
+            <a:schemeClr val="dk1">
+              <a:shade val="50000"/>
+            </a:schemeClr>
+          </a:lnRef>
+          <a:fillRef idx="1">
+            <a:schemeClr val="dk1"/>
+          </a:fillRef>
+          <a:effectRef idx="0">
+            <a:schemeClr val="dk1"/>
+          </a:effectRef>
+          <a:fontRef idx="minor">
+            <a:schemeClr val="lt1"/>
+          </a:fontRef>
+        </p:style>
+        <p:txBody>
+          <a:bodyPr rtlCol="0" anchor="ctr"/>
+          <a:lstStyle/>
+          <a:p>
+            <a:pPr algn="ctr"/>
+            <a:endParaRPr lang="zh-TW" altLang="en-US"/>
+          </a:p>
+        </p:txBody>
+      </p:sp>
+      <p:sp>
+        <p:nvSpPr>
+          <p:cNvPr id="575" name="文字方塊 574">
+            <a:extLst>
+              <a:ext uri="{FF2B5EF4-FFF2-40B4-BE49-F238E27FC236}">
+                <a16:creationId xmlns:a16="http://schemas.microsoft.com/office/drawing/2014/main" id="{4F77BA7E-9583-469F-B70F-D0450B11D794}"/>
+              </a:ext>
+            </a:extLst>
+          </p:cNvPr>
+          <p:cNvSpPr txBox="1"/>
+          <p:nvPr/>
+        </p:nvSpPr>
+        <p:spPr>
+          <a:xfrm>
+            <a:off x="2719091" y="4127367"/>
+            <a:ext cx="667200" cy="215444"/>
+          </a:xfrm>
+          <a:prstGeom prst="rect">
+            <a:avLst/>
+          </a:prstGeom>
+          <a:noFill/>
+        </p:spPr>
+        <p:txBody>
+          <a:bodyPr wrap="square" rtlCol="0">
+            <a:spAutoFit/>
+          </a:bodyPr>
+          <a:lstStyle/>
+          <a:p>
+            <a:r>
+              <a:rPr lang="en-US" altLang="zh-TW" sz="800" dirty="0" err="1">
+                <a:latin typeface="Times New Roman" panose="02020603050405020304" pitchFamily="18" charset="0"/>
+                <a:cs typeface="Times New Roman" panose="02020603050405020304" pitchFamily="18" charset="0"/>
+              </a:rPr>
+              <a:t>PopWrite</a:t>
+            </a:r>
+            <a:endParaRPr lang="zh-TW" altLang="en-US" sz="800" dirty="0">
+              <a:latin typeface="Times New Roman" panose="02020603050405020304" pitchFamily="18" charset="0"/>
+              <a:cs typeface="Times New Roman" panose="02020603050405020304" pitchFamily="18" charset="0"/>
+            </a:endParaRPr>
+          </a:p>
+        </p:txBody>
+      </p:sp>
+      <p:cxnSp>
+        <p:nvCxnSpPr>
+          <p:cNvPr id="576" name="直線單箭頭接點 575">
+            <a:extLst>
+              <a:ext uri="{FF2B5EF4-FFF2-40B4-BE49-F238E27FC236}">
+                <a16:creationId xmlns:a16="http://schemas.microsoft.com/office/drawing/2014/main" id="{289FBB4C-3234-4BEB-AF45-5292F4810C8F}"/>
+              </a:ext>
+            </a:extLst>
+          </p:cNvPr>
+          <p:cNvCxnSpPr>
+            <a:cxnSpLocks/>
+          </p:cNvCxnSpPr>
+          <p:nvPr/>
+        </p:nvCxnSpPr>
+        <p:spPr>
+          <a:xfrm>
+            <a:off x="2840470" y="4078041"/>
+            <a:ext cx="274503" cy="0"/>
+          </a:xfrm>
+          <a:prstGeom prst="straightConnector1">
+            <a:avLst/>
+          </a:prstGeom>
+          <a:ln>
+            <a:tailEnd type="triangle"/>
+          </a:ln>
+        </p:spPr>
+        <p:style>
+          <a:lnRef idx="3">
+            <a:schemeClr val="accent1"/>
+          </a:lnRef>
+          <a:fillRef idx="0">
+            <a:schemeClr val="accent1"/>
+          </a:fillRef>
+          <a:effectRef idx="2">
+            <a:schemeClr val="accent1"/>
+          </a:effectRef>
+          <a:fontRef idx="minor">
+            <a:schemeClr val="tx1"/>
+          </a:fontRef>
+        </p:style>
+      </p:cxnSp>
+      <p:cxnSp>
+        <p:nvCxnSpPr>
+          <p:cNvPr id="577" name="直線單箭頭接點 576">
+            <a:extLst>
+              <a:ext uri="{FF2B5EF4-FFF2-40B4-BE49-F238E27FC236}">
+                <a16:creationId xmlns:a16="http://schemas.microsoft.com/office/drawing/2014/main" id="{28002046-D21E-4A71-9010-9196F069CB16}"/>
+              </a:ext>
+            </a:extLst>
+          </p:cNvPr>
+          <p:cNvCxnSpPr>
+            <a:cxnSpLocks/>
+          </p:cNvCxnSpPr>
+          <p:nvPr/>
+        </p:nvCxnSpPr>
+        <p:spPr>
+          <a:xfrm>
+            <a:off x="7457559" y="2118547"/>
+            <a:ext cx="1315309" cy="0"/>
+          </a:xfrm>
+          <a:prstGeom prst="straightConnector1">
+            <a:avLst/>
+          </a:prstGeom>
+          <a:ln>
+            <a:tailEnd type="triangle"/>
+          </a:ln>
+        </p:spPr>
+        <p:style>
+          <a:lnRef idx="2">
+            <a:schemeClr val="accent4"/>
+          </a:lnRef>
+          <a:fillRef idx="1">
+            <a:schemeClr val="lt1"/>
+          </a:fillRef>
+          <a:effectRef idx="0">
+            <a:schemeClr val="accent4"/>
+          </a:effectRef>
+          <a:fontRef idx="minor">
+            <a:schemeClr val="dk1"/>
+          </a:fontRef>
+        </p:style>
+      </p:cxnSp>
+      <p:sp>
+        <p:nvSpPr>
+          <p:cNvPr id="579" name="文字方塊 578">
+            <a:extLst>
+              <a:ext uri="{FF2B5EF4-FFF2-40B4-BE49-F238E27FC236}">
+                <a16:creationId xmlns:a16="http://schemas.microsoft.com/office/drawing/2014/main" id="{6F1512A6-BD02-43CA-AEBF-7B9CFDDD949A}"/>
+              </a:ext>
+            </a:extLst>
+          </p:cNvPr>
+          <p:cNvSpPr txBox="1"/>
+          <p:nvPr/>
+        </p:nvSpPr>
+        <p:spPr>
+          <a:xfrm>
+            <a:off x="7761932" y="1911213"/>
+            <a:ext cx="1666700" cy="215444"/>
+          </a:xfrm>
+          <a:prstGeom prst="rect">
+            <a:avLst/>
+          </a:prstGeom>
+          <a:noFill/>
+        </p:spPr>
+        <p:txBody>
+          <a:bodyPr wrap="square" rtlCol="0">
+            <a:spAutoFit/>
+          </a:bodyPr>
+          <a:lstStyle/>
+          <a:p>
+            <a:r>
+              <a:rPr lang="en-US" altLang="zh-TW" sz="800" dirty="0" err="1">
+                <a:latin typeface="Times New Roman" panose="02020603050405020304" pitchFamily="18" charset="0"/>
+                <a:cs typeface="Times New Roman" panose="02020603050405020304" pitchFamily="18" charset="0"/>
+              </a:rPr>
+              <a:t>WB_tour_CRX</a:t>
+            </a:r>
+            <a:endParaRPr lang="zh-TW" altLang="en-US" sz="800" dirty="0">
+              <a:latin typeface="Times New Roman" panose="02020603050405020304" pitchFamily="18" charset="0"/>
+              <a:cs typeface="Times New Roman" panose="02020603050405020304" pitchFamily="18" charset="0"/>
+            </a:endParaRPr>
+          </a:p>
+        </p:txBody>
+      </p:sp>
+      <p:sp>
+        <p:nvSpPr>
+          <p:cNvPr id="580" name="文字方塊 579">
+            <a:extLst>
+              <a:ext uri="{FF2B5EF4-FFF2-40B4-BE49-F238E27FC236}">
+                <a16:creationId xmlns:a16="http://schemas.microsoft.com/office/drawing/2014/main" id="{90C96373-80DD-4FC6-96D7-90E97480263A}"/>
+              </a:ext>
+            </a:extLst>
+          </p:cNvPr>
+          <p:cNvSpPr txBox="1"/>
+          <p:nvPr/>
+        </p:nvSpPr>
+        <p:spPr>
+          <a:xfrm>
+            <a:off x="9135243" y="1888052"/>
+            <a:ext cx="1666700" cy="215444"/>
+          </a:xfrm>
+          <a:prstGeom prst="rect">
+            <a:avLst/>
+          </a:prstGeom>
+          <a:noFill/>
+        </p:spPr>
+        <p:txBody>
+          <a:bodyPr wrap="square" rtlCol="0">
+            <a:spAutoFit/>
+          </a:bodyPr>
+          <a:lstStyle/>
+          <a:p>
+            <a:r>
+              <a:rPr lang="en-US" altLang="zh-TW" sz="800" dirty="0" err="1">
+                <a:latin typeface="Times New Roman" panose="02020603050405020304" pitchFamily="18" charset="0"/>
+                <a:cs typeface="Times New Roman" panose="02020603050405020304" pitchFamily="18" charset="0"/>
+              </a:rPr>
+              <a:t>WB_tour_MU</a:t>
+            </a:r>
+            <a:endParaRPr lang="zh-TW" altLang="en-US" sz="800" dirty="0">
+              <a:latin typeface="Times New Roman" panose="02020603050405020304" pitchFamily="18" charset="0"/>
+              <a:cs typeface="Times New Roman" panose="02020603050405020304" pitchFamily="18" charset="0"/>
+            </a:endParaRPr>
+          </a:p>
+        </p:txBody>
+      </p:sp>
+      <p:cxnSp>
+        <p:nvCxnSpPr>
+          <p:cNvPr id="581" name="直線單箭頭接點 580">
+            <a:extLst>
+              <a:ext uri="{FF2B5EF4-FFF2-40B4-BE49-F238E27FC236}">
+                <a16:creationId xmlns:a16="http://schemas.microsoft.com/office/drawing/2014/main" id="{4AD3623E-EB76-49EC-B60A-B98E66BCFE16}"/>
+              </a:ext>
+            </a:extLst>
+          </p:cNvPr>
+          <p:cNvCxnSpPr>
+            <a:cxnSpLocks/>
+          </p:cNvCxnSpPr>
+          <p:nvPr/>
+        </p:nvCxnSpPr>
+        <p:spPr>
+          <a:xfrm>
+            <a:off x="9211855" y="2118547"/>
+            <a:ext cx="256213" cy="0"/>
+          </a:xfrm>
+          <a:prstGeom prst="straightConnector1">
+            <a:avLst/>
+          </a:prstGeom>
+          <a:ln>
+            <a:tailEnd type="triangle"/>
+          </a:ln>
+        </p:spPr>
+        <p:style>
+          <a:lnRef idx="2">
+            <a:schemeClr val="accent4"/>
+          </a:lnRef>
+          <a:fillRef idx="1">
+            <a:schemeClr val="lt1"/>
+          </a:fillRef>
+          <a:effectRef idx="0">
+            <a:schemeClr val="accent4"/>
+          </a:effectRef>
+          <a:fontRef idx="minor">
+            <a:schemeClr val="dk1"/>
+          </a:fontRef>
+        </p:style>
+      </p:cxnSp>
     </p:spTree>
     <p:extLst>
       <p:ext uri="{BB962C8B-B14F-4D97-AF65-F5344CB8AC3E}">

--- a/EC_FINAL_PROJECT/EC_FINAL_PROJECT/verilog/POP_RF/CrossOver_Mutate_Truncation.pptx
+++ b/EC_FINAL_PROJECT/EC_FINAL_PROJECT/verilog/POP_RF/CrossOver_Mutate_Truncation.pptx
@@ -3298,25 +3298,13 @@
             <a:p>
               <a:r>
                 <a:rPr lang="en-US" altLang="zh-TW" sz="800" dirty="0"/>
-                <a:t>Interact</a:t>
+                <a:t>DF_CRX</a:t>
               </a:r>
             </a:p>
             <a:p>
               <a:r>
                 <a:rPr lang="en-US" altLang="zh-TW" sz="800" dirty="0"/>
-                <a:t>Energy</a:t>
-              </a:r>
-            </a:p>
-            <a:p>
-              <a:r>
-                <a:rPr lang="en-US" altLang="zh-TW" sz="800" dirty="0"/>
-                <a:t>Pipe</a:t>
-              </a:r>
-            </a:p>
-            <a:p>
-              <a:r>
-                <a:rPr lang="en-US" altLang="zh-TW" sz="800" dirty="0"/>
-                <a:t>DF_ADD1</a:t>
+                <a:t>PIPE</a:t>
               </a:r>
             </a:p>
             <a:p>
@@ -3724,148 +3712,6 @@
           </a:p>
         </p:txBody>
       </p:sp>
-      <p:grpSp>
-        <p:nvGrpSpPr>
-          <p:cNvPr id="2" name="群組 1">
-            <a:extLst>
-              <a:ext uri="{FF2B5EF4-FFF2-40B4-BE49-F238E27FC236}">
-                <a16:creationId xmlns:a16="http://schemas.microsoft.com/office/drawing/2014/main" id="{A2302DF5-A8AB-4028-8E47-AF165F8F22D0}"/>
-              </a:ext>
-            </a:extLst>
-          </p:cNvPr>
-          <p:cNvGrpSpPr/>
-          <p:nvPr/>
-        </p:nvGrpSpPr>
-        <p:grpSpPr>
-          <a:xfrm>
-            <a:off x="1680949" y="2160272"/>
-            <a:ext cx="558465" cy="390631"/>
-            <a:chOff x="4626544" y="367171"/>
-            <a:chExt cx="558465" cy="390631"/>
-          </a:xfrm>
-        </p:grpSpPr>
-        <p:cxnSp>
-          <p:nvCxnSpPr>
-            <p:cNvPr id="125" name="直線單箭頭接點 124">
-              <a:extLst>
-                <a:ext uri="{FF2B5EF4-FFF2-40B4-BE49-F238E27FC236}">
-                  <a16:creationId xmlns:a16="http://schemas.microsoft.com/office/drawing/2014/main" id="{402BE50D-E4C2-49BE-8045-22470DA0C0C3}"/>
-                </a:ext>
-              </a:extLst>
-            </p:cNvPr>
-            <p:cNvCxnSpPr>
-              <a:cxnSpLocks/>
-            </p:cNvCxnSpPr>
-            <p:nvPr/>
-          </p:nvCxnSpPr>
-          <p:spPr>
-            <a:xfrm>
-              <a:off x="4626544" y="675073"/>
-              <a:ext cx="478006" cy="0"/>
-            </a:xfrm>
-            <a:prstGeom prst="straightConnector1">
-              <a:avLst/>
-            </a:prstGeom>
-            <a:ln>
-              <a:tailEnd type="triangle"/>
-            </a:ln>
-          </p:spPr>
-          <p:style>
-            <a:lnRef idx="3">
-              <a:schemeClr val="accent1"/>
-            </a:lnRef>
-            <a:fillRef idx="0">
-              <a:schemeClr val="accent1"/>
-            </a:fillRef>
-            <a:effectRef idx="2">
-              <a:schemeClr val="accent1"/>
-            </a:effectRef>
-            <a:fontRef idx="minor">
-              <a:schemeClr val="tx1"/>
-            </a:fontRef>
-          </p:style>
-        </p:cxnSp>
-        <p:cxnSp>
-          <p:nvCxnSpPr>
-            <p:cNvPr id="308" name="直線接點 307">
-              <a:extLst>
-                <a:ext uri="{FF2B5EF4-FFF2-40B4-BE49-F238E27FC236}">
-                  <a16:creationId xmlns:a16="http://schemas.microsoft.com/office/drawing/2014/main" id="{D0CB0D8D-8888-4240-A539-E845342C44BA}"/>
-                </a:ext>
-              </a:extLst>
-            </p:cNvPr>
-            <p:cNvCxnSpPr>
-              <a:cxnSpLocks/>
-            </p:cNvCxnSpPr>
-            <p:nvPr/>
-          </p:nvCxnSpPr>
-          <p:spPr>
-            <a:xfrm>
-              <a:off x="4750671" y="613267"/>
-              <a:ext cx="97186" cy="144535"/>
-            </a:xfrm>
-            <a:prstGeom prst="line">
-              <a:avLst/>
-            </a:prstGeom>
-          </p:spPr>
-          <p:style>
-            <a:lnRef idx="3">
-              <a:schemeClr val="dk1"/>
-            </a:lnRef>
-            <a:fillRef idx="0">
-              <a:schemeClr val="dk1"/>
-            </a:fillRef>
-            <a:effectRef idx="2">
-              <a:schemeClr val="dk1"/>
-            </a:effectRef>
-            <a:fontRef idx="minor">
-              <a:schemeClr val="tx1"/>
-            </a:fontRef>
-          </p:style>
-        </p:cxnSp>
-        <p:sp>
-          <p:nvSpPr>
-            <p:cNvPr id="311" name="文字方塊 310">
-              <a:extLst>
-                <a:ext uri="{FF2B5EF4-FFF2-40B4-BE49-F238E27FC236}">
-                  <a16:creationId xmlns:a16="http://schemas.microsoft.com/office/drawing/2014/main" id="{B8EB8B29-DF03-4777-93B3-EB5B5AB8CBE4}"/>
-                </a:ext>
-              </a:extLst>
-            </p:cNvPr>
-            <p:cNvSpPr txBox="1"/>
-            <p:nvPr/>
-          </p:nvSpPr>
-          <p:spPr>
-            <a:xfrm>
-              <a:off x="4651609" y="367171"/>
-              <a:ext cx="533400" cy="276999"/>
-            </a:xfrm>
-            <a:prstGeom prst="rect">
-              <a:avLst/>
-            </a:prstGeom>
-            <a:noFill/>
-          </p:spPr>
-          <p:txBody>
-            <a:bodyPr wrap="square" rtlCol="0">
-              <a:spAutoFit/>
-            </a:bodyPr>
-            <a:lstStyle/>
-            <a:p>
-              <a:r>
-                <a:rPr lang="en-US" altLang="zh-TW" sz="1200" dirty="0">
-                  <a:latin typeface="Times New Roman" panose="02020603050405020304" pitchFamily="18" charset="0"/>
-                  <a:cs typeface="Times New Roman" panose="02020603050405020304" pitchFamily="18" charset="0"/>
-                </a:rPr>
-                <a:t>5</a:t>
-              </a:r>
-              <a:endParaRPr lang="zh-TW" altLang="en-US" sz="1200" dirty="0">
-                <a:latin typeface="Times New Roman" panose="02020603050405020304" pitchFamily="18" charset="0"/>
-                <a:cs typeface="Times New Roman" panose="02020603050405020304" pitchFamily="18" charset="0"/>
-              </a:endParaRPr>
-            </a:p>
-          </p:txBody>
-        </p:sp>
-      </p:grpSp>
       <p:grpSp>
         <p:nvGrpSpPr>
           <p:cNvPr id="25" name="群組 24">

--- a/EC_FINAL_PROJECT/EC_FINAL_PROJECT/verilog/POP_RF/CrossOver_Mutate_Truncation.pptx
+++ b/EC_FINAL_PROJECT/EC_FINAL_PROJECT/verilog/POP_RF/CrossOver_Mutate_Truncation.pptx
@@ -8082,7 +8082,7 @@
         <p:spPr>
           <a:xfrm>
             <a:off x="2175499" y="5536541"/>
-            <a:ext cx="564135" cy="192143"/>
+            <a:ext cx="1012903" cy="276999"/>
           </a:xfrm>
           <a:prstGeom prst="rect">
             <a:avLst/>
@@ -8100,7 +8100,7 @@
                 <a:latin typeface="Times New Roman" panose="02020603050405020304" pitchFamily="18" charset="0"/>
                 <a:cs typeface="Times New Roman" panose="02020603050405020304" pitchFamily="18" charset="0"/>
               </a:rPr>
-              <a:t>11*2</a:t>
+              <a:t>11*2+8+10</a:t>
             </a:r>
             <a:endParaRPr lang="zh-TW" altLang="en-US" sz="1200" dirty="0">
               <a:latin typeface="Times New Roman" panose="02020603050405020304" pitchFamily="18" charset="0"/>
@@ -8142,7 +8142,7 @@
                 <a:latin typeface="Times New Roman" panose="02020603050405020304" pitchFamily="18" charset="0"/>
                 <a:cs typeface="Times New Roman" panose="02020603050405020304" pitchFamily="18" charset="0"/>
               </a:rPr>
-              <a:t>Offspring_wb_state</a:t>
+              <a:t>Offspring_Ind_wb</a:t>
             </a:r>
             <a:endParaRPr lang="zh-TW" altLang="en-US" sz="800" dirty="0">
               <a:latin typeface="Times New Roman" panose="02020603050405020304" pitchFamily="18" charset="0"/>
@@ -9390,10 +9390,10 @@
         </p:nvGrpSpPr>
         <p:grpSpPr>
           <a:xfrm>
-            <a:off x="654002" y="5529782"/>
-            <a:ext cx="564135" cy="383069"/>
+            <a:off x="525566" y="5528907"/>
+            <a:ext cx="960851" cy="646331"/>
             <a:chOff x="2327899" y="5688941"/>
-            <a:chExt cx="564135" cy="383069"/>
+            <a:chExt cx="564135" cy="646331"/>
           </a:xfrm>
         </p:grpSpPr>
         <p:cxnSp>
@@ -9449,7 +9449,7 @@
           <p:spPr>
             <a:xfrm>
               <a:off x="2327899" y="5688941"/>
-              <a:ext cx="564135" cy="192143"/>
+              <a:ext cx="564135" cy="646331"/>
             </a:xfrm>
             <a:prstGeom prst="rect">
               <a:avLst/>
@@ -9467,7 +9467,7 @@
                   <a:latin typeface="Times New Roman" panose="02020603050405020304" pitchFamily="18" charset="0"/>
                   <a:cs typeface="Times New Roman" panose="02020603050405020304" pitchFamily="18" charset="0"/>
                 </a:rPr>
-                <a:t>11*2</a:t>
+                <a:t>11*2+8+10</a:t>
               </a:r>
               <a:endParaRPr lang="zh-TW" altLang="en-US" sz="1200" dirty="0">
                 <a:latin typeface="Times New Roman" panose="02020603050405020304" pitchFamily="18" charset="0"/>
@@ -9491,7 +9491,7 @@
         </p:nvSpPr>
         <p:spPr>
           <a:xfrm>
-            <a:off x="-15949" y="5591018"/>
+            <a:off x="-17210" y="5576457"/>
             <a:ext cx="1162511" cy="215444"/>
           </a:xfrm>
           <a:prstGeom prst="rect">
@@ -9510,7 +9510,7 @@
                 <a:latin typeface="Times New Roman" panose="02020603050405020304" pitchFamily="18" charset="0"/>
                 <a:cs typeface="Times New Roman" panose="02020603050405020304" pitchFamily="18" charset="0"/>
               </a:rPr>
-              <a:t>TourState_MU</a:t>
+              <a:t>TourInd_MU</a:t>
             </a:r>
             <a:endParaRPr lang="zh-TW" altLang="en-US" sz="800" dirty="0">
               <a:latin typeface="Times New Roman" panose="02020603050405020304" pitchFamily="18" charset="0"/>
@@ -11161,10 +11161,10 @@
         </p:nvGrpSpPr>
         <p:grpSpPr>
           <a:xfrm>
-            <a:off x="6740039" y="3404809"/>
-            <a:ext cx="1380190" cy="565988"/>
-            <a:chOff x="6740039" y="3404809"/>
-            <a:chExt cx="1380190" cy="565988"/>
+            <a:off x="5993432" y="3334411"/>
+            <a:ext cx="1380190" cy="529674"/>
+            <a:chOff x="5993432" y="3334411"/>
+            <a:chExt cx="1380190" cy="529674"/>
           </a:xfrm>
         </p:grpSpPr>
         <p:cxnSp>
@@ -11183,7 +11183,7 @@
           </p:nvCxnSpPr>
           <p:spPr>
             <a:xfrm>
-              <a:off x="7383645" y="3649524"/>
+              <a:off x="7257571" y="3542812"/>
               <a:ext cx="0" cy="321273"/>
             </a:xfrm>
             <a:prstGeom prst="straightConnector1">
@@ -11222,7 +11222,7 @@
           </p:nvSpPr>
           <p:spPr>
             <a:xfrm>
-              <a:off x="6740039" y="3404809"/>
+              <a:off x="5993432" y="3334411"/>
               <a:ext cx="1380190" cy="276999"/>
             </a:xfrm>
             <a:prstGeom prst="rect">
@@ -11454,190 +11454,6 @@
                 <a:t>newStateCRX</a:t>
               </a:r>
               <a:endParaRPr lang="zh-TW" altLang="en-US" sz="800" dirty="0">
-                <a:latin typeface="Times New Roman" panose="02020603050405020304" pitchFamily="18" charset="0"/>
-                <a:cs typeface="Times New Roman" panose="02020603050405020304" pitchFamily="18" charset="0"/>
-              </a:endParaRPr>
-            </a:p>
-          </p:txBody>
-        </p:sp>
-      </p:grpSp>
-      <p:grpSp>
-        <p:nvGrpSpPr>
-          <p:cNvPr id="281" name="群組 280">
-            <a:extLst>
-              <a:ext uri="{FF2B5EF4-FFF2-40B4-BE49-F238E27FC236}">
-                <a16:creationId xmlns:a16="http://schemas.microsoft.com/office/drawing/2014/main" id="{493CE736-2FFD-4203-A3A1-E5B133453B85}"/>
-              </a:ext>
-            </a:extLst>
-          </p:cNvPr>
-          <p:cNvGrpSpPr/>
-          <p:nvPr/>
-        </p:nvGrpSpPr>
-        <p:grpSpPr>
-          <a:xfrm>
-            <a:off x="5775977" y="1183285"/>
-            <a:ext cx="3673358" cy="491990"/>
-            <a:chOff x="271714" y="6407804"/>
-            <a:chExt cx="1503787" cy="491990"/>
-          </a:xfrm>
-        </p:grpSpPr>
-        <p:cxnSp>
-          <p:nvCxnSpPr>
-            <p:cNvPr id="282" name="直線單箭頭接點 281">
-              <a:extLst>
-                <a:ext uri="{FF2B5EF4-FFF2-40B4-BE49-F238E27FC236}">
-                  <a16:creationId xmlns:a16="http://schemas.microsoft.com/office/drawing/2014/main" id="{08BC83A9-A3E5-4701-8166-A2BD140F7894}"/>
-                </a:ext>
-              </a:extLst>
-            </p:cNvPr>
-            <p:cNvCxnSpPr>
-              <a:cxnSpLocks/>
-            </p:cNvCxnSpPr>
-            <p:nvPr/>
-          </p:nvCxnSpPr>
-          <p:spPr>
-            <a:xfrm>
-              <a:off x="271714" y="6664305"/>
-              <a:ext cx="1226857" cy="0"/>
-            </a:xfrm>
-            <a:prstGeom prst="straightConnector1">
-              <a:avLst/>
-            </a:prstGeom>
-            <a:ln>
-              <a:tailEnd type="triangle"/>
-            </a:ln>
-          </p:spPr>
-          <p:style>
-            <a:lnRef idx="3">
-              <a:schemeClr val="accent1"/>
-            </a:lnRef>
-            <a:fillRef idx="0">
-              <a:schemeClr val="accent1"/>
-            </a:fillRef>
-            <a:effectRef idx="2">
-              <a:schemeClr val="accent1"/>
-            </a:effectRef>
-            <a:fontRef idx="minor">
-              <a:schemeClr val="tx1"/>
-            </a:fontRef>
-          </p:style>
-        </p:cxnSp>
-        <p:sp>
-          <p:nvSpPr>
-            <p:cNvPr id="284" name="文字方塊 283">
-              <a:extLst>
-                <a:ext uri="{FF2B5EF4-FFF2-40B4-BE49-F238E27FC236}">
-                  <a16:creationId xmlns:a16="http://schemas.microsoft.com/office/drawing/2014/main" id="{B2F54F44-CA19-4B05-82B3-74C2E3D2D60C}"/>
-                </a:ext>
-              </a:extLst>
-            </p:cNvPr>
-            <p:cNvSpPr txBox="1"/>
-            <p:nvPr/>
-          </p:nvSpPr>
-          <p:spPr>
-            <a:xfrm>
-              <a:off x="612990" y="6684350"/>
-              <a:ext cx="1162511" cy="215444"/>
-            </a:xfrm>
-            <a:prstGeom prst="rect">
-              <a:avLst/>
-            </a:prstGeom>
-            <a:noFill/>
-          </p:spPr>
-          <p:txBody>
-            <a:bodyPr wrap="square" rtlCol="0">
-              <a:spAutoFit/>
-            </a:bodyPr>
-            <a:lstStyle/>
-            <a:p>
-              <a:r>
-                <a:rPr lang="en-US" altLang="zh-TW" sz="800" dirty="0" err="1">
-                  <a:latin typeface="Times New Roman" panose="02020603050405020304" pitchFamily="18" charset="0"/>
-                  <a:cs typeface="Times New Roman" panose="02020603050405020304" pitchFamily="18" charset="0"/>
-                </a:rPr>
-                <a:t>offSpringMutateRate_CRX</a:t>
-              </a:r>
-              <a:endParaRPr lang="zh-TW" altLang="en-US" sz="800" dirty="0">
-                <a:latin typeface="Times New Roman" panose="02020603050405020304" pitchFamily="18" charset="0"/>
-                <a:cs typeface="Times New Roman" panose="02020603050405020304" pitchFamily="18" charset="0"/>
-              </a:endParaRPr>
-            </a:p>
-          </p:txBody>
-        </p:sp>
-        <p:cxnSp>
-          <p:nvCxnSpPr>
-            <p:cNvPr id="286" name="直線接點 285">
-              <a:extLst>
-                <a:ext uri="{FF2B5EF4-FFF2-40B4-BE49-F238E27FC236}">
-                  <a16:creationId xmlns:a16="http://schemas.microsoft.com/office/drawing/2014/main" id="{97248665-7DF4-4BD7-86EF-5D4F1D1E1D4A}"/>
-                </a:ext>
-              </a:extLst>
-            </p:cNvPr>
-            <p:cNvCxnSpPr>
-              <a:cxnSpLocks/>
-            </p:cNvCxnSpPr>
-            <p:nvPr/>
-          </p:nvCxnSpPr>
-          <p:spPr>
-            <a:xfrm>
-              <a:off x="739660" y="6604353"/>
-              <a:ext cx="173322" cy="148216"/>
-            </a:xfrm>
-            <a:prstGeom prst="line">
-              <a:avLst/>
-            </a:prstGeom>
-          </p:spPr>
-          <p:style>
-            <a:lnRef idx="3">
-              <a:schemeClr val="dk1"/>
-            </a:lnRef>
-            <a:fillRef idx="0">
-              <a:schemeClr val="dk1"/>
-            </a:fillRef>
-            <a:effectRef idx="2">
-              <a:schemeClr val="dk1"/>
-            </a:effectRef>
-            <a:fontRef idx="minor">
-              <a:schemeClr val="tx1"/>
-            </a:fontRef>
-          </p:style>
-        </p:cxnSp>
-        <p:sp>
-          <p:nvSpPr>
-            <p:cNvPr id="289" name="文字方塊 288">
-              <a:extLst>
-                <a:ext uri="{FF2B5EF4-FFF2-40B4-BE49-F238E27FC236}">
-                  <a16:creationId xmlns:a16="http://schemas.microsoft.com/office/drawing/2014/main" id="{C62D878A-7328-417D-8B91-E5BC1D5F72F3}"/>
-                </a:ext>
-              </a:extLst>
-            </p:cNvPr>
-            <p:cNvSpPr txBox="1"/>
-            <p:nvPr/>
-          </p:nvSpPr>
-          <p:spPr>
-            <a:xfrm>
-              <a:off x="767546" y="6407804"/>
-              <a:ext cx="564135" cy="276999"/>
-            </a:xfrm>
-            <a:prstGeom prst="rect">
-              <a:avLst/>
-            </a:prstGeom>
-            <a:noFill/>
-          </p:spPr>
-          <p:txBody>
-            <a:bodyPr wrap="square" rtlCol="0">
-              <a:spAutoFit/>
-            </a:bodyPr>
-            <a:lstStyle/>
-            <a:p>
-              <a:r>
-                <a:rPr lang="en-US" altLang="zh-TW" sz="1200" dirty="0">
-                  <a:latin typeface="Times New Roman" panose="02020603050405020304" pitchFamily="18" charset="0"/>
-                  <a:cs typeface="Times New Roman" panose="02020603050405020304" pitchFamily="18" charset="0"/>
-                </a:rPr>
-                <a:t>8</a:t>
-              </a:r>
-              <a:endParaRPr lang="zh-TW" altLang="en-US" sz="1200" dirty="0">
                 <a:latin typeface="Times New Roman" panose="02020603050405020304" pitchFamily="18" charset="0"/>
                 <a:cs typeface="Times New Roman" panose="02020603050405020304" pitchFamily="18" charset="0"/>
               </a:endParaRPr>
@@ -12261,10 +12077,10 @@
         </p:nvGrpSpPr>
         <p:grpSpPr>
           <a:xfrm>
-            <a:off x="5810606" y="6384995"/>
-            <a:ext cx="4301400" cy="493580"/>
-            <a:chOff x="271714" y="6407804"/>
-            <a:chExt cx="1766430" cy="493580"/>
+            <a:off x="5728791" y="6296846"/>
+            <a:ext cx="3585601" cy="344765"/>
+            <a:chOff x="242635" y="6407804"/>
+            <a:chExt cx="1472477" cy="344765"/>
           </a:xfrm>
         </p:grpSpPr>
         <p:cxnSp>
@@ -12322,7 +12138,7 @@
           </p:nvSpPr>
           <p:spPr>
             <a:xfrm>
-              <a:off x="565667" y="6685940"/>
+              <a:off x="242635" y="6469359"/>
               <a:ext cx="1472477" cy="215444"/>
             </a:xfrm>
             <a:prstGeom prst="rect">
@@ -13256,9 +13072,9 @@
           <p:nvPr/>
         </p:nvCxnSpPr>
         <p:spPr>
-          <a:xfrm rot="5400000">
-            <a:off x="7242049" y="2438794"/>
-            <a:ext cx="263218" cy="0"/>
+          <a:xfrm>
+            <a:off x="7575550" y="2299439"/>
+            <a:ext cx="0" cy="1778602"/>
           </a:xfrm>
           <a:prstGeom prst="straightConnector1">
             <a:avLst/>
@@ -13663,7 +13479,7 @@
         </p:nvSpPr>
         <p:spPr>
           <a:xfrm>
-            <a:off x="7321732" y="2278619"/>
+            <a:off x="7509461" y="2240525"/>
             <a:ext cx="1666700" cy="215444"/>
           </a:xfrm>
           <a:prstGeom prst="rect">
@@ -14166,203 +13982,182 @@
           </p:txBody>
         </p:sp>
       </p:grpSp>
-      <p:grpSp>
-        <p:nvGrpSpPr>
-          <p:cNvPr id="507" name="群組 506">
+      <p:cxnSp>
+        <p:nvCxnSpPr>
+          <p:cNvPr id="508" name="直線單箭頭接點 507">
             <a:extLst>
               <a:ext uri="{FF2B5EF4-FFF2-40B4-BE49-F238E27FC236}">
-                <a16:creationId xmlns:a16="http://schemas.microsoft.com/office/drawing/2014/main" id="{74180564-C48E-40B1-96F2-52616968C72E}"/>
+                <a16:creationId xmlns:a16="http://schemas.microsoft.com/office/drawing/2014/main" id="{7CFEE001-5076-4DF0-8935-2490C38AF687}"/>
               </a:ext>
             </a:extLst>
           </p:cNvPr>
-          <p:cNvGrpSpPr/>
+          <p:cNvCxnSpPr>
+            <a:cxnSpLocks/>
+          </p:cNvCxnSpPr>
           <p:nvPr/>
-        </p:nvGrpSpPr>
-        <p:grpSpPr>
-          <a:xfrm rot="16200000">
-            <a:off x="9950873" y="5507218"/>
-            <a:ext cx="1008882" cy="1259670"/>
-            <a:chOff x="271714" y="6472833"/>
-            <a:chExt cx="1299886" cy="1259670"/>
+        </p:nvCxnSpPr>
+        <p:spPr>
+          <a:xfrm flipH="1" flipV="1">
+            <a:off x="10007309" y="5632613"/>
+            <a:ext cx="14602" cy="797998"/>
           </a:xfrm>
-        </p:grpSpPr>
-        <p:cxnSp>
-          <p:nvCxnSpPr>
-            <p:cNvPr id="508" name="直線單箭頭接點 507">
-              <a:extLst>
-                <a:ext uri="{FF2B5EF4-FFF2-40B4-BE49-F238E27FC236}">
-                  <a16:creationId xmlns:a16="http://schemas.microsoft.com/office/drawing/2014/main" id="{7CFEE001-5076-4DF0-8935-2490C38AF687}"/>
-                </a:ext>
-              </a:extLst>
-            </p:cNvPr>
-            <p:cNvCxnSpPr>
-              <a:cxnSpLocks/>
-            </p:cNvCxnSpPr>
-            <p:nvPr/>
-          </p:nvCxnSpPr>
-          <p:spPr>
-            <a:xfrm rot="5400000" flipH="1" flipV="1">
-              <a:off x="916834" y="6009540"/>
-              <a:ext cx="9645" cy="1299886"/>
-            </a:xfrm>
-            <a:prstGeom prst="straightConnector1">
-              <a:avLst/>
-            </a:prstGeom>
-            <a:ln>
-              <a:tailEnd type="triangle"/>
-            </a:ln>
-          </p:spPr>
-          <p:style>
-            <a:lnRef idx="3">
-              <a:schemeClr val="accent1"/>
-            </a:lnRef>
-            <a:fillRef idx="0">
-              <a:schemeClr val="accent1"/>
-            </a:fillRef>
-            <a:effectRef idx="2">
-              <a:schemeClr val="accent1"/>
-            </a:effectRef>
-            <a:fontRef idx="minor">
-              <a:schemeClr val="tx1"/>
-            </a:fontRef>
-          </p:style>
-        </p:cxnSp>
-        <p:sp>
-          <p:nvSpPr>
-            <p:cNvPr id="509" name="文字方塊 508">
-              <a:extLst>
-                <a:ext uri="{FF2B5EF4-FFF2-40B4-BE49-F238E27FC236}">
-                  <a16:creationId xmlns:a16="http://schemas.microsoft.com/office/drawing/2014/main" id="{AEEFA4C6-BA28-45B4-8E98-4A9516AE01B6}"/>
-                </a:ext>
-              </a:extLst>
-            </p:cNvPr>
-            <p:cNvSpPr txBox="1"/>
-            <p:nvPr/>
-          </p:nvSpPr>
-          <p:spPr>
-            <a:xfrm rot="5400000">
-              <a:off x="621528" y="6942982"/>
-              <a:ext cx="1142835" cy="436207"/>
-            </a:xfrm>
-            <a:prstGeom prst="rect">
-              <a:avLst/>
-            </a:prstGeom>
-            <a:noFill/>
-          </p:spPr>
-          <p:txBody>
-            <a:bodyPr wrap="square" rtlCol="0">
-              <a:spAutoFit/>
-            </a:bodyPr>
-            <a:lstStyle/>
-            <a:p>
-              <a:r>
-                <a:rPr lang="en-US" altLang="zh-TW" sz="800" dirty="0" err="1">
-                  <a:latin typeface="Times New Roman" panose="02020603050405020304" pitchFamily="18" charset="0"/>
-                  <a:cs typeface="Times New Roman" panose="02020603050405020304" pitchFamily="18" charset="0"/>
-                </a:rPr>
-                <a:t>offspringMutate</a:t>
-              </a:r>
-              <a:endParaRPr lang="en-US" altLang="zh-TW" sz="800" dirty="0">
+          <a:prstGeom prst="straightConnector1">
+            <a:avLst/>
+          </a:prstGeom>
+          <a:ln>
+            <a:tailEnd type="triangle"/>
+          </a:ln>
+        </p:spPr>
+        <p:style>
+          <a:lnRef idx="3">
+            <a:schemeClr val="accent1"/>
+          </a:lnRef>
+          <a:fillRef idx="0">
+            <a:schemeClr val="accent1"/>
+          </a:fillRef>
+          <a:effectRef idx="2">
+            <a:schemeClr val="accent1"/>
+          </a:effectRef>
+          <a:fontRef idx="minor">
+            <a:schemeClr val="tx1"/>
+          </a:fontRef>
+        </p:style>
+      </p:cxnSp>
+      <p:sp>
+        <p:nvSpPr>
+          <p:cNvPr id="509" name="文字方塊 508">
+            <a:extLst>
+              <a:ext uri="{FF2B5EF4-FFF2-40B4-BE49-F238E27FC236}">
+                <a16:creationId xmlns:a16="http://schemas.microsoft.com/office/drawing/2014/main" id="{AEEFA4C6-BA28-45B4-8E98-4A9516AE01B6}"/>
+              </a:ext>
+            </a:extLst>
+          </p:cNvPr>
+          <p:cNvSpPr txBox="1"/>
+          <p:nvPr/>
+        </p:nvSpPr>
+        <p:spPr>
+          <a:xfrm>
+            <a:off x="9942314" y="5757221"/>
+            <a:ext cx="1142835" cy="338554"/>
+          </a:xfrm>
+          <a:prstGeom prst="rect">
+            <a:avLst/>
+          </a:prstGeom>
+          <a:noFill/>
+        </p:spPr>
+        <p:txBody>
+          <a:bodyPr wrap="square" rtlCol="0">
+            <a:spAutoFit/>
+          </a:bodyPr>
+          <a:lstStyle/>
+          <a:p>
+            <a:r>
+              <a:rPr lang="en-US" altLang="zh-TW" sz="800" dirty="0" err="1">
                 <a:latin typeface="Times New Roman" panose="02020603050405020304" pitchFamily="18" charset="0"/>
                 <a:cs typeface="Times New Roman" panose="02020603050405020304" pitchFamily="18" charset="0"/>
-              </a:endParaRPr>
-            </a:p>
-            <a:p>
-              <a:r>
-                <a:rPr lang="en-US" altLang="zh-TW" sz="800" dirty="0" err="1">
-                  <a:latin typeface="Times New Roman" panose="02020603050405020304" pitchFamily="18" charset="0"/>
-                  <a:cs typeface="Times New Roman" panose="02020603050405020304" pitchFamily="18" charset="0"/>
-                </a:rPr>
-                <a:t>Rate_MU</a:t>
-              </a:r>
-              <a:endParaRPr lang="zh-TW" altLang="en-US" sz="800" dirty="0">
+              </a:rPr>
+              <a:t>offspringMutate</a:t>
+            </a:r>
+            <a:endParaRPr lang="en-US" altLang="zh-TW" sz="800" dirty="0">
+              <a:latin typeface="Times New Roman" panose="02020603050405020304" pitchFamily="18" charset="0"/>
+              <a:cs typeface="Times New Roman" panose="02020603050405020304" pitchFamily="18" charset="0"/>
+            </a:endParaRPr>
+          </a:p>
+          <a:p>
+            <a:r>
+              <a:rPr lang="en-US" altLang="zh-TW" sz="800" dirty="0" err="1">
                 <a:latin typeface="Times New Roman" panose="02020603050405020304" pitchFamily="18" charset="0"/>
                 <a:cs typeface="Times New Roman" panose="02020603050405020304" pitchFamily="18" charset="0"/>
-              </a:endParaRPr>
-            </a:p>
-          </p:txBody>
-        </p:sp>
-        <p:cxnSp>
-          <p:nvCxnSpPr>
-            <p:cNvPr id="510" name="直線接點 509">
-              <a:extLst>
-                <a:ext uri="{FF2B5EF4-FFF2-40B4-BE49-F238E27FC236}">
-                  <a16:creationId xmlns:a16="http://schemas.microsoft.com/office/drawing/2014/main" id="{7D636209-32C9-45A3-9867-3F53513C037F}"/>
-                </a:ext>
-              </a:extLst>
-            </p:cNvPr>
-            <p:cNvCxnSpPr>
-              <a:cxnSpLocks/>
-            </p:cNvCxnSpPr>
-            <p:nvPr/>
-          </p:nvCxnSpPr>
-          <p:spPr>
-            <a:xfrm>
-              <a:off x="739660" y="6604353"/>
-              <a:ext cx="173322" cy="148216"/>
-            </a:xfrm>
-            <a:prstGeom prst="line">
-              <a:avLst/>
-            </a:prstGeom>
-          </p:spPr>
-          <p:style>
-            <a:lnRef idx="3">
-              <a:schemeClr val="dk1"/>
-            </a:lnRef>
-            <a:fillRef idx="0">
-              <a:schemeClr val="dk1"/>
-            </a:fillRef>
-            <a:effectRef idx="2">
-              <a:schemeClr val="dk1"/>
-            </a:effectRef>
-            <a:fontRef idx="minor">
-              <a:schemeClr val="tx1"/>
-            </a:fontRef>
-          </p:style>
-        </p:cxnSp>
-        <p:sp>
-          <p:nvSpPr>
-            <p:cNvPr id="511" name="文字方塊 510">
-              <a:extLst>
-                <a:ext uri="{FF2B5EF4-FFF2-40B4-BE49-F238E27FC236}">
-                  <a16:creationId xmlns:a16="http://schemas.microsoft.com/office/drawing/2014/main" id="{4C3D69AB-3DF5-4ECD-AC3D-B5BEFD6F09F0}"/>
-                </a:ext>
-              </a:extLst>
-            </p:cNvPr>
-            <p:cNvSpPr txBox="1"/>
-            <p:nvPr/>
-          </p:nvSpPr>
-          <p:spPr>
-            <a:xfrm rot="5400000">
-              <a:off x="694062" y="6513306"/>
-              <a:ext cx="437843" cy="356897"/>
-            </a:xfrm>
-            <a:prstGeom prst="rect">
-              <a:avLst/>
-            </a:prstGeom>
-            <a:noFill/>
-          </p:spPr>
-          <p:txBody>
-            <a:bodyPr wrap="square" rtlCol="0">
-              <a:spAutoFit/>
-            </a:bodyPr>
-            <a:lstStyle/>
-            <a:p>
-              <a:r>
-                <a:rPr lang="en-US" altLang="zh-TW" sz="1200" dirty="0">
-                  <a:latin typeface="Times New Roman" panose="02020603050405020304" pitchFamily="18" charset="0"/>
-                  <a:cs typeface="Times New Roman" panose="02020603050405020304" pitchFamily="18" charset="0"/>
-                </a:rPr>
-                <a:t>8</a:t>
-              </a:r>
-              <a:endParaRPr lang="zh-TW" altLang="en-US" sz="1200" dirty="0">
+              </a:rPr>
+              <a:t>Rate_MU</a:t>
+            </a:r>
+            <a:endParaRPr lang="zh-TW" altLang="en-US" sz="800" dirty="0">
+              <a:latin typeface="Times New Roman" panose="02020603050405020304" pitchFamily="18" charset="0"/>
+              <a:cs typeface="Times New Roman" panose="02020603050405020304" pitchFamily="18" charset="0"/>
+            </a:endParaRPr>
+          </a:p>
+        </p:txBody>
+      </p:sp>
+      <p:cxnSp>
+        <p:nvCxnSpPr>
+          <p:cNvPr id="510" name="直線接點 509">
+            <a:extLst>
+              <a:ext uri="{FF2B5EF4-FFF2-40B4-BE49-F238E27FC236}">
+                <a16:creationId xmlns:a16="http://schemas.microsoft.com/office/drawing/2014/main" id="{7D636209-32C9-45A3-9867-3F53513C037F}"/>
+              </a:ext>
+            </a:extLst>
+          </p:cNvPr>
+          <p:cNvCxnSpPr>
+            <a:cxnSpLocks/>
+          </p:cNvCxnSpPr>
+          <p:nvPr/>
+        </p:nvCxnSpPr>
+        <p:spPr>
+          <a:xfrm flipV="1">
+            <a:off x="9957000" y="6143787"/>
+            <a:ext cx="148216" cy="134520"/>
+          </a:xfrm>
+          <a:prstGeom prst="line">
+            <a:avLst/>
+          </a:prstGeom>
+        </p:spPr>
+        <p:style>
+          <a:lnRef idx="3">
+            <a:schemeClr val="dk1"/>
+          </a:lnRef>
+          <a:fillRef idx="0">
+            <a:schemeClr val="dk1"/>
+          </a:fillRef>
+          <a:effectRef idx="2">
+            <a:schemeClr val="dk1"/>
+          </a:effectRef>
+          <a:fontRef idx="minor">
+            <a:schemeClr val="tx1"/>
+          </a:fontRef>
+        </p:style>
+      </p:cxnSp>
+      <p:sp>
+        <p:nvSpPr>
+          <p:cNvPr id="511" name="文字方塊 510">
+            <a:extLst>
+              <a:ext uri="{FF2B5EF4-FFF2-40B4-BE49-F238E27FC236}">
+                <a16:creationId xmlns:a16="http://schemas.microsoft.com/office/drawing/2014/main" id="{4C3D69AB-3DF5-4ECD-AC3D-B5BEFD6F09F0}"/>
+              </a:ext>
+            </a:extLst>
+          </p:cNvPr>
+          <p:cNvSpPr txBox="1"/>
+          <p:nvPr/>
+        </p:nvSpPr>
+        <p:spPr>
+          <a:xfrm>
+            <a:off x="9825479" y="6005285"/>
+            <a:ext cx="437843" cy="276999"/>
+          </a:xfrm>
+          <a:prstGeom prst="rect">
+            <a:avLst/>
+          </a:prstGeom>
+          <a:noFill/>
+        </p:spPr>
+        <p:txBody>
+          <a:bodyPr wrap="square" rtlCol="0">
+            <a:spAutoFit/>
+          </a:bodyPr>
+          <a:lstStyle/>
+          <a:p>
+            <a:r>
+              <a:rPr lang="en-US" altLang="zh-TW" sz="1200" dirty="0">
                 <a:latin typeface="Times New Roman" panose="02020603050405020304" pitchFamily="18" charset="0"/>
                 <a:cs typeface="Times New Roman" panose="02020603050405020304" pitchFamily="18" charset="0"/>
-              </a:endParaRPr>
-            </a:p>
-          </p:txBody>
-        </p:sp>
-      </p:grpSp>
+              </a:rPr>
+              <a:t>8</a:t>
+            </a:r>
+            <a:endParaRPr lang="zh-TW" altLang="en-US" sz="1200" dirty="0">
+              <a:latin typeface="Times New Roman" panose="02020603050405020304" pitchFamily="18" charset="0"/>
+              <a:cs typeface="Times New Roman" panose="02020603050405020304" pitchFamily="18" charset="0"/>
+            </a:endParaRPr>
+          </a:p>
+        </p:txBody>
+      </p:sp>
       <p:cxnSp>
         <p:nvCxnSpPr>
           <p:cNvPr id="512" name="直線接點 511">
@@ -14379,7 +14174,7 @@
         </p:nvCxnSpPr>
         <p:spPr>
           <a:xfrm flipH="1">
-            <a:off x="9211856" y="6637673"/>
+            <a:off x="9218749" y="6430611"/>
             <a:ext cx="811184" cy="0"/>
           </a:xfrm>
           <a:prstGeom prst="line">
@@ -15013,10 +14808,10 @@
         </p:nvGrpSpPr>
         <p:grpSpPr>
           <a:xfrm>
-            <a:off x="9046254" y="4519371"/>
-            <a:ext cx="828314" cy="614006"/>
-            <a:chOff x="3690433" y="3624513"/>
-            <a:chExt cx="1388005" cy="614006"/>
+            <a:off x="9046254" y="4740737"/>
+            <a:ext cx="828314" cy="392640"/>
+            <a:chOff x="3690433" y="3845879"/>
+            <a:chExt cx="1388005" cy="392640"/>
           </a:xfrm>
         </p:grpSpPr>
         <p:grpSp>
@@ -15033,10 +14828,10 @@
           </p:nvGrpSpPr>
           <p:grpSpPr>
             <a:xfrm>
-              <a:off x="3979482" y="3624513"/>
-              <a:ext cx="889123" cy="417945"/>
-              <a:chOff x="3600931" y="1910289"/>
-              <a:chExt cx="1254587" cy="677653"/>
+              <a:off x="3979482" y="3845879"/>
+              <a:ext cx="719093" cy="196577"/>
+              <a:chOff x="3600931" y="2269213"/>
+              <a:chExt cx="1014668" cy="318729"/>
             </a:xfrm>
           </p:grpSpPr>
           <p:sp>
@@ -15123,48 +14918,6 @@
               </a:fontRef>
             </p:style>
           </p:cxnSp>
-          <p:sp>
-            <p:nvSpPr>
-              <p:cNvPr id="550" name="文字方塊 549">
-                <a:extLst>
-                  <a:ext uri="{FF2B5EF4-FFF2-40B4-BE49-F238E27FC236}">
-                    <a16:creationId xmlns:a16="http://schemas.microsoft.com/office/drawing/2014/main" id="{F0B47479-F30F-4FD2-9B34-FC4CD70A6734}"/>
-                  </a:ext>
-                </a:extLst>
-              </p:cNvPr>
-              <p:cNvSpPr txBox="1"/>
-              <p:nvPr/>
-            </p:nvSpPr>
-            <p:spPr>
-              <a:xfrm>
-                <a:off x="3698239" y="1910289"/>
-                <a:ext cx="1157279" cy="449124"/>
-              </a:xfrm>
-              <a:prstGeom prst="rect">
-                <a:avLst/>
-              </a:prstGeom>
-              <a:noFill/>
-            </p:spPr>
-            <p:txBody>
-              <a:bodyPr wrap="square" rtlCol="0">
-                <a:spAutoFit/>
-              </a:bodyPr>
-              <a:lstStyle/>
-              <a:p>
-                <a:r>
-                  <a:rPr lang="en-US" altLang="zh-TW" sz="1200" dirty="0">
-                    <a:latin typeface="Times New Roman" panose="02020603050405020304" pitchFamily="18" charset="0"/>
-                    <a:cs typeface="Times New Roman" panose="02020603050405020304" pitchFamily="18" charset="0"/>
-                  </a:rPr>
-                  <a:t>11*2</a:t>
-                </a:r>
-                <a:endParaRPr lang="zh-TW" altLang="en-US" sz="1200" dirty="0">
-                  <a:latin typeface="Times New Roman" panose="02020603050405020304" pitchFamily="18" charset="0"/>
-                  <a:cs typeface="Times New Roman" panose="02020603050405020304" pitchFamily="18" charset="0"/>
-                </a:endParaRPr>
-              </a:p>
-            </p:txBody>
-          </p:sp>
         </p:grpSp>
         <p:sp>
           <p:nvSpPr>
@@ -15199,7 +14952,7 @@
                   <a:latin typeface="Times New Roman" panose="02020603050405020304" pitchFamily="18" charset="0"/>
                   <a:cs typeface="Times New Roman" panose="02020603050405020304" pitchFamily="18" charset="0"/>
                 </a:rPr>
-                <a:t>newStateMU</a:t>
+                <a:t>TourInd_MU</a:t>
               </a:r>
               <a:endParaRPr lang="zh-TW" altLang="en-US" sz="800" dirty="0">
                 <a:latin typeface="Times New Roman" panose="02020603050405020304" pitchFamily="18" charset="0"/>
@@ -15209,94 +14962,6 @@
           </p:txBody>
         </p:sp>
       </p:grpSp>
-      <p:sp>
-        <p:nvSpPr>
-          <p:cNvPr id="551" name="箭號: 向右 550">
-            <a:extLst>
-              <a:ext uri="{FF2B5EF4-FFF2-40B4-BE49-F238E27FC236}">
-                <a16:creationId xmlns:a16="http://schemas.microsoft.com/office/drawing/2014/main" id="{56FD5496-EFEC-4186-8D46-C3AF66D8BB18}"/>
-              </a:ext>
-            </a:extLst>
-          </p:cNvPr>
-          <p:cNvSpPr/>
-          <p:nvPr/>
-        </p:nvSpPr>
-        <p:spPr>
-          <a:xfrm rot="16200000">
-            <a:off x="8984089" y="4475672"/>
-            <a:ext cx="647694" cy="178370"/>
-          </a:xfrm>
-          <a:prstGeom prst="rightArrow">
-            <a:avLst/>
-          </a:prstGeom>
-        </p:spPr>
-        <p:style>
-          <a:lnRef idx="2">
-            <a:schemeClr val="accent1">
-              <a:shade val="50000"/>
-            </a:schemeClr>
-          </a:lnRef>
-          <a:fillRef idx="1">
-            <a:schemeClr val="accent1"/>
-          </a:fillRef>
-          <a:effectRef idx="0">
-            <a:schemeClr val="accent1"/>
-          </a:effectRef>
-          <a:fontRef idx="minor">
-            <a:schemeClr val="lt1"/>
-          </a:fontRef>
-        </p:style>
-        <p:txBody>
-          <a:bodyPr rtlCol="0" anchor="ctr"/>
-          <a:lstStyle/>
-          <a:p>
-            <a:pPr algn="ctr"/>
-            <a:endParaRPr lang="zh-TW" altLang="en-US"/>
-          </a:p>
-        </p:txBody>
-      </p:sp>
-      <p:sp>
-        <p:nvSpPr>
-          <p:cNvPr id="552" name="文字方塊 551">
-            <a:extLst>
-              <a:ext uri="{FF2B5EF4-FFF2-40B4-BE49-F238E27FC236}">
-                <a16:creationId xmlns:a16="http://schemas.microsoft.com/office/drawing/2014/main" id="{890F950F-B614-4C85-8847-F41D0B6A380A}"/>
-              </a:ext>
-            </a:extLst>
-          </p:cNvPr>
-          <p:cNvSpPr txBox="1"/>
-          <p:nvPr/>
-        </p:nvSpPr>
-        <p:spPr>
-          <a:xfrm>
-            <a:off x="8964322" y="4061543"/>
-            <a:ext cx="768895" cy="215444"/>
-          </a:xfrm>
-          <a:prstGeom prst="rect">
-            <a:avLst/>
-          </a:prstGeom>
-          <a:noFill/>
-        </p:spPr>
-        <p:txBody>
-          <a:bodyPr wrap="square" rtlCol="0">
-            <a:spAutoFit/>
-          </a:bodyPr>
-          <a:lstStyle/>
-          <a:p>
-            <a:r>
-              <a:rPr lang="en-US" altLang="zh-TW" sz="800" dirty="0" err="1">
-                <a:latin typeface="Times New Roman" panose="02020603050405020304" pitchFamily="18" charset="0"/>
-                <a:cs typeface="Times New Roman" panose="02020603050405020304" pitchFamily="18" charset="0"/>
-              </a:rPr>
-              <a:t>TourStateMU</a:t>
-            </a:r>
-            <a:endParaRPr lang="zh-TW" altLang="en-US" sz="800" dirty="0">
-              <a:latin typeface="Times New Roman" panose="02020603050405020304" pitchFamily="18" charset="0"/>
-              <a:cs typeface="Times New Roman" panose="02020603050405020304" pitchFamily="18" charset="0"/>
-            </a:endParaRPr>
-          </a:p>
-        </p:txBody>
-      </p:sp>
       <p:sp>
         <p:nvSpPr>
           <p:cNvPr id="553" name="箭號: 向右 552">
@@ -15357,7 +15022,7 @@
         </p:nvSpPr>
         <p:spPr>
           <a:xfrm>
-            <a:off x="86616" y="5794759"/>
+            <a:off x="-9094" y="5794456"/>
             <a:ext cx="1162511" cy="215444"/>
           </a:xfrm>
           <a:prstGeom prst="rect">
@@ -15376,7 +15041,7 @@
                 <a:latin typeface="Times New Roman" panose="02020603050405020304" pitchFamily="18" charset="0"/>
                 <a:cs typeface="Times New Roman" panose="02020603050405020304" pitchFamily="18" charset="0"/>
               </a:rPr>
-              <a:t>State_FR</a:t>
+              <a:t>Ind_wb_FR</a:t>
             </a:r>
             <a:endParaRPr lang="zh-TW" altLang="en-US" sz="800" dirty="0">
               <a:latin typeface="Times New Roman" panose="02020603050405020304" pitchFamily="18" charset="0"/>
@@ -15399,10 +15064,10 @@
         </p:nvGrpSpPr>
         <p:grpSpPr>
           <a:xfrm>
-            <a:off x="10136319" y="4484874"/>
-            <a:ext cx="959869" cy="680779"/>
-            <a:chOff x="3680512" y="3609048"/>
-            <a:chExt cx="1644796" cy="680779"/>
+            <a:off x="10103553" y="4481440"/>
+            <a:ext cx="929180" cy="684213"/>
+            <a:chOff x="3624364" y="3605614"/>
+            <a:chExt cx="1592208" cy="684213"/>
           </a:xfrm>
         </p:grpSpPr>
         <p:grpSp>
@@ -15419,10 +15084,10 @@
           </p:nvGrpSpPr>
           <p:grpSpPr>
             <a:xfrm>
-              <a:off x="3871662" y="3609048"/>
-              <a:ext cx="1453646" cy="433410"/>
-              <a:chOff x="3448792" y="1885214"/>
-              <a:chExt cx="2051150" cy="702728"/>
+              <a:off x="3624364" y="3605614"/>
+              <a:ext cx="1555000" cy="436845"/>
+              <a:chOff x="3099845" y="1879645"/>
+              <a:chExt cx="2194164" cy="708297"/>
             </a:xfrm>
           </p:grpSpPr>
           <p:sp>
@@ -15523,8 +15188,8 @@
             </p:nvSpPr>
             <p:spPr>
               <a:xfrm>
-                <a:off x="3448792" y="1885214"/>
-                <a:ext cx="2051150" cy="449124"/>
+                <a:off x="3099845" y="1879645"/>
+                <a:ext cx="2194164" cy="449124"/>
               </a:xfrm>
               <a:prstGeom prst="rect">
                 <a:avLst/>
@@ -15542,7 +15207,7 @@
                     <a:latin typeface="Times New Roman" panose="02020603050405020304" pitchFamily="18" charset="0"/>
                     <a:cs typeface="Times New Roman" panose="02020603050405020304" pitchFamily="18" charset="0"/>
                   </a:rPr>
-                  <a:t>11*2</a:t>
+                  <a:t>11*2+8+10</a:t>
                 </a:r>
                 <a:endParaRPr lang="zh-TW" altLang="en-US" sz="1200" dirty="0">
                   <a:latin typeface="Times New Roman" panose="02020603050405020304" pitchFamily="18" charset="0"/>
@@ -15585,7 +15250,7 @@
                   <a:latin typeface="Times New Roman" panose="02020603050405020304" pitchFamily="18" charset="0"/>
                   <a:cs typeface="Times New Roman" panose="02020603050405020304" pitchFamily="18" charset="0"/>
                 </a:rPr>
-                <a:t>mutateState_MU</a:t>
+                <a:t>mutateInd_MU</a:t>
               </a:r>
               <a:endParaRPr lang="zh-TW" altLang="en-US" sz="800" dirty="0">
                 <a:latin typeface="Times New Roman" panose="02020603050405020304" pitchFamily="18" charset="0"/>
@@ -15609,10 +15274,10 @@
         </p:nvGrpSpPr>
         <p:grpSpPr>
           <a:xfrm>
-            <a:off x="11047023" y="4469693"/>
-            <a:ext cx="2335032" cy="630797"/>
-            <a:chOff x="3929078" y="3608849"/>
-            <a:chExt cx="1635263" cy="630797"/>
+            <a:off x="11047023" y="4478784"/>
+            <a:ext cx="2176578" cy="621706"/>
+            <a:chOff x="3929078" y="3617940"/>
+            <a:chExt cx="1524295" cy="621706"/>
           </a:xfrm>
         </p:grpSpPr>
         <p:grpSp>
@@ -15629,10 +15294,10 @@
           </p:nvGrpSpPr>
           <p:grpSpPr>
             <a:xfrm>
-              <a:off x="3979483" y="3608849"/>
-              <a:ext cx="1584858" cy="433610"/>
-              <a:chOff x="3600931" y="1884890"/>
-              <a:chExt cx="2236295" cy="703052"/>
+              <a:off x="3954396" y="3617940"/>
+              <a:ext cx="1453646" cy="424519"/>
+              <a:chOff x="3565532" y="1899630"/>
+              <a:chExt cx="2051150" cy="688312"/>
             </a:xfrm>
           </p:grpSpPr>
           <p:sp>
@@ -15733,7 +15398,7 @@
             </p:nvSpPr>
             <p:spPr>
               <a:xfrm>
-                <a:off x="3786076" y="1884890"/>
+                <a:off x="3565532" y="1899630"/>
                 <a:ext cx="2051150" cy="449124"/>
               </a:xfrm>
               <a:prstGeom prst="rect">
@@ -15752,7 +15417,7 @@
                     <a:latin typeface="Times New Roman" panose="02020603050405020304" pitchFamily="18" charset="0"/>
                     <a:cs typeface="Times New Roman" panose="02020603050405020304" pitchFamily="18" charset="0"/>
                   </a:rPr>
-                  <a:t>11*2</a:t>
+                  <a:t>11*2+8+10</a:t>
                 </a:r>
                 <a:endParaRPr lang="zh-TW" altLang="en-US" sz="1200" dirty="0">
                   <a:latin typeface="Times New Roman" panose="02020603050405020304" pitchFamily="18" charset="0"/>
@@ -15795,7 +15460,7 @@
                   <a:latin typeface="Times New Roman" panose="02020603050405020304" pitchFamily="18" charset="0"/>
                   <a:cs typeface="Times New Roman" panose="02020603050405020304" pitchFamily="18" charset="0"/>
                 </a:rPr>
-                <a:t>mutateState_EF</a:t>
+                <a:t>mutateInd_EF</a:t>
               </a:r>
               <a:endParaRPr lang="zh-TW" altLang="en-US" sz="800" dirty="0">
                 <a:latin typeface="Times New Roman" panose="02020603050405020304" pitchFamily="18" charset="0"/>
@@ -16100,52 +15765,6 @@
       </p:sp>
       <p:sp>
         <p:nvSpPr>
-          <p:cNvPr id="574" name="流程圖: 接點 573">
-            <a:extLst>
-              <a:ext uri="{FF2B5EF4-FFF2-40B4-BE49-F238E27FC236}">
-                <a16:creationId xmlns:a16="http://schemas.microsoft.com/office/drawing/2014/main" id="{C57C177E-EC60-4F51-A981-BBE058AAB102}"/>
-              </a:ext>
-            </a:extLst>
-          </p:cNvPr>
-          <p:cNvSpPr/>
-          <p:nvPr/>
-        </p:nvSpPr>
-        <p:spPr>
-          <a:xfrm>
-            <a:off x="9237523" y="4755093"/>
-            <a:ext cx="135462" cy="154674"/>
-          </a:xfrm>
-          <a:prstGeom prst="flowChartConnector">
-            <a:avLst/>
-          </a:prstGeom>
-        </p:spPr>
-        <p:style>
-          <a:lnRef idx="2">
-            <a:schemeClr val="dk1">
-              <a:shade val="50000"/>
-            </a:schemeClr>
-          </a:lnRef>
-          <a:fillRef idx="1">
-            <a:schemeClr val="dk1"/>
-          </a:fillRef>
-          <a:effectRef idx="0">
-            <a:schemeClr val="dk1"/>
-          </a:effectRef>
-          <a:fontRef idx="minor">
-            <a:schemeClr val="lt1"/>
-          </a:fontRef>
-        </p:style>
-        <p:txBody>
-          <a:bodyPr rtlCol="0" anchor="ctr"/>
-          <a:lstStyle/>
-          <a:p>
-            <a:pPr algn="ctr"/>
-            <a:endParaRPr lang="zh-TW" altLang="en-US"/>
-          </a:p>
-        </p:txBody>
-      </p:sp>
-      <p:sp>
-        <p:nvSpPr>
           <p:cNvPr id="575" name="文字方塊 574">
             <a:extLst>
               <a:ext uri="{FF2B5EF4-FFF2-40B4-BE49-F238E27FC236}">
@@ -16393,6 +16012,350 @@
           </a:fontRef>
         </p:style>
       </p:cxnSp>
+      <p:cxnSp>
+        <p:nvCxnSpPr>
+          <p:cNvPr id="360" name="直線接點 359">
+            <a:extLst>
+              <a:ext uri="{FF2B5EF4-FFF2-40B4-BE49-F238E27FC236}">
+                <a16:creationId xmlns:a16="http://schemas.microsoft.com/office/drawing/2014/main" id="{E9C5DFE8-118B-4A6C-B2A8-0D982D0D5A43}"/>
+              </a:ext>
+            </a:extLst>
+          </p:cNvPr>
+          <p:cNvCxnSpPr>
+            <a:cxnSpLocks/>
+          </p:cNvCxnSpPr>
+          <p:nvPr/>
+        </p:nvCxnSpPr>
+        <p:spPr>
+          <a:xfrm>
+            <a:off x="2820029" y="4467618"/>
+            <a:ext cx="8119" cy="509721"/>
+          </a:xfrm>
+          <a:prstGeom prst="line">
+            <a:avLst/>
+          </a:prstGeom>
+        </p:spPr>
+        <p:style>
+          <a:lnRef idx="3">
+            <a:schemeClr val="accent1"/>
+          </a:lnRef>
+          <a:fillRef idx="0">
+            <a:schemeClr val="accent1"/>
+          </a:fillRef>
+          <a:effectRef idx="2">
+            <a:schemeClr val="accent1"/>
+          </a:effectRef>
+          <a:fontRef idx="minor">
+            <a:schemeClr val="tx1"/>
+          </a:fontRef>
+        </p:style>
+      </p:cxnSp>
+      <p:cxnSp>
+        <p:nvCxnSpPr>
+          <p:cNvPr id="371" name="直線接點 370">
+            <a:extLst>
+              <a:ext uri="{FF2B5EF4-FFF2-40B4-BE49-F238E27FC236}">
+                <a16:creationId xmlns:a16="http://schemas.microsoft.com/office/drawing/2014/main" id="{D0C31A28-7320-489E-A7BD-A421E20EDBE9}"/>
+              </a:ext>
+            </a:extLst>
+          </p:cNvPr>
+          <p:cNvCxnSpPr>
+            <a:cxnSpLocks/>
+            <a:stCxn id="290" idx="5"/>
+          </p:cNvCxnSpPr>
+          <p:nvPr/>
+        </p:nvCxnSpPr>
+        <p:spPr>
+          <a:xfrm>
+            <a:off x="7374684" y="2305042"/>
+            <a:ext cx="200866" cy="0"/>
+          </a:xfrm>
+          <a:prstGeom prst="line">
+            <a:avLst/>
+          </a:prstGeom>
+        </p:spPr>
+        <p:style>
+          <a:lnRef idx="3">
+            <a:schemeClr val="accent4"/>
+          </a:lnRef>
+          <a:fillRef idx="0">
+            <a:schemeClr val="accent4"/>
+          </a:fillRef>
+          <a:effectRef idx="2">
+            <a:schemeClr val="accent4"/>
+          </a:effectRef>
+          <a:fontRef idx="minor">
+            <a:schemeClr val="tx1"/>
+          </a:fontRef>
+        </p:style>
+      </p:cxnSp>
+      <p:cxnSp>
+        <p:nvCxnSpPr>
+          <p:cNvPr id="385" name="直線單箭頭接點 384">
+            <a:extLst>
+              <a:ext uri="{FF2B5EF4-FFF2-40B4-BE49-F238E27FC236}">
+                <a16:creationId xmlns:a16="http://schemas.microsoft.com/office/drawing/2014/main" id="{14D3E6BD-0A98-4A56-BA8B-8F3E229482FE}"/>
+              </a:ext>
+            </a:extLst>
+          </p:cNvPr>
+          <p:cNvCxnSpPr>
+            <a:cxnSpLocks/>
+          </p:cNvCxnSpPr>
+          <p:nvPr/>
+        </p:nvCxnSpPr>
+        <p:spPr>
+          <a:xfrm flipH="1">
+            <a:off x="7232740" y="2299439"/>
+            <a:ext cx="228776" cy="211476"/>
+          </a:xfrm>
+          <a:prstGeom prst="straightConnector1">
+            <a:avLst/>
+          </a:prstGeom>
+          <a:ln>
+            <a:tailEnd type="triangle"/>
+          </a:ln>
+        </p:spPr>
+        <p:style>
+          <a:lnRef idx="3">
+            <a:schemeClr val="accent4"/>
+          </a:lnRef>
+          <a:fillRef idx="0">
+            <a:schemeClr val="accent4"/>
+          </a:fillRef>
+          <a:effectRef idx="2">
+            <a:schemeClr val="accent4"/>
+          </a:effectRef>
+          <a:fontRef idx="minor">
+            <a:schemeClr val="tx1"/>
+          </a:fontRef>
+        </p:style>
+      </p:cxnSp>
+      <p:grpSp>
+        <p:nvGrpSpPr>
+          <p:cNvPr id="386" name="群組 385">
+            <a:extLst>
+              <a:ext uri="{FF2B5EF4-FFF2-40B4-BE49-F238E27FC236}">
+                <a16:creationId xmlns:a16="http://schemas.microsoft.com/office/drawing/2014/main" id="{4924A611-095B-43A3-88A5-B3F12D7BD239}"/>
+              </a:ext>
+            </a:extLst>
+          </p:cNvPr>
+          <p:cNvGrpSpPr/>
+          <p:nvPr/>
+        </p:nvGrpSpPr>
+        <p:grpSpPr>
+          <a:xfrm>
+            <a:off x="5728790" y="6542004"/>
+            <a:ext cx="3585601" cy="344765"/>
+            <a:chOff x="242635" y="6407804"/>
+            <a:chExt cx="1472477" cy="344765"/>
+          </a:xfrm>
+        </p:grpSpPr>
+        <p:cxnSp>
+          <p:nvCxnSpPr>
+            <p:cNvPr id="387" name="直線單箭頭接點 386">
+              <a:extLst>
+                <a:ext uri="{FF2B5EF4-FFF2-40B4-BE49-F238E27FC236}">
+                  <a16:creationId xmlns:a16="http://schemas.microsoft.com/office/drawing/2014/main" id="{582EBACC-7F6B-4B51-9B6D-490223F847D7}"/>
+                </a:ext>
+              </a:extLst>
+            </p:cNvPr>
+            <p:cNvCxnSpPr>
+              <a:cxnSpLocks/>
+            </p:cNvCxnSpPr>
+            <p:nvPr/>
+          </p:nvCxnSpPr>
+          <p:spPr>
+            <a:xfrm>
+              <a:off x="271714" y="6664305"/>
+              <a:ext cx="1226857" cy="0"/>
+            </a:xfrm>
+            <a:prstGeom prst="straightConnector1">
+              <a:avLst/>
+            </a:prstGeom>
+            <a:ln>
+              <a:tailEnd type="triangle"/>
+            </a:ln>
+          </p:spPr>
+          <p:style>
+            <a:lnRef idx="3">
+              <a:schemeClr val="accent1"/>
+            </a:lnRef>
+            <a:fillRef idx="0">
+              <a:schemeClr val="accent1"/>
+            </a:fillRef>
+            <a:effectRef idx="2">
+              <a:schemeClr val="accent1"/>
+            </a:effectRef>
+            <a:fontRef idx="minor">
+              <a:schemeClr val="tx1"/>
+            </a:fontRef>
+          </p:style>
+        </p:cxnSp>
+        <p:sp>
+          <p:nvSpPr>
+            <p:cNvPr id="388" name="文字方塊 387">
+              <a:extLst>
+                <a:ext uri="{FF2B5EF4-FFF2-40B4-BE49-F238E27FC236}">
+                  <a16:creationId xmlns:a16="http://schemas.microsoft.com/office/drawing/2014/main" id="{CF8932C2-24BF-4731-89AA-8ED3C57B0EA9}"/>
+                </a:ext>
+              </a:extLst>
+            </p:cNvPr>
+            <p:cNvSpPr txBox="1"/>
+            <p:nvPr/>
+          </p:nvSpPr>
+          <p:spPr>
+            <a:xfrm>
+              <a:off x="242635" y="6469359"/>
+              <a:ext cx="1472477" cy="215444"/>
+            </a:xfrm>
+            <a:prstGeom prst="rect">
+              <a:avLst/>
+            </a:prstGeom>
+            <a:noFill/>
+          </p:spPr>
+          <p:txBody>
+            <a:bodyPr wrap="square" rtlCol="0">
+              <a:spAutoFit/>
+            </a:bodyPr>
+            <a:lstStyle/>
+            <a:p>
+              <a:r>
+                <a:rPr lang="en-US" altLang="zh-TW" sz="800" dirty="0" err="1">
+                  <a:latin typeface="Times New Roman" panose="02020603050405020304" pitchFamily="18" charset="0"/>
+                  <a:cs typeface="Times New Roman" panose="02020603050405020304" pitchFamily="18" charset="0"/>
+                </a:rPr>
+                <a:t>popMutateRate_CRX</a:t>
+              </a:r>
+              <a:endParaRPr lang="zh-TW" altLang="en-US" sz="800" dirty="0">
+                <a:latin typeface="Times New Roman" panose="02020603050405020304" pitchFamily="18" charset="0"/>
+                <a:cs typeface="Times New Roman" panose="02020603050405020304" pitchFamily="18" charset="0"/>
+              </a:endParaRPr>
+            </a:p>
+          </p:txBody>
+        </p:sp>
+        <p:cxnSp>
+          <p:nvCxnSpPr>
+            <p:cNvPr id="389" name="直線接點 388">
+              <a:extLst>
+                <a:ext uri="{FF2B5EF4-FFF2-40B4-BE49-F238E27FC236}">
+                  <a16:creationId xmlns:a16="http://schemas.microsoft.com/office/drawing/2014/main" id="{9F8694C9-52E3-4672-83F4-10A0FB3B2582}"/>
+                </a:ext>
+              </a:extLst>
+            </p:cNvPr>
+            <p:cNvCxnSpPr>
+              <a:cxnSpLocks/>
+            </p:cNvCxnSpPr>
+            <p:nvPr/>
+          </p:nvCxnSpPr>
+          <p:spPr>
+            <a:xfrm>
+              <a:off x="739660" y="6604353"/>
+              <a:ext cx="173322" cy="148216"/>
+            </a:xfrm>
+            <a:prstGeom prst="line">
+              <a:avLst/>
+            </a:prstGeom>
+          </p:spPr>
+          <p:style>
+            <a:lnRef idx="3">
+              <a:schemeClr val="dk1"/>
+            </a:lnRef>
+            <a:fillRef idx="0">
+              <a:schemeClr val="dk1"/>
+            </a:fillRef>
+            <a:effectRef idx="2">
+              <a:schemeClr val="dk1"/>
+            </a:effectRef>
+            <a:fontRef idx="minor">
+              <a:schemeClr val="tx1"/>
+            </a:fontRef>
+          </p:style>
+        </p:cxnSp>
+        <p:sp>
+          <p:nvSpPr>
+            <p:cNvPr id="390" name="文字方塊 389">
+              <a:extLst>
+                <a:ext uri="{FF2B5EF4-FFF2-40B4-BE49-F238E27FC236}">
+                  <a16:creationId xmlns:a16="http://schemas.microsoft.com/office/drawing/2014/main" id="{937B8D56-743C-4B55-A9C5-D6DA872AC919}"/>
+                </a:ext>
+              </a:extLst>
+            </p:cNvPr>
+            <p:cNvSpPr txBox="1"/>
+            <p:nvPr/>
+          </p:nvSpPr>
+          <p:spPr>
+            <a:xfrm>
+              <a:off x="767546" y="6407804"/>
+              <a:ext cx="564135" cy="276999"/>
+            </a:xfrm>
+            <a:prstGeom prst="rect">
+              <a:avLst/>
+            </a:prstGeom>
+            <a:noFill/>
+          </p:spPr>
+          <p:txBody>
+            <a:bodyPr wrap="square" rtlCol="0">
+              <a:spAutoFit/>
+            </a:bodyPr>
+            <a:lstStyle/>
+            <a:p>
+              <a:r>
+                <a:rPr lang="en-US" altLang="zh-TW" sz="1200" dirty="0">
+                  <a:latin typeface="Times New Roman" panose="02020603050405020304" pitchFamily="18" charset="0"/>
+                  <a:cs typeface="Times New Roman" panose="02020603050405020304" pitchFamily="18" charset="0"/>
+                </a:rPr>
+                <a:t>8</a:t>
+              </a:r>
+              <a:endParaRPr lang="zh-TW" altLang="en-US" sz="1200" dirty="0">
+                <a:latin typeface="Times New Roman" panose="02020603050405020304" pitchFamily="18" charset="0"/>
+                <a:cs typeface="Times New Roman" panose="02020603050405020304" pitchFamily="18" charset="0"/>
+              </a:endParaRPr>
+            </a:p>
+          </p:txBody>
+        </p:sp>
+      </p:grpSp>
+      <p:sp>
+        <p:nvSpPr>
+          <p:cNvPr id="433" name="文字方塊 432">
+            <a:extLst>
+              <a:ext uri="{FF2B5EF4-FFF2-40B4-BE49-F238E27FC236}">
+                <a16:creationId xmlns:a16="http://schemas.microsoft.com/office/drawing/2014/main" id="{63FA8711-B9D2-46A8-A5C8-26A44676A5BE}"/>
+              </a:ext>
+            </a:extLst>
+          </p:cNvPr>
+          <p:cNvSpPr txBox="1"/>
+          <p:nvPr/>
+        </p:nvSpPr>
+        <p:spPr>
+          <a:xfrm>
+            <a:off x="8989113" y="4509646"/>
+            <a:ext cx="930119" cy="276999"/>
+          </a:xfrm>
+          <a:prstGeom prst="rect">
+            <a:avLst/>
+          </a:prstGeom>
+          <a:noFill/>
+        </p:spPr>
+        <p:txBody>
+          <a:bodyPr wrap="square" rtlCol="0">
+            <a:spAutoFit/>
+          </a:bodyPr>
+          <a:lstStyle/>
+          <a:p>
+            <a:r>
+              <a:rPr lang="en-US" altLang="zh-TW" sz="1200" dirty="0">
+                <a:latin typeface="Times New Roman" panose="02020603050405020304" pitchFamily="18" charset="0"/>
+                <a:cs typeface="Times New Roman" panose="02020603050405020304" pitchFamily="18" charset="0"/>
+              </a:rPr>
+              <a:t>11*2+8+10</a:t>
+            </a:r>
+            <a:endParaRPr lang="zh-TW" altLang="en-US" sz="1200" dirty="0">
+              <a:latin typeface="Times New Roman" panose="02020603050405020304" pitchFamily="18" charset="0"/>
+              <a:cs typeface="Times New Roman" panose="02020603050405020304" pitchFamily="18" charset="0"/>
+            </a:endParaRPr>
+          </a:p>
+        </p:txBody>
+      </p:sp>
     </p:spTree>
     <p:extLst>
       <p:ext uri="{BB962C8B-B14F-4D97-AF65-F5344CB8AC3E}">

--- a/EC_FINAL_PROJECT/EC_FINAL_PROJECT/verilog/POP_RF/CrossOver_Mutate_Truncation.pptx
+++ b/EC_FINAL_PROJECT/EC_FINAL_PROJECT/verilog/POP_RF/CrossOver_Mutate_Truncation.pptx
@@ -254,7 +254,7 @@
           <a:p>
             <a:fld id="{20D1ACE9-C6DD-4E59-A308-5666C47F0088}" type="datetimeFigureOut">
               <a:rPr lang="zh-TW" altLang="en-US" smtClean="0"/>
-              <a:t>2022/12/13</a:t>
+              <a:t>2022/12/14</a:t>
             </a:fld>
             <a:endParaRPr lang="zh-TW" altLang="en-US"/>
           </a:p>
@@ -424,7 +424,7 @@
           <a:p>
             <a:fld id="{20D1ACE9-C6DD-4E59-A308-5666C47F0088}" type="datetimeFigureOut">
               <a:rPr lang="zh-TW" altLang="en-US" smtClean="0"/>
-              <a:t>2022/12/13</a:t>
+              <a:t>2022/12/14</a:t>
             </a:fld>
             <a:endParaRPr lang="zh-TW" altLang="en-US"/>
           </a:p>
@@ -604,7 +604,7 @@
           <a:p>
             <a:fld id="{20D1ACE9-C6DD-4E59-A308-5666C47F0088}" type="datetimeFigureOut">
               <a:rPr lang="zh-TW" altLang="en-US" smtClean="0"/>
-              <a:t>2022/12/13</a:t>
+              <a:t>2022/12/14</a:t>
             </a:fld>
             <a:endParaRPr lang="zh-TW" altLang="en-US"/>
           </a:p>
@@ -774,7 +774,7 @@
           <a:p>
             <a:fld id="{20D1ACE9-C6DD-4E59-A308-5666C47F0088}" type="datetimeFigureOut">
               <a:rPr lang="zh-TW" altLang="en-US" smtClean="0"/>
-              <a:t>2022/12/13</a:t>
+              <a:t>2022/12/14</a:t>
             </a:fld>
             <a:endParaRPr lang="zh-TW" altLang="en-US"/>
           </a:p>
@@ -1025,7 +1025,7 @@
           <a:p>
             <a:fld id="{20D1ACE9-C6DD-4E59-A308-5666C47F0088}" type="datetimeFigureOut">
               <a:rPr lang="zh-TW" altLang="en-US" smtClean="0"/>
-              <a:t>2022/12/13</a:t>
+              <a:t>2022/12/14</a:t>
             </a:fld>
             <a:endParaRPr lang="zh-TW" altLang="en-US"/>
           </a:p>
@@ -1257,7 +1257,7 @@
           <a:p>
             <a:fld id="{20D1ACE9-C6DD-4E59-A308-5666C47F0088}" type="datetimeFigureOut">
               <a:rPr lang="zh-TW" altLang="en-US" smtClean="0"/>
-              <a:t>2022/12/13</a:t>
+              <a:t>2022/12/14</a:t>
             </a:fld>
             <a:endParaRPr lang="zh-TW" altLang="en-US"/>
           </a:p>
@@ -1604,7 +1604,7 @@
           <a:p>
             <a:fld id="{20D1ACE9-C6DD-4E59-A308-5666C47F0088}" type="datetimeFigureOut">
               <a:rPr lang="zh-TW" altLang="en-US" smtClean="0"/>
-              <a:t>2022/12/13</a:t>
+              <a:t>2022/12/14</a:t>
             </a:fld>
             <a:endParaRPr lang="zh-TW" altLang="en-US"/>
           </a:p>
@@ -1722,7 +1722,7 @@
           <a:p>
             <a:fld id="{20D1ACE9-C6DD-4E59-A308-5666C47F0088}" type="datetimeFigureOut">
               <a:rPr lang="zh-TW" altLang="en-US" smtClean="0"/>
-              <a:t>2022/12/13</a:t>
+              <a:t>2022/12/14</a:t>
             </a:fld>
             <a:endParaRPr lang="zh-TW" altLang="en-US"/>
           </a:p>
@@ -1840,7 +1840,7 @@
           <a:p>
             <a:fld id="{20D1ACE9-C6DD-4E59-A308-5666C47F0088}" type="datetimeFigureOut">
               <a:rPr lang="zh-TW" altLang="en-US" smtClean="0"/>
-              <a:t>2022/12/13</a:t>
+              <a:t>2022/12/14</a:t>
             </a:fld>
             <a:endParaRPr lang="zh-TW" altLang="en-US"/>
           </a:p>
@@ -2124,7 +2124,7 @@
           <a:p>
             <a:fld id="{20D1ACE9-C6DD-4E59-A308-5666C47F0088}" type="datetimeFigureOut">
               <a:rPr lang="zh-TW" altLang="en-US" smtClean="0"/>
-              <a:t>2022/12/13</a:t>
+              <a:t>2022/12/14</a:t>
             </a:fld>
             <a:endParaRPr lang="zh-TW" altLang="en-US"/>
           </a:p>
@@ -2388,7 +2388,7 @@
           <a:p>
             <a:fld id="{20D1ACE9-C6DD-4E59-A308-5666C47F0088}" type="datetimeFigureOut">
               <a:rPr lang="zh-TW" altLang="en-US" smtClean="0"/>
-              <a:t>2022/12/13</a:t>
+              <a:t>2022/12/14</a:t>
             </a:fld>
             <a:endParaRPr lang="zh-TW" altLang="en-US"/>
           </a:p>
@@ -2602,7 +2602,7 @@
           <a:p>
             <a:fld id="{20D1ACE9-C6DD-4E59-A308-5666C47F0088}" type="datetimeFigureOut">
               <a:rPr lang="zh-TW" altLang="en-US" smtClean="0"/>
-              <a:t>2022/12/13</a:t>
+              <a:t>2022/12/14</a:t>
             </a:fld>
             <a:endParaRPr lang="zh-TW" altLang="en-US"/>
           </a:p>
@@ -2996,6 +2996,240 @@
           <a:chExt cx="0" cy="0"/>
         </a:xfrm>
       </p:grpSpPr>
+      <p:sp>
+        <p:nvSpPr>
+          <p:cNvPr id="591" name="矩形 35">
+            <a:extLst>
+              <a:ext uri="{FF2B5EF4-FFF2-40B4-BE49-F238E27FC236}">
+                <a16:creationId xmlns:a16="http://schemas.microsoft.com/office/drawing/2014/main" id="{0B64FFB4-C5C8-4B9F-B780-1A10B39D932A}"/>
+              </a:ext>
+            </a:extLst>
+          </p:cNvPr>
+          <p:cNvSpPr/>
+          <p:nvPr/>
+        </p:nvSpPr>
+        <p:spPr>
+          <a:xfrm>
+            <a:off x="7112991" y="2870894"/>
+            <a:ext cx="273897" cy="845995"/>
+          </a:xfrm>
+          <a:custGeom>
+            <a:avLst/>
+            <a:gdLst>
+              <a:gd name="connsiteX0" fmla="*/ 0 w 460375"/>
+              <a:gd name="connsiteY0" fmla="*/ 0 h 673100"/>
+              <a:gd name="connsiteX1" fmla="*/ 460375 w 460375"/>
+              <a:gd name="connsiteY1" fmla="*/ 0 h 673100"/>
+              <a:gd name="connsiteX2" fmla="*/ 460375 w 460375"/>
+              <a:gd name="connsiteY2" fmla="*/ 673100 h 673100"/>
+              <a:gd name="connsiteX3" fmla="*/ 0 w 460375"/>
+              <a:gd name="connsiteY3" fmla="*/ 673100 h 673100"/>
+              <a:gd name="connsiteX4" fmla="*/ 0 w 460375"/>
+              <a:gd name="connsiteY4" fmla="*/ 0 h 673100"/>
+              <a:gd name="connsiteX0" fmla="*/ 0 w 463550"/>
+              <a:gd name="connsiteY0" fmla="*/ 0 h 673100"/>
+              <a:gd name="connsiteX1" fmla="*/ 463550 w 463550"/>
+              <a:gd name="connsiteY1" fmla="*/ 130175 h 673100"/>
+              <a:gd name="connsiteX2" fmla="*/ 460375 w 463550"/>
+              <a:gd name="connsiteY2" fmla="*/ 673100 h 673100"/>
+              <a:gd name="connsiteX3" fmla="*/ 0 w 463550"/>
+              <a:gd name="connsiteY3" fmla="*/ 673100 h 673100"/>
+              <a:gd name="connsiteX4" fmla="*/ 0 w 463550"/>
+              <a:gd name="connsiteY4" fmla="*/ 0 h 673100"/>
+              <a:gd name="connsiteX0" fmla="*/ 0 w 463855"/>
+              <a:gd name="connsiteY0" fmla="*/ 0 h 673100"/>
+              <a:gd name="connsiteX1" fmla="*/ 463550 w 463855"/>
+              <a:gd name="connsiteY1" fmla="*/ 130175 h 673100"/>
+              <a:gd name="connsiteX2" fmla="*/ 463550 w 463855"/>
+              <a:gd name="connsiteY2" fmla="*/ 555625 h 673100"/>
+              <a:gd name="connsiteX3" fmla="*/ 0 w 463855"/>
+              <a:gd name="connsiteY3" fmla="*/ 673100 h 673100"/>
+              <a:gd name="connsiteX4" fmla="*/ 0 w 463855"/>
+              <a:gd name="connsiteY4" fmla="*/ 0 h 673100"/>
+            </a:gdLst>
+            <a:ahLst/>
+            <a:cxnLst>
+              <a:cxn ang="0">
+                <a:pos x="connsiteX0" y="connsiteY0"/>
+              </a:cxn>
+              <a:cxn ang="0">
+                <a:pos x="connsiteX1" y="connsiteY1"/>
+              </a:cxn>
+              <a:cxn ang="0">
+                <a:pos x="connsiteX2" y="connsiteY2"/>
+              </a:cxn>
+              <a:cxn ang="0">
+                <a:pos x="connsiteX3" y="connsiteY3"/>
+              </a:cxn>
+              <a:cxn ang="0">
+                <a:pos x="connsiteX4" y="connsiteY4"/>
+              </a:cxn>
+            </a:cxnLst>
+            <a:rect l="l" t="t" r="r" b="b"/>
+            <a:pathLst>
+              <a:path w="463855" h="673100">
+                <a:moveTo>
+                  <a:pt x="0" y="0"/>
+                </a:moveTo>
+                <a:lnTo>
+                  <a:pt x="463550" y="130175"/>
+                </a:lnTo>
+                <a:cubicBezTo>
+                  <a:pt x="462492" y="311150"/>
+                  <a:pt x="464608" y="374650"/>
+                  <a:pt x="463550" y="555625"/>
+                </a:cubicBezTo>
+                <a:lnTo>
+                  <a:pt x="0" y="673100"/>
+                </a:lnTo>
+                <a:lnTo>
+                  <a:pt x="0" y="0"/>
+                </a:lnTo>
+                <a:close/>
+              </a:path>
+            </a:pathLst>
+          </a:custGeom>
+        </p:spPr>
+        <p:style>
+          <a:lnRef idx="0">
+            <a:schemeClr val="accent4"/>
+          </a:lnRef>
+          <a:fillRef idx="3">
+            <a:schemeClr val="accent4"/>
+          </a:fillRef>
+          <a:effectRef idx="3">
+            <a:schemeClr val="accent4"/>
+          </a:effectRef>
+          <a:fontRef idx="minor">
+            <a:schemeClr val="lt1"/>
+          </a:fontRef>
+        </p:style>
+        <p:txBody>
+          <a:bodyPr rtlCol="0" anchor="ctr"/>
+          <a:lstStyle/>
+          <a:p>
+            <a:pPr algn="ctr"/>
+            <a:endParaRPr lang="zh-TW" altLang="en-US" dirty="0"/>
+          </a:p>
+        </p:txBody>
+      </p:sp>
+      <p:sp>
+        <p:nvSpPr>
+          <p:cNvPr id="552" name="矩形 35">
+            <a:extLst>
+              <a:ext uri="{FF2B5EF4-FFF2-40B4-BE49-F238E27FC236}">
+                <a16:creationId xmlns:a16="http://schemas.microsoft.com/office/drawing/2014/main" id="{8838E593-F525-4B11-8ED8-63FE1E6555EF}"/>
+              </a:ext>
+            </a:extLst>
+          </p:cNvPr>
+          <p:cNvSpPr/>
+          <p:nvPr/>
+        </p:nvSpPr>
+        <p:spPr>
+          <a:xfrm>
+            <a:off x="6289418" y="3777465"/>
+            <a:ext cx="273897" cy="845995"/>
+          </a:xfrm>
+          <a:custGeom>
+            <a:avLst/>
+            <a:gdLst>
+              <a:gd name="connsiteX0" fmla="*/ 0 w 460375"/>
+              <a:gd name="connsiteY0" fmla="*/ 0 h 673100"/>
+              <a:gd name="connsiteX1" fmla="*/ 460375 w 460375"/>
+              <a:gd name="connsiteY1" fmla="*/ 0 h 673100"/>
+              <a:gd name="connsiteX2" fmla="*/ 460375 w 460375"/>
+              <a:gd name="connsiteY2" fmla="*/ 673100 h 673100"/>
+              <a:gd name="connsiteX3" fmla="*/ 0 w 460375"/>
+              <a:gd name="connsiteY3" fmla="*/ 673100 h 673100"/>
+              <a:gd name="connsiteX4" fmla="*/ 0 w 460375"/>
+              <a:gd name="connsiteY4" fmla="*/ 0 h 673100"/>
+              <a:gd name="connsiteX0" fmla="*/ 0 w 463550"/>
+              <a:gd name="connsiteY0" fmla="*/ 0 h 673100"/>
+              <a:gd name="connsiteX1" fmla="*/ 463550 w 463550"/>
+              <a:gd name="connsiteY1" fmla="*/ 130175 h 673100"/>
+              <a:gd name="connsiteX2" fmla="*/ 460375 w 463550"/>
+              <a:gd name="connsiteY2" fmla="*/ 673100 h 673100"/>
+              <a:gd name="connsiteX3" fmla="*/ 0 w 463550"/>
+              <a:gd name="connsiteY3" fmla="*/ 673100 h 673100"/>
+              <a:gd name="connsiteX4" fmla="*/ 0 w 463550"/>
+              <a:gd name="connsiteY4" fmla="*/ 0 h 673100"/>
+              <a:gd name="connsiteX0" fmla="*/ 0 w 463855"/>
+              <a:gd name="connsiteY0" fmla="*/ 0 h 673100"/>
+              <a:gd name="connsiteX1" fmla="*/ 463550 w 463855"/>
+              <a:gd name="connsiteY1" fmla="*/ 130175 h 673100"/>
+              <a:gd name="connsiteX2" fmla="*/ 463550 w 463855"/>
+              <a:gd name="connsiteY2" fmla="*/ 555625 h 673100"/>
+              <a:gd name="connsiteX3" fmla="*/ 0 w 463855"/>
+              <a:gd name="connsiteY3" fmla="*/ 673100 h 673100"/>
+              <a:gd name="connsiteX4" fmla="*/ 0 w 463855"/>
+              <a:gd name="connsiteY4" fmla="*/ 0 h 673100"/>
+            </a:gdLst>
+            <a:ahLst/>
+            <a:cxnLst>
+              <a:cxn ang="0">
+                <a:pos x="connsiteX0" y="connsiteY0"/>
+              </a:cxn>
+              <a:cxn ang="0">
+                <a:pos x="connsiteX1" y="connsiteY1"/>
+              </a:cxn>
+              <a:cxn ang="0">
+                <a:pos x="connsiteX2" y="connsiteY2"/>
+              </a:cxn>
+              <a:cxn ang="0">
+                <a:pos x="connsiteX3" y="connsiteY3"/>
+              </a:cxn>
+              <a:cxn ang="0">
+                <a:pos x="connsiteX4" y="connsiteY4"/>
+              </a:cxn>
+            </a:cxnLst>
+            <a:rect l="l" t="t" r="r" b="b"/>
+            <a:pathLst>
+              <a:path w="463855" h="673100">
+                <a:moveTo>
+                  <a:pt x="0" y="0"/>
+                </a:moveTo>
+                <a:lnTo>
+                  <a:pt x="463550" y="130175"/>
+                </a:lnTo>
+                <a:cubicBezTo>
+                  <a:pt x="462492" y="311150"/>
+                  <a:pt x="464608" y="374650"/>
+                  <a:pt x="463550" y="555625"/>
+                </a:cubicBezTo>
+                <a:lnTo>
+                  <a:pt x="0" y="673100"/>
+                </a:lnTo>
+                <a:lnTo>
+                  <a:pt x="0" y="0"/>
+                </a:lnTo>
+                <a:close/>
+              </a:path>
+            </a:pathLst>
+          </a:custGeom>
+        </p:spPr>
+        <p:style>
+          <a:lnRef idx="0">
+            <a:schemeClr val="accent4"/>
+          </a:lnRef>
+          <a:fillRef idx="3">
+            <a:schemeClr val="accent4"/>
+          </a:fillRef>
+          <a:effectRef idx="3">
+            <a:schemeClr val="accent4"/>
+          </a:effectRef>
+          <a:fontRef idx="minor">
+            <a:schemeClr val="lt1"/>
+          </a:fontRef>
+        </p:style>
+        <p:txBody>
+          <a:bodyPr rtlCol="0" anchor="ctr"/>
+          <a:lstStyle/>
+          <a:p>
+            <a:pPr algn="ctr"/>
+            <a:endParaRPr lang="zh-TW" altLang="en-US" dirty="0"/>
+          </a:p>
+        </p:txBody>
+      </p:sp>
       <p:grpSp>
         <p:nvGrpSpPr>
           <p:cNvPr id="346" name="群組 345">
@@ -3445,47 +3679,6 @@
           </a:p>
         </p:txBody>
       </p:sp>
-      <p:cxnSp>
-        <p:nvCxnSpPr>
-          <p:cNvPr id="128" name="直線單箭頭接點 127">
-            <a:extLst>
-              <a:ext uri="{FF2B5EF4-FFF2-40B4-BE49-F238E27FC236}">
-                <a16:creationId xmlns:a16="http://schemas.microsoft.com/office/drawing/2014/main" id="{6FDD5114-0EE7-4115-BEE7-7041A4A1DA78}"/>
-              </a:ext>
-            </a:extLst>
-          </p:cNvPr>
-          <p:cNvCxnSpPr>
-            <a:cxnSpLocks/>
-          </p:cNvCxnSpPr>
-          <p:nvPr/>
-        </p:nvCxnSpPr>
-        <p:spPr>
-          <a:xfrm>
-            <a:off x="12962926" y="6992053"/>
-            <a:ext cx="478006" cy="0"/>
-          </a:xfrm>
-          <a:prstGeom prst="straightConnector1">
-            <a:avLst/>
-          </a:prstGeom>
-          <a:ln>
-            <a:tailEnd type="triangle"/>
-          </a:ln>
-        </p:spPr>
-        <p:style>
-          <a:lnRef idx="3">
-            <a:schemeClr val="accent1"/>
-          </a:lnRef>
-          <a:fillRef idx="0">
-            <a:schemeClr val="accent1"/>
-          </a:fillRef>
-          <a:effectRef idx="2">
-            <a:schemeClr val="accent1"/>
-          </a:effectRef>
-          <a:fontRef idx="minor">
-            <a:schemeClr val="tx1"/>
-          </a:fontRef>
-        </p:style>
-      </p:cxnSp>
       <p:grpSp>
         <p:nvGrpSpPr>
           <p:cNvPr id="208" name="群組 207">
@@ -3726,10 +3919,10 @@
         </p:nvGrpSpPr>
         <p:grpSpPr>
           <a:xfrm>
-            <a:off x="2602453" y="2324379"/>
-            <a:ext cx="2574636" cy="2221727"/>
-            <a:chOff x="2111844" y="789218"/>
-            <a:chExt cx="2574636" cy="2489940"/>
+            <a:off x="3116899" y="2324379"/>
+            <a:ext cx="2060190" cy="2221727"/>
+            <a:chOff x="2626290" y="789218"/>
+            <a:chExt cx="2060190" cy="2489940"/>
           </a:xfrm>
         </p:grpSpPr>
         <p:grpSp>
@@ -3914,89 +4107,6 @@
             </p:cxnSp>
           </p:grpSp>
         </p:grpSp>
-        <p:cxnSp>
-          <p:nvCxnSpPr>
-            <p:cNvPr id="365" name="直線單箭頭接點 364">
-              <a:extLst>
-                <a:ext uri="{FF2B5EF4-FFF2-40B4-BE49-F238E27FC236}">
-                  <a16:creationId xmlns:a16="http://schemas.microsoft.com/office/drawing/2014/main" id="{D44378B5-B14A-4016-B4F7-4697D12B0C18}"/>
-                </a:ext>
-              </a:extLst>
-            </p:cNvPr>
-            <p:cNvCxnSpPr>
-              <a:cxnSpLocks/>
-            </p:cNvCxnSpPr>
-            <p:nvPr/>
-          </p:nvCxnSpPr>
-          <p:spPr>
-            <a:xfrm>
-              <a:off x="2841182" y="951779"/>
-              <a:ext cx="0" cy="599246"/>
-            </a:xfrm>
-            <a:prstGeom prst="straightConnector1">
-              <a:avLst/>
-            </a:prstGeom>
-            <a:ln>
-              <a:tailEnd type="triangle"/>
-            </a:ln>
-          </p:spPr>
-          <p:style>
-            <a:lnRef idx="3">
-              <a:schemeClr val="accent2"/>
-            </a:lnRef>
-            <a:fillRef idx="0">
-              <a:schemeClr val="accent2"/>
-            </a:fillRef>
-            <a:effectRef idx="2">
-              <a:schemeClr val="accent2"/>
-            </a:effectRef>
-            <a:fontRef idx="minor">
-              <a:schemeClr val="tx1"/>
-            </a:fontRef>
-          </p:style>
-        </p:cxnSp>
-        <p:sp>
-          <p:nvSpPr>
-            <p:cNvPr id="369" name="文字方塊 368">
-              <a:extLst>
-                <a:ext uri="{FF2B5EF4-FFF2-40B4-BE49-F238E27FC236}">
-                  <a16:creationId xmlns:a16="http://schemas.microsoft.com/office/drawing/2014/main" id="{C0EC16B4-0CE5-4A0A-BCFE-2219E9033D7F}"/>
-                </a:ext>
-              </a:extLst>
-            </p:cNvPr>
-            <p:cNvSpPr txBox="1"/>
-            <p:nvPr/>
-          </p:nvSpPr>
-          <p:spPr>
-            <a:xfrm>
-              <a:off x="2111844" y="934339"/>
-              <a:ext cx="1248210" cy="310439"/>
-            </a:xfrm>
-            <a:prstGeom prst="rect">
-              <a:avLst/>
-            </a:prstGeom>
-            <a:noFill/>
-          </p:spPr>
-          <p:txBody>
-            <a:bodyPr wrap="square" rtlCol="0">
-              <a:spAutoFit/>
-            </a:bodyPr>
-            <a:lstStyle/>
-            <a:p>
-              <a:r>
-                <a:rPr lang="en-US" altLang="zh-TW" sz="1200" dirty="0" err="1">
-                  <a:latin typeface="Times New Roman" panose="02020603050405020304" pitchFamily="18" charset="0"/>
-                  <a:cs typeface="Times New Roman" panose="02020603050405020304" pitchFamily="18" charset="0"/>
-                </a:rPr>
-                <a:t>Set_pop_i</a:t>
-              </a:r>
-              <a:endParaRPr lang="zh-TW" altLang="en-US" sz="1200" dirty="0">
-                <a:latin typeface="Times New Roman" panose="02020603050405020304" pitchFamily="18" charset="0"/>
-                <a:cs typeface="Times New Roman" panose="02020603050405020304" pitchFamily="18" charset="0"/>
-              </a:endParaRPr>
-            </a:p>
-          </p:txBody>
-        </p:sp>
         <p:grpSp>
           <p:nvGrpSpPr>
             <p:cNvPr id="3" name="群組 2">
@@ -4143,48 +4253,6 @@
               </a:p>
             </p:txBody>
           </p:sp>
-          <p:sp>
-            <p:nvSpPr>
-              <p:cNvPr id="240" name="文字方塊 239">
-                <a:extLst>
-                  <a:ext uri="{FF2B5EF4-FFF2-40B4-BE49-F238E27FC236}">
-                    <a16:creationId xmlns:a16="http://schemas.microsoft.com/office/drawing/2014/main" id="{63ABE3D0-799D-425A-91DA-AEC48BD78CC4}"/>
-                  </a:ext>
-                </a:extLst>
-              </p:cNvPr>
-              <p:cNvSpPr txBox="1"/>
-              <p:nvPr/>
-            </p:nvSpPr>
-            <p:spPr>
-              <a:xfrm>
-                <a:off x="3069650" y="1141570"/>
-                <a:ext cx="538337" cy="276999"/>
-              </a:xfrm>
-              <a:prstGeom prst="rect">
-                <a:avLst/>
-              </a:prstGeom>
-              <a:noFill/>
-            </p:spPr>
-            <p:txBody>
-              <a:bodyPr wrap="square" rtlCol="0">
-                <a:spAutoFit/>
-              </a:bodyPr>
-              <a:lstStyle/>
-              <a:p>
-                <a:r>
-                  <a:rPr lang="en-US" altLang="zh-TW" sz="1200" dirty="0">
-                    <a:latin typeface="Times New Roman" panose="02020603050405020304" pitchFamily="18" charset="0"/>
-                    <a:cs typeface="Times New Roman" panose="02020603050405020304" pitchFamily="18" charset="0"/>
-                  </a:rPr>
-                  <a:t>11*2</a:t>
-                </a:r>
-                <a:endParaRPr lang="zh-TW" altLang="en-US" sz="1200" dirty="0">
-                  <a:latin typeface="Times New Roman" panose="02020603050405020304" pitchFamily="18" charset="0"/>
-                  <a:cs typeface="Times New Roman" panose="02020603050405020304" pitchFamily="18" charset="0"/>
-                </a:endParaRPr>
-              </a:p>
-            </p:txBody>
-          </p:sp>
         </p:grpSp>
       </p:grpSp>
       <p:grpSp>
@@ -4201,10 +4269,10 @@
         </p:nvGrpSpPr>
         <p:grpSpPr>
           <a:xfrm>
-            <a:off x="2566977" y="4693728"/>
-            <a:ext cx="3176806" cy="2149863"/>
-            <a:chOff x="2074251" y="4649894"/>
-            <a:chExt cx="3176806" cy="2041738"/>
+            <a:off x="3126684" y="4693728"/>
+            <a:ext cx="2617099" cy="2149863"/>
+            <a:chOff x="2633958" y="4649894"/>
+            <a:chExt cx="2617099" cy="2041738"/>
           </a:xfrm>
         </p:grpSpPr>
         <p:grpSp>
@@ -4399,89 +4467,6 @@
             </p:cxnSp>
           </p:grpSp>
         </p:grpSp>
-        <p:cxnSp>
-          <p:nvCxnSpPr>
-            <p:cNvPr id="370" name="直線單箭頭接點 369">
-              <a:extLst>
-                <a:ext uri="{FF2B5EF4-FFF2-40B4-BE49-F238E27FC236}">
-                  <a16:creationId xmlns:a16="http://schemas.microsoft.com/office/drawing/2014/main" id="{164109C8-6A54-4AB4-803C-28FF946BDF1C}"/>
-                </a:ext>
-              </a:extLst>
-            </p:cNvPr>
-            <p:cNvCxnSpPr>
-              <a:cxnSpLocks/>
-            </p:cNvCxnSpPr>
-            <p:nvPr/>
-          </p:nvCxnSpPr>
-          <p:spPr>
-            <a:xfrm flipV="1">
-              <a:off x="2830353" y="6206875"/>
-              <a:ext cx="0" cy="443049"/>
-            </a:xfrm>
-            <a:prstGeom prst="straightConnector1">
-              <a:avLst/>
-            </a:prstGeom>
-            <a:ln>
-              <a:tailEnd type="triangle"/>
-            </a:ln>
-          </p:spPr>
-          <p:style>
-            <a:lnRef idx="3">
-              <a:schemeClr val="accent2"/>
-            </a:lnRef>
-            <a:fillRef idx="0">
-              <a:schemeClr val="accent2"/>
-            </a:fillRef>
-            <a:effectRef idx="2">
-              <a:schemeClr val="accent2"/>
-            </a:effectRef>
-            <a:fontRef idx="minor">
-              <a:schemeClr val="tx1"/>
-            </a:fontRef>
-          </p:style>
-        </p:cxnSp>
-        <p:sp>
-          <p:nvSpPr>
-            <p:cNvPr id="373" name="文字方塊 372">
-              <a:extLst>
-                <a:ext uri="{FF2B5EF4-FFF2-40B4-BE49-F238E27FC236}">
-                  <a16:creationId xmlns:a16="http://schemas.microsoft.com/office/drawing/2014/main" id="{1634D2F4-DD25-4906-BD08-F7F0B278E3D8}"/>
-                </a:ext>
-              </a:extLst>
-            </p:cNvPr>
-            <p:cNvSpPr txBox="1"/>
-            <p:nvPr/>
-          </p:nvSpPr>
-          <p:spPr>
-            <a:xfrm>
-              <a:off x="2074251" y="6349245"/>
-              <a:ext cx="860503" cy="276999"/>
-            </a:xfrm>
-            <a:prstGeom prst="rect">
-              <a:avLst/>
-            </a:prstGeom>
-            <a:noFill/>
-          </p:spPr>
-          <p:txBody>
-            <a:bodyPr wrap="square" rtlCol="0">
-              <a:spAutoFit/>
-            </a:bodyPr>
-            <a:lstStyle/>
-            <a:p>
-              <a:r>
-                <a:rPr lang="en-US" altLang="zh-TW" sz="1200" dirty="0" err="1">
-                  <a:latin typeface="Times New Roman" panose="02020603050405020304" pitchFamily="18" charset="0"/>
-                  <a:cs typeface="Times New Roman" panose="02020603050405020304" pitchFamily="18" charset="0"/>
-                </a:rPr>
-                <a:t>Set_pop_i</a:t>
-              </a:r>
-              <a:endParaRPr lang="zh-TW" altLang="en-US" sz="1200" dirty="0">
-                <a:latin typeface="Times New Roman" panose="02020603050405020304" pitchFamily="18" charset="0"/>
-                <a:cs typeface="Times New Roman" panose="02020603050405020304" pitchFamily="18" charset="0"/>
-              </a:endParaRPr>
-            </a:p>
-          </p:txBody>
-        </p:sp>
         <p:grpSp>
           <p:nvGrpSpPr>
             <p:cNvPr id="242" name="群組 241">
@@ -4496,10 +4481,10 @@
           </p:nvGrpSpPr>
           <p:grpSpPr>
             <a:xfrm rot="10800000">
-              <a:off x="3214816" y="6209956"/>
-              <a:ext cx="2036241" cy="481676"/>
+              <a:off x="3427141" y="6209956"/>
+              <a:ext cx="1823916" cy="481676"/>
               <a:chOff x="1245176" y="926470"/>
-              <a:chExt cx="2036241" cy="643305"/>
+              <a:chExt cx="1823916" cy="643305"/>
             </a:xfrm>
           </p:grpSpPr>
           <p:sp>
@@ -4620,48 +4605,6 @@
                     <a:cs typeface="Times New Roman" panose="02020603050405020304" pitchFamily="18" charset="0"/>
                   </a:rPr>
                   <a:t>individual_i</a:t>
-                </a:r>
-                <a:endParaRPr lang="zh-TW" altLang="en-US" sz="1200" dirty="0">
-                  <a:latin typeface="Times New Roman" panose="02020603050405020304" pitchFamily="18" charset="0"/>
-                  <a:cs typeface="Times New Roman" panose="02020603050405020304" pitchFamily="18" charset="0"/>
-                </a:endParaRPr>
-              </a:p>
-            </p:txBody>
-          </p:sp>
-          <p:sp>
-            <p:nvSpPr>
-              <p:cNvPr id="246" name="文字方塊 245">
-                <a:extLst>
-                  <a:ext uri="{FF2B5EF4-FFF2-40B4-BE49-F238E27FC236}">
-                    <a16:creationId xmlns:a16="http://schemas.microsoft.com/office/drawing/2014/main" id="{485AEEB6-B3C6-40F2-900D-FFAB127F61D5}"/>
-                  </a:ext>
-                </a:extLst>
-              </p:cNvPr>
-              <p:cNvSpPr txBox="1"/>
-              <p:nvPr/>
-            </p:nvSpPr>
-            <p:spPr>
-              <a:xfrm rot="10800000">
-                <a:off x="2743080" y="1044810"/>
-                <a:ext cx="538337" cy="276998"/>
-              </a:xfrm>
-              <a:prstGeom prst="rect">
-                <a:avLst/>
-              </a:prstGeom>
-              <a:noFill/>
-            </p:spPr>
-            <p:txBody>
-              <a:bodyPr wrap="square" rtlCol="0">
-                <a:spAutoFit/>
-              </a:bodyPr>
-              <a:lstStyle/>
-              <a:p>
-                <a:r>
-                  <a:rPr lang="en-US" altLang="zh-TW" sz="1200" dirty="0">
-                    <a:latin typeface="Times New Roman" panose="02020603050405020304" pitchFamily="18" charset="0"/>
-                    <a:cs typeface="Times New Roman" panose="02020603050405020304" pitchFamily="18" charset="0"/>
-                  </a:rPr>
-                  <a:t>11*2</a:t>
                 </a:r>
                 <a:endParaRPr lang="zh-TW" altLang="en-US" sz="1200" dirty="0">
                   <a:latin typeface="Times New Roman" panose="02020603050405020304" pitchFamily="18" charset="0"/>
@@ -4833,7 +4776,7 @@
         </p:nvSpPr>
         <p:spPr>
           <a:xfrm>
-            <a:off x="4326476" y="5887526"/>
+            <a:off x="4475248" y="5913730"/>
             <a:ext cx="1162511" cy="215444"/>
           </a:xfrm>
           <a:prstGeom prst="rect">
@@ -4852,7 +4795,7 @@
                 <a:latin typeface="Times New Roman" panose="02020603050405020304" pitchFamily="18" charset="0"/>
                 <a:cs typeface="Times New Roman" panose="02020603050405020304" pitchFamily="18" charset="0"/>
               </a:rPr>
-              <a:t>OffspringInd1_DF</a:t>
+              <a:t>OffsInd1_DF</a:t>
             </a:r>
             <a:endParaRPr lang="zh-TW" altLang="en-US" sz="800" dirty="0">
               <a:latin typeface="Times New Roman" panose="02020603050405020304" pitchFamily="18" charset="0"/>
@@ -4875,10 +4818,10 @@
         </p:nvGrpSpPr>
         <p:grpSpPr>
           <a:xfrm>
-            <a:off x="4318937" y="4466142"/>
-            <a:ext cx="1162511" cy="843615"/>
-            <a:chOff x="4318937" y="4466142"/>
-            <a:chExt cx="1162511" cy="843615"/>
+            <a:off x="4375606" y="4466142"/>
+            <a:ext cx="1274577" cy="854555"/>
+            <a:chOff x="4375606" y="4466142"/>
+            <a:chExt cx="1274577" cy="854555"/>
           </a:xfrm>
         </p:grpSpPr>
         <p:grpSp>
@@ -4896,9 +4839,9 @@
           <p:grpSpPr>
             <a:xfrm>
               <a:off x="4375606" y="4466142"/>
-              <a:ext cx="931208" cy="628171"/>
+              <a:ext cx="931208" cy="639111"/>
               <a:chOff x="3473064" y="1989513"/>
-              <a:chExt cx="1313971" cy="628171"/>
+              <a:chExt cx="1313971" cy="639111"/>
             </a:xfrm>
           </p:grpSpPr>
           <p:sp>
@@ -4964,7 +4907,7 @@
             </p:nvCxnSpPr>
             <p:spPr>
               <a:xfrm>
-                <a:off x="3793041" y="2200487"/>
+                <a:off x="4031133" y="2211427"/>
                 <a:ext cx="420236" cy="417197"/>
               </a:xfrm>
               <a:prstGeom prst="line">
@@ -5043,7 +4986,7 @@
           </p:nvSpPr>
           <p:spPr>
             <a:xfrm>
-              <a:off x="4318937" y="5094313"/>
+              <a:off x="4487672" y="5105253"/>
               <a:ext cx="1162511" cy="215444"/>
             </a:xfrm>
             <a:prstGeom prst="rect">
@@ -5062,7 +5005,7 @@
                   <a:latin typeface="Times New Roman" panose="02020603050405020304" pitchFamily="18" charset="0"/>
                   <a:cs typeface="Times New Roman" panose="02020603050405020304" pitchFamily="18" charset="0"/>
                 </a:rPr>
-                <a:t>OffspringInd2_DF</a:t>
+                <a:t>OffInd2_DF</a:t>
               </a:r>
               <a:endParaRPr lang="zh-TW" altLang="en-US" sz="800" dirty="0">
                 <a:latin typeface="Times New Roman" panose="02020603050405020304" pitchFamily="18" charset="0"/>
@@ -7585,13 +7528,14 @@
           </p:cNvPr>
           <p:cNvCxnSpPr>
             <a:cxnSpLocks/>
+            <a:stCxn id="414" idx="4"/>
           </p:cNvCxnSpPr>
           <p:nvPr/>
         </p:nvCxnSpPr>
         <p:spPr>
           <a:xfrm>
-            <a:off x="2666225" y="1717331"/>
-            <a:ext cx="9523" cy="3107608"/>
+            <a:off x="2672154" y="3606698"/>
+            <a:ext cx="3594" cy="1218241"/>
           </a:xfrm>
           <a:prstGeom prst="line">
             <a:avLst/>
@@ -7800,357 +7744,6 @@
           </p:txBody>
         </p:sp>
       </p:grpSp>
-      <p:cxnSp>
-        <p:nvCxnSpPr>
-          <p:cNvPr id="421" name="直線單箭頭接點 420">
-            <a:extLst>
-              <a:ext uri="{FF2B5EF4-FFF2-40B4-BE49-F238E27FC236}">
-                <a16:creationId xmlns:a16="http://schemas.microsoft.com/office/drawing/2014/main" id="{7E9283DD-94A7-4C43-96B3-45AFCAF4504F}"/>
-              </a:ext>
-            </a:extLst>
-          </p:cNvPr>
-          <p:cNvCxnSpPr>
-            <a:cxnSpLocks/>
-          </p:cNvCxnSpPr>
-          <p:nvPr/>
-        </p:nvCxnSpPr>
-        <p:spPr>
-          <a:xfrm flipV="1">
-            <a:off x="3621015" y="6338853"/>
-            <a:ext cx="908" cy="257637"/>
-          </a:xfrm>
-          <a:prstGeom prst="straightConnector1">
-            <a:avLst/>
-          </a:prstGeom>
-          <a:ln>
-            <a:tailEnd type="triangle"/>
-          </a:ln>
-        </p:spPr>
-        <p:style>
-          <a:lnRef idx="3">
-            <a:schemeClr val="accent1"/>
-          </a:lnRef>
-          <a:fillRef idx="0">
-            <a:schemeClr val="accent1"/>
-          </a:fillRef>
-          <a:effectRef idx="2">
-            <a:schemeClr val="accent1"/>
-          </a:effectRef>
-          <a:fontRef idx="minor">
-            <a:schemeClr val="tx1"/>
-          </a:fontRef>
-        </p:style>
-      </p:cxnSp>
-      <p:grpSp>
-        <p:nvGrpSpPr>
-          <p:cNvPr id="424" name="群組 423">
-            <a:extLst>
-              <a:ext uri="{FF2B5EF4-FFF2-40B4-BE49-F238E27FC236}">
-                <a16:creationId xmlns:a16="http://schemas.microsoft.com/office/drawing/2014/main" id="{151F2718-68B9-41F9-8AF0-16EAD79B52E1}"/>
-              </a:ext>
-            </a:extLst>
-          </p:cNvPr>
-          <p:cNvGrpSpPr/>
-          <p:nvPr/>
-        </p:nvGrpSpPr>
-        <p:grpSpPr>
-          <a:xfrm>
-            <a:off x="1895377" y="5890366"/>
-            <a:ext cx="1676821" cy="281305"/>
-            <a:chOff x="4626544" y="427798"/>
-            <a:chExt cx="653320" cy="330004"/>
-          </a:xfrm>
-        </p:grpSpPr>
-        <p:cxnSp>
-          <p:nvCxnSpPr>
-            <p:cNvPr id="425" name="直線單箭頭接點 424">
-              <a:extLst>
-                <a:ext uri="{FF2B5EF4-FFF2-40B4-BE49-F238E27FC236}">
-                  <a16:creationId xmlns:a16="http://schemas.microsoft.com/office/drawing/2014/main" id="{5D15F2B4-489B-4F2F-BAD1-9002A2511CBA}"/>
-                </a:ext>
-              </a:extLst>
-            </p:cNvPr>
-            <p:cNvCxnSpPr>
-              <a:cxnSpLocks/>
-            </p:cNvCxnSpPr>
-            <p:nvPr/>
-          </p:nvCxnSpPr>
-          <p:spPr>
-            <a:xfrm>
-              <a:off x="4626544" y="675073"/>
-              <a:ext cx="478006" cy="0"/>
-            </a:xfrm>
-            <a:prstGeom prst="straightConnector1">
-              <a:avLst/>
-            </a:prstGeom>
-            <a:ln>
-              <a:tailEnd type="triangle"/>
-            </a:ln>
-          </p:spPr>
-          <p:style>
-            <a:lnRef idx="3">
-              <a:schemeClr val="accent1"/>
-            </a:lnRef>
-            <a:fillRef idx="0">
-              <a:schemeClr val="accent1"/>
-            </a:fillRef>
-            <a:effectRef idx="2">
-              <a:schemeClr val="accent1"/>
-            </a:effectRef>
-            <a:fontRef idx="minor">
-              <a:schemeClr val="tx1"/>
-            </a:fontRef>
-          </p:style>
-        </p:cxnSp>
-        <p:cxnSp>
-          <p:nvCxnSpPr>
-            <p:cNvPr id="426" name="直線接點 425">
-              <a:extLst>
-                <a:ext uri="{FF2B5EF4-FFF2-40B4-BE49-F238E27FC236}">
-                  <a16:creationId xmlns:a16="http://schemas.microsoft.com/office/drawing/2014/main" id="{B1FDE1C1-E4EC-44B9-8BF4-5AC69BFF17F8}"/>
-                </a:ext>
-              </a:extLst>
-            </p:cNvPr>
-            <p:cNvCxnSpPr>
-              <a:cxnSpLocks/>
-            </p:cNvCxnSpPr>
-            <p:nvPr/>
-          </p:nvCxnSpPr>
-          <p:spPr>
-            <a:xfrm>
-              <a:off x="4750671" y="613267"/>
-              <a:ext cx="97186" cy="144535"/>
-            </a:xfrm>
-            <a:prstGeom prst="line">
-              <a:avLst/>
-            </a:prstGeom>
-          </p:spPr>
-          <p:style>
-            <a:lnRef idx="3">
-              <a:schemeClr val="dk1"/>
-            </a:lnRef>
-            <a:fillRef idx="0">
-              <a:schemeClr val="dk1"/>
-            </a:fillRef>
-            <a:effectRef idx="2">
-              <a:schemeClr val="dk1"/>
-            </a:effectRef>
-            <a:fontRef idx="minor">
-              <a:schemeClr val="tx1"/>
-            </a:fontRef>
-          </p:style>
-        </p:cxnSp>
-        <p:sp>
-          <p:nvSpPr>
-            <p:cNvPr id="427" name="文字方塊 426">
-              <a:extLst>
-                <a:ext uri="{FF2B5EF4-FFF2-40B4-BE49-F238E27FC236}">
-                  <a16:creationId xmlns:a16="http://schemas.microsoft.com/office/drawing/2014/main" id="{90A48D02-FDBE-40A0-AF4A-94BC01D2A14B}"/>
-                </a:ext>
-              </a:extLst>
-            </p:cNvPr>
-            <p:cNvSpPr txBox="1"/>
-            <p:nvPr/>
-          </p:nvSpPr>
-          <p:spPr>
-            <a:xfrm>
-              <a:off x="4746464" y="427798"/>
-              <a:ext cx="533400" cy="324953"/>
-            </a:xfrm>
-            <a:prstGeom prst="rect">
-              <a:avLst/>
-            </a:prstGeom>
-            <a:noFill/>
-          </p:spPr>
-          <p:txBody>
-            <a:bodyPr wrap="square" rtlCol="0">
-              <a:spAutoFit/>
-            </a:bodyPr>
-            <a:lstStyle/>
-            <a:p>
-              <a:r>
-                <a:rPr lang="en-US" altLang="zh-TW" sz="1200" dirty="0">
-                  <a:latin typeface="Times New Roman" panose="02020603050405020304" pitchFamily="18" charset="0"/>
-                  <a:cs typeface="Times New Roman" panose="02020603050405020304" pitchFamily="18" charset="0"/>
-                </a:rPr>
-                <a:t>8</a:t>
-              </a:r>
-              <a:endParaRPr lang="zh-TW" altLang="en-US" sz="1200" dirty="0">
-                <a:latin typeface="Times New Roman" panose="02020603050405020304" pitchFamily="18" charset="0"/>
-                <a:cs typeface="Times New Roman" panose="02020603050405020304" pitchFamily="18" charset="0"/>
-              </a:endParaRPr>
-            </a:p>
-          </p:txBody>
-        </p:sp>
-      </p:grpSp>
-      <p:sp>
-        <p:nvSpPr>
-          <p:cNvPr id="429" name="箭號: 向右 428">
-            <a:extLst>
-              <a:ext uri="{FF2B5EF4-FFF2-40B4-BE49-F238E27FC236}">
-                <a16:creationId xmlns:a16="http://schemas.microsoft.com/office/drawing/2014/main" id="{87A0DBAC-D0A3-4A93-892D-F0ED6ABDA919}"/>
-              </a:ext>
-            </a:extLst>
-          </p:cNvPr>
-          <p:cNvSpPr/>
-          <p:nvPr/>
-        </p:nvSpPr>
-        <p:spPr>
-          <a:xfrm>
-            <a:off x="1902263" y="5754761"/>
-            <a:ext cx="1215290" cy="158090"/>
-          </a:xfrm>
-          <a:prstGeom prst="rightArrow">
-            <a:avLst/>
-          </a:prstGeom>
-        </p:spPr>
-        <p:style>
-          <a:lnRef idx="2">
-            <a:schemeClr val="accent1">
-              <a:shade val="50000"/>
-            </a:schemeClr>
-          </a:lnRef>
-          <a:fillRef idx="1">
-            <a:schemeClr val="accent1"/>
-          </a:fillRef>
-          <a:effectRef idx="0">
-            <a:schemeClr val="accent1"/>
-          </a:effectRef>
-          <a:fontRef idx="minor">
-            <a:schemeClr val="lt1"/>
-          </a:fontRef>
-        </p:style>
-        <p:txBody>
-          <a:bodyPr rtlCol="0" anchor="ctr"/>
-          <a:lstStyle/>
-          <a:p>
-            <a:pPr algn="ctr"/>
-            <a:endParaRPr lang="zh-TW" altLang="en-US"/>
-          </a:p>
-        </p:txBody>
-      </p:sp>
-      <p:cxnSp>
-        <p:nvCxnSpPr>
-          <p:cNvPr id="430" name="直線接點 429">
-            <a:extLst>
-              <a:ext uri="{FF2B5EF4-FFF2-40B4-BE49-F238E27FC236}">
-                <a16:creationId xmlns:a16="http://schemas.microsoft.com/office/drawing/2014/main" id="{65B6790E-CBD7-4B21-8FF1-BA1A50E3AF52}"/>
-              </a:ext>
-            </a:extLst>
-          </p:cNvPr>
-          <p:cNvCxnSpPr>
-            <a:cxnSpLocks/>
-          </p:cNvCxnSpPr>
-          <p:nvPr/>
-        </p:nvCxnSpPr>
-        <p:spPr>
-          <a:xfrm>
-            <a:off x="2344128" y="5736701"/>
-            <a:ext cx="144486" cy="182909"/>
-          </a:xfrm>
-          <a:prstGeom prst="line">
-            <a:avLst/>
-          </a:prstGeom>
-        </p:spPr>
-        <p:style>
-          <a:lnRef idx="3">
-            <a:schemeClr val="dk1"/>
-          </a:lnRef>
-          <a:fillRef idx="0">
-            <a:schemeClr val="dk1"/>
-          </a:fillRef>
-          <a:effectRef idx="2">
-            <a:schemeClr val="dk1"/>
-          </a:effectRef>
-          <a:fontRef idx="minor">
-            <a:schemeClr val="tx1"/>
-          </a:fontRef>
-        </p:style>
-      </p:cxnSp>
-      <p:sp>
-        <p:nvSpPr>
-          <p:cNvPr id="431" name="文字方塊 430">
-            <a:extLst>
-              <a:ext uri="{FF2B5EF4-FFF2-40B4-BE49-F238E27FC236}">
-                <a16:creationId xmlns:a16="http://schemas.microsoft.com/office/drawing/2014/main" id="{64993DB3-4AF1-48C9-B08D-526E6E016A8F}"/>
-              </a:ext>
-            </a:extLst>
-          </p:cNvPr>
-          <p:cNvSpPr txBox="1"/>
-          <p:nvPr/>
-        </p:nvSpPr>
-        <p:spPr>
-          <a:xfrm>
-            <a:off x="2175499" y="5536541"/>
-            <a:ext cx="1012903" cy="276999"/>
-          </a:xfrm>
-          <a:prstGeom prst="rect">
-            <a:avLst/>
-          </a:prstGeom>
-          <a:noFill/>
-        </p:spPr>
-        <p:txBody>
-          <a:bodyPr wrap="square" rtlCol="0">
-            <a:spAutoFit/>
-          </a:bodyPr>
-          <a:lstStyle/>
-          <a:p>
-            <a:r>
-              <a:rPr lang="en-US" altLang="zh-TW" sz="1200" dirty="0">
-                <a:latin typeface="Times New Roman" panose="02020603050405020304" pitchFamily="18" charset="0"/>
-                <a:cs typeface="Times New Roman" panose="02020603050405020304" pitchFamily="18" charset="0"/>
-              </a:rPr>
-              <a:t>11*2+8+10</a:t>
-            </a:r>
-            <a:endParaRPr lang="zh-TW" altLang="en-US" sz="1200" dirty="0">
-              <a:latin typeface="Times New Roman" panose="02020603050405020304" pitchFamily="18" charset="0"/>
-              <a:cs typeface="Times New Roman" panose="02020603050405020304" pitchFamily="18" charset="0"/>
-            </a:endParaRPr>
-          </a:p>
-        </p:txBody>
-      </p:sp>
-      <p:sp>
-        <p:nvSpPr>
-          <p:cNvPr id="432" name="文字方塊 431">
-            <a:extLst>
-              <a:ext uri="{FF2B5EF4-FFF2-40B4-BE49-F238E27FC236}">
-                <a16:creationId xmlns:a16="http://schemas.microsoft.com/office/drawing/2014/main" id="{97C18C81-AD8C-46A7-8954-F965EC959BB5}"/>
-              </a:ext>
-            </a:extLst>
-          </p:cNvPr>
-          <p:cNvSpPr txBox="1"/>
-          <p:nvPr/>
-        </p:nvSpPr>
-        <p:spPr>
-          <a:xfrm>
-            <a:off x="1964721" y="5803825"/>
-            <a:ext cx="1162511" cy="215444"/>
-          </a:xfrm>
-          <a:prstGeom prst="rect">
-            <a:avLst/>
-          </a:prstGeom>
-          <a:noFill/>
-        </p:spPr>
-        <p:txBody>
-          <a:bodyPr wrap="square" rtlCol="0">
-            <a:spAutoFit/>
-          </a:bodyPr>
-          <a:lstStyle/>
-          <a:p>
-            <a:r>
-              <a:rPr lang="en-US" altLang="zh-TW" sz="800" dirty="0" err="1">
-                <a:latin typeface="Times New Roman" panose="02020603050405020304" pitchFamily="18" charset="0"/>
-                <a:cs typeface="Times New Roman" panose="02020603050405020304" pitchFamily="18" charset="0"/>
-              </a:rPr>
-              <a:t>Offspring_Ind_wb</a:t>
-            </a:r>
-            <a:endParaRPr lang="zh-TW" altLang="en-US" sz="800" dirty="0">
-              <a:latin typeface="Times New Roman" panose="02020603050405020304" pitchFamily="18" charset="0"/>
-              <a:cs typeface="Times New Roman" panose="02020603050405020304" pitchFamily="18" charset="0"/>
-            </a:endParaRPr>
-          </a:p>
-        </p:txBody>
-      </p:sp>
       <p:grpSp>
         <p:nvGrpSpPr>
           <p:cNvPr id="435" name="群組 434">
@@ -8325,90 +7918,6 @@
           </p:style>
         </p:cxnSp>
       </p:grpSp>
-      <p:sp>
-        <p:nvSpPr>
-          <p:cNvPr id="439" name="文字方塊 438">
-            <a:extLst>
-              <a:ext uri="{FF2B5EF4-FFF2-40B4-BE49-F238E27FC236}">
-                <a16:creationId xmlns:a16="http://schemas.microsoft.com/office/drawing/2014/main" id="{89B54D55-B94B-41D7-804A-4DE1A568401C}"/>
-              </a:ext>
-            </a:extLst>
-          </p:cNvPr>
-          <p:cNvSpPr txBox="1"/>
-          <p:nvPr/>
-        </p:nvSpPr>
-        <p:spPr>
-          <a:xfrm>
-            <a:off x="2005101" y="6063999"/>
-            <a:ext cx="1037186" cy="215444"/>
-          </a:xfrm>
-          <a:prstGeom prst="rect">
-            <a:avLst/>
-          </a:prstGeom>
-          <a:noFill/>
-        </p:spPr>
-        <p:txBody>
-          <a:bodyPr wrap="square" rtlCol="0">
-            <a:spAutoFit/>
-          </a:bodyPr>
-          <a:lstStyle/>
-          <a:p>
-            <a:r>
-              <a:rPr lang="en-US" altLang="zh-TW" sz="800" dirty="0" err="1">
-                <a:latin typeface="Times New Roman" panose="02020603050405020304" pitchFamily="18" charset="0"/>
-                <a:cs typeface="Times New Roman" panose="02020603050405020304" pitchFamily="18" charset="0"/>
-              </a:rPr>
-              <a:t>Offspring_wb_idx</a:t>
-            </a:r>
-            <a:endParaRPr lang="zh-TW" altLang="en-US" sz="800" dirty="0">
-              <a:latin typeface="Times New Roman" panose="02020603050405020304" pitchFamily="18" charset="0"/>
-              <a:cs typeface="Times New Roman" panose="02020603050405020304" pitchFamily="18" charset="0"/>
-            </a:endParaRPr>
-          </a:p>
-        </p:txBody>
-      </p:sp>
-      <p:sp>
-        <p:nvSpPr>
-          <p:cNvPr id="440" name="文字方塊 439">
-            <a:extLst>
-              <a:ext uri="{FF2B5EF4-FFF2-40B4-BE49-F238E27FC236}">
-                <a16:creationId xmlns:a16="http://schemas.microsoft.com/office/drawing/2014/main" id="{0247F8B7-9B1A-4C72-B0A8-11B57AEF6541}"/>
-              </a:ext>
-            </a:extLst>
-          </p:cNvPr>
-          <p:cNvSpPr txBox="1"/>
-          <p:nvPr/>
-        </p:nvSpPr>
-        <p:spPr>
-          <a:xfrm>
-            <a:off x="3322563" y="6540021"/>
-            <a:ext cx="597811" cy="338554"/>
-          </a:xfrm>
-          <a:prstGeom prst="rect">
-            <a:avLst/>
-          </a:prstGeom>
-          <a:noFill/>
-        </p:spPr>
-        <p:txBody>
-          <a:bodyPr wrap="square" rtlCol="0">
-            <a:spAutoFit/>
-          </a:bodyPr>
-          <a:lstStyle/>
-          <a:p>
-            <a:r>
-              <a:rPr lang="en-US" altLang="zh-TW" sz="800" dirty="0" err="1">
-                <a:latin typeface="Times New Roman" panose="02020603050405020304" pitchFamily="18" charset="0"/>
-                <a:cs typeface="Times New Roman" panose="02020603050405020304" pitchFamily="18" charset="0"/>
-              </a:rPr>
-              <a:t>OffspringWrite</a:t>
-            </a:r>
-            <a:endParaRPr lang="zh-TW" altLang="en-US" sz="800" dirty="0">
-              <a:latin typeface="Times New Roman" panose="02020603050405020304" pitchFamily="18" charset="0"/>
-              <a:cs typeface="Times New Roman" panose="02020603050405020304" pitchFamily="18" charset="0"/>
-            </a:endParaRPr>
-          </a:p>
-        </p:txBody>
-      </p:sp>
       <p:sp>
         <p:nvSpPr>
           <p:cNvPr id="441" name="橢圓 440">
@@ -8784,9 +8293,9 @@
         </p:nvGrpSpPr>
         <p:grpSpPr>
           <a:xfrm>
-            <a:off x="9130425" y="610815"/>
-            <a:ext cx="1251224" cy="276999"/>
-            <a:chOff x="2691697" y="1065650"/>
+            <a:off x="9221337" y="689083"/>
+            <a:ext cx="2019282" cy="410527"/>
+            <a:chOff x="2886824" y="1142758"/>
             <a:chExt cx="3048387" cy="315136"/>
           </a:xfrm>
         </p:grpSpPr>
@@ -8845,7 +8354,7 @@
           </p:nvSpPr>
           <p:spPr>
             <a:xfrm>
-              <a:off x="2691697" y="1065650"/>
+              <a:off x="2886824" y="1142758"/>
               <a:ext cx="3048387" cy="315136"/>
             </a:xfrm>
             <a:prstGeom prst="rect">
@@ -8968,7 +8477,7 @@
                   <a:latin typeface="Times New Roman" panose="02020603050405020304" pitchFamily="18" charset="0"/>
                   <a:cs typeface="Times New Roman" panose="02020603050405020304" pitchFamily="18" charset="0"/>
                 </a:rPr>
-                <a:t>in_valid_EF</a:t>
+                <a:t>currentState_EF</a:t>
               </a:r>
               <a:endParaRPr lang="zh-TW" altLang="en-US" sz="1200" dirty="0">
                 <a:latin typeface="Times New Roman" panose="02020603050405020304" pitchFamily="18" charset="0"/>
@@ -8978,1179 +8487,6 @@
           </p:txBody>
         </p:sp>
       </p:grpSp>
-      <p:sp>
-        <p:nvSpPr>
-          <p:cNvPr id="457" name="橢圓 456">
-            <a:extLst>
-              <a:ext uri="{FF2B5EF4-FFF2-40B4-BE49-F238E27FC236}">
-                <a16:creationId xmlns:a16="http://schemas.microsoft.com/office/drawing/2014/main" id="{C8CB6BA2-C371-4222-9B71-6CBD9C9BF9A3}"/>
-              </a:ext>
-            </a:extLst>
-          </p:cNvPr>
-          <p:cNvSpPr/>
-          <p:nvPr/>
-        </p:nvSpPr>
-        <p:spPr>
-          <a:xfrm>
-            <a:off x="10163304" y="745265"/>
-            <a:ext cx="371037" cy="382648"/>
-          </a:xfrm>
-          <a:prstGeom prst="ellipse">
-            <a:avLst/>
-          </a:prstGeom>
-        </p:spPr>
-        <p:style>
-          <a:lnRef idx="2">
-            <a:schemeClr val="accent4">
-              <a:shade val="50000"/>
-            </a:schemeClr>
-          </a:lnRef>
-          <a:fillRef idx="1">
-            <a:schemeClr val="accent4"/>
-          </a:fillRef>
-          <a:effectRef idx="0">
-            <a:schemeClr val="accent4"/>
-          </a:effectRef>
-          <a:fontRef idx="minor">
-            <a:schemeClr val="lt1"/>
-          </a:fontRef>
-        </p:style>
-        <p:txBody>
-          <a:bodyPr rtlCol="0" anchor="ctr"/>
-          <a:lstStyle/>
-          <a:p>
-            <a:pPr algn="ctr"/>
-            <a:r>
-              <a:rPr lang="en-US" altLang="zh-TW" dirty="0"/>
-              <a:t>=</a:t>
-            </a:r>
-            <a:endParaRPr lang="zh-TW" altLang="en-US" dirty="0"/>
-          </a:p>
-        </p:txBody>
-      </p:sp>
-      <p:cxnSp>
-        <p:nvCxnSpPr>
-          <p:cNvPr id="458" name="直線單箭頭接點 457">
-            <a:extLst>
-              <a:ext uri="{FF2B5EF4-FFF2-40B4-BE49-F238E27FC236}">
-                <a16:creationId xmlns:a16="http://schemas.microsoft.com/office/drawing/2014/main" id="{8FB68F5B-98E5-4DA3-90AD-4E3EC363E94B}"/>
-              </a:ext>
-            </a:extLst>
-          </p:cNvPr>
-          <p:cNvCxnSpPr>
-            <a:cxnSpLocks/>
-          </p:cNvCxnSpPr>
-          <p:nvPr/>
-        </p:nvCxnSpPr>
-        <p:spPr>
-          <a:xfrm>
-            <a:off x="10542515" y="951151"/>
-            <a:ext cx="179614" cy="0"/>
-          </a:xfrm>
-          <a:prstGeom prst="straightConnector1">
-            <a:avLst/>
-          </a:prstGeom>
-          <a:ln>
-            <a:tailEnd type="triangle"/>
-          </a:ln>
-        </p:spPr>
-        <p:style>
-          <a:lnRef idx="2">
-            <a:schemeClr val="accent4"/>
-          </a:lnRef>
-          <a:fillRef idx="0">
-            <a:schemeClr val="accent4"/>
-          </a:fillRef>
-          <a:effectRef idx="1">
-            <a:schemeClr val="accent4"/>
-          </a:effectRef>
-          <a:fontRef idx="minor">
-            <a:schemeClr val="tx1"/>
-          </a:fontRef>
-        </p:style>
-      </p:cxnSp>
-      <p:cxnSp>
-        <p:nvCxnSpPr>
-          <p:cNvPr id="459" name="直線單箭頭接點 458">
-            <a:extLst>
-              <a:ext uri="{FF2B5EF4-FFF2-40B4-BE49-F238E27FC236}">
-                <a16:creationId xmlns:a16="http://schemas.microsoft.com/office/drawing/2014/main" id="{63635DD9-3A67-40D7-93A4-95CF014343B4}"/>
-              </a:ext>
-            </a:extLst>
-          </p:cNvPr>
-          <p:cNvCxnSpPr>
-            <a:cxnSpLocks/>
-          </p:cNvCxnSpPr>
-          <p:nvPr/>
-        </p:nvCxnSpPr>
-        <p:spPr>
-          <a:xfrm>
-            <a:off x="10014638" y="1060689"/>
-            <a:ext cx="182446" cy="1"/>
-          </a:xfrm>
-          <a:prstGeom prst="straightConnector1">
-            <a:avLst/>
-          </a:prstGeom>
-          <a:ln>
-            <a:tailEnd type="triangle"/>
-          </a:ln>
-        </p:spPr>
-        <p:style>
-          <a:lnRef idx="2">
-            <a:schemeClr val="accent4"/>
-          </a:lnRef>
-          <a:fillRef idx="0">
-            <a:schemeClr val="accent4"/>
-          </a:fillRef>
-          <a:effectRef idx="1">
-            <a:schemeClr val="accent4"/>
-          </a:effectRef>
-          <a:fontRef idx="minor">
-            <a:schemeClr val="tx1"/>
-          </a:fontRef>
-        </p:style>
-      </p:cxnSp>
-      <p:sp>
-        <p:nvSpPr>
-          <p:cNvPr id="460" name="文字方塊 459">
-            <a:extLst>
-              <a:ext uri="{FF2B5EF4-FFF2-40B4-BE49-F238E27FC236}">
-                <a16:creationId xmlns:a16="http://schemas.microsoft.com/office/drawing/2014/main" id="{26BAF0F6-3EAF-401B-8560-DE4649D22EF3}"/>
-              </a:ext>
-            </a:extLst>
-          </p:cNvPr>
-          <p:cNvSpPr txBox="1"/>
-          <p:nvPr/>
-        </p:nvSpPr>
-        <p:spPr>
-          <a:xfrm>
-            <a:off x="9260993" y="828055"/>
-            <a:ext cx="952977" cy="461665"/>
-          </a:xfrm>
-          <a:prstGeom prst="rect">
-            <a:avLst/>
-          </a:prstGeom>
-          <a:noFill/>
-        </p:spPr>
-        <p:txBody>
-          <a:bodyPr wrap="square" rtlCol="0">
-            <a:spAutoFit/>
-          </a:bodyPr>
-          <a:lstStyle/>
-          <a:p>
-            <a:r>
-              <a:rPr lang="en-US" altLang="zh-TW" sz="1200" dirty="0">
-                <a:latin typeface="Times New Roman" panose="02020603050405020304" pitchFamily="18" charset="0"/>
-                <a:cs typeface="Times New Roman" panose="02020603050405020304" pitchFamily="18" charset="0"/>
-              </a:rPr>
-              <a:t>propagate</a:t>
-            </a:r>
-          </a:p>
-          <a:p>
-            <a:r>
-              <a:rPr lang="en-US" altLang="zh-TW" sz="1200" dirty="0">
-                <a:latin typeface="Times New Roman" panose="02020603050405020304" pitchFamily="18" charset="0"/>
-                <a:cs typeface="Times New Roman" panose="02020603050405020304" pitchFamily="18" charset="0"/>
-              </a:rPr>
-              <a:t>State</a:t>
-            </a:r>
-            <a:endParaRPr lang="zh-TW" altLang="en-US" sz="1200" dirty="0">
-              <a:latin typeface="Times New Roman" panose="02020603050405020304" pitchFamily="18" charset="0"/>
-              <a:cs typeface="Times New Roman" panose="02020603050405020304" pitchFamily="18" charset="0"/>
-            </a:endParaRPr>
-          </a:p>
-        </p:txBody>
-      </p:sp>
-      <p:sp>
-        <p:nvSpPr>
-          <p:cNvPr id="461" name="矩形 35">
-            <a:extLst>
-              <a:ext uri="{FF2B5EF4-FFF2-40B4-BE49-F238E27FC236}">
-                <a16:creationId xmlns:a16="http://schemas.microsoft.com/office/drawing/2014/main" id="{E104F9FF-F7CA-43FE-8C64-22D278E77DB9}"/>
-              </a:ext>
-            </a:extLst>
-          </p:cNvPr>
-          <p:cNvSpPr/>
-          <p:nvPr/>
-        </p:nvSpPr>
-        <p:spPr>
-          <a:xfrm>
-            <a:off x="1503021" y="5544461"/>
-            <a:ext cx="388307" cy="1255214"/>
-          </a:xfrm>
-          <a:custGeom>
-            <a:avLst/>
-            <a:gdLst>
-              <a:gd name="connsiteX0" fmla="*/ 0 w 460375"/>
-              <a:gd name="connsiteY0" fmla="*/ 0 h 673100"/>
-              <a:gd name="connsiteX1" fmla="*/ 460375 w 460375"/>
-              <a:gd name="connsiteY1" fmla="*/ 0 h 673100"/>
-              <a:gd name="connsiteX2" fmla="*/ 460375 w 460375"/>
-              <a:gd name="connsiteY2" fmla="*/ 673100 h 673100"/>
-              <a:gd name="connsiteX3" fmla="*/ 0 w 460375"/>
-              <a:gd name="connsiteY3" fmla="*/ 673100 h 673100"/>
-              <a:gd name="connsiteX4" fmla="*/ 0 w 460375"/>
-              <a:gd name="connsiteY4" fmla="*/ 0 h 673100"/>
-              <a:gd name="connsiteX0" fmla="*/ 0 w 463550"/>
-              <a:gd name="connsiteY0" fmla="*/ 0 h 673100"/>
-              <a:gd name="connsiteX1" fmla="*/ 463550 w 463550"/>
-              <a:gd name="connsiteY1" fmla="*/ 130175 h 673100"/>
-              <a:gd name="connsiteX2" fmla="*/ 460375 w 463550"/>
-              <a:gd name="connsiteY2" fmla="*/ 673100 h 673100"/>
-              <a:gd name="connsiteX3" fmla="*/ 0 w 463550"/>
-              <a:gd name="connsiteY3" fmla="*/ 673100 h 673100"/>
-              <a:gd name="connsiteX4" fmla="*/ 0 w 463550"/>
-              <a:gd name="connsiteY4" fmla="*/ 0 h 673100"/>
-              <a:gd name="connsiteX0" fmla="*/ 0 w 463855"/>
-              <a:gd name="connsiteY0" fmla="*/ 0 h 673100"/>
-              <a:gd name="connsiteX1" fmla="*/ 463550 w 463855"/>
-              <a:gd name="connsiteY1" fmla="*/ 130175 h 673100"/>
-              <a:gd name="connsiteX2" fmla="*/ 463550 w 463855"/>
-              <a:gd name="connsiteY2" fmla="*/ 555625 h 673100"/>
-              <a:gd name="connsiteX3" fmla="*/ 0 w 463855"/>
-              <a:gd name="connsiteY3" fmla="*/ 673100 h 673100"/>
-              <a:gd name="connsiteX4" fmla="*/ 0 w 463855"/>
-              <a:gd name="connsiteY4" fmla="*/ 0 h 673100"/>
-            </a:gdLst>
-            <a:ahLst/>
-            <a:cxnLst>
-              <a:cxn ang="0">
-                <a:pos x="connsiteX0" y="connsiteY0"/>
-              </a:cxn>
-              <a:cxn ang="0">
-                <a:pos x="connsiteX1" y="connsiteY1"/>
-              </a:cxn>
-              <a:cxn ang="0">
-                <a:pos x="connsiteX2" y="connsiteY2"/>
-              </a:cxn>
-              <a:cxn ang="0">
-                <a:pos x="connsiteX3" y="connsiteY3"/>
-              </a:cxn>
-              <a:cxn ang="0">
-                <a:pos x="connsiteX4" y="connsiteY4"/>
-              </a:cxn>
-            </a:cxnLst>
-            <a:rect l="l" t="t" r="r" b="b"/>
-            <a:pathLst>
-              <a:path w="463855" h="673100">
-                <a:moveTo>
-                  <a:pt x="0" y="0"/>
-                </a:moveTo>
-                <a:lnTo>
-                  <a:pt x="463550" y="130175"/>
-                </a:lnTo>
-                <a:cubicBezTo>
-                  <a:pt x="462492" y="311150"/>
-                  <a:pt x="464608" y="374650"/>
-                  <a:pt x="463550" y="555625"/>
-                </a:cubicBezTo>
-                <a:lnTo>
-                  <a:pt x="0" y="673100"/>
-                </a:lnTo>
-                <a:lnTo>
-                  <a:pt x="0" y="0"/>
-                </a:lnTo>
-                <a:close/>
-              </a:path>
-            </a:pathLst>
-          </a:custGeom>
-        </p:spPr>
-        <p:style>
-          <a:lnRef idx="0">
-            <a:schemeClr val="accent4"/>
-          </a:lnRef>
-          <a:fillRef idx="3">
-            <a:schemeClr val="accent4"/>
-          </a:fillRef>
-          <a:effectRef idx="3">
-            <a:schemeClr val="accent4"/>
-          </a:effectRef>
-          <a:fontRef idx="minor">
-            <a:schemeClr val="lt1"/>
-          </a:fontRef>
-        </p:style>
-        <p:txBody>
-          <a:bodyPr rtlCol="0" anchor="ctr"/>
-          <a:lstStyle/>
-          <a:p>
-            <a:pPr algn="ctr"/>
-            <a:r>
-              <a:rPr lang="en-US" altLang="zh-TW" sz="1050" dirty="0"/>
-              <a:t>WB</a:t>
-            </a:r>
-          </a:p>
-          <a:p>
-            <a:pPr algn="ctr"/>
-            <a:r>
-              <a:rPr lang="en-US" altLang="zh-TW" sz="1050" dirty="0"/>
-              <a:t>SEL</a:t>
-            </a:r>
-            <a:endParaRPr lang="zh-TW" altLang="en-US" sz="1050" dirty="0"/>
-          </a:p>
-        </p:txBody>
-      </p:sp>
-      <p:sp>
-        <p:nvSpPr>
-          <p:cNvPr id="462" name="箭號: 向右 461">
-            <a:extLst>
-              <a:ext uri="{FF2B5EF4-FFF2-40B4-BE49-F238E27FC236}">
-                <a16:creationId xmlns:a16="http://schemas.microsoft.com/office/drawing/2014/main" id="{B1619730-1BA0-4BBB-88D9-8A97B8B3B18C}"/>
-              </a:ext>
-            </a:extLst>
-          </p:cNvPr>
-          <p:cNvSpPr/>
-          <p:nvPr/>
-        </p:nvSpPr>
-        <p:spPr>
-          <a:xfrm>
-            <a:off x="303526" y="5728684"/>
-            <a:ext cx="1195045" cy="158090"/>
-          </a:xfrm>
-          <a:prstGeom prst="rightArrow">
-            <a:avLst/>
-          </a:prstGeom>
-        </p:spPr>
-        <p:style>
-          <a:lnRef idx="2">
-            <a:schemeClr val="accent1">
-              <a:shade val="50000"/>
-            </a:schemeClr>
-          </a:lnRef>
-          <a:fillRef idx="1">
-            <a:schemeClr val="accent1"/>
-          </a:fillRef>
-          <a:effectRef idx="0">
-            <a:schemeClr val="accent1"/>
-          </a:effectRef>
-          <a:fontRef idx="minor">
-            <a:schemeClr val="lt1"/>
-          </a:fontRef>
-        </p:style>
-        <p:txBody>
-          <a:bodyPr rtlCol="0" anchor="ctr"/>
-          <a:lstStyle/>
-          <a:p>
-            <a:pPr algn="ctr"/>
-            <a:endParaRPr lang="zh-TW" altLang="en-US"/>
-          </a:p>
-        </p:txBody>
-      </p:sp>
-      <p:cxnSp>
-        <p:nvCxnSpPr>
-          <p:cNvPr id="464" name="直線單箭頭接點 463">
-            <a:extLst>
-              <a:ext uri="{FF2B5EF4-FFF2-40B4-BE49-F238E27FC236}">
-                <a16:creationId xmlns:a16="http://schemas.microsoft.com/office/drawing/2014/main" id="{E762102E-10ED-4377-9803-90B4CC66E10E}"/>
-              </a:ext>
-            </a:extLst>
-          </p:cNvPr>
-          <p:cNvCxnSpPr>
-            <a:cxnSpLocks/>
-          </p:cNvCxnSpPr>
-          <p:nvPr/>
-        </p:nvCxnSpPr>
-        <p:spPr>
-          <a:xfrm>
-            <a:off x="271714" y="6441157"/>
-            <a:ext cx="1226857" cy="0"/>
-          </a:xfrm>
-          <a:prstGeom prst="straightConnector1">
-            <a:avLst/>
-          </a:prstGeom>
-          <a:ln>
-            <a:tailEnd type="triangle"/>
-          </a:ln>
-        </p:spPr>
-        <p:style>
-          <a:lnRef idx="3">
-            <a:schemeClr val="accent1"/>
-          </a:lnRef>
-          <a:fillRef idx="0">
-            <a:schemeClr val="accent1"/>
-          </a:fillRef>
-          <a:effectRef idx="2">
-            <a:schemeClr val="accent1"/>
-          </a:effectRef>
-          <a:fontRef idx="minor">
-            <a:schemeClr val="tx1"/>
-          </a:fontRef>
-        </p:style>
-      </p:cxnSp>
-      <p:grpSp>
-        <p:nvGrpSpPr>
-          <p:cNvPr id="112" name="群組 111">
-            <a:extLst>
-              <a:ext uri="{FF2B5EF4-FFF2-40B4-BE49-F238E27FC236}">
-                <a16:creationId xmlns:a16="http://schemas.microsoft.com/office/drawing/2014/main" id="{A858F53F-B13C-48B5-8C89-6C62EB2DA5BB}"/>
-              </a:ext>
-            </a:extLst>
-          </p:cNvPr>
-          <p:cNvGrpSpPr/>
-          <p:nvPr/>
-        </p:nvGrpSpPr>
-        <p:grpSpPr>
-          <a:xfrm>
-            <a:off x="525566" y="5528907"/>
-            <a:ext cx="960851" cy="646331"/>
-            <a:chOff x="2327899" y="5688941"/>
-            <a:chExt cx="564135" cy="646331"/>
-          </a:xfrm>
-        </p:grpSpPr>
-        <p:cxnSp>
-          <p:nvCxnSpPr>
-            <p:cNvPr id="466" name="直線接點 465">
-              <a:extLst>
-                <a:ext uri="{FF2B5EF4-FFF2-40B4-BE49-F238E27FC236}">
-                  <a16:creationId xmlns:a16="http://schemas.microsoft.com/office/drawing/2014/main" id="{11588DDB-2153-4CF7-9391-BA86DD16F1A8}"/>
-                </a:ext>
-              </a:extLst>
-            </p:cNvPr>
-            <p:cNvCxnSpPr>
-              <a:cxnSpLocks/>
-            </p:cNvCxnSpPr>
-            <p:nvPr/>
-          </p:nvCxnSpPr>
-          <p:spPr>
-            <a:xfrm>
-              <a:off x="2496528" y="5889101"/>
-              <a:ext cx="144486" cy="182909"/>
-            </a:xfrm>
-            <a:prstGeom prst="line">
-              <a:avLst/>
-            </a:prstGeom>
-          </p:spPr>
-          <p:style>
-            <a:lnRef idx="3">
-              <a:schemeClr val="dk1"/>
-            </a:lnRef>
-            <a:fillRef idx="0">
-              <a:schemeClr val="dk1"/>
-            </a:fillRef>
-            <a:effectRef idx="2">
-              <a:schemeClr val="dk1"/>
-            </a:effectRef>
-            <a:fontRef idx="minor">
-              <a:schemeClr val="tx1"/>
-            </a:fontRef>
-          </p:style>
-        </p:cxnSp>
-        <p:sp>
-          <p:nvSpPr>
-            <p:cNvPr id="467" name="文字方塊 466">
-              <a:extLst>
-                <a:ext uri="{FF2B5EF4-FFF2-40B4-BE49-F238E27FC236}">
-                  <a16:creationId xmlns:a16="http://schemas.microsoft.com/office/drawing/2014/main" id="{FE6753D1-FCE1-4E87-A3D2-184F98EB7017}"/>
-                </a:ext>
-              </a:extLst>
-            </p:cNvPr>
-            <p:cNvSpPr txBox="1"/>
-            <p:nvPr/>
-          </p:nvSpPr>
-          <p:spPr>
-            <a:xfrm>
-              <a:off x="2327899" y="5688941"/>
-              <a:ext cx="564135" cy="646331"/>
-            </a:xfrm>
-            <a:prstGeom prst="rect">
-              <a:avLst/>
-            </a:prstGeom>
-            <a:noFill/>
-          </p:spPr>
-          <p:txBody>
-            <a:bodyPr wrap="square" rtlCol="0">
-              <a:spAutoFit/>
-            </a:bodyPr>
-            <a:lstStyle/>
-            <a:p>
-              <a:r>
-                <a:rPr lang="en-US" altLang="zh-TW" sz="1200" dirty="0">
-                  <a:latin typeface="Times New Roman" panose="02020603050405020304" pitchFamily="18" charset="0"/>
-                  <a:cs typeface="Times New Roman" panose="02020603050405020304" pitchFamily="18" charset="0"/>
-                </a:rPr>
-                <a:t>11*2+8+10</a:t>
-              </a:r>
-              <a:endParaRPr lang="zh-TW" altLang="en-US" sz="1200" dirty="0">
-                <a:latin typeface="Times New Roman" panose="02020603050405020304" pitchFamily="18" charset="0"/>
-                <a:cs typeface="Times New Roman" panose="02020603050405020304" pitchFamily="18" charset="0"/>
-              </a:endParaRPr>
-            </a:p>
-          </p:txBody>
-        </p:sp>
-      </p:grpSp>
-      <p:sp>
-        <p:nvSpPr>
-          <p:cNvPr id="477" name="文字方塊 476">
-            <a:extLst>
-              <a:ext uri="{FF2B5EF4-FFF2-40B4-BE49-F238E27FC236}">
-                <a16:creationId xmlns:a16="http://schemas.microsoft.com/office/drawing/2014/main" id="{6EF7EE0D-6462-498C-A3AA-EE018EE02F9C}"/>
-              </a:ext>
-            </a:extLst>
-          </p:cNvPr>
-          <p:cNvSpPr txBox="1"/>
-          <p:nvPr/>
-        </p:nvSpPr>
-        <p:spPr>
-          <a:xfrm>
-            <a:off x="-17210" y="5576457"/>
-            <a:ext cx="1162511" cy="215444"/>
-          </a:xfrm>
-          <a:prstGeom prst="rect">
-            <a:avLst/>
-          </a:prstGeom>
-          <a:noFill/>
-        </p:spPr>
-        <p:txBody>
-          <a:bodyPr wrap="square" rtlCol="0">
-            <a:spAutoFit/>
-          </a:bodyPr>
-          <a:lstStyle/>
-          <a:p>
-            <a:r>
-              <a:rPr lang="en-US" altLang="zh-TW" sz="800" dirty="0" err="1">
-                <a:latin typeface="Times New Roman" panose="02020603050405020304" pitchFamily="18" charset="0"/>
-                <a:cs typeface="Times New Roman" panose="02020603050405020304" pitchFamily="18" charset="0"/>
-              </a:rPr>
-              <a:t>TourInd_MU</a:t>
-            </a:r>
-            <a:endParaRPr lang="zh-TW" altLang="en-US" sz="800" dirty="0">
-              <a:latin typeface="Times New Roman" panose="02020603050405020304" pitchFamily="18" charset="0"/>
-              <a:cs typeface="Times New Roman" panose="02020603050405020304" pitchFamily="18" charset="0"/>
-            </a:endParaRPr>
-          </a:p>
-        </p:txBody>
-      </p:sp>
-      <p:cxnSp>
-        <p:nvCxnSpPr>
-          <p:cNvPr id="479" name="直線單箭頭接點 478">
-            <a:extLst>
-              <a:ext uri="{FF2B5EF4-FFF2-40B4-BE49-F238E27FC236}">
-                <a16:creationId xmlns:a16="http://schemas.microsoft.com/office/drawing/2014/main" id="{0B7A1175-3619-4A21-A1A5-344345C47ACA}"/>
-              </a:ext>
-            </a:extLst>
-          </p:cNvPr>
-          <p:cNvCxnSpPr>
-            <a:cxnSpLocks/>
-          </p:cNvCxnSpPr>
-          <p:nvPr/>
-        </p:nvCxnSpPr>
-        <p:spPr>
-          <a:xfrm>
-            <a:off x="1901051" y="6310721"/>
-            <a:ext cx="1226857" cy="0"/>
-          </a:xfrm>
-          <a:prstGeom prst="straightConnector1">
-            <a:avLst/>
-          </a:prstGeom>
-          <a:ln>
-            <a:tailEnd type="triangle"/>
-          </a:ln>
-        </p:spPr>
-        <p:style>
-          <a:lnRef idx="3">
-            <a:schemeClr val="accent1"/>
-          </a:lnRef>
-          <a:fillRef idx="0">
-            <a:schemeClr val="accent1"/>
-          </a:fillRef>
-          <a:effectRef idx="2">
-            <a:schemeClr val="accent1"/>
-          </a:effectRef>
-          <a:fontRef idx="minor">
-            <a:schemeClr val="tx1"/>
-          </a:fontRef>
-        </p:style>
-      </p:cxnSp>
-      <p:sp>
-        <p:nvSpPr>
-          <p:cNvPr id="482" name="文字方塊 481">
-            <a:extLst>
-              <a:ext uri="{FF2B5EF4-FFF2-40B4-BE49-F238E27FC236}">
-                <a16:creationId xmlns:a16="http://schemas.microsoft.com/office/drawing/2014/main" id="{6BE7286C-A166-45CB-A5F3-10D57A360FA3}"/>
-              </a:ext>
-            </a:extLst>
-          </p:cNvPr>
-          <p:cNvSpPr txBox="1"/>
-          <p:nvPr/>
-        </p:nvSpPr>
-        <p:spPr>
-          <a:xfrm>
-            <a:off x="2002415" y="6280271"/>
-            <a:ext cx="1037186" cy="215444"/>
-          </a:xfrm>
-          <a:prstGeom prst="rect">
-            <a:avLst/>
-          </a:prstGeom>
-          <a:noFill/>
-        </p:spPr>
-        <p:txBody>
-          <a:bodyPr wrap="square" rtlCol="0">
-            <a:spAutoFit/>
-          </a:bodyPr>
-          <a:lstStyle/>
-          <a:p>
-            <a:r>
-              <a:rPr lang="en-US" altLang="zh-TW" sz="800" dirty="0" err="1">
-                <a:latin typeface="Times New Roman" panose="02020603050405020304" pitchFamily="18" charset="0"/>
-                <a:cs typeface="Times New Roman" panose="02020603050405020304" pitchFamily="18" charset="0"/>
-              </a:rPr>
-              <a:t>Offspring_wb_fit</a:t>
-            </a:r>
-            <a:endParaRPr lang="zh-TW" altLang="en-US" sz="800" dirty="0">
-              <a:latin typeface="Times New Roman" panose="02020603050405020304" pitchFamily="18" charset="0"/>
-              <a:cs typeface="Times New Roman" panose="02020603050405020304" pitchFamily="18" charset="0"/>
-            </a:endParaRPr>
-          </a:p>
-        </p:txBody>
-      </p:sp>
-      <p:cxnSp>
-        <p:nvCxnSpPr>
-          <p:cNvPr id="484" name="直線接點 483">
-            <a:extLst>
-              <a:ext uri="{FF2B5EF4-FFF2-40B4-BE49-F238E27FC236}">
-                <a16:creationId xmlns:a16="http://schemas.microsoft.com/office/drawing/2014/main" id="{4D3AB928-ADCF-496B-B062-FCFF701C3AF2}"/>
-              </a:ext>
-            </a:extLst>
-          </p:cNvPr>
-          <p:cNvCxnSpPr>
-            <a:cxnSpLocks/>
-          </p:cNvCxnSpPr>
-          <p:nvPr/>
-        </p:nvCxnSpPr>
-        <p:spPr>
-          <a:xfrm>
-            <a:off x="2264949" y="6243808"/>
-            <a:ext cx="198667" cy="125382"/>
-          </a:xfrm>
-          <a:prstGeom prst="line">
-            <a:avLst/>
-          </a:prstGeom>
-        </p:spPr>
-        <p:style>
-          <a:lnRef idx="3">
-            <a:schemeClr val="dk1"/>
-          </a:lnRef>
-          <a:fillRef idx="0">
-            <a:schemeClr val="dk1"/>
-          </a:fillRef>
-          <a:effectRef idx="2">
-            <a:schemeClr val="dk1"/>
-          </a:effectRef>
-          <a:fontRef idx="minor">
-            <a:schemeClr val="tx1"/>
-          </a:fontRef>
-        </p:style>
-      </p:cxnSp>
-      <p:grpSp>
-        <p:nvGrpSpPr>
-          <p:cNvPr id="31" name="群組 30">
-            <a:extLst>
-              <a:ext uri="{FF2B5EF4-FFF2-40B4-BE49-F238E27FC236}">
-                <a16:creationId xmlns:a16="http://schemas.microsoft.com/office/drawing/2014/main" id="{CE791F4B-CE6C-41C7-9E4E-2F84B5B0809F}"/>
-              </a:ext>
-            </a:extLst>
-          </p:cNvPr>
-          <p:cNvGrpSpPr/>
-          <p:nvPr/>
-        </p:nvGrpSpPr>
-        <p:grpSpPr>
-          <a:xfrm>
-            <a:off x="198936" y="6440041"/>
-            <a:ext cx="1299635" cy="401056"/>
-            <a:chOff x="198936" y="6440041"/>
-            <a:chExt cx="1299635" cy="401056"/>
-          </a:xfrm>
-        </p:grpSpPr>
-        <p:cxnSp>
-          <p:nvCxnSpPr>
-            <p:cNvPr id="465" name="直線單箭頭接點 464">
-              <a:extLst>
-                <a:ext uri="{FF2B5EF4-FFF2-40B4-BE49-F238E27FC236}">
-                  <a16:creationId xmlns:a16="http://schemas.microsoft.com/office/drawing/2014/main" id="{AF30C126-EA61-4986-B2F5-8178EF873BF3}"/>
-                </a:ext>
-              </a:extLst>
-            </p:cNvPr>
-            <p:cNvCxnSpPr>
-              <a:cxnSpLocks/>
-            </p:cNvCxnSpPr>
-            <p:nvPr/>
-          </p:nvCxnSpPr>
-          <p:spPr>
-            <a:xfrm>
-              <a:off x="271714" y="6664305"/>
-              <a:ext cx="1226857" cy="0"/>
-            </a:xfrm>
-            <a:prstGeom prst="straightConnector1">
-              <a:avLst/>
-            </a:prstGeom>
-            <a:ln>
-              <a:tailEnd type="triangle"/>
-            </a:ln>
-          </p:spPr>
-          <p:style>
-            <a:lnRef idx="3">
-              <a:schemeClr val="accent1"/>
-            </a:lnRef>
-            <a:fillRef idx="0">
-              <a:schemeClr val="accent1"/>
-            </a:fillRef>
-            <a:effectRef idx="2">
-              <a:schemeClr val="accent1"/>
-            </a:effectRef>
-            <a:fontRef idx="minor">
-              <a:schemeClr val="tx1"/>
-            </a:fontRef>
-          </p:style>
-        </p:cxnSp>
-        <p:sp>
-          <p:nvSpPr>
-            <p:cNvPr id="478" name="文字方塊 477">
-              <a:extLst>
-                <a:ext uri="{FF2B5EF4-FFF2-40B4-BE49-F238E27FC236}">
-                  <a16:creationId xmlns:a16="http://schemas.microsoft.com/office/drawing/2014/main" id="{7C8D23FC-F28F-4BED-A239-8A5F7FC27108}"/>
-                </a:ext>
-              </a:extLst>
-            </p:cNvPr>
-            <p:cNvSpPr txBox="1"/>
-            <p:nvPr/>
-          </p:nvSpPr>
-          <p:spPr>
-            <a:xfrm>
-              <a:off x="198936" y="6625653"/>
-              <a:ext cx="1162511" cy="215444"/>
-            </a:xfrm>
-            <a:prstGeom prst="rect">
-              <a:avLst/>
-            </a:prstGeom>
-            <a:noFill/>
-          </p:spPr>
-          <p:txBody>
-            <a:bodyPr wrap="square" rtlCol="0">
-              <a:spAutoFit/>
-            </a:bodyPr>
-            <a:lstStyle/>
-            <a:p>
-              <a:r>
-                <a:rPr lang="en-US" altLang="zh-TW" sz="800" dirty="0" err="1">
-                  <a:latin typeface="Times New Roman" panose="02020603050405020304" pitchFamily="18" charset="0"/>
-                  <a:cs typeface="Times New Roman" panose="02020603050405020304" pitchFamily="18" charset="0"/>
-                </a:rPr>
-                <a:t>fit_FR</a:t>
-              </a:r>
-              <a:endParaRPr lang="zh-TW" altLang="en-US" sz="800" dirty="0">
-                <a:latin typeface="Times New Roman" panose="02020603050405020304" pitchFamily="18" charset="0"/>
-                <a:cs typeface="Times New Roman" panose="02020603050405020304" pitchFamily="18" charset="0"/>
-              </a:endParaRPr>
-            </a:p>
-          </p:txBody>
-        </p:sp>
-        <p:cxnSp>
-          <p:nvCxnSpPr>
-            <p:cNvPr id="483" name="直線接點 482">
-              <a:extLst>
-                <a:ext uri="{FF2B5EF4-FFF2-40B4-BE49-F238E27FC236}">
-                  <a16:creationId xmlns:a16="http://schemas.microsoft.com/office/drawing/2014/main" id="{A657DB17-0BAA-43D9-A89C-AE3145AF6174}"/>
-                </a:ext>
-              </a:extLst>
-            </p:cNvPr>
-            <p:cNvCxnSpPr>
-              <a:cxnSpLocks/>
-            </p:cNvCxnSpPr>
-            <p:nvPr/>
-          </p:nvCxnSpPr>
-          <p:spPr>
-            <a:xfrm>
-              <a:off x="739660" y="6604353"/>
-              <a:ext cx="173322" cy="148216"/>
-            </a:xfrm>
-            <a:prstGeom prst="line">
-              <a:avLst/>
-            </a:prstGeom>
-          </p:spPr>
-          <p:style>
-            <a:lnRef idx="3">
-              <a:schemeClr val="dk1"/>
-            </a:lnRef>
-            <a:fillRef idx="0">
-              <a:schemeClr val="dk1"/>
-            </a:fillRef>
-            <a:effectRef idx="2">
-              <a:schemeClr val="dk1"/>
-            </a:effectRef>
-            <a:fontRef idx="minor">
-              <a:schemeClr val="tx1"/>
-            </a:fontRef>
-          </p:style>
-        </p:cxnSp>
-        <p:sp>
-          <p:nvSpPr>
-            <p:cNvPr id="486" name="文字方塊 485">
-              <a:extLst>
-                <a:ext uri="{FF2B5EF4-FFF2-40B4-BE49-F238E27FC236}">
-                  <a16:creationId xmlns:a16="http://schemas.microsoft.com/office/drawing/2014/main" id="{7ABFD5FF-D28C-4350-85AE-94E92FA23297}"/>
-                </a:ext>
-              </a:extLst>
-            </p:cNvPr>
-            <p:cNvSpPr txBox="1"/>
-            <p:nvPr/>
-          </p:nvSpPr>
-          <p:spPr>
-            <a:xfrm>
-              <a:off x="681527" y="6440041"/>
-              <a:ext cx="564135" cy="276999"/>
-            </a:xfrm>
-            <a:prstGeom prst="rect">
-              <a:avLst/>
-            </a:prstGeom>
-            <a:noFill/>
-          </p:spPr>
-          <p:txBody>
-            <a:bodyPr wrap="square" rtlCol="0">
-              <a:spAutoFit/>
-            </a:bodyPr>
-            <a:lstStyle/>
-            <a:p>
-              <a:r>
-                <a:rPr lang="en-US" altLang="zh-TW" sz="1200" dirty="0">
-                  <a:latin typeface="Times New Roman" panose="02020603050405020304" pitchFamily="18" charset="0"/>
-                  <a:cs typeface="Times New Roman" panose="02020603050405020304" pitchFamily="18" charset="0"/>
-                </a:rPr>
-                <a:t>10</a:t>
-              </a:r>
-              <a:endParaRPr lang="zh-TW" altLang="en-US" sz="1200" dirty="0">
-                <a:latin typeface="Times New Roman" panose="02020603050405020304" pitchFamily="18" charset="0"/>
-                <a:cs typeface="Times New Roman" panose="02020603050405020304" pitchFamily="18" charset="0"/>
-              </a:endParaRPr>
-            </a:p>
-          </p:txBody>
-        </p:sp>
-      </p:grpSp>
-      <p:sp>
-        <p:nvSpPr>
-          <p:cNvPr id="487" name="文字方塊 486">
-            <a:extLst>
-              <a:ext uri="{FF2B5EF4-FFF2-40B4-BE49-F238E27FC236}">
-                <a16:creationId xmlns:a16="http://schemas.microsoft.com/office/drawing/2014/main" id="{E6BB6DE9-F396-4821-8240-72158645A0E3}"/>
-              </a:ext>
-            </a:extLst>
-          </p:cNvPr>
-          <p:cNvSpPr txBox="1"/>
-          <p:nvPr/>
-        </p:nvSpPr>
-        <p:spPr>
-          <a:xfrm>
-            <a:off x="2347843" y="6153612"/>
-            <a:ext cx="564135" cy="276999"/>
-          </a:xfrm>
-          <a:prstGeom prst="rect">
-            <a:avLst/>
-          </a:prstGeom>
-          <a:noFill/>
-        </p:spPr>
-        <p:txBody>
-          <a:bodyPr wrap="square" rtlCol="0">
-            <a:spAutoFit/>
-          </a:bodyPr>
-          <a:lstStyle/>
-          <a:p>
-            <a:r>
-              <a:rPr lang="en-US" altLang="zh-TW" sz="1200" dirty="0">
-                <a:latin typeface="Times New Roman" panose="02020603050405020304" pitchFamily="18" charset="0"/>
-                <a:cs typeface="Times New Roman" panose="02020603050405020304" pitchFamily="18" charset="0"/>
-              </a:rPr>
-              <a:t>10</a:t>
-            </a:r>
-            <a:endParaRPr lang="zh-TW" altLang="en-US" sz="1200" dirty="0">
-              <a:latin typeface="Times New Roman" panose="02020603050405020304" pitchFamily="18" charset="0"/>
-              <a:cs typeface="Times New Roman" panose="02020603050405020304" pitchFamily="18" charset="0"/>
-            </a:endParaRPr>
-          </a:p>
-        </p:txBody>
-      </p:sp>
-      <p:cxnSp>
-        <p:nvCxnSpPr>
-          <p:cNvPr id="488" name="直線單箭頭接點 487">
-            <a:extLst>
-              <a:ext uri="{FF2B5EF4-FFF2-40B4-BE49-F238E27FC236}">
-                <a16:creationId xmlns:a16="http://schemas.microsoft.com/office/drawing/2014/main" id="{87ACAB41-702B-4E33-93EA-969E77BB0869}"/>
-              </a:ext>
-            </a:extLst>
-          </p:cNvPr>
-          <p:cNvCxnSpPr>
-            <a:cxnSpLocks/>
-          </p:cNvCxnSpPr>
-          <p:nvPr/>
-        </p:nvCxnSpPr>
-        <p:spPr>
-          <a:xfrm>
-            <a:off x="264316" y="6243808"/>
-            <a:ext cx="1226857" cy="0"/>
-          </a:xfrm>
-          <a:prstGeom prst="straightConnector1">
-            <a:avLst/>
-          </a:prstGeom>
-          <a:ln>
-            <a:tailEnd type="triangle"/>
-          </a:ln>
-        </p:spPr>
-        <p:style>
-          <a:lnRef idx="3">
-            <a:schemeClr val="accent1"/>
-          </a:lnRef>
-          <a:fillRef idx="0">
-            <a:schemeClr val="accent1"/>
-          </a:fillRef>
-          <a:effectRef idx="2">
-            <a:schemeClr val="accent1"/>
-          </a:effectRef>
-          <a:fontRef idx="minor">
-            <a:schemeClr val="tx1"/>
-          </a:fontRef>
-        </p:style>
-      </p:cxnSp>
-      <p:cxnSp>
-        <p:nvCxnSpPr>
-          <p:cNvPr id="489" name="直線接點 488">
-            <a:extLst>
-              <a:ext uri="{FF2B5EF4-FFF2-40B4-BE49-F238E27FC236}">
-                <a16:creationId xmlns:a16="http://schemas.microsoft.com/office/drawing/2014/main" id="{F2133F08-7CB3-4717-B40C-5F8D7D367229}"/>
-              </a:ext>
-            </a:extLst>
-          </p:cNvPr>
-          <p:cNvCxnSpPr>
-            <a:cxnSpLocks/>
-          </p:cNvCxnSpPr>
-          <p:nvPr/>
-        </p:nvCxnSpPr>
-        <p:spPr>
-          <a:xfrm>
-            <a:off x="760305" y="6178148"/>
-            <a:ext cx="198667" cy="125382"/>
-          </a:xfrm>
-          <a:prstGeom prst="line">
-            <a:avLst/>
-          </a:prstGeom>
-        </p:spPr>
-        <p:style>
-          <a:lnRef idx="3">
-            <a:schemeClr val="dk1"/>
-          </a:lnRef>
-          <a:fillRef idx="0">
-            <a:schemeClr val="dk1"/>
-          </a:fillRef>
-          <a:effectRef idx="2">
-            <a:schemeClr val="dk1"/>
-          </a:effectRef>
-          <a:fontRef idx="minor">
-            <a:schemeClr val="tx1"/>
-          </a:fontRef>
-        </p:style>
-      </p:cxnSp>
-      <p:cxnSp>
-        <p:nvCxnSpPr>
-          <p:cNvPr id="490" name="直線接點 489">
-            <a:extLst>
-              <a:ext uri="{FF2B5EF4-FFF2-40B4-BE49-F238E27FC236}">
-                <a16:creationId xmlns:a16="http://schemas.microsoft.com/office/drawing/2014/main" id="{0D460FF0-A08D-4622-935B-B5DD3EF3D2DD}"/>
-              </a:ext>
-            </a:extLst>
-          </p:cNvPr>
-          <p:cNvCxnSpPr>
-            <a:cxnSpLocks/>
-          </p:cNvCxnSpPr>
-          <p:nvPr/>
-        </p:nvCxnSpPr>
-        <p:spPr>
-          <a:xfrm>
-            <a:off x="741405" y="6387993"/>
-            <a:ext cx="198667" cy="125382"/>
-          </a:xfrm>
-          <a:prstGeom prst="line">
-            <a:avLst/>
-          </a:prstGeom>
-        </p:spPr>
-        <p:style>
-          <a:lnRef idx="3">
-            <a:schemeClr val="dk1"/>
-          </a:lnRef>
-          <a:fillRef idx="0">
-            <a:schemeClr val="dk1"/>
-          </a:fillRef>
-          <a:effectRef idx="2">
-            <a:schemeClr val="dk1"/>
-          </a:effectRef>
-          <a:fontRef idx="minor">
-            <a:schemeClr val="tx1"/>
-          </a:fontRef>
-        </p:style>
-      </p:cxnSp>
-      <p:sp>
-        <p:nvSpPr>
-          <p:cNvPr id="493" name="文字方塊 492">
-            <a:extLst>
-              <a:ext uri="{FF2B5EF4-FFF2-40B4-BE49-F238E27FC236}">
-                <a16:creationId xmlns:a16="http://schemas.microsoft.com/office/drawing/2014/main" id="{CDA1D08F-11A3-4953-97D1-E754D3929C75}"/>
-              </a:ext>
-            </a:extLst>
-          </p:cNvPr>
-          <p:cNvSpPr txBox="1"/>
-          <p:nvPr/>
-        </p:nvSpPr>
-        <p:spPr>
-          <a:xfrm>
-            <a:off x="709234" y="5978253"/>
-            <a:ext cx="1369033" cy="276999"/>
-          </a:xfrm>
-          <a:prstGeom prst="rect">
-            <a:avLst/>
-          </a:prstGeom>
-          <a:noFill/>
-        </p:spPr>
-        <p:txBody>
-          <a:bodyPr wrap="square" rtlCol="0">
-            <a:spAutoFit/>
-          </a:bodyPr>
-          <a:lstStyle/>
-          <a:p>
-            <a:r>
-              <a:rPr lang="en-US" altLang="zh-TW" sz="1200" dirty="0">
-                <a:latin typeface="Times New Roman" panose="02020603050405020304" pitchFamily="18" charset="0"/>
-                <a:cs typeface="Times New Roman" panose="02020603050405020304" pitchFamily="18" charset="0"/>
-              </a:rPr>
-              <a:t>8</a:t>
-            </a:r>
-            <a:endParaRPr lang="zh-TW" altLang="en-US" sz="1200" dirty="0">
-              <a:latin typeface="Times New Roman" panose="02020603050405020304" pitchFamily="18" charset="0"/>
-              <a:cs typeface="Times New Roman" panose="02020603050405020304" pitchFamily="18" charset="0"/>
-            </a:endParaRPr>
-          </a:p>
-        </p:txBody>
-      </p:sp>
-      <p:sp>
-        <p:nvSpPr>
-          <p:cNvPr id="494" name="文字方塊 493">
-            <a:extLst>
-              <a:ext uri="{FF2B5EF4-FFF2-40B4-BE49-F238E27FC236}">
-                <a16:creationId xmlns:a16="http://schemas.microsoft.com/office/drawing/2014/main" id="{6405C426-6C8B-4F61-84A9-B03B5F55CDF4}"/>
-              </a:ext>
-            </a:extLst>
-          </p:cNvPr>
-          <p:cNvSpPr txBox="1"/>
-          <p:nvPr/>
-        </p:nvSpPr>
-        <p:spPr>
-          <a:xfrm>
-            <a:off x="705823" y="6220910"/>
-            <a:ext cx="1369033" cy="276999"/>
-          </a:xfrm>
-          <a:prstGeom prst="rect">
-            <a:avLst/>
-          </a:prstGeom>
-          <a:noFill/>
-        </p:spPr>
-        <p:txBody>
-          <a:bodyPr wrap="square" rtlCol="0">
-            <a:spAutoFit/>
-          </a:bodyPr>
-          <a:lstStyle/>
-          <a:p>
-            <a:r>
-              <a:rPr lang="en-US" altLang="zh-TW" sz="1200" dirty="0">
-                <a:latin typeface="Times New Roman" panose="02020603050405020304" pitchFamily="18" charset="0"/>
-                <a:cs typeface="Times New Roman" panose="02020603050405020304" pitchFamily="18" charset="0"/>
-              </a:rPr>
-              <a:t>8</a:t>
-            </a:r>
-            <a:endParaRPr lang="zh-TW" altLang="en-US" sz="1200" dirty="0">
-              <a:latin typeface="Times New Roman" panose="02020603050405020304" pitchFamily="18" charset="0"/>
-              <a:cs typeface="Times New Roman" panose="02020603050405020304" pitchFamily="18" charset="0"/>
-            </a:endParaRPr>
-          </a:p>
-        </p:txBody>
-      </p:sp>
-      <p:sp>
-        <p:nvSpPr>
-          <p:cNvPr id="496" name="文字方塊 495">
-            <a:extLst>
-              <a:ext uri="{FF2B5EF4-FFF2-40B4-BE49-F238E27FC236}">
-                <a16:creationId xmlns:a16="http://schemas.microsoft.com/office/drawing/2014/main" id="{DCDB03C2-F6AE-43B2-A3ED-ADA1FD2667C3}"/>
-              </a:ext>
-            </a:extLst>
-          </p:cNvPr>
-          <p:cNvSpPr txBox="1"/>
-          <p:nvPr/>
-        </p:nvSpPr>
-        <p:spPr>
-          <a:xfrm>
-            <a:off x="115235" y="6405522"/>
-            <a:ext cx="1037186" cy="215444"/>
-          </a:xfrm>
-          <a:prstGeom prst="rect">
-            <a:avLst/>
-          </a:prstGeom>
-          <a:noFill/>
-        </p:spPr>
-        <p:txBody>
-          <a:bodyPr wrap="square" rtlCol="0">
-            <a:spAutoFit/>
-          </a:bodyPr>
-          <a:lstStyle/>
-          <a:p>
-            <a:r>
-              <a:rPr lang="en-US" altLang="zh-TW" sz="800" dirty="0" err="1">
-                <a:latin typeface="Times New Roman" panose="02020603050405020304" pitchFamily="18" charset="0"/>
-                <a:cs typeface="Times New Roman" panose="02020603050405020304" pitchFamily="18" charset="0"/>
-              </a:rPr>
-              <a:t>Fit_wb_idx</a:t>
-            </a:r>
-            <a:endParaRPr lang="zh-TW" altLang="en-US" sz="800" dirty="0">
-              <a:latin typeface="Times New Roman" panose="02020603050405020304" pitchFamily="18" charset="0"/>
-              <a:cs typeface="Times New Roman" panose="02020603050405020304" pitchFamily="18" charset="0"/>
-            </a:endParaRPr>
-          </a:p>
-        </p:txBody>
-      </p:sp>
-      <p:sp>
-        <p:nvSpPr>
-          <p:cNvPr id="497" name="文字方塊 496">
-            <a:extLst>
-              <a:ext uri="{FF2B5EF4-FFF2-40B4-BE49-F238E27FC236}">
-                <a16:creationId xmlns:a16="http://schemas.microsoft.com/office/drawing/2014/main" id="{3F60C73F-60D8-4238-8864-405BB66C996C}"/>
-              </a:ext>
-            </a:extLst>
-          </p:cNvPr>
-          <p:cNvSpPr txBox="1"/>
-          <p:nvPr/>
-        </p:nvSpPr>
-        <p:spPr>
-          <a:xfrm>
-            <a:off x="-78300" y="6183699"/>
-            <a:ext cx="1037186" cy="215444"/>
-          </a:xfrm>
-          <a:prstGeom prst="rect">
-            <a:avLst/>
-          </a:prstGeom>
-          <a:noFill/>
-        </p:spPr>
-        <p:txBody>
-          <a:bodyPr wrap="square" rtlCol="0">
-            <a:spAutoFit/>
-          </a:bodyPr>
-          <a:lstStyle/>
-          <a:p>
-            <a:r>
-              <a:rPr lang="en-US" altLang="zh-TW" sz="800" dirty="0" err="1">
-                <a:latin typeface="Times New Roman" panose="02020603050405020304" pitchFamily="18" charset="0"/>
-                <a:cs typeface="Times New Roman" panose="02020603050405020304" pitchFamily="18" charset="0"/>
-              </a:rPr>
-              <a:t>Tour_wb_idx_MU</a:t>
-            </a:r>
-            <a:endParaRPr lang="zh-TW" altLang="en-US" sz="800" dirty="0">
-              <a:latin typeface="Times New Roman" panose="02020603050405020304" pitchFamily="18" charset="0"/>
-              <a:cs typeface="Times New Roman" panose="02020603050405020304" pitchFamily="18" charset="0"/>
-            </a:endParaRPr>
-          </a:p>
-        </p:txBody>
-      </p:sp>
       <p:sp>
         <p:nvSpPr>
           <p:cNvPr id="203" name="流程圖: 接點 202">
@@ -10403,10 +8739,10 @@
         </p:nvGrpSpPr>
         <p:grpSpPr>
           <a:xfrm>
-            <a:off x="5811313" y="3618029"/>
-            <a:ext cx="2129361" cy="681025"/>
-            <a:chOff x="3979482" y="3615548"/>
-            <a:chExt cx="1237085" cy="681025"/>
+            <a:off x="5600113" y="2989011"/>
+            <a:ext cx="1115826" cy="551104"/>
+            <a:chOff x="3829478" y="3615548"/>
+            <a:chExt cx="1162511" cy="614932"/>
           </a:xfrm>
         </p:grpSpPr>
         <p:grpSp>
@@ -10570,218 +8906,8 @@
           </p:nvSpPr>
           <p:spPr>
             <a:xfrm>
-              <a:off x="4054056" y="4081129"/>
-              <a:ext cx="1162511" cy="215444"/>
-            </a:xfrm>
-            <a:prstGeom prst="rect">
-              <a:avLst/>
-            </a:prstGeom>
-            <a:noFill/>
-          </p:spPr>
-          <p:txBody>
-            <a:bodyPr wrap="square" rtlCol="0">
-              <a:spAutoFit/>
-            </a:bodyPr>
-            <a:lstStyle/>
-            <a:p>
-              <a:r>
-                <a:rPr lang="en-US" altLang="zh-TW" sz="800" dirty="0" err="1">
-                  <a:latin typeface="Times New Roman" panose="02020603050405020304" pitchFamily="18" charset="0"/>
-                  <a:cs typeface="Times New Roman" panose="02020603050405020304" pitchFamily="18" charset="0"/>
-                </a:rPr>
-                <a:t>Pop_indState_CRX</a:t>
-              </a:r>
-              <a:endParaRPr lang="zh-TW" altLang="en-US" sz="800" dirty="0">
-                <a:latin typeface="Times New Roman" panose="02020603050405020304" pitchFamily="18" charset="0"/>
-                <a:cs typeface="Times New Roman" panose="02020603050405020304" pitchFamily="18" charset="0"/>
-              </a:endParaRPr>
-            </a:p>
-          </p:txBody>
-        </p:sp>
-      </p:grpSp>
-      <p:grpSp>
-        <p:nvGrpSpPr>
-          <p:cNvPr id="236" name="群組 235">
-            <a:extLst>
-              <a:ext uri="{FF2B5EF4-FFF2-40B4-BE49-F238E27FC236}">
-                <a16:creationId xmlns:a16="http://schemas.microsoft.com/office/drawing/2014/main" id="{C105823F-50DD-4DF0-BCA0-B8425E6E6E98}"/>
-              </a:ext>
-            </a:extLst>
-          </p:cNvPr>
-          <p:cNvGrpSpPr/>
-          <p:nvPr/>
-        </p:nvGrpSpPr>
-        <p:grpSpPr>
-          <a:xfrm>
-            <a:off x="5793626" y="4493142"/>
-            <a:ext cx="2000999" cy="806568"/>
-            <a:chOff x="4460643" y="4533535"/>
-            <a:chExt cx="1162511" cy="806568"/>
-          </a:xfrm>
-        </p:grpSpPr>
-        <p:grpSp>
-          <p:nvGrpSpPr>
-            <p:cNvPr id="237" name="群組 236">
-              <a:extLst>
-                <a:ext uri="{FF2B5EF4-FFF2-40B4-BE49-F238E27FC236}">
-                  <a16:creationId xmlns:a16="http://schemas.microsoft.com/office/drawing/2014/main" id="{73F33ECA-8E10-4E20-9B14-C881B1824E2E}"/>
-                </a:ext>
-              </a:extLst>
-            </p:cNvPr>
-            <p:cNvGrpSpPr/>
-            <p:nvPr/>
-          </p:nvGrpSpPr>
-          <p:grpSpPr>
-            <a:xfrm>
-              <a:off x="4466226" y="4533535"/>
-              <a:ext cx="719093" cy="543454"/>
-              <a:chOff x="3600931" y="2056906"/>
-              <a:chExt cx="1014668" cy="543454"/>
-            </a:xfrm>
-          </p:grpSpPr>
-          <p:sp>
-            <p:nvSpPr>
-              <p:cNvPr id="239" name="箭號: 向右 238">
-                <a:extLst>
-                  <a:ext uri="{FF2B5EF4-FFF2-40B4-BE49-F238E27FC236}">
-                    <a16:creationId xmlns:a16="http://schemas.microsoft.com/office/drawing/2014/main" id="{2BDDD215-5923-42E9-A2CD-813E994D1302}"/>
-                  </a:ext>
-                </a:extLst>
-              </p:cNvPr>
-              <p:cNvSpPr/>
-              <p:nvPr/>
-            </p:nvSpPr>
-            <p:spPr>
-              <a:xfrm>
-                <a:off x="3600931" y="2275407"/>
-                <a:ext cx="1014668" cy="312535"/>
-              </a:xfrm>
-              <a:prstGeom prst="rightArrow">
-                <a:avLst/>
-              </a:prstGeom>
-            </p:spPr>
-            <p:style>
-              <a:lnRef idx="2">
-                <a:schemeClr val="accent1">
-                  <a:shade val="50000"/>
-                </a:schemeClr>
-              </a:lnRef>
-              <a:fillRef idx="1">
-                <a:schemeClr val="accent1"/>
-              </a:fillRef>
-              <a:effectRef idx="0">
-                <a:schemeClr val="accent1"/>
-              </a:effectRef>
-              <a:fontRef idx="minor">
-                <a:schemeClr val="lt1"/>
-              </a:fontRef>
-            </p:style>
-            <p:txBody>
-              <a:bodyPr rtlCol="0" anchor="ctr"/>
-              <a:lstStyle/>
-              <a:p>
-                <a:pPr algn="ctr"/>
-                <a:endParaRPr lang="zh-TW" altLang="en-US"/>
-              </a:p>
-            </p:txBody>
-          </p:sp>
-          <p:cxnSp>
-            <p:nvCxnSpPr>
-              <p:cNvPr id="241" name="直線接點 240">
-                <a:extLst>
-                  <a:ext uri="{FF2B5EF4-FFF2-40B4-BE49-F238E27FC236}">
-                    <a16:creationId xmlns:a16="http://schemas.microsoft.com/office/drawing/2014/main" id="{F639BFA3-A08F-4EF2-9671-D802CFA18CDB}"/>
-                  </a:ext>
-                </a:extLst>
-              </p:cNvPr>
-              <p:cNvCxnSpPr>
-                <a:cxnSpLocks/>
-              </p:cNvCxnSpPr>
-              <p:nvPr/>
-            </p:nvCxnSpPr>
-            <p:spPr>
-              <a:xfrm>
-                <a:off x="3880336" y="2283287"/>
-                <a:ext cx="180864" cy="317073"/>
-              </a:xfrm>
-              <a:prstGeom prst="line">
-                <a:avLst/>
-              </a:prstGeom>
-            </p:spPr>
-            <p:style>
-              <a:lnRef idx="3">
-                <a:schemeClr val="dk1"/>
-              </a:lnRef>
-              <a:fillRef idx="0">
-                <a:schemeClr val="dk1"/>
-              </a:fillRef>
-              <a:effectRef idx="2">
-                <a:schemeClr val="dk1"/>
-              </a:effectRef>
-              <a:fontRef idx="minor">
-                <a:schemeClr val="tx1"/>
-              </a:fontRef>
-            </p:style>
-          </p:cxnSp>
-          <p:sp>
-            <p:nvSpPr>
-              <p:cNvPr id="251" name="文字方塊 250">
-                <a:extLst>
-                  <a:ext uri="{FF2B5EF4-FFF2-40B4-BE49-F238E27FC236}">
-                    <a16:creationId xmlns:a16="http://schemas.microsoft.com/office/drawing/2014/main" id="{EA876825-0BBE-4002-BAC7-5CFEAA21A720}"/>
-                  </a:ext>
-                </a:extLst>
-              </p:cNvPr>
-              <p:cNvSpPr txBox="1"/>
-              <p:nvPr/>
-            </p:nvSpPr>
-            <p:spPr>
-              <a:xfrm>
-                <a:off x="3747613" y="2056906"/>
-                <a:ext cx="796016" cy="276999"/>
-              </a:xfrm>
-              <a:prstGeom prst="rect">
-                <a:avLst/>
-              </a:prstGeom>
-              <a:noFill/>
-            </p:spPr>
-            <p:txBody>
-              <a:bodyPr wrap="square" rtlCol="0">
-                <a:spAutoFit/>
-              </a:bodyPr>
-              <a:lstStyle/>
-              <a:p>
-                <a:r>
-                  <a:rPr lang="en-US" altLang="zh-TW" sz="1200" dirty="0">
-                    <a:latin typeface="Times New Roman" panose="02020603050405020304" pitchFamily="18" charset="0"/>
-                    <a:cs typeface="Times New Roman" panose="02020603050405020304" pitchFamily="18" charset="0"/>
-                  </a:rPr>
-                  <a:t>11*2</a:t>
-                </a:r>
-                <a:endParaRPr lang="zh-TW" altLang="en-US" sz="1200" dirty="0">
-                  <a:latin typeface="Times New Roman" panose="02020603050405020304" pitchFamily="18" charset="0"/>
-                  <a:cs typeface="Times New Roman" panose="02020603050405020304" pitchFamily="18" charset="0"/>
-                </a:endParaRPr>
-              </a:p>
-            </p:txBody>
-          </p:sp>
-        </p:grpSp>
-        <p:sp>
-          <p:nvSpPr>
-            <p:cNvPr id="238" name="文字方塊 237">
-              <a:extLst>
-                <a:ext uri="{FF2B5EF4-FFF2-40B4-BE49-F238E27FC236}">
-                  <a16:creationId xmlns:a16="http://schemas.microsoft.com/office/drawing/2014/main" id="{54F84349-E4A7-4880-A1AF-9803BAA6B6AC}"/>
-                </a:ext>
-              </a:extLst>
-            </p:cNvPr>
-            <p:cNvSpPr txBox="1"/>
-            <p:nvPr/>
-          </p:nvSpPr>
-          <p:spPr>
-            <a:xfrm>
-              <a:off x="4460643" y="5124659"/>
-              <a:ext cx="1162511" cy="215444"/>
+              <a:off x="3829478" y="3990084"/>
+              <a:ext cx="1162511" cy="240396"/>
             </a:xfrm>
             <a:prstGeom prst="rect">
               <a:avLst/>
@@ -10799,7 +8925,7 @@
                   <a:latin typeface="Times New Roman" panose="02020603050405020304" pitchFamily="18" charset="0"/>
                   <a:cs typeface="Times New Roman" panose="02020603050405020304" pitchFamily="18" charset="0"/>
                 </a:rPr>
-                <a:t>Offspring_ind2State_CRX</a:t>
+                <a:t>Off_State1_CRX</a:t>
               </a:r>
               <a:endParaRPr lang="zh-TW" altLang="en-US" sz="800" dirty="0">
                 <a:latin typeface="Times New Roman" panose="02020603050405020304" pitchFamily="18" charset="0"/>
@@ -10823,10 +8949,10 @@
         </p:nvGrpSpPr>
         <p:grpSpPr>
           <a:xfrm>
-            <a:off x="5800302" y="5214291"/>
-            <a:ext cx="1994323" cy="834174"/>
-            <a:chOff x="4460833" y="4493511"/>
-            <a:chExt cx="1162511" cy="834174"/>
+            <a:off x="6061524" y="5214291"/>
+            <a:ext cx="1759824" cy="826002"/>
+            <a:chOff x="4466226" y="4493511"/>
+            <a:chExt cx="1172695" cy="826002"/>
           </a:xfrm>
         </p:grpSpPr>
         <p:grpSp>
@@ -10990,7 +9116,7 @@
           </p:nvSpPr>
           <p:spPr>
             <a:xfrm>
-              <a:off x="4460833" y="5112241"/>
+              <a:off x="4476410" y="5104069"/>
               <a:ext cx="1162511" cy="215444"/>
             </a:xfrm>
             <a:prstGeom prst="rect">
@@ -11005,11 +9131,11 @@
             <a:lstStyle/>
             <a:p>
               <a:r>
-                <a:rPr lang="en-US" altLang="zh-TW" sz="800" dirty="0">
+                <a:rPr lang="en-US" altLang="zh-TW" sz="800" dirty="0" err="1">
                   <a:latin typeface="Times New Roman" panose="02020603050405020304" pitchFamily="18" charset="0"/>
                   <a:cs typeface="Times New Roman" panose="02020603050405020304" pitchFamily="18" charset="0"/>
                 </a:rPr>
-                <a:t>Offspring_ind2State_CRX</a:t>
+                <a:t>NewCrossStateCRX</a:t>
               </a:r>
               <a:endParaRPr lang="zh-TW" altLang="en-US" sz="800" dirty="0">
                 <a:latin typeface="Times New Roman" panose="02020603050405020304" pitchFamily="18" charset="0"/>
@@ -11132,125 +9258,51 @@
           <a:lstStyle/>
           <a:p>
             <a:pPr algn="ctr"/>
-            <a:r>
-              <a:rPr lang="en-US" altLang="zh-TW" dirty="0"/>
-              <a:t>CRX</a:t>
-            </a:r>
-          </a:p>
-          <a:p>
-            <a:pPr algn="ctr"/>
-            <a:r>
-              <a:rPr lang="en-US" altLang="zh-TW" dirty="0"/>
-              <a:t>GEN</a:t>
-            </a:r>
-            <a:endParaRPr lang="zh-TW" altLang="en-US" dirty="0"/>
+            <a:endParaRPr lang="en-US" altLang="zh-TW" dirty="0"/>
           </a:p>
         </p:txBody>
       </p:sp>
-      <p:grpSp>
-        <p:nvGrpSpPr>
-          <p:cNvPr id="73" name="群組 72">
+      <p:cxnSp>
+        <p:nvCxnSpPr>
+          <p:cNvPr id="268" name="直線單箭頭接點 267">
             <a:extLst>
               <a:ext uri="{FF2B5EF4-FFF2-40B4-BE49-F238E27FC236}">
-                <a16:creationId xmlns:a16="http://schemas.microsoft.com/office/drawing/2014/main" id="{00124A65-6B55-44BD-A3F8-977A1A026FF1}"/>
+                <a16:creationId xmlns:a16="http://schemas.microsoft.com/office/drawing/2014/main" id="{441EFE3D-3707-459C-BCE9-89E644957BFA}"/>
               </a:ext>
             </a:extLst>
           </p:cNvPr>
-          <p:cNvGrpSpPr/>
+          <p:cNvCxnSpPr>
+            <a:cxnSpLocks/>
+          </p:cNvCxnSpPr>
           <p:nvPr/>
-        </p:nvGrpSpPr>
-        <p:grpSpPr>
+        </p:nvCxnSpPr>
+        <p:spPr>
           <a:xfrm>
-            <a:off x="5993432" y="3334411"/>
-            <a:ext cx="1380190" cy="529674"/>
-            <a:chOff x="5993432" y="3334411"/>
-            <a:chExt cx="1380190" cy="529674"/>
+            <a:off x="7444966" y="3856344"/>
+            <a:ext cx="0" cy="321273"/>
           </a:xfrm>
-        </p:grpSpPr>
-        <p:cxnSp>
-          <p:nvCxnSpPr>
-            <p:cNvPr id="268" name="直線單箭頭接點 267">
-              <a:extLst>
-                <a:ext uri="{FF2B5EF4-FFF2-40B4-BE49-F238E27FC236}">
-                  <a16:creationId xmlns:a16="http://schemas.microsoft.com/office/drawing/2014/main" id="{441EFE3D-3707-459C-BCE9-89E644957BFA}"/>
-                </a:ext>
-              </a:extLst>
-            </p:cNvPr>
-            <p:cNvCxnSpPr>
-              <a:cxnSpLocks/>
-            </p:cNvCxnSpPr>
-            <p:nvPr/>
-          </p:nvCxnSpPr>
-          <p:spPr>
-            <a:xfrm>
-              <a:off x="7257571" y="3542812"/>
-              <a:ext cx="0" cy="321273"/>
-            </a:xfrm>
-            <a:prstGeom prst="straightConnector1">
-              <a:avLst/>
-            </a:prstGeom>
-            <a:ln>
-              <a:tailEnd type="triangle"/>
-            </a:ln>
-          </p:spPr>
-          <p:style>
-            <a:lnRef idx="3">
-              <a:schemeClr val="accent4"/>
-            </a:lnRef>
-            <a:fillRef idx="0">
-              <a:schemeClr val="accent4"/>
-            </a:fillRef>
-            <a:effectRef idx="2">
-              <a:schemeClr val="accent4"/>
-            </a:effectRef>
-            <a:fontRef idx="minor">
-              <a:schemeClr val="tx1"/>
-            </a:fontRef>
-          </p:style>
-        </p:cxnSp>
-        <p:sp>
-          <p:nvSpPr>
-            <p:cNvPr id="269" name="文字方塊 268">
-              <a:extLst>
-                <a:ext uri="{FF2B5EF4-FFF2-40B4-BE49-F238E27FC236}">
-                  <a16:creationId xmlns:a16="http://schemas.microsoft.com/office/drawing/2014/main" id="{7BE94520-2D1F-41D8-8733-E5DAF1592C2B}"/>
-                </a:ext>
-              </a:extLst>
-            </p:cNvPr>
-            <p:cNvSpPr txBox="1"/>
-            <p:nvPr/>
-          </p:nvSpPr>
-          <p:spPr>
-            <a:xfrm>
-              <a:off x="5993432" y="3334411"/>
-              <a:ext cx="1380190" cy="276999"/>
-            </a:xfrm>
-            <a:prstGeom prst="rect">
-              <a:avLst/>
-            </a:prstGeom>
-            <a:noFill/>
-          </p:spPr>
-          <p:txBody>
-            <a:bodyPr wrap="square" rtlCol="0">
-              <a:spAutoFit/>
-            </a:bodyPr>
-            <a:lstStyle/>
-            <a:p>
-              <a:r>
-                <a:rPr lang="en-US" altLang="zh-TW" sz="1200" dirty="0" err="1">
-                  <a:latin typeface="Times New Roman" panose="02020603050405020304" pitchFamily="18" charset="0"/>
-                  <a:cs typeface="Times New Roman" panose="02020603050405020304" pitchFamily="18" charset="0"/>
-                </a:rPr>
-                <a:t>currentState_CRX</a:t>
-              </a:r>
-              <a:endParaRPr lang="zh-TW" altLang="en-US" sz="1200" dirty="0">
-                <a:latin typeface="Times New Roman" panose="02020603050405020304" pitchFamily="18" charset="0"/>
-                <a:cs typeface="Times New Roman" panose="02020603050405020304" pitchFamily="18" charset="0"/>
-              </a:endParaRPr>
-            </a:p>
-          </p:txBody>
-        </p:sp>
-      </p:grpSp>
+          <a:prstGeom prst="straightConnector1">
+            <a:avLst/>
+          </a:prstGeom>
+          <a:ln>
+            <a:tailEnd type="triangle"/>
+          </a:ln>
+        </p:spPr>
+        <p:style>
+          <a:lnRef idx="3">
+            <a:schemeClr val="accent4"/>
+          </a:lnRef>
+          <a:fillRef idx="0">
+            <a:schemeClr val="accent4"/>
+          </a:fillRef>
+          <a:effectRef idx="2">
+            <a:schemeClr val="accent4"/>
+          </a:effectRef>
+          <a:fontRef idx="minor">
+            <a:schemeClr val="tx1"/>
+          </a:fontRef>
+        </p:style>
+      </p:cxnSp>
       <p:grpSp>
         <p:nvGrpSpPr>
           <p:cNvPr id="271" name="群組 270">
@@ -11710,9 +9762,9 @@
         <p:grpSpPr>
           <a:xfrm>
             <a:off x="5800302" y="2078574"/>
-            <a:ext cx="1526204" cy="444055"/>
+            <a:ext cx="1595347" cy="452494"/>
             <a:chOff x="271714" y="6407804"/>
-            <a:chExt cx="1611705" cy="532876"/>
+            <a:chExt cx="1684722" cy="543003"/>
           </a:xfrm>
         </p:grpSpPr>
         <p:cxnSp>
@@ -11770,7 +9822,7 @@
           </p:nvSpPr>
           <p:spPr>
             <a:xfrm>
-              <a:off x="410942" y="6682142"/>
+              <a:off x="483959" y="6692269"/>
               <a:ext cx="1472477" cy="258538"/>
             </a:xfrm>
             <a:prstGeom prst="rect">
@@ -11785,11 +9837,11 @@
             <a:lstStyle/>
             <a:p>
               <a:r>
-                <a:rPr lang="en-US" altLang="zh-TW" sz="800" dirty="0" err="1">
+                <a:rPr lang="en-US" altLang="zh-TW" sz="800" dirty="0">
                   <a:latin typeface="Times New Roman" panose="02020603050405020304" pitchFamily="18" charset="0"/>
                   <a:cs typeface="Times New Roman" panose="02020603050405020304" pitchFamily="18" charset="0"/>
                 </a:rPr>
-                <a:t>offSpringFit_CRX</a:t>
+                <a:t>offFit2_CRX</a:t>
               </a:r>
               <a:endParaRPr lang="zh-TW" altLang="en-US" sz="800" dirty="0">
                 <a:latin typeface="Times New Roman" panose="02020603050405020304" pitchFamily="18" charset="0"/>
@@ -11870,190 +9922,6 @@
                   <a:cs typeface="Times New Roman" panose="02020603050405020304" pitchFamily="18" charset="0"/>
                 </a:rPr>
                 <a:t>10</a:t>
-              </a:r>
-              <a:endParaRPr lang="zh-TW" altLang="en-US" sz="1200" dirty="0">
-                <a:latin typeface="Times New Roman" panose="02020603050405020304" pitchFamily="18" charset="0"/>
-                <a:cs typeface="Times New Roman" panose="02020603050405020304" pitchFamily="18" charset="0"/>
-              </a:endParaRPr>
-            </a:p>
-          </p:txBody>
-        </p:sp>
-      </p:grpSp>
-      <p:grpSp>
-        <p:nvGrpSpPr>
-          <p:cNvPr id="313" name="群組 312">
-            <a:extLst>
-              <a:ext uri="{FF2B5EF4-FFF2-40B4-BE49-F238E27FC236}">
-                <a16:creationId xmlns:a16="http://schemas.microsoft.com/office/drawing/2014/main" id="{37539CAE-86FA-4AD2-B3D2-6BDA2AE790F4}"/>
-              </a:ext>
-            </a:extLst>
-          </p:cNvPr>
-          <p:cNvGrpSpPr/>
-          <p:nvPr/>
-        </p:nvGrpSpPr>
-        <p:grpSpPr>
-          <a:xfrm>
-            <a:off x="5805272" y="2381771"/>
-            <a:ext cx="1679233" cy="485446"/>
-            <a:chOff x="271714" y="6407804"/>
-            <a:chExt cx="1677919" cy="485446"/>
-          </a:xfrm>
-        </p:grpSpPr>
-        <p:cxnSp>
-          <p:nvCxnSpPr>
-            <p:cNvPr id="314" name="直線單箭頭接點 313">
-              <a:extLst>
-                <a:ext uri="{FF2B5EF4-FFF2-40B4-BE49-F238E27FC236}">
-                  <a16:creationId xmlns:a16="http://schemas.microsoft.com/office/drawing/2014/main" id="{153CFA3B-1C13-443F-BEFC-C43141690422}"/>
-                </a:ext>
-              </a:extLst>
-            </p:cNvPr>
-            <p:cNvCxnSpPr>
-              <a:cxnSpLocks/>
-            </p:cNvCxnSpPr>
-            <p:nvPr/>
-          </p:nvCxnSpPr>
-          <p:spPr>
-            <a:xfrm>
-              <a:off x="271714" y="6664305"/>
-              <a:ext cx="1226857" cy="0"/>
-            </a:xfrm>
-            <a:prstGeom prst="straightConnector1">
-              <a:avLst/>
-            </a:prstGeom>
-            <a:ln>
-              <a:tailEnd type="triangle"/>
-            </a:ln>
-          </p:spPr>
-          <p:style>
-            <a:lnRef idx="3">
-              <a:schemeClr val="accent1"/>
-            </a:lnRef>
-            <a:fillRef idx="0">
-              <a:schemeClr val="accent1"/>
-            </a:fillRef>
-            <a:effectRef idx="2">
-              <a:schemeClr val="accent1"/>
-            </a:effectRef>
-            <a:fontRef idx="minor">
-              <a:schemeClr val="tx1"/>
-            </a:fontRef>
-          </p:style>
-        </p:cxnSp>
-        <p:sp>
-          <p:nvSpPr>
-            <p:cNvPr id="315" name="文字方塊 314">
-              <a:extLst>
-                <a:ext uri="{FF2B5EF4-FFF2-40B4-BE49-F238E27FC236}">
-                  <a16:creationId xmlns:a16="http://schemas.microsoft.com/office/drawing/2014/main" id="{D5FB6D32-CF0F-4D3F-B8E3-FF23DB1C4744}"/>
-                </a:ext>
-              </a:extLst>
-            </p:cNvPr>
-            <p:cNvSpPr txBox="1"/>
-            <p:nvPr/>
-          </p:nvSpPr>
-          <p:spPr>
-            <a:xfrm>
-              <a:off x="477156" y="6677806"/>
-              <a:ext cx="1472477" cy="215444"/>
-            </a:xfrm>
-            <a:prstGeom prst="rect">
-              <a:avLst/>
-            </a:prstGeom>
-            <a:noFill/>
-          </p:spPr>
-          <p:txBody>
-            <a:bodyPr wrap="square" rtlCol="0">
-              <a:spAutoFit/>
-            </a:bodyPr>
-            <a:lstStyle/>
-            <a:p>
-              <a:r>
-                <a:rPr lang="en-US" altLang="zh-TW" sz="800" dirty="0" err="1">
-                  <a:latin typeface="Times New Roman" panose="02020603050405020304" pitchFamily="18" charset="0"/>
-                  <a:cs typeface="Times New Roman" panose="02020603050405020304" pitchFamily="18" charset="0"/>
-                </a:rPr>
-                <a:t>popIdx_CRX</a:t>
-              </a:r>
-              <a:endParaRPr lang="zh-TW" altLang="en-US" sz="800" dirty="0">
-                <a:latin typeface="Times New Roman" panose="02020603050405020304" pitchFamily="18" charset="0"/>
-                <a:cs typeface="Times New Roman" panose="02020603050405020304" pitchFamily="18" charset="0"/>
-              </a:endParaRPr>
-            </a:p>
-          </p:txBody>
-        </p:sp>
-        <p:cxnSp>
-          <p:nvCxnSpPr>
-            <p:cNvPr id="316" name="直線接點 315">
-              <a:extLst>
-                <a:ext uri="{FF2B5EF4-FFF2-40B4-BE49-F238E27FC236}">
-                  <a16:creationId xmlns:a16="http://schemas.microsoft.com/office/drawing/2014/main" id="{16143DFF-81A6-4AF0-AE7C-2968E8AA4100}"/>
-                </a:ext>
-              </a:extLst>
-            </p:cNvPr>
-            <p:cNvCxnSpPr>
-              <a:cxnSpLocks/>
-            </p:cNvCxnSpPr>
-            <p:nvPr/>
-          </p:nvCxnSpPr>
-          <p:spPr>
-            <a:xfrm>
-              <a:off x="739660" y="6604353"/>
-              <a:ext cx="173322" cy="148216"/>
-            </a:xfrm>
-            <a:prstGeom prst="line">
-              <a:avLst/>
-            </a:prstGeom>
-          </p:spPr>
-          <p:style>
-            <a:lnRef idx="3">
-              <a:schemeClr val="dk1"/>
-            </a:lnRef>
-            <a:fillRef idx="0">
-              <a:schemeClr val="dk1"/>
-            </a:fillRef>
-            <a:effectRef idx="2">
-              <a:schemeClr val="dk1"/>
-            </a:effectRef>
-            <a:fontRef idx="minor">
-              <a:schemeClr val="tx1"/>
-            </a:fontRef>
-          </p:style>
-        </p:cxnSp>
-        <p:sp>
-          <p:nvSpPr>
-            <p:cNvPr id="318" name="文字方塊 317">
-              <a:extLst>
-                <a:ext uri="{FF2B5EF4-FFF2-40B4-BE49-F238E27FC236}">
-                  <a16:creationId xmlns:a16="http://schemas.microsoft.com/office/drawing/2014/main" id="{DDB91F79-307A-4B40-A7B2-181F3F6B4A00}"/>
-                </a:ext>
-              </a:extLst>
-            </p:cNvPr>
-            <p:cNvSpPr txBox="1"/>
-            <p:nvPr/>
-          </p:nvSpPr>
-          <p:spPr>
-            <a:xfrm>
-              <a:off x="767546" y="6407804"/>
-              <a:ext cx="564135" cy="276999"/>
-            </a:xfrm>
-            <a:prstGeom prst="rect">
-              <a:avLst/>
-            </a:prstGeom>
-            <a:noFill/>
-          </p:spPr>
-          <p:txBody>
-            <a:bodyPr wrap="square" rtlCol="0">
-              <a:spAutoFit/>
-            </a:bodyPr>
-            <a:lstStyle/>
-            <a:p>
-              <a:r>
-                <a:rPr lang="en-US" altLang="zh-TW" sz="1200" dirty="0">
-                  <a:latin typeface="Times New Roman" panose="02020603050405020304" pitchFamily="18" charset="0"/>
-                  <a:cs typeface="Times New Roman" panose="02020603050405020304" pitchFamily="18" charset="0"/>
-                </a:rPr>
-                <a:t>8</a:t>
               </a:r>
               <a:endParaRPr lang="zh-TW" altLang="en-US" sz="1200" dirty="0">
                 <a:latin typeface="Times New Roman" panose="02020603050405020304" pitchFamily="18" charset="0"/>
@@ -12157,7 +10025,7 @@
                   <a:latin typeface="Times New Roman" panose="02020603050405020304" pitchFamily="18" charset="0"/>
                   <a:cs typeface="Times New Roman" panose="02020603050405020304" pitchFamily="18" charset="0"/>
                 </a:rPr>
-                <a:t>offspringMutateRate_CRX</a:t>
+                <a:t>offMutateRate_CRX</a:t>
               </a:r>
               <a:endParaRPr lang="zh-TW" altLang="en-US" sz="800" dirty="0">
                 <a:latin typeface="Times New Roman" panose="02020603050405020304" pitchFamily="18" charset="0"/>
@@ -12261,10 +10129,10 @@
         </p:nvGrpSpPr>
         <p:grpSpPr>
           <a:xfrm>
-            <a:off x="2663566" y="1459831"/>
-            <a:ext cx="3561654" cy="333331"/>
-            <a:chOff x="4626544" y="424471"/>
-            <a:chExt cx="681530" cy="333331"/>
+            <a:off x="2628424" y="1459831"/>
+            <a:ext cx="3596793" cy="333331"/>
+            <a:chOff x="4619820" y="424471"/>
+            <a:chExt cx="688254" cy="333331"/>
           </a:xfrm>
         </p:grpSpPr>
         <p:cxnSp>
@@ -12283,8 +10151,8 @@
           </p:nvCxnSpPr>
           <p:spPr>
             <a:xfrm>
-              <a:off x="4626544" y="675073"/>
-              <a:ext cx="478006" cy="0"/>
+              <a:off x="4619820" y="675073"/>
+              <a:ext cx="484730" cy="0"/>
             </a:xfrm>
             <a:prstGeom prst="straightConnector1">
               <a:avLst/>
@@ -12675,7 +10543,7 @@
         </p:nvSpPr>
         <p:spPr>
           <a:xfrm>
-            <a:off x="2558484" y="4807649"/>
+            <a:off x="2556443" y="4791280"/>
             <a:ext cx="1162511" cy="215444"/>
           </a:xfrm>
           <a:prstGeom prst="rect">
@@ -12732,936 +10600,11 @@
           <a:lstStyle/>
           <a:p>
             <a:r>
-              <a:rPr lang="en-US" altLang="zh-TW" sz="1200" dirty="0" err="1">
-                <a:latin typeface="Times New Roman" panose="02020603050405020304" pitchFamily="18" charset="0"/>
-                <a:cs typeface="Times New Roman" panose="02020603050405020304" pitchFamily="18" charset="0"/>
-              </a:rPr>
-              <a:t>popIdx</a:t>
-            </a:r>
-            <a:endParaRPr lang="zh-TW" altLang="en-US" sz="1200" dirty="0">
-              <a:latin typeface="Times New Roman" panose="02020603050405020304" pitchFamily="18" charset="0"/>
-              <a:cs typeface="Times New Roman" panose="02020603050405020304" pitchFamily="18" charset="0"/>
-            </a:endParaRPr>
-          </a:p>
-        </p:txBody>
-      </p:sp>
-      <p:sp>
-        <p:nvSpPr>
-          <p:cNvPr id="361" name="矩形 35">
-            <a:extLst>
-              <a:ext uri="{FF2B5EF4-FFF2-40B4-BE49-F238E27FC236}">
-                <a16:creationId xmlns:a16="http://schemas.microsoft.com/office/drawing/2014/main" id="{4E352FBB-A100-4825-93EE-5D554B29BDA6}"/>
-              </a:ext>
-            </a:extLst>
-          </p:cNvPr>
-          <p:cNvSpPr/>
-          <p:nvPr/>
-        </p:nvSpPr>
-        <p:spPr>
-          <a:xfrm>
-            <a:off x="7026883" y="2420962"/>
-            <a:ext cx="378347" cy="779817"/>
-          </a:xfrm>
-          <a:custGeom>
-            <a:avLst/>
-            <a:gdLst>
-              <a:gd name="connsiteX0" fmla="*/ 0 w 460375"/>
-              <a:gd name="connsiteY0" fmla="*/ 0 h 673100"/>
-              <a:gd name="connsiteX1" fmla="*/ 460375 w 460375"/>
-              <a:gd name="connsiteY1" fmla="*/ 0 h 673100"/>
-              <a:gd name="connsiteX2" fmla="*/ 460375 w 460375"/>
-              <a:gd name="connsiteY2" fmla="*/ 673100 h 673100"/>
-              <a:gd name="connsiteX3" fmla="*/ 0 w 460375"/>
-              <a:gd name="connsiteY3" fmla="*/ 673100 h 673100"/>
-              <a:gd name="connsiteX4" fmla="*/ 0 w 460375"/>
-              <a:gd name="connsiteY4" fmla="*/ 0 h 673100"/>
-              <a:gd name="connsiteX0" fmla="*/ 0 w 463550"/>
-              <a:gd name="connsiteY0" fmla="*/ 0 h 673100"/>
-              <a:gd name="connsiteX1" fmla="*/ 463550 w 463550"/>
-              <a:gd name="connsiteY1" fmla="*/ 130175 h 673100"/>
-              <a:gd name="connsiteX2" fmla="*/ 460375 w 463550"/>
-              <a:gd name="connsiteY2" fmla="*/ 673100 h 673100"/>
-              <a:gd name="connsiteX3" fmla="*/ 0 w 463550"/>
-              <a:gd name="connsiteY3" fmla="*/ 673100 h 673100"/>
-              <a:gd name="connsiteX4" fmla="*/ 0 w 463550"/>
-              <a:gd name="connsiteY4" fmla="*/ 0 h 673100"/>
-              <a:gd name="connsiteX0" fmla="*/ 0 w 463855"/>
-              <a:gd name="connsiteY0" fmla="*/ 0 h 673100"/>
-              <a:gd name="connsiteX1" fmla="*/ 463550 w 463855"/>
-              <a:gd name="connsiteY1" fmla="*/ 130175 h 673100"/>
-              <a:gd name="connsiteX2" fmla="*/ 463550 w 463855"/>
-              <a:gd name="connsiteY2" fmla="*/ 555625 h 673100"/>
-              <a:gd name="connsiteX3" fmla="*/ 0 w 463855"/>
-              <a:gd name="connsiteY3" fmla="*/ 673100 h 673100"/>
-              <a:gd name="connsiteX4" fmla="*/ 0 w 463855"/>
-              <a:gd name="connsiteY4" fmla="*/ 0 h 673100"/>
-            </a:gdLst>
-            <a:ahLst/>
-            <a:cxnLst>
-              <a:cxn ang="0">
-                <a:pos x="connsiteX0" y="connsiteY0"/>
-              </a:cxn>
-              <a:cxn ang="0">
-                <a:pos x="connsiteX1" y="connsiteY1"/>
-              </a:cxn>
-              <a:cxn ang="0">
-                <a:pos x="connsiteX2" y="connsiteY2"/>
-              </a:cxn>
-              <a:cxn ang="0">
-                <a:pos x="connsiteX3" y="connsiteY3"/>
-              </a:cxn>
-              <a:cxn ang="0">
-                <a:pos x="connsiteX4" y="connsiteY4"/>
-              </a:cxn>
-            </a:cxnLst>
-            <a:rect l="l" t="t" r="r" b="b"/>
-            <a:pathLst>
-              <a:path w="463855" h="673100">
-                <a:moveTo>
-                  <a:pt x="0" y="0"/>
-                </a:moveTo>
-                <a:lnTo>
-                  <a:pt x="463550" y="130175"/>
-                </a:lnTo>
-                <a:cubicBezTo>
-                  <a:pt x="462492" y="311150"/>
-                  <a:pt x="464608" y="374650"/>
-                  <a:pt x="463550" y="555625"/>
-                </a:cubicBezTo>
-                <a:lnTo>
-                  <a:pt x="0" y="673100"/>
-                </a:lnTo>
-                <a:lnTo>
-                  <a:pt x="0" y="0"/>
-                </a:lnTo>
-                <a:close/>
-              </a:path>
-            </a:pathLst>
-          </a:custGeom>
-        </p:spPr>
-        <p:style>
-          <a:lnRef idx="0">
-            <a:schemeClr val="accent4"/>
-          </a:lnRef>
-          <a:fillRef idx="3">
-            <a:schemeClr val="accent4"/>
-          </a:fillRef>
-          <a:effectRef idx="3">
-            <a:schemeClr val="accent4"/>
-          </a:effectRef>
-          <a:fontRef idx="minor">
-            <a:schemeClr val="lt1"/>
-          </a:fontRef>
-        </p:style>
-        <p:txBody>
-          <a:bodyPr rtlCol="0" anchor="ctr"/>
-          <a:lstStyle/>
-          <a:p>
-            <a:pPr algn="ctr"/>
-            <a:r>
-              <a:rPr lang="en-US" altLang="zh-TW" sz="800" dirty="0"/>
-              <a:t>IDX</a:t>
-            </a:r>
-          </a:p>
-          <a:p>
-            <a:pPr algn="ctr"/>
-            <a:r>
-              <a:rPr lang="en-US" altLang="zh-TW" sz="800" dirty="0"/>
-              <a:t>SEL</a:t>
-            </a:r>
-            <a:endParaRPr lang="zh-TW" altLang="en-US" sz="800" dirty="0"/>
-          </a:p>
-        </p:txBody>
-      </p:sp>
-      <p:grpSp>
-        <p:nvGrpSpPr>
-          <p:cNvPr id="362" name="群組 361">
-            <a:extLst>
-              <a:ext uri="{FF2B5EF4-FFF2-40B4-BE49-F238E27FC236}">
-                <a16:creationId xmlns:a16="http://schemas.microsoft.com/office/drawing/2014/main" id="{2E6BE5BD-FF34-4A43-B998-6F030E31CE55}"/>
-              </a:ext>
-            </a:extLst>
-          </p:cNvPr>
-          <p:cNvGrpSpPr/>
-          <p:nvPr/>
-        </p:nvGrpSpPr>
-        <p:grpSpPr>
-          <a:xfrm>
-            <a:off x="7405075" y="2548259"/>
-            <a:ext cx="1961998" cy="504131"/>
-            <a:chOff x="271714" y="6407804"/>
-            <a:chExt cx="1733363" cy="504131"/>
-          </a:xfrm>
-        </p:grpSpPr>
-        <p:cxnSp>
-          <p:nvCxnSpPr>
-            <p:cNvPr id="363" name="直線單箭頭接點 362">
-              <a:extLst>
-                <a:ext uri="{FF2B5EF4-FFF2-40B4-BE49-F238E27FC236}">
-                  <a16:creationId xmlns:a16="http://schemas.microsoft.com/office/drawing/2014/main" id="{519D7107-E412-44CE-BF39-D952BE4C08E5}"/>
-                </a:ext>
-              </a:extLst>
-            </p:cNvPr>
-            <p:cNvCxnSpPr>
-              <a:cxnSpLocks/>
-            </p:cNvCxnSpPr>
-            <p:nvPr/>
-          </p:nvCxnSpPr>
-          <p:spPr>
-            <a:xfrm>
-              <a:off x="271714" y="6664305"/>
-              <a:ext cx="1226857" cy="0"/>
-            </a:xfrm>
-            <a:prstGeom prst="straightConnector1">
-              <a:avLst/>
-            </a:prstGeom>
-            <a:ln>
-              <a:tailEnd type="triangle"/>
-            </a:ln>
-          </p:spPr>
-          <p:style>
-            <a:lnRef idx="3">
-              <a:schemeClr val="accent1"/>
-            </a:lnRef>
-            <a:fillRef idx="0">
-              <a:schemeClr val="accent1"/>
-            </a:fillRef>
-            <a:effectRef idx="2">
-              <a:schemeClr val="accent1"/>
-            </a:effectRef>
-            <a:fontRef idx="minor">
-              <a:schemeClr val="tx1"/>
-            </a:fontRef>
-          </p:style>
-        </p:cxnSp>
-        <p:sp>
-          <p:nvSpPr>
-            <p:cNvPr id="364" name="文字方塊 363">
-              <a:extLst>
-                <a:ext uri="{FF2B5EF4-FFF2-40B4-BE49-F238E27FC236}">
-                  <a16:creationId xmlns:a16="http://schemas.microsoft.com/office/drawing/2014/main" id="{5FA4115D-0349-4CB8-8803-B871F91FC923}"/>
-                </a:ext>
-              </a:extLst>
-            </p:cNvPr>
-            <p:cNvSpPr txBox="1"/>
-            <p:nvPr/>
-          </p:nvSpPr>
-          <p:spPr>
-            <a:xfrm>
-              <a:off x="532600" y="6696491"/>
-              <a:ext cx="1472477" cy="215444"/>
-            </a:xfrm>
-            <a:prstGeom prst="rect">
-              <a:avLst/>
-            </a:prstGeom>
-            <a:noFill/>
-          </p:spPr>
-          <p:txBody>
-            <a:bodyPr wrap="square" rtlCol="0">
-              <a:spAutoFit/>
-            </a:bodyPr>
-            <a:lstStyle/>
-            <a:p>
-              <a:r>
-                <a:rPr lang="en-US" altLang="zh-TW" sz="800" dirty="0" err="1">
-                  <a:latin typeface="Times New Roman" panose="02020603050405020304" pitchFamily="18" charset="0"/>
-                  <a:cs typeface="Times New Roman" panose="02020603050405020304" pitchFamily="18" charset="0"/>
-                </a:rPr>
-                <a:t>wbIdx_CRX</a:t>
-              </a:r>
-              <a:endParaRPr lang="zh-TW" altLang="en-US" sz="800" dirty="0">
-                <a:latin typeface="Times New Roman" panose="02020603050405020304" pitchFamily="18" charset="0"/>
-                <a:cs typeface="Times New Roman" panose="02020603050405020304" pitchFamily="18" charset="0"/>
-              </a:endParaRPr>
-            </a:p>
-          </p:txBody>
-        </p:sp>
-        <p:cxnSp>
-          <p:nvCxnSpPr>
-            <p:cNvPr id="367" name="直線接點 366">
-              <a:extLst>
-                <a:ext uri="{FF2B5EF4-FFF2-40B4-BE49-F238E27FC236}">
-                  <a16:creationId xmlns:a16="http://schemas.microsoft.com/office/drawing/2014/main" id="{4BC8D4A7-CD73-4214-8025-237B644EAD93}"/>
-                </a:ext>
-              </a:extLst>
-            </p:cNvPr>
-            <p:cNvCxnSpPr>
-              <a:cxnSpLocks/>
-            </p:cNvCxnSpPr>
-            <p:nvPr/>
-          </p:nvCxnSpPr>
-          <p:spPr>
-            <a:xfrm>
-              <a:off x="739660" y="6604353"/>
-              <a:ext cx="173322" cy="148216"/>
-            </a:xfrm>
-            <a:prstGeom prst="line">
-              <a:avLst/>
-            </a:prstGeom>
-          </p:spPr>
-          <p:style>
-            <a:lnRef idx="3">
-              <a:schemeClr val="dk1"/>
-            </a:lnRef>
-            <a:fillRef idx="0">
-              <a:schemeClr val="dk1"/>
-            </a:fillRef>
-            <a:effectRef idx="2">
-              <a:schemeClr val="dk1"/>
-            </a:effectRef>
-            <a:fontRef idx="minor">
-              <a:schemeClr val="tx1"/>
-            </a:fontRef>
-          </p:style>
-        </p:cxnSp>
-        <p:sp>
-          <p:nvSpPr>
-            <p:cNvPr id="368" name="文字方塊 367">
-              <a:extLst>
-                <a:ext uri="{FF2B5EF4-FFF2-40B4-BE49-F238E27FC236}">
-                  <a16:creationId xmlns:a16="http://schemas.microsoft.com/office/drawing/2014/main" id="{306D4C16-6938-4AED-B3CA-FF4527D0936A}"/>
-                </a:ext>
-              </a:extLst>
-            </p:cNvPr>
-            <p:cNvSpPr txBox="1"/>
-            <p:nvPr/>
-          </p:nvSpPr>
-          <p:spPr>
-            <a:xfrm>
-              <a:off x="767546" y="6407804"/>
-              <a:ext cx="564135" cy="276999"/>
-            </a:xfrm>
-            <a:prstGeom prst="rect">
-              <a:avLst/>
-            </a:prstGeom>
-            <a:noFill/>
-          </p:spPr>
-          <p:txBody>
-            <a:bodyPr wrap="square" rtlCol="0">
-              <a:spAutoFit/>
-            </a:bodyPr>
-            <a:lstStyle/>
-            <a:p>
-              <a:r>
-                <a:rPr lang="en-US" altLang="zh-TW" sz="1200" dirty="0">
-                  <a:latin typeface="Times New Roman" panose="02020603050405020304" pitchFamily="18" charset="0"/>
-                  <a:cs typeface="Times New Roman" panose="02020603050405020304" pitchFamily="18" charset="0"/>
-                </a:rPr>
-                <a:t>8</a:t>
-              </a:r>
-              <a:endParaRPr lang="zh-TW" altLang="en-US" sz="1200" dirty="0">
-                <a:latin typeface="Times New Roman" panose="02020603050405020304" pitchFamily="18" charset="0"/>
-                <a:cs typeface="Times New Roman" panose="02020603050405020304" pitchFamily="18" charset="0"/>
-              </a:endParaRPr>
-            </a:p>
-          </p:txBody>
-        </p:sp>
-      </p:grpSp>
-      <p:cxnSp>
-        <p:nvCxnSpPr>
-          <p:cNvPr id="372" name="直線單箭頭接點 371">
-            <a:extLst>
-              <a:ext uri="{FF2B5EF4-FFF2-40B4-BE49-F238E27FC236}">
-                <a16:creationId xmlns:a16="http://schemas.microsoft.com/office/drawing/2014/main" id="{A93526F1-80FA-47A5-970D-F49EC0D0133E}"/>
-              </a:ext>
-            </a:extLst>
-          </p:cNvPr>
-          <p:cNvCxnSpPr>
-            <a:cxnSpLocks/>
-          </p:cNvCxnSpPr>
-          <p:nvPr/>
-        </p:nvCxnSpPr>
-        <p:spPr>
-          <a:xfrm>
-            <a:off x="7575550" y="2299439"/>
-            <a:ext cx="0" cy="1778602"/>
-          </a:xfrm>
-          <a:prstGeom prst="straightConnector1">
-            <a:avLst/>
-          </a:prstGeom>
-          <a:ln>
-            <a:tailEnd type="triangle"/>
-          </a:ln>
-        </p:spPr>
-        <p:style>
-          <a:lnRef idx="2">
-            <a:schemeClr val="accent4"/>
-          </a:lnRef>
-          <a:fillRef idx="1">
-            <a:schemeClr val="lt1"/>
-          </a:fillRef>
-          <a:effectRef idx="0">
-            <a:schemeClr val="accent4"/>
-          </a:effectRef>
-          <a:fontRef idx="minor">
-            <a:schemeClr val="dk1"/>
-          </a:fontRef>
-        </p:style>
-      </p:cxnSp>
-      <p:cxnSp>
-        <p:nvCxnSpPr>
-          <p:cNvPr id="391" name="直線單箭頭接點 390">
-            <a:extLst>
-              <a:ext uri="{FF2B5EF4-FFF2-40B4-BE49-F238E27FC236}">
-                <a16:creationId xmlns:a16="http://schemas.microsoft.com/office/drawing/2014/main" id="{910AF07B-B228-400F-9611-45579E4DFA5D}"/>
-              </a:ext>
-            </a:extLst>
-          </p:cNvPr>
-          <p:cNvCxnSpPr>
-            <a:cxnSpLocks/>
-          </p:cNvCxnSpPr>
-          <p:nvPr/>
-        </p:nvCxnSpPr>
-        <p:spPr>
-          <a:xfrm flipV="1">
-            <a:off x="1813455" y="6632435"/>
-            <a:ext cx="0" cy="204164"/>
-          </a:xfrm>
-          <a:prstGeom prst="straightConnector1">
-            <a:avLst/>
-          </a:prstGeom>
-          <a:ln>
-            <a:tailEnd type="triangle"/>
-          </a:ln>
-        </p:spPr>
-        <p:style>
-          <a:lnRef idx="3">
-            <a:schemeClr val="accent4"/>
-          </a:lnRef>
-          <a:fillRef idx="0">
-            <a:schemeClr val="accent4"/>
-          </a:fillRef>
-          <a:effectRef idx="2">
-            <a:schemeClr val="accent4"/>
-          </a:effectRef>
-          <a:fontRef idx="minor">
-            <a:schemeClr val="tx1"/>
-          </a:fontRef>
-        </p:style>
-      </p:cxnSp>
-      <p:sp>
-        <p:nvSpPr>
-          <p:cNvPr id="415" name="文字方塊 414">
-            <a:extLst>
-              <a:ext uri="{FF2B5EF4-FFF2-40B4-BE49-F238E27FC236}">
-                <a16:creationId xmlns:a16="http://schemas.microsoft.com/office/drawing/2014/main" id="{4CD8F829-0F15-46DB-917B-DD3E21FE4173}"/>
-              </a:ext>
-            </a:extLst>
-          </p:cNvPr>
-          <p:cNvSpPr txBox="1"/>
-          <p:nvPr/>
-        </p:nvSpPr>
-        <p:spPr>
-          <a:xfrm>
-            <a:off x="1800224" y="6545041"/>
-            <a:ext cx="860503" cy="276999"/>
-          </a:xfrm>
-          <a:prstGeom prst="rect">
-            <a:avLst/>
-          </a:prstGeom>
-          <a:noFill/>
-        </p:spPr>
-        <p:txBody>
-          <a:bodyPr wrap="square" rtlCol="0">
-            <a:spAutoFit/>
-          </a:bodyPr>
-          <a:lstStyle/>
-          <a:p>
-            <a:r>
-              <a:rPr lang="en-US" altLang="zh-TW" sz="1200" dirty="0" err="1">
-                <a:latin typeface="Times New Roman" panose="02020603050405020304" pitchFamily="18" charset="0"/>
-                <a:cs typeface="Times New Roman" panose="02020603050405020304" pitchFamily="18" charset="0"/>
-              </a:rPr>
-              <a:t>wbCTR</a:t>
-            </a:r>
-            <a:endParaRPr lang="zh-TW" altLang="en-US" sz="1200" dirty="0">
-              <a:latin typeface="Times New Roman" panose="02020603050405020304" pitchFamily="18" charset="0"/>
-              <a:cs typeface="Times New Roman" panose="02020603050405020304" pitchFamily="18" charset="0"/>
-            </a:endParaRPr>
-          </a:p>
-        </p:txBody>
-      </p:sp>
-      <p:cxnSp>
-        <p:nvCxnSpPr>
-          <p:cNvPr id="420" name="直線接點 419">
-            <a:extLst>
-              <a:ext uri="{FF2B5EF4-FFF2-40B4-BE49-F238E27FC236}">
-                <a16:creationId xmlns:a16="http://schemas.microsoft.com/office/drawing/2014/main" id="{6592448D-2FE3-4B2B-B9A0-E83135977F79}"/>
-              </a:ext>
-            </a:extLst>
-          </p:cNvPr>
-          <p:cNvCxnSpPr>
-            <a:cxnSpLocks/>
-          </p:cNvCxnSpPr>
-          <p:nvPr/>
-        </p:nvCxnSpPr>
-        <p:spPr>
-          <a:xfrm>
-            <a:off x="1746129" y="6728234"/>
-            <a:ext cx="145199" cy="89501"/>
-          </a:xfrm>
-          <a:prstGeom prst="line">
-            <a:avLst/>
-          </a:prstGeom>
-        </p:spPr>
-        <p:style>
-          <a:lnRef idx="3">
-            <a:schemeClr val="dk1"/>
-          </a:lnRef>
-          <a:fillRef idx="0">
-            <a:schemeClr val="dk1"/>
-          </a:fillRef>
-          <a:effectRef idx="2">
-            <a:schemeClr val="dk1"/>
-          </a:effectRef>
-          <a:fontRef idx="minor">
-            <a:schemeClr val="tx1"/>
-          </a:fontRef>
-        </p:style>
-      </p:cxnSp>
-      <p:sp>
-        <p:nvSpPr>
-          <p:cNvPr id="423" name="文字方塊 422">
-            <a:extLst>
-              <a:ext uri="{FF2B5EF4-FFF2-40B4-BE49-F238E27FC236}">
-                <a16:creationId xmlns:a16="http://schemas.microsoft.com/office/drawing/2014/main" id="{B7CAD3FD-982D-472A-AB7E-37B5F20DF432}"/>
-              </a:ext>
-            </a:extLst>
-          </p:cNvPr>
-          <p:cNvSpPr txBox="1"/>
-          <p:nvPr/>
-        </p:nvSpPr>
-        <p:spPr>
-          <a:xfrm>
-            <a:off x="1584619" y="6644004"/>
-            <a:ext cx="564135" cy="276999"/>
-          </a:xfrm>
-          <a:prstGeom prst="rect">
-            <a:avLst/>
-          </a:prstGeom>
-          <a:noFill/>
-        </p:spPr>
-        <p:txBody>
-          <a:bodyPr wrap="square" rtlCol="0">
-            <a:spAutoFit/>
-          </a:bodyPr>
-          <a:lstStyle/>
-          <a:p>
-            <a:r>
               <a:rPr lang="en-US" altLang="zh-TW" sz="1200" dirty="0">
                 <a:latin typeface="Times New Roman" panose="02020603050405020304" pitchFamily="18" charset="0"/>
                 <a:cs typeface="Times New Roman" panose="02020603050405020304" pitchFamily="18" charset="0"/>
               </a:rPr>
-              <a:t>2</a:t>
-            </a:r>
-            <a:endParaRPr lang="zh-TW" altLang="en-US" sz="1200" dirty="0">
-              <a:latin typeface="Times New Roman" panose="02020603050405020304" pitchFamily="18" charset="0"/>
-              <a:cs typeface="Times New Roman" panose="02020603050405020304" pitchFamily="18" charset="0"/>
-            </a:endParaRPr>
-          </a:p>
-        </p:txBody>
-      </p:sp>
-      <p:sp>
-        <p:nvSpPr>
-          <p:cNvPr id="434" name="文字方塊 433">
-            <a:extLst>
-              <a:ext uri="{FF2B5EF4-FFF2-40B4-BE49-F238E27FC236}">
-                <a16:creationId xmlns:a16="http://schemas.microsoft.com/office/drawing/2014/main" id="{C83BC001-3A12-41E2-87A9-B45E6730C3AB}"/>
-              </a:ext>
-            </a:extLst>
-          </p:cNvPr>
-          <p:cNvSpPr txBox="1"/>
-          <p:nvPr/>
-        </p:nvSpPr>
-        <p:spPr>
-          <a:xfrm>
-            <a:off x="7383429" y="5570837"/>
-            <a:ext cx="1425079" cy="276999"/>
-          </a:xfrm>
-          <a:prstGeom prst="rect">
-            <a:avLst/>
-          </a:prstGeom>
-          <a:noFill/>
-        </p:spPr>
-        <p:txBody>
-          <a:bodyPr wrap="square" rtlCol="0">
-            <a:spAutoFit/>
-          </a:bodyPr>
-          <a:lstStyle/>
-          <a:p>
-            <a:r>
-              <a:rPr lang="en-US" altLang="zh-TW" sz="1200" dirty="0" err="1">
-                <a:latin typeface="Times New Roman" panose="02020603050405020304" pitchFamily="18" charset="0"/>
-                <a:cs typeface="Times New Roman" panose="02020603050405020304" pitchFamily="18" charset="0"/>
-              </a:rPr>
-              <a:t>rndNumMsbVec_i</a:t>
-            </a:r>
-            <a:endParaRPr lang="zh-TW" altLang="en-US" sz="1200" dirty="0">
-              <a:latin typeface="Times New Roman" panose="02020603050405020304" pitchFamily="18" charset="0"/>
-              <a:cs typeface="Times New Roman" panose="02020603050405020304" pitchFamily="18" charset="0"/>
-            </a:endParaRPr>
-          </a:p>
-        </p:txBody>
-      </p:sp>
-      <p:sp>
-        <p:nvSpPr>
-          <p:cNvPr id="442" name="文字方塊 441">
-            <a:extLst>
-              <a:ext uri="{FF2B5EF4-FFF2-40B4-BE49-F238E27FC236}">
-                <a16:creationId xmlns:a16="http://schemas.microsoft.com/office/drawing/2014/main" id="{FB41C5BB-7421-400A-89BA-07F1506C7EB8}"/>
-              </a:ext>
-            </a:extLst>
-          </p:cNvPr>
-          <p:cNvSpPr txBox="1"/>
-          <p:nvPr/>
-        </p:nvSpPr>
-        <p:spPr>
-          <a:xfrm>
-            <a:off x="7365142" y="5786144"/>
-            <a:ext cx="967790" cy="276999"/>
-          </a:xfrm>
-          <a:prstGeom prst="rect">
-            <a:avLst/>
-          </a:prstGeom>
-          <a:noFill/>
-        </p:spPr>
-        <p:txBody>
-          <a:bodyPr wrap="square" rtlCol="0">
-            <a:spAutoFit/>
-          </a:bodyPr>
-          <a:lstStyle/>
-          <a:p>
-            <a:r>
-              <a:rPr lang="en-US" altLang="zh-TW" sz="1200" dirty="0">
-                <a:latin typeface="Times New Roman" panose="02020603050405020304" pitchFamily="18" charset="0"/>
-                <a:cs typeface="Times New Roman" panose="02020603050405020304" pitchFamily="18" charset="0"/>
-              </a:rPr>
-              <a:t>11</a:t>
-            </a:r>
-            <a:endParaRPr lang="zh-TW" altLang="en-US" sz="1200" dirty="0">
-              <a:latin typeface="Times New Roman" panose="02020603050405020304" pitchFamily="18" charset="0"/>
-              <a:cs typeface="Times New Roman" panose="02020603050405020304" pitchFamily="18" charset="0"/>
-            </a:endParaRPr>
-          </a:p>
-        </p:txBody>
-      </p:sp>
-      <p:cxnSp>
-        <p:nvCxnSpPr>
-          <p:cNvPr id="447" name="直線接點 446">
-            <a:extLst>
-              <a:ext uri="{FF2B5EF4-FFF2-40B4-BE49-F238E27FC236}">
-                <a16:creationId xmlns:a16="http://schemas.microsoft.com/office/drawing/2014/main" id="{E1EEF414-CB20-4269-AA4A-86AB234F3EFF}"/>
-              </a:ext>
-            </a:extLst>
-          </p:cNvPr>
-          <p:cNvCxnSpPr>
-            <a:cxnSpLocks/>
-          </p:cNvCxnSpPr>
-          <p:nvPr/>
-        </p:nvCxnSpPr>
-        <p:spPr>
-          <a:xfrm>
-            <a:off x="7356863" y="5908950"/>
-            <a:ext cx="154820" cy="163617"/>
-          </a:xfrm>
-          <a:prstGeom prst="line">
-            <a:avLst/>
-          </a:prstGeom>
-        </p:spPr>
-        <p:style>
-          <a:lnRef idx="3">
-            <a:schemeClr val="dk1"/>
-          </a:lnRef>
-          <a:fillRef idx="0">
-            <a:schemeClr val="dk1"/>
-          </a:fillRef>
-          <a:effectRef idx="2">
-            <a:schemeClr val="dk1"/>
-          </a:effectRef>
-          <a:fontRef idx="minor">
-            <a:schemeClr val="tx1"/>
-          </a:fontRef>
-        </p:style>
-      </p:cxnSp>
-      <p:cxnSp>
-        <p:nvCxnSpPr>
-          <p:cNvPr id="463" name="直線單箭頭接點 462">
-            <a:extLst>
-              <a:ext uri="{FF2B5EF4-FFF2-40B4-BE49-F238E27FC236}">
-                <a16:creationId xmlns:a16="http://schemas.microsoft.com/office/drawing/2014/main" id="{A181E7C8-2E30-49B0-ADF3-9B1061867618}"/>
-              </a:ext>
-            </a:extLst>
-          </p:cNvPr>
-          <p:cNvCxnSpPr>
-            <a:cxnSpLocks/>
-          </p:cNvCxnSpPr>
-          <p:nvPr/>
-        </p:nvCxnSpPr>
-        <p:spPr>
-          <a:xfrm flipV="1">
-            <a:off x="7421105" y="5657111"/>
-            <a:ext cx="0" cy="496501"/>
-          </a:xfrm>
-          <a:prstGeom prst="straightConnector1">
-            <a:avLst/>
-          </a:prstGeom>
-          <a:ln>
-            <a:tailEnd type="triangle"/>
-          </a:ln>
-        </p:spPr>
-        <p:style>
-          <a:lnRef idx="3">
-            <a:schemeClr val="accent2"/>
-          </a:lnRef>
-          <a:fillRef idx="0">
-            <a:schemeClr val="accent2"/>
-          </a:fillRef>
-          <a:effectRef idx="2">
-            <a:schemeClr val="accent2"/>
-          </a:effectRef>
-          <a:fontRef idx="minor">
-            <a:schemeClr val="tx1"/>
-          </a:fontRef>
-        </p:style>
-      </p:cxnSp>
-      <p:cxnSp>
-        <p:nvCxnSpPr>
-          <p:cNvPr id="473" name="直線單箭頭接點 472">
-            <a:extLst>
-              <a:ext uri="{FF2B5EF4-FFF2-40B4-BE49-F238E27FC236}">
-                <a16:creationId xmlns:a16="http://schemas.microsoft.com/office/drawing/2014/main" id="{746F8802-81AF-4D6A-9069-4D5069BD8C4E}"/>
-              </a:ext>
-            </a:extLst>
-          </p:cNvPr>
-          <p:cNvCxnSpPr>
-            <a:cxnSpLocks/>
-          </p:cNvCxnSpPr>
-          <p:nvPr/>
-        </p:nvCxnSpPr>
-        <p:spPr>
-          <a:xfrm flipV="1">
-            <a:off x="7257571" y="3128088"/>
-            <a:ext cx="0" cy="346820"/>
-          </a:xfrm>
-          <a:prstGeom prst="straightConnector1">
-            <a:avLst/>
-          </a:prstGeom>
-          <a:ln>
-            <a:tailEnd type="triangle"/>
-          </a:ln>
-        </p:spPr>
-        <p:style>
-          <a:lnRef idx="3">
-            <a:schemeClr val="accent4"/>
-          </a:lnRef>
-          <a:fillRef idx="0">
-            <a:schemeClr val="accent4"/>
-          </a:fillRef>
-          <a:effectRef idx="2">
-            <a:schemeClr val="accent4"/>
-          </a:effectRef>
-          <a:fontRef idx="minor">
-            <a:schemeClr val="tx1"/>
-          </a:fontRef>
-        </p:style>
-      </p:cxnSp>
-      <p:sp>
-        <p:nvSpPr>
-          <p:cNvPr id="480" name="文字方塊 479">
-            <a:extLst>
-              <a:ext uri="{FF2B5EF4-FFF2-40B4-BE49-F238E27FC236}">
-                <a16:creationId xmlns:a16="http://schemas.microsoft.com/office/drawing/2014/main" id="{DE99D12C-4350-46EE-A806-3FE39773D2A4}"/>
-              </a:ext>
-            </a:extLst>
-          </p:cNvPr>
-          <p:cNvSpPr txBox="1"/>
-          <p:nvPr/>
-        </p:nvSpPr>
-        <p:spPr>
-          <a:xfrm>
-            <a:off x="7509461" y="2240525"/>
-            <a:ext cx="1666700" cy="215444"/>
-          </a:xfrm>
-          <a:prstGeom prst="rect">
-            <a:avLst/>
-          </a:prstGeom>
-          <a:noFill/>
-        </p:spPr>
-        <p:txBody>
-          <a:bodyPr wrap="square" rtlCol="0">
-            <a:spAutoFit/>
-          </a:bodyPr>
-          <a:lstStyle/>
-          <a:p>
-            <a:r>
-              <a:rPr lang="en-US" altLang="zh-TW" sz="800" dirty="0" err="1">
-                <a:latin typeface="Times New Roman" panose="02020603050405020304" pitchFamily="18" charset="0"/>
-                <a:cs typeface="Times New Roman" panose="02020603050405020304" pitchFamily="18" charset="0"/>
-              </a:rPr>
-              <a:t>minFit_CRX</a:t>
-            </a:r>
-            <a:endParaRPr lang="zh-TW" altLang="en-US" sz="800" dirty="0">
-              <a:latin typeface="Times New Roman" panose="02020603050405020304" pitchFamily="18" charset="0"/>
-              <a:cs typeface="Times New Roman" panose="02020603050405020304" pitchFamily="18" charset="0"/>
-            </a:endParaRPr>
-          </a:p>
-        </p:txBody>
-      </p:sp>
-      <p:cxnSp>
-        <p:nvCxnSpPr>
-          <p:cNvPr id="481" name="直線單箭頭接點 480">
-            <a:extLst>
-              <a:ext uri="{FF2B5EF4-FFF2-40B4-BE49-F238E27FC236}">
-                <a16:creationId xmlns:a16="http://schemas.microsoft.com/office/drawing/2014/main" id="{41ACFABF-C573-4BF1-8EE6-83BD753F57B9}"/>
-              </a:ext>
-            </a:extLst>
-          </p:cNvPr>
-          <p:cNvCxnSpPr>
-            <a:cxnSpLocks/>
-          </p:cNvCxnSpPr>
-          <p:nvPr/>
-        </p:nvCxnSpPr>
-        <p:spPr>
-          <a:xfrm flipH="1" flipV="1">
-            <a:off x="7240588" y="5780615"/>
-            <a:ext cx="2045" cy="732629"/>
-          </a:xfrm>
-          <a:prstGeom prst="straightConnector1">
-            <a:avLst/>
-          </a:prstGeom>
-          <a:ln>
-            <a:tailEnd type="triangle"/>
-          </a:ln>
-        </p:spPr>
-        <p:style>
-          <a:lnRef idx="3">
-            <a:schemeClr val="accent2"/>
-          </a:lnRef>
-          <a:fillRef idx="0">
-            <a:schemeClr val="accent2"/>
-          </a:fillRef>
-          <a:effectRef idx="2">
-            <a:schemeClr val="accent2"/>
-          </a:effectRef>
-          <a:fontRef idx="minor">
-            <a:schemeClr val="tx1"/>
-          </a:fontRef>
-        </p:style>
-      </p:cxnSp>
-      <p:cxnSp>
-        <p:nvCxnSpPr>
-          <p:cNvPr id="491" name="直線接點 490">
-            <a:extLst>
-              <a:ext uri="{FF2B5EF4-FFF2-40B4-BE49-F238E27FC236}">
-                <a16:creationId xmlns:a16="http://schemas.microsoft.com/office/drawing/2014/main" id="{F9CB834C-5113-454C-A770-B913ED92E301}"/>
-              </a:ext>
-            </a:extLst>
-          </p:cNvPr>
-          <p:cNvCxnSpPr>
-            <a:cxnSpLocks/>
-          </p:cNvCxnSpPr>
-          <p:nvPr/>
-        </p:nvCxnSpPr>
-        <p:spPr>
-          <a:xfrm>
-            <a:off x="7167986" y="6146929"/>
-            <a:ext cx="154820" cy="163617"/>
-          </a:xfrm>
-          <a:prstGeom prst="line">
-            <a:avLst/>
-          </a:prstGeom>
-        </p:spPr>
-        <p:style>
-          <a:lnRef idx="3">
-            <a:schemeClr val="dk1"/>
-          </a:lnRef>
-          <a:fillRef idx="0">
-            <a:schemeClr val="dk1"/>
-          </a:fillRef>
-          <a:effectRef idx="2">
-            <a:schemeClr val="dk1"/>
-          </a:effectRef>
-          <a:fontRef idx="minor">
-            <a:schemeClr val="tx1"/>
-          </a:fontRef>
-        </p:style>
-      </p:cxnSp>
-      <p:sp>
-        <p:nvSpPr>
-          <p:cNvPr id="495" name="文字方塊 494">
-            <a:extLst>
-              <a:ext uri="{FF2B5EF4-FFF2-40B4-BE49-F238E27FC236}">
-                <a16:creationId xmlns:a16="http://schemas.microsoft.com/office/drawing/2014/main" id="{04F9C31C-AE55-436F-A76E-272827169454}"/>
-              </a:ext>
-            </a:extLst>
-          </p:cNvPr>
-          <p:cNvSpPr txBox="1"/>
-          <p:nvPr/>
-        </p:nvSpPr>
-        <p:spPr>
-          <a:xfrm>
-            <a:off x="7037697" y="5922187"/>
-            <a:ext cx="967790" cy="276999"/>
-          </a:xfrm>
-          <a:prstGeom prst="rect">
-            <a:avLst/>
-          </a:prstGeom>
-          <a:noFill/>
-        </p:spPr>
-        <p:txBody>
-          <a:bodyPr wrap="square" rtlCol="0">
-            <a:spAutoFit/>
-          </a:bodyPr>
-          <a:lstStyle/>
-          <a:p>
-            <a:r>
-              <a:rPr lang="en-US" altLang="zh-TW" sz="1200" dirty="0">
-                <a:latin typeface="Times New Roman" panose="02020603050405020304" pitchFamily="18" charset="0"/>
-                <a:cs typeface="Times New Roman" panose="02020603050405020304" pitchFamily="18" charset="0"/>
-              </a:rPr>
-              <a:t>8</a:t>
-            </a:r>
-            <a:endParaRPr lang="zh-TW" altLang="en-US" sz="1200" dirty="0">
-              <a:latin typeface="Times New Roman" panose="02020603050405020304" pitchFamily="18" charset="0"/>
-              <a:cs typeface="Times New Roman" panose="02020603050405020304" pitchFamily="18" charset="0"/>
-            </a:endParaRPr>
-          </a:p>
-        </p:txBody>
-      </p:sp>
-      <p:sp>
-        <p:nvSpPr>
-          <p:cNvPr id="499" name="文字方塊 498">
-            <a:extLst>
-              <a:ext uri="{FF2B5EF4-FFF2-40B4-BE49-F238E27FC236}">
-                <a16:creationId xmlns:a16="http://schemas.microsoft.com/office/drawing/2014/main" id="{266A3557-3CF4-4267-9E9A-3FB7FCE93AC7}"/>
-              </a:ext>
-            </a:extLst>
-          </p:cNvPr>
-          <p:cNvSpPr txBox="1"/>
-          <p:nvPr/>
-        </p:nvSpPr>
-        <p:spPr>
-          <a:xfrm>
-            <a:off x="7243976" y="6165532"/>
-            <a:ext cx="1425079" cy="276999"/>
-          </a:xfrm>
-          <a:prstGeom prst="rect">
-            <a:avLst/>
-          </a:prstGeom>
-          <a:noFill/>
-        </p:spPr>
-        <p:txBody>
-          <a:bodyPr wrap="square" rtlCol="0">
-            <a:spAutoFit/>
-          </a:bodyPr>
-          <a:lstStyle/>
-          <a:p>
-            <a:r>
-              <a:rPr lang="en-US" altLang="zh-TW" sz="1200" dirty="0" err="1">
-                <a:latin typeface="Times New Roman" panose="02020603050405020304" pitchFamily="18" charset="0"/>
-                <a:cs typeface="Times New Roman" panose="02020603050405020304" pitchFamily="18" charset="0"/>
-              </a:rPr>
-              <a:t>rn_i</a:t>
+              <a:t>Idx_ptr_2</a:t>
             </a:r>
             <a:endParaRPr lang="zh-TW" altLang="en-US" sz="1200" dirty="0">
               <a:latin typeface="Times New Roman" panose="02020603050405020304" pitchFamily="18" charset="0"/>
@@ -13798,190 +10741,6 @@
           </a:p>
         </p:txBody>
       </p:sp>
-      <p:grpSp>
-        <p:nvGrpSpPr>
-          <p:cNvPr id="502" name="群組 501">
-            <a:extLst>
-              <a:ext uri="{FF2B5EF4-FFF2-40B4-BE49-F238E27FC236}">
-                <a16:creationId xmlns:a16="http://schemas.microsoft.com/office/drawing/2014/main" id="{68F677C3-9BED-42F5-8453-4044FF06DBAD}"/>
-              </a:ext>
-            </a:extLst>
-          </p:cNvPr>
-          <p:cNvGrpSpPr/>
-          <p:nvPr/>
-        </p:nvGrpSpPr>
-        <p:grpSpPr>
-          <a:xfrm>
-            <a:off x="5793626" y="2834559"/>
-            <a:ext cx="1686639" cy="485446"/>
-            <a:chOff x="271714" y="6407804"/>
-            <a:chExt cx="1677919" cy="485446"/>
-          </a:xfrm>
-        </p:grpSpPr>
-        <p:cxnSp>
-          <p:nvCxnSpPr>
-            <p:cNvPr id="503" name="直線單箭頭接點 502">
-              <a:extLst>
-                <a:ext uri="{FF2B5EF4-FFF2-40B4-BE49-F238E27FC236}">
-                  <a16:creationId xmlns:a16="http://schemas.microsoft.com/office/drawing/2014/main" id="{97A58889-CFF8-4DCD-A346-89EB86AB34EB}"/>
-                </a:ext>
-              </a:extLst>
-            </p:cNvPr>
-            <p:cNvCxnSpPr>
-              <a:cxnSpLocks/>
-            </p:cNvCxnSpPr>
-            <p:nvPr/>
-          </p:nvCxnSpPr>
-          <p:spPr>
-            <a:xfrm>
-              <a:off x="271714" y="6664305"/>
-              <a:ext cx="1226857" cy="0"/>
-            </a:xfrm>
-            <a:prstGeom prst="straightConnector1">
-              <a:avLst/>
-            </a:prstGeom>
-            <a:ln>
-              <a:tailEnd type="triangle"/>
-            </a:ln>
-          </p:spPr>
-          <p:style>
-            <a:lnRef idx="3">
-              <a:schemeClr val="accent1"/>
-            </a:lnRef>
-            <a:fillRef idx="0">
-              <a:schemeClr val="accent1"/>
-            </a:fillRef>
-            <a:effectRef idx="2">
-              <a:schemeClr val="accent1"/>
-            </a:effectRef>
-            <a:fontRef idx="minor">
-              <a:schemeClr val="tx1"/>
-            </a:fontRef>
-          </p:style>
-        </p:cxnSp>
-        <p:sp>
-          <p:nvSpPr>
-            <p:cNvPr id="504" name="文字方塊 503">
-              <a:extLst>
-                <a:ext uri="{FF2B5EF4-FFF2-40B4-BE49-F238E27FC236}">
-                  <a16:creationId xmlns:a16="http://schemas.microsoft.com/office/drawing/2014/main" id="{3A231247-8C6B-4C0A-8594-8896B6A76ED3}"/>
-                </a:ext>
-              </a:extLst>
-            </p:cNvPr>
-            <p:cNvSpPr txBox="1"/>
-            <p:nvPr/>
-          </p:nvSpPr>
-          <p:spPr>
-            <a:xfrm>
-              <a:off x="477156" y="6677806"/>
-              <a:ext cx="1472477" cy="215444"/>
-            </a:xfrm>
-            <a:prstGeom prst="rect">
-              <a:avLst/>
-            </a:prstGeom>
-            <a:noFill/>
-          </p:spPr>
-          <p:txBody>
-            <a:bodyPr wrap="square" rtlCol="0">
-              <a:spAutoFit/>
-            </a:bodyPr>
-            <a:lstStyle/>
-            <a:p>
-              <a:r>
-                <a:rPr lang="en-US" altLang="zh-TW" sz="800" dirty="0">
-                  <a:latin typeface="Times New Roman" panose="02020603050405020304" pitchFamily="18" charset="0"/>
-                  <a:cs typeface="Times New Roman" panose="02020603050405020304" pitchFamily="18" charset="0"/>
-                </a:rPr>
-                <a:t>OffspringIdx2_CRX</a:t>
-              </a:r>
-              <a:endParaRPr lang="zh-TW" altLang="en-US" sz="800" dirty="0">
-                <a:latin typeface="Times New Roman" panose="02020603050405020304" pitchFamily="18" charset="0"/>
-                <a:cs typeface="Times New Roman" panose="02020603050405020304" pitchFamily="18" charset="0"/>
-              </a:endParaRPr>
-            </a:p>
-          </p:txBody>
-        </p:sp>
-        <p:cxnSp>
-          <p:nvCxnSpPr>
-            <p:cNvPr id="505" name="直線接點 504">
-              <a:extLst>
-                <a:ext uri="{FF2B5EF4-FFF2-40B4-BE49-F238E27FC236}">
-                  <a16:creationId xmlns:a16="http://schemas.microsoft.com/office/drawing/2014/main" id="{0EA7747E-7A22-4F82-8421-05B6655B7F1B}"/>
-                </a:ext>
-              </a:extLst>
-            </p:cNvPr>
-            <p:cNvCxnSpPr>
-              <a:cxnSpLocks/>
-            </p:cNvCxnSpPr>
-            <p:nvPr/>
-          </p:nvCxnSpPr>
-          <p:spPr>
-            <a:xfrm>
-              <a:off x="739660" y="6604353"/>
-              <a:ext cx="173322" cy="148216"/>
-            </a:xfrm>
-            <a:prstGeom prst="line">
-              <a:avLst/>
-            </a:prstGeom>
-          </p:spPr>
-          <p:style>
-            <a:lnRef idx="3">
-              <a:schemeClr val="dk1"/>
-            </a:lnRef>
-            <a:fillRef idx="0">
-              <a:schemeClr val="dk1"/>
-            </a:fillRef>
-            <a:effectRef idx="2">
-              <a:schemeClr val="dk1"/>
-            </a:effectRef>
-            <a:fontRef idx="minor">
-              <a:schemeClr val="tx1"/>
-            </a:fontRef>
-          </p:style>
-        </p:cxnSp>
-        <p:sp>
-          <p:nvSpPr>
-            <p:cNvPr id="506" name="文字方塊 505">
-              <a:extLst>
-                <a:ext uri="{FF2B5EF4-FFF2-40B4-BE49-F238E27FC236}">
-                  <a16:creationId xmlns:a16="http://schemas.microsoft.com/office/drawing/2014/main" id="{795625F4-BA6A-453E-9808-22DE2825761C}"/>
-                </a:ext>
-              </a:extLst>
-            </p:cNvPr>
-            <p:cNvSpPr txBox="1"/>
-            <p:nvPr/>
-          </p:nvSpPr>
-          <p:spPr>
-            <a:xfrm>
-              <a:off x="767546" y="6407804"/>
-              <a:ext cx="564135" cy="276999"/>
-            </a:xfrm>
-            <a:prstGeom prst="rect">
-              <a:avLst/>
-            </a:prstGeom>
-            <a:noFill/>
-          </p:spPr>
-          <p:txBody>
-            <a:bodyPr wrap="square" rtlCol="0">
-              <a:spAutoFit/>
-            </a:bodyPr>
-            <a:lstStyle/>
-            <a:p>
-              <a:r>
-                <a:rPr lang="en-US" altLang="zh-TW" sz="1200" dirty="0">
-                  <a:latin typeface="Times New Roman" panose="02020603050405020304" pitchFamily="18" charset="0"/>
-                  <a:cs typeface="Times New Roman" panose="02020603050405020304" pitchFamily="18" charset="0"/>
-                </a:rPr>
-                <a:t>8</a:t>
-              </a:r>
-              <a:endParaRPr lang="zh-TW" altLang="en-US" sz="1200" dirty="0">
-                <a:latin typeface="Times New Roman" panose="02020603050405020304" pitchFamily="18" charset="0"/>
-                <a:cs typeface="Times New Roman" panose="02020603050405020304" pitchFamily="18" charset="0"/>
-              </a:endParaRPr>
-            </a:p>
-          </p:txBody>
-        </p:sp>
-      </p:grpSp>
       <p:cxnSp>
         <p:nvCxnSpPr>
           <p:cNvPr id="508" name="直線單箭頭接點 507">
@@ -14056,7 +10815,7 @@
                 <a:latin typeface="Times New Roman" panose="02020603050405020304" pitchFamily="18" charset="0"/>
                 <a:cs typeface="Times New Roman" panose="02020603050405020304" pitchFamily="18" charset="0"/>
               </a:rPr>
-              <a:t>offspringMutate</a:t>
+              <a:t>offMutate</a:t>
             </a:r>
             <a:endParaRPr lang="en-US" altLang="zh-TW" sz="800" dirty="0">
               <a:latin typeface="Times New Roman" panose="02020603050405020304" pitchFamily="18" charset="0"/>
@@ -14198,190 +10957,6 @@
       </p:cxnSp>
       <p:grpSp>
         <p:nvGrpSpPr>
-          <p:cNvPr id="518" name="群組 517">
-            <a:extLst>
-              <a:ext uri="{FF2B5EF4-FFF2-40B4-BE49-F238E27FC236}">
-                <a16:creationId xmlns:a16="http://schemas.microsoft.com/office/drawing/2014/main" id="{F5FC3859-AF7C-4E10-AABA-FA263B888951}"/>
-              </a:ext>
-            </a:extLst>
-          </p:cNvPr>
-          <p:cNvGrpSpPr/>
-          <p:nvPr/>
-        </p:nvGrpSpPr>
-        <p:grpSpPr>
-          <a:xfrm>
-            <a:off x="9211855" y="2522549"/>
-            <a:ext cx="2191931" cy="503765"/>
-            <a:chOff x="271714" y="6407804"/>
-            <a:chExt cx="1787060" cy="503765"/>
-          </a:xfrm>
-        </p:grpSpPr>
-        <p:cxnSp>
-          <p:nvCxnSpPr>
-            <p:cNvPr id="519" name="直線單箭頭接點 518">
-              <a:extLst>
-                <a:ext uri="{FF2B5EF4-FFF2-40B4-BE49-F238E27FC236}">
-                  <a16:creationId xmlns:a16="http://schemas.microsoft.com/office/drawing/2014/main" id="{06623363-0E7D-4E5A-B005-2A27B126987D}"/>
-                </a:ext>
-              </a:extLst>
-            </p:cNvPr>
-            <p:cNvCxnSpPr>
-              <a:cxnSpLocks/>
-            </p:cNvCxnSpPr>
-            <p:nvPr/>
-          </p:nvCxnSpPr>
-          <p:spPr>
-            <a:xfrm>
-              <a:off x="271714" y="6664305"/>
-              <a:ext cx="1226857" cy="0"/>
-            </a:xfrm>
-            <a:prstGeom prst="straightConnector1">
-              <a:avLst/>
-            </a:prstGeom>
-            <a:ln>
-              <a:tailEnd type="triangle"/>
-            </a:ln>
-          </p:spPr>
-          <p:style>
-            <a:lnRef idx="3">
-              <a:schemeClr val="accent1"/>
-            </a:lnRef>
-            <a:fillRef idx="0">
-              <a:schemeClr val="accent1"/>
-            </a:fillRef>
-            <a:effectRef idx="2">
-              <a:schemeClr val="accent1"/>
-            </a:effectRef>
-            <a:fontRef idx="minor">
-              <a:schemeClr val="tx1"/>
-            </a:fontRef>
-          </p:style>
-        </p:cxnSp>
-        <p:sp>
-          <p:nvSpPr>
-            <p:cNvPr id="520" name="文字方塊 519">
-              <a:extLst>
-                <a:ext uri="{FF2B5EF4-FFF2-40B4-BE49-F238E27FC236}">
-                  <a16:creationId xmlns:a16="http://schemas.microsoft.com/office/drawing/2014/main" id="{C8423D3D-370A-4BB3-AD44-8B032FE81983}"/>
-                </a:ext>
-              </a:extLst>
-            </p:cNvPr>
-            <p:cNvSpPr txBox="1"/>
-            <p:nvPr/>
-          </p:nvSpPr>
-          <p:spPr>
-            <a:xfrm>
-              <a:off x="586297" y="6696125"/>
-              <a:ext cx="1472477" cy="215444"/>
-            </a:xfrm>
-            <a:prstGeom prst="rect">
-              <a:avLst/>
-            </a:prstGeom>
-            <a:noFill/>
-          </p:spPr>
-          <p:txBody>
-            <a:bodyPr wrap="square" rtlCol="0">
-              <a:spAutoFit/>
-            </a:bodyPr>
-            <a:lstStyle/>
-            <a:p>
-              <a:r>
-                <a:rPr lang="en-US" altLang="zh-TW" sz="800" dirty="0" err="1">
-                  <a:latin typeface="Times New Roman" panose="02020603050405020304" pitchFamily="18" charset="0"/>
-                  <a:cs typeface="Times New Roman" panose="02020603050405020304" pitchFamily="18" charset="0"/>
-                </a:rPr>
-                <a:t>wbIdx_MU</a:t>
-              </a:r>
-              <a:endParaRPr lang="zh-TW" altLang="en-US" sz="800" dirty="0">
-                <a:latin typeface="Times New Roman" panose="02020603050405020304" pitchFamily="18" charset="0"/>
-                <a:cs typeface="Times New Roman" panose="02020603050405020304" pitchFamily="18" charset="0"/>
-              </a:endParaRPr>
-            </a:p>
-          </p:txBody>
-        </p:sp>
-        <p:cxnSp>
-          <p:nvCxnSpPr>
-            <p:cNvPr id="521" name="直線接點 520">
-              <a:extLst>
-                <a:ext uri="{FF2B5EF4-FFF2-40B4-BE49-F238E27FC236}">
-                  <a16:creationId xmlns:a16="http://schemas.microsoft.com/office/drawing/2014/main" id="{BA7BFEC7-5958-4B7B-9CE2-660D047B3958}"/>
-                </a:ext>
-              </a:extLst>
-            </p:cNvPr>
-            <p:cNvCxnSpPr>
-              <a:cxnSpLocks/>
-            </p:cNvCxnSpPr>
-            <p:nvPr/>
-          </p:nvCxnSpPr>
-          <p:spPr>
-            <a:xfrm>
-              <a:off x="739660" y="6604353"/>
-              <a:ext cx="173322" cy="148216"/>
-            </a:xfrm>
-            <a:prstGeom prst="line">
-              <a:avLst/>
-            </a:prstGeom>
-          </p:spPr>
-          <p:style>
-            <a:lnRef idx="3">
-              <a:schemeClr val="dk1"/>
-            </a:lnRef>
-            <a:fillRef idx="0">
-              <a:schemeClr val="dk1"/>
-            </a:fillRef>
-            <a:effectRef idx="2">
-              <a:schemeClr val="dk1"/>
-            </a:effectRef>
-            <a:fontRef idx="minor">
-              <a:schemeClr val="tx1"/>
-            </a:fontRef>
-          </p:style>
-        </p:cxnSp>
-        <p:sp>
-          <p:nvSpPr>
-            <p:cNvPr id="522" name="文字方塊 521">
-              <a:extLst>
-                <a:ext uri="{FF2B5EF4-FFF2-40B4-BE49-F238E27FC236}">
-                  <a16:creationId xmlns:a16="http://schemas.microsoft.com/office/drawing/2014/main" id="{1BD97D87-AD76-4001-A6CD-A409A75B0FDA}"/>
-                </a:ext>
-              </a:extLst>
-            </p:cNvPr>
-            <p:cNvSpPr txBox="1"/>
-            <p:nvPr/>
-          </p:nvSpPr>
-          <p:spPr>
-            <a:xfrm>
-              <a:off x="767546" y="6407804"/>
-              <a:ext cx="564135" cy="276999"/>
-            </a:xfrm>
-            <a:prstGeom prst="rect">
-              <a:avLst/>
-            </a:prstGeom>
-            <a:noFill/>
-          </p:spPr>
-          <p:txBody>
-            <a:bodyPr wrap="square" rtlCol="0">
-              <a:spAutoFit/>
-            </a:bodyPr>
-            <a:lstStyle/>
-            <a:p>
-              <a:r>
-                <a:rPr lang="en-US" altLang="zh-TW" sz="1200" dirty="0">
-                  <a:latin typeface="Times New Roman" panose="02020603050405020304" pitchFamily="18" charset="0"/>
-                  <a:cs typeface="Times New Roman" panose="02020603050405020304" pitchFamily="18" charset="0"/>
-                </a:rPr>
-                <a:t>8</a:t>
-              </a:r>
-              <a:endParaRPr lang="zh-TW" altLang="en-US" sz="1200" dirty="0">
-                <a:latin typeface="Times New Roman" panose="02020603050405020304" pitchFamily="18" charset="0"/>
-                <a:cs typeface="Times New Roman" panose="02020603050405020304" pitchFamily="18" charset="0"/>
-              </a:endParaRPr>
-            </a:p>
-          </p:txBody>
-        </p:sp>
-      </p:grpSp>
-      <p:grpSp>
-        <p:nvGrpSpPr>
           <p:cNvPr id="535" name="群組 534">
             <a:extLst>
               <a:ext uri="{FF2B5EF4-FFF2-40B4-BE49-F238E27FC236}">
@@ -14393,9 +10968,9 @@
           <p:nvPr/>
         </p:nvGrpSpPr>
         <p:grpSpPr>
-          <a:xfrm rot="16200000">
-            <a:off x="9303890" y="2271742"/>
-            <a:ext cx="478006" cy="533400"/>
+          <a:xfrm rot="16200000" flipH="1">
+            <a:off x="9214062" y="1741876"/>
+            <a:ext cx="581117" cy="533400"/>
             <a:chOff x="4626544" y="484484"/>
             <a:chExt cx="478006" cy="533400"/>
           </a:xfrm>
@@ -14524,52 +11099,6 @@
       </p:grpSp>
       <p:sp>
         <p:nvSpPr>
-          <p:cNvPr id="529" name="流程圖: 接點 528">
-            <a:extLst>
-              <a:ext uri="{FF2B5EF4-FFF2-40B4-BE49-F238E27FC236}">
-                <a16:creationId xmlns:a16="http://schemas.microsoft.com/office/drawing/2014/main" id="{F375BBB2-0570-44EA-9767-23DF3F7518ED}"/>
-              </a:ext>
-            </a:extLst>
-          </p:cNvPr>
-          <p:cNvSpPr/>
-          <p:nvPr/>
-        </p:nvSpPr>
-        <p:spPr>
-          <a:xfrm>
-            <a:off x="9440985" y="2742844"/>
-            <a:ext cx="52889" cy="73045"/>
-          </a:xfrm>
-          <a:prstGeom prst="flowChartConnector">
-            <a:avLst/>
-          </a:prstGeom>
-        </p:spPr>
-        <p:style>
-          <a:lnRef idx="2">
-            <a:schemeClr val="dk1">
-              <a:shade val="50000"/>
-            </a:schemeClr>
-          </a:lnRef>
-          <a:fillRef idx="1">
-            <a:schemeClr val="dk1"/>
-          </a:fillRef>
-          <a:effectRef idx="0">
-            <a:schemeClr val="dk1"/>
-          </a:effectRef>
-          <a:fontRef idx="minor">
-            <a:schemeClr val="lt1"/>
-          </a:fontRef>
-        </p:style>
-        <p:txBody>
-          <a:bodyPr rtlCol="0" anchor="ctr"/>
-          <a:lstStyle/>
-          <a:p>
-            <a:pPr algn="ctr"/>
-            <a:endParaRPr lang="zh-TW" altLang="en-US"/>
-          </a:p>
-        </p:txBody>
-      </p:sp>
-      <p:sp>
-        <p:nvSpPr>
           <p:cNvPr id="539" name="文字方塊 538">
             <a:extLst>
               <a:ext uri="{FF2B5EF4-FFF2-40B4-BE49-F238E27FC236}">
@@ -14582,7 +11111,7 @@
         </p:nvSpPr>
         <p:spPr>
           <a:xfrm>
-            <a:off x="9440985" y="2339886"/>
+            <a:off x="9407754" y="2179576"/>
             <a:ext cx="1806077" cy="215444"/>
           </a:xfrm>
           <a:prstGeom prst="rect">
@@ -14610,190 +11139,6 @@
           </a:p>
         </p:txBody>
       </p:sp>
-      <p:grpSp>
-        <p:nvGrpSpPr>
-          <p:cNvPr id="540" name="群組 539">
-            <a:extLst>
-              <a:ext uri="{FF2B5EF4-FFF2-40B4-BE49-F238E27FC236}">
-                <a16:creationId xmlns:a16="http://schemas.microsoft.com/office/drawing/2014/main" id="{33F783D5-F2B4-4EF0-BF1F-DF4F50A57D90}"/>
-              </a:ext>
-            </a:extLst>
-          </p:cNvPr>
-          <p:cNvGrpSpPr/>
-          <p:nvPr/>
-        </p:nvGrpSpPr>
-        <p:grpSpPr>
-          <a:xfrm>
-            <a:off x="11130578" y="2510915"/>
-            <a:ext cx="1446726" cy="499494"/>
-            <a:chOff x="271714" y="6407804"/>
-            <a:chExt cx="1716872" cy="499494"/>
-          </a:xfrm>
-        </p:grpSpPr>
-        <p:cxnSp>
-          <p:nvCxnSpPr>
-            <p:cNvPr id="541" name="直線單箭頭接點 540">
-              <a:extLst>
-                <a:ext uri="{FF2B5EF4-FFF2-40B4-BE49-F238E27FC236}">
-                  <a16:creationId xmlns:a16="http://schemas.microsoft.com/office/drawing/2014/main" id="{1ED683DB-14BB-49B3-944D-0A9050D10054}"/>
-                </a:ext>
-              </a:extLst>
-            </p:cNvPr>
-            <p:cNvCxnSpPr>
-              <a:cxnSpLocks/>
-            </p:cNvCxnSpPr>
-            <p:nvPr/>
-          </p:nvCxnSpPr>
-          <p:spPr>
-            <a:xfrm>
-              <a:off x="271714" y="6664305"/>
-              <a:ext cx="1226857" cy="0"/>
-            </a:xfrm>
-            <a:prstGeom prst="straightConnector1">
-              <a:avLst/>
-            </a:prstGeom>
-            <a:ln>
-              <a:tailEnd type="triangle"/>
-            </a:ln>
-          </p:spPr>
-          <p:style>
-            <a:lnRef idx="3">
-              <a:schemeClr val="accent1"/>
-            </a:lnRef>
-            <a:fillRef idx="0">
-              <a:schemeClr val="accent1"/>
-            </a:fillRef>
-            <a:effectRef idx="2">
-              <a:schemeClr val="accent1"/>
-            </a:effectRef>
-            <a:fontRef idx="minor">
-              <a:schemeClr val="tx1"/>
-            </a:fontRef>
-          </p:style>
-        </p:cxnSp>
-        <p:sp>
-          <p:nvSpPr>
-            <p:cNvPr id="542" name="文字方塊 541">
-              <a:extLst>
-                <a:ext uri="{FF2B5EF4-FFF2-40B4-BE49-F238E27FC236}">
-                  <a16:creationId xmlns:a16="http://schemas.microsoft.com/office/drawing/2014/main" id="{C7C6725A-D3DB-452A-9FD1-B56C1CB2F615}"/>
-                </a:ext>
-              </a:extLst>
-            </p:cNvPr>
-            <p:cNvSpPr txBox="1"/>
-            <p:nvPr/>
-          </p:nvSpPr>
-          <p:spPr>
-            <a:xfrm>
-              <a:off x="516109" y="6691854"/>
-              <a:ext cx="1472477" cy="215444"/>
-            </a:xfrm>
-            <a:prstGeom prst="rect">
-              <a:avLst/>
-            </a:prstGeom>
-            <a:noFill/>
-          </p:spPr>
-          <p:txBody>
-            <a:bodyPr wrap="square" rtlCol="0">
-              <a:spAutoFit/>
-            </a:bodyPr>
-            <a:lstStyle/>
-            <a:p>
-              <a:r>
-                <a:rPr lang="en-US" altLang="zh-TW" sz="800" dirty="0" err="1">
-                  <a:latin typeface="Times New Roman" panose="02020603050405020304" pitchFamily="18" charset="0"/>
-                  <a:cs typeface="Times New Roman" panose="02020603050405020304" pitchFamily="18" charset="0"/>
-                </a:rPr>
-                <a:t>wbIdx_EF</a:t>
-              </a:r>
-              <a:endParaRPr lang="zh-TW" altLang="en-US" sz="800" dirty="0">
-                <a:latin typeface="Times New Roman" panose="02020603050405020304" pitchFamily="18" charset="0"/>
-                <a:cs typeface="Times New Roman" panose="02020603050405020304" pitchFamily="18" charset="0"/>
-              </a:endParaRPr>
-            </a:p>
-          </p:txBody>
-        </p:sp>
-        <p:cxnSp>
-          <p:nvCxnSpPr>
-            <p:cNvPr id="543" name="直線接點 542">
-              <a:extLst>
-                <a:ext uri="{FF2B5EF4-FFF2-40B4-BE49-F238E27FC236}">
-                  <a16:creationId xmlns:a16="http://schemas.microsoft.com/office/drawing/2014/main" id="{A1ABA6C4-2995-4428-BFE3-57BCCD331827}"/>
-                </a:ext>
-              </a:extLst>
-            </p:cNvPr>
-            <p:cNvCxnSpPr>
-              <a:cxnSpLocks/>
-            </p:cNvCxnSpPr>
-            <p:nvPr/>
-          </p:nvCxnSpPr>
-          <p:spPr>
-            <a:xfrm>
-              <a:off x="739660" y="6604353"/>
-              <a:ext cx="173322" cy="148216"/>
-            </a:xfrm>
-            <a:prstGeom prst="line">
-              <a:avLst/>
-            </a:prstGeom>
-          </p:spPr>
-          <p:style>
-            <a:lnRef idx="3">
-              <a:schemeClr val="dk1"/>
-            </a:lnRef>
-            <a:fillRef idx="0">
-              <a:schemeClr val="dk1"/>
-            </a:fillRef>
-            <a:effectRef idx="2">
-              <a:schemeClr val="dk1"/>
-            </a:effectRef>
-            <a:fontRef idx="minor">
-              <a:schemeClr val="tx1"/>
-            </a:fontRef>
-          </p:style>
-        </p:cxnSp>
-        <p:sp>
-          <p:nvSpPr>
-            <p:cNvPr id="544" name="文字方塊 543">
-              <a:extLst>
-                <a:ext uri="{FF2B5EF4-FFF2-40B4-BE49-F238E27FC236}">
-                  <a16:creationId xmlns:a16="http://schemas.microsoft.com/office/drawing/2014/main" id="{145B9749-6B7F-4D6D-9782-E1CAFB7AAF1F}"/>
-                </a:ext>
-              </a:extLst>
-            </p:cNvPr>
-            <p:cNvSpPr txBox="1"/>
-            <p:nvPr/>
-          </p:nvSpPr>
-          <p:spPr>
-            <a:xfrm>
-              <a:off x="767546" y="6407804"/>
-              <a:ext cx="564135" cy="276999"/>
-            </a:xfrm>
-            <a:prstGeom prst="rect">
-              <a:avLst/>
-            </a:prstGeom>
-            <a:noFill/>
-          </p:spPr>
-          <p:txBody>
-            <a:bodyPr wrap="square" rtlCol="0">
-              <a:spAutoFit/>
-            </a:bodyPr>
-            <a:lstStyle/>
-            <a:p>
-              <a:r>
-                <a:rPr lang="en-US" altLang="zh-TW" sz="1200" dirty="0">
-                  <a:latin typeface="Times New Roman" panose="02020603050405020304" pitchFamily="18" charset="0"/>
-                  <a:cs typeface="Times New Roman" panose="02020603050405020304" pitchFamily="18" charset="0"/>
-                </a:rPr>
-                <a:t>8</a:t>
-              </a:r>
-              <a:endParaRPr lang="zh-TW" altLang="en-US" sz="1200" dirty="0">
-                <a:latin typeface="Times New Roman" panose="02020603050405020304" pitchFamily="18" charset="0"/>
-                <a:cs typeface="Times New Roman" panose="02020603050405020304" pitchFamily="18" charset="0"/>
-              </a:endParaRPr>
-            </a:p>
-          </p:txBody>
-        </p:sp>
-      </p:grpSp>
       <p:grpSp>
         <p:nvGrpSpPr>
           <p:cNvPr id="545" name="群組 544">
@@ -14952,7 +11297,7 @@
                   <a:latin typeface="Times New Roman" panose="02020603050405020304" pitchFamily="18" charset="0"/>
                   <a:cs typeface="Times New Roman" panose="02020603050405020304" pitchFamily="18" charset="0"/>
                 </a:rPr>
-                <a:t>TourInd_MU</a:t>
+                <a:t>OffState_MU</a:t>
               </a:r>
               <a:endParaRPr lang="zh-TW" altLang="en-US" sz="800" dirty="0">
                 <a:latin typeface="Times New Roman" panose="02020603050405020304" pitchFamily="18" charset="0"/>
@@ -14962,94 +11307,6 @@
           </p:txBody>
         </p:sp>
       </p:grpSp>
-      <p:sp>
-        <p:nvSpPr>
-          <p:cNvPr id="553" name="箭號: 向右 552">
-            <a:extLst>
-              <a:ext uri="{FF2B5EF4-FFF2-40B4-BE49-F238E27FC236}">
-                <a16:creationId xmlns:a16="http://schemas.microsoft.com/office/drawing/2014/main" id="{23F1AB39-F0A6-442B-90CD-E4D37B2072E9}"/>
-              </a:ext>
-            </a:extLst>
-          </p:cNvPr>
-          <p:cNvSpPr/>
-          <p:nvPr/>
-        </p:nvSpPr>
-        <p:spPr>
-          <a:xfrm>
-            <a:off x="293161" y="5931459"/>
-            <a:ext cx="1195045" cy="158090"/>
-          </a:xfrm>
-          <a:prstGeom prst="rightArrow">
-            <a:avLst/>
-          </a:prstGeom>
-        </p:spPr>
-        <p:style>
-          <a:lnRef idx="2">
-            <a:schemeClr val="accent1">
-              <a:shade val="50000"/>
-            </a:schemeClr>
-          </a:lnRef>
-          <a:fillRef idx="1">
-            <a:schemeClr val="accent1"/>
-          </a:fillRef>
-          <a:effectRef idx="0">
-            <a:schemeClr val="accent1"/>
-          </a:effectRef>
-          <a:fontRef idx="minor">
-            <a:schemeClr val="lt1"/>
-          </a:fontRef>
-        </p:style>
-        <p:txBody>
-          <a:bodyPr rtlCol="0" anchor="ctr"/>
-          <a:lstStyle/>
-          <a:p>
-            <a:pPr algn="ctr"/>
-            <a:endParaRPr lang="zh-TW" altLang="en-US"/>
-          </a:p>
-        </p:txBody>
-      </p:sp>
-      <p:sp>
-        <p:nvSpPr>
-          <p:cNvPr id="554" name="文字方塊 553">
-            <a:extLst>
-              <a:ext uri="{FF2B5EF4-FFF2-40B4-BE49-F238E27FC236}">
-                <a16:creationId xmlns:a16="http://schemas.microsoft.com/office/drawing/2014/main" id="{48E893EF-8A25-432C-B046-88189D53FB74}"/>
-              </a:ext>
-            </a:extLst>
-          </p:cNvPr>
-          <p:cNvSpPr txBox="1"/>
-          <p:nvPr/>
-        </p:nvSpPr>
-        <p:spPr>
-          <a:xfrm>
-            <a:off x="-9094" y="5794456"/>
-            <a:ext cx="1162511" cy="215444"/>
-          </a:xfrm>
-          <a:prstGeom prst="rect">
-            <a:avLst/>
-          </a:prstGeom>
-          <a:noFill/>
-        </p:spPr>
-        <p:txBody>
-          <a:bodyPr wrap="square" rtlCol="0">
-            <a:spAutoFit/>
-          </a:bodyPr>
-          <a:lstStyle/>
-          <a:p>
-            <a:r>
-              <a:rPr lang="en-US" altLang="zh-TW" sz="800" dirty="0" err="1">
-                <a:latin typeface="Times New Roman" panose="02020603050405020304" pitchFamily="18" charset="0"/>
-                <a:cs typeface="Times New Roman" panose="02020603050405020304" pitchFamily="18" charset="0"/>
-              </a:rPr>
-              <a:t>Ind_wb_FR</a:t>
-            </a:r>
-            <a:endParaRPr lang="zh-TW" altLang="en-US" sz="800" dirty="0">
-              <a:latin typeface="Times New Roman" panose="02020603050405020304" pitchFamily="18" charset="0"/>
-              <a:cs typeface="Times New Roman" panose="02020603050405020304" pitchFamily="18" charset="0"/>
-            </a:endParaRPr>
-          </a:p>
-        </p:txBody>
-      </p:sp>
       <p:grpSp>
         <p:nvGrpSpPr>
           <p:cNvPr id="555" name="群組 554">
@@ -15064,10 +11321,10 @@
         </p:nvGrpSpPr>
         <p:grpSpPr>
           <a:xfrm>
-            <a:off x="10103553" y="4481440"/>
-            <a:ext cx="929180" cy="684213"/>
-            <a:chOff x="3624364" y="3605614"/>
-            <a:chExt cx="1592208" cy="684213"/>
+            <a:off x="10136319" y="4475363"/>
+            <a:ext cx="1011437" cy="690290"/>
+            <a:chOff x="3680512" y="3599537"/>
+            <a:chExt cx="1733161" cy="690290"/>
           </a:xfrm>
         </p:grpSpPr>
         <p:grpSp>
@@ -15084,10 +11341,10 @@
           </p:nvGrpSpPr>
           <p:grpSpPr>
             <a:xfrm>
-              <a:off x="3624364" y="3605614"/>
-              <a:ext cx="1555000" cy="436845"/>
-              <a:chOff x="3099845" y="1879645"/>
-              <a:chExt cx="2194164" cy="708297"/>
+              <a:off x="3858673" y="3599537"/>
+              <a:ext cx="1555000" cy="442921"/>
+              <a:chOff x="3430464" y="1869793"/>
+              <a:chExt cx="2194164" cy="718149"/>
             </a:xfrm>
           </p:grpSpPr>
           <p:sp>
@@ -15188,7 +11445,7 @@
             </p:nvSpPr>
             <p:spPr>
               <a:xfrm>
-                <a:off x="3099845" y="1879645"/>
+                <a:off x="3430464" y="1869793"/>
                 <a:ext cx="2194164" cy="449124"/>
               </a:xfrm>
               <a:prstGeom prst="rect">
@@ -15207,7 +11464,7 @@
                     <a:latin typeface="Times New Roman" panose="02020603050405020304" pitchFamily="18" charset="0"/>
                     <a:cs typeface="Times New Roman" panose="02020603050405020304" pitchFamily="18" charset="0"/>
                   </a:rPr>
-                  <a:t>11*2+8+10</a:t>
+                  <a:t>11*2</a:t>
                 </a:r>
                 <a:endParaRPr lang="zh-TW" altLang="en-US" sz="1200" dirty="0">
                   <a:latin typeface="Times New Roman" panose="02020603050405020304" pitchFamily="18" charset="0"/>
@@ -15250,7 +11507,7 @@
                   <a:latin typeface="Times New Roman" panose="02020603050405020304" pitchFamily="18" charset="0"/>
                   <a:cs typeface="Times New Roman" panose="02020603050405020304" pitchFamily="18" charset="0"/>
                 </a:rPr>
-                <a:t>mutateInd_MU</a:t>
+                <a:t>newState_MU</a:t>
               </a:r>
               <a:endParaRPr lang="zh-TW" altLang="en-US" sz="800" dirty="0">
                 <a:latin typeface="Times New Roman" panose="02020603050405020304" pitchFamily="18" charset="0"/>
@@ -15417,7 +11674,7 @@
                     <a:latin typeface="Times New Roman" panose="02020603050405020304" pitchFamily="18" charset="0"/>
                     <a:cs typeface="Times New Roman" panose="02020603050405020304" pitchFamily="18" charset="0"/>
                   </a:rPr>
-                  <a:t>11*2+8+10</a:t>
+                  <a:t>11*2</a:t>
                 </a:r>
                 <a:endParaRPr lang="zh-TW" altLang="en-US" sz="1200" dirty="0">
                   <a:latin typeface="Times New Roman" panose="02020603050405020304" pitchFamily="18" charset="0"/>
@@ -15460,7 +11717,7 @@
                   <a:latin typeface="Times New Roman" panose="02020603050405020304" pitchFamily="18" charset="0"/>
                   <a:cs typeface="Times New Roman" panose="02020603050405020304" pitchFamily="18" charset="0"/>
                 </a:rPr>
-                <a:t>mutateInd_EF</a:t>
+                <a:t>OffState_EF</a:t>
               </a:r>
               <a:endParaRPr lang="zh-TW" altLang="en-US" sz="800" dirty="0">
                 <a:latin typeface="Times New Roman" panose="02020603050405020304" pitchFamily="18" charset="0"/>
@@ -15711,7 +11968,7 @@
                   <a:latin typeface="Times New Roman" panose="02020603050405020304" pitchFamily="18" charset="0"/>
                   <a:cs typeface="Times New Roman" panose="02020603050405020304" pitchFamily="18" charset="0"/>
                 </a:rPr>
-                <a:t>11*2</a:t>
+                <a:t>8*11</a:t>
               </a:r>
               <a:endParaRPr lang="zh-TW" altLang="en-US" sz="1200" dirty="0">
                 <a:latin typeface="Times New Roman" panose="02020603050405020304" pitchFamily="18" charset="0"/>
@@ -15857,13 +12114,14 @@
           </p:cNvPr>
           <p:cNvCxnSpPr>
             <a:cxnSpLocks/>
+            <a:endCxn id="579" idx="2"/>
           </p:cNvCxnSpPr>
           <p:nvPr/>
         </p:nvCxnSpPr>
         <p:spPr>
-          <a:xfrm>
-            <a:off x="7457559" y="2118547"/>
-            <a:ext cx="1315309" cy="0"/>
+          <a:xfrm flipV="1">
+            <a:off x="7457559" y="2110322"/>
+            <a:ext cx="849777" cy="8226"/>
           </a:xfrm>
           <a:prstGeom prst="straightConnector1">
             <a:avLst/>
@@ -15901,7 +12159,7 @@
         </p:nvSpPr>
         <p:spPr>
           <a:xfrm>
-            <a:off x="7761932" y="1911213"/>
+            <a:off x="7473986" y="1894878"/>
             <a:ext cx="1666700" cy="215444"/>
           </a:xfrm>
           <a:prstGeom prst="rect">
@@ -15920,7 +12178,7 @@
                 <a:latin typeface="Times New Roman" panose="02020603050405020304" pitchFamily="18" charset="0"/>
                 <a:cs typeface="Times New Roman" panose="02020603050405020304" pitchFamily="18" charset="0"/>
               </a:rPr>
-              <a:t>WB_tour_CRX</a:t>
+              <a:t>popFit_lr_offFit</a:t>
             </a:r>
             <a:endParaRPr lang="zh-TW" altLang="en-US" sz="800" dirty="0">
               <a:latin typeface="Times New Roman" panose="02020603050405020304" pitchFamily="18" charset="0"/>
@@ -15929,89 +12187,6 @@
           </a:p>
         </p:txBody>
       </p:sp>
-      <p:sp>
-        <p:nvSpPr>
-          <p:cNvPr id="580" name="文字方塊 579">
-            <a:extLst>
-              <a:ext uri="{FF2B5EF4-FFF2-40B4-BE49-F238E27FC236}">
-                <a16:creationId xmlns:a16="http://schemas.microsoft.com/office/drawing/2014/main" id="{90C96373-80DD-4FC6-96D7-90E97480263A}"/>
-              </a:ext>
-            </a:extLst>
-          </p:cNvPr>
-          <p:cNvSpPr txBox="1"/>
-          <p:nvPr/>
-        </p:nvSpPr>
-        <p:spPr>
-          <a:xfrm>
-            <a:off x="9135243" y="1888052"/>
-            <a:ext cx="1666700" cy="215444"/>
-          </a:xfrm>
-          <a:prstGeom prst="rect">
-            <a:avLst/>
-          </a:prstGeom>
-          <a:noFill/>
-        </p:spPr>
-        <p:txBody>
-          <a:bodyPr wrap="square" rtlCol="0">
-            <a:spAutoFit/>
-          </a:bodyPr>
-          <a:lstStyle/>
-          <a:p>
-            <a:r>
-              <a:rPr lang="en-US" altLang="zh-TW" sz="800" dirty="0" err="1">
-                <a:latin typeface="Times New Roman" panose="02020603050405020304" pitchFamily="18" charset="0"/>
-                <a:cs typeface="Times New Roman" panose="02020603050405020304" pitchFamily="18" charset="0"/>
-              </a:rPr>
-              <a:t>WB_tour_MU</a:t>
-            </a:r>
-            <a:endParaRPr lang="zh-TW" altLang="en-US" sz="800" dirty="0">
-              <a:latin typeface="Times New Roman" panose="02020603050405020304" pitchFamily="18" charset="0"/>
-              <a:cs typeface="Times New Roman" panose="02020603050405020304" pitchFamily="18" charset="0"/>
-            </a:endParaRPr>
-          </a:p>
-        </p:txBody>
-      </p:sp>
-      <p:cxnSp>
-        <p:nvCxnSpPr>
-          <p:cNvPr id="581" name="直線單箭頭接點 580">
-            <a:extLst>
-              <a:ext uri="{FF2B5EF4-FFF2-40B4-BE49-F238E27FC236}">
-                <a16:creationId xmlns:a16="http://schemas.microsoft.com/office/drawing/2014/main" id="{4AD3623E-EB76-49EC-B60A-B98E66BCFE16}"/>
-              </a:ext>
-            </a:extLst>
-          </p:cNvPr>
-          <p:cNvCxnSpPr>
-            <a:cxnSpLocks/>
-          </p:cNvCxnSpPr>
-          <p:nvPr/>
-        </p:nvCxnSpPr>
-        <p:spPr>
-          <a:xfrm>
-            <a:off x="9211855" y="2118547"/>
-            <a:ext cx="256213" cy="0"/>
-          </a:xfrm>
-          <a:prstGeom prst="straightConnector1">
-            <a:avLst/>
-          </a:prstGeom>
-          <a:ln>
-            <a:tailEnd type="triangle"/>
-          </a:ln>
-        </p:spPr>
-        <p:style>
-          <a:lnRef idx="2">
-            <a:schemeClr val="accent4"/>
-          </a:lnRef>
-          <a:fillRef idx="1">
-            <a:schemeClr val="lt1"/>
-          </a:fillRef>
-          <a:effectRef idx="0">
-            <a:schemeClr val="accent4"/>
-          </a:effectRef>
-          <a:fontRef idx="minor">
-            <a:schemeClr val="dk1"/>
-          </a:fontRef>
-        </p:style>
-      </p:cxnSp>
       <p:cxnSp>
         <p:nvCxnSpPr>
           <p:cNvPr id="360" name="直線接點 359">
@@ -16050,51 +12225,54 @@
           </a:fontRef>
         </p:style>
       </p:cxnSp>
-      <p:cxnSp>
-        <p:nvCxnSpPr>
-          <p:cNvPr id="371" name="直線接點 370">
+      <p:sp>
+        <p:nvSpPr>
+          <p:cNvPr id="433" name="文字方塊 432">
             <a:extLst>
               <a:ext uri="{FF2B5EF4-FFF2-40B4-BE49-F238E27FC236}">
-                <a16:creationId xmlns:a16="http://schemas.microsoft.com/office/drawing/2014/main" id="{D0C31A28-7320-489E-A7BD-A421E20EDBE9}"/>
+                <a16:creationId xmlns:a16="http://schemas.microsoft.com/office/drawing/2014/main" id="{63FA8711-B9D2-46A8-A5C8-26A44676A5BE}"/>
               </a:ext>
             </a:extLst>
           </p:cNvPr>
-          <p:cNvCxnSpPr>
-            <a:cxnSpLocks/>
-            <a:stCxn id="290" idx="5"/>
-          </p:cNvCxnSpPr>
+          <p:cNvSpPr txBox="1"/>
           <p:nvPr/>
-        </p:nvCxnSpPr>
+        </p:nvSpPr>
         <p:spPr>
           <a:xfrm>
-            <a:off x="7374684" y="2305042"/>
-            <a:ext cx="200866" cy="0"/>
+            <a:off x="9164537" y="4510172"/>
+            <a:ext cx="930119" cy="276999"/>
           </a:xfrm>
-          <a:prstGeom prst="line">
+          <a:prstGeom prst="rect">
             <a:avLst/>
           </a:prstGeom>
+          <a:noFill/>
         </p:spPr>
-        <p:style>
-          <a:lnRef idx="3">
-            <a:schemeClr val="accent4"/>
-          </a:lnRef>
-          <a:fillRef idx="0">
-            <a:schemeClr val="accent4"/>
-          </a:fillRef>
-          <a:effectRef idx="2">
-            <a:schemeClr val="accent4"/>
-          </a:effectRef>
-          <a:fontRef idx="minor">
-            <a:schemeClr val="tx1"/>
-          </a:fontRef>
-        </p:style>
-      </p:cxnSp>
+        <p:txBody>
+          <a:bodyPr wrap="square" rtlCol="0">
+            <a:spAutoFit/>
+          </a:bodyPr>
+          <a:lstStyle/>
+          <a:p>
+            <a:r>
+              <a:rPr lang="en-US" altLang="zh-TW" sz="1200" dirty="0">
+                <a:latin typeface="Times New Roman" panose="02020603050405020304" pitchFamily="18" charset="0"/>
+                <a:cs typeface="Times New Roman" panose="02020603050405020304" pitchFamily="18" charset="0"/>
+              </a:rPr>
+              <a:t>11*2</a:t>
+            </a:r>
+            <a:endParaRPr lang="zh-TW" altLang="en-US" sz="1200" dirty="0">
+              <a:latin typeface="Times New Roman" panose="02020603050405020304" pitchFamily="18" charset="0"/>
+              <a:cs typeface="Times New Roman" panose="02020603050405020304" pitchFamily="18" charset="0"/>
+            </a:endParaRPr>
+          </a:p>
+        </p:txBody>
+      </p:sp>
       <p:cxnSp>
         <p:nvCxnSpPr>
-          <p:cNvPr id="385" name="直線單箭頭接點 384">
+          <p:cNvPr id="384" name="直線接點 383">
             <a:extLst>
               <a:ext uri="{FF2B5EF4-FFF2-40B4-BE49-F238E27FC236}">
-                <a16:creationId xmlns:a16="http://schemas.microsoft.com/office/drawing/2014/main" id="{14D3E6BD-0A98-4A56-BA8B-8F3E229482FE}"/>
+                <a16:creationId xmlns:a16="http://schemas.microsoft.com/office/drawing/2014/main" id="{08828879-30F3-46A3-84F7-E817B612B0CC}"/>
               </a:ext>
             </a:extLst>
           </p:cNvPr>
@@ -16105,8 +12283,1443 @@
         </p:nvCxnSpPr>
         <p:spPr>
           <a:xfrm flipH="1">
-            <a:off x="7232740" y="2299439"/>
-            <a:ext cx="228776" cy="211476"/>
+            <a:off x="2605738" y="1698616"/>
+            <a:ext cx="7562" cy="3482088"/>
+          </a:xfrm>
+          <a:prstGeom prst="line">
+            <a:avLst/>
+          </a:prstGeom>
+        </p:spPr>
+        <p:style>
+          <a:lnRef idx="3">
+            <a:schemeClr val="accent1"/>
+          </a:lnRef>
+          <a:fillRef idx="0">
+            <a:schemeClr val="accent1"/>
+          </a:fillRef>
+          <a:effectRef idx="2">
+            <a:schemeClr val="accent1"/>
+          </a:effectRef>
+          <a:fontRef idx="minor">
+            <a:schemeClr val="tx1"/>
+          </a:fontRef>
+        </p:style>
+      </p:cxnSp>
+      <p:sp>
+        <p:nvSpPr>
+          <p:cNvPr id="422" name="流程圖: 接點 421">
+            <a:extLst>
+              <a:ext uri="{FF2B5EF4-FFF2-40B4-BE49-F238E27FC236}">
+                <a16:creationId xmlns:a16="http://schemas.microsoft.com/office/drawing/2014/main" id="{4AE6A04E-2546-4983-9765-13A85087A968}"/>
+              </a:ext>
+            </a:extLst>
+          </p:cNvPr>
+          <p:cNvSpPr/>
+          <p:nvPr/>
+        </p:nvSpPr>
+        <p:spPr>
+          <a:xfrm>
+            <a:off x="2586370" y="5157845"/>
+            <a:ext cx="45719" cy="45719"/>
+          </a:xfrm>
+          <a:prstGeom prst="flowChartConnector">
+            <a:avLst/>
+          </a:prstGeom>
+        </p:spPr>
+        <p:style>
+          <a:lnRef idx="2">
+            <a:schemeClr val="dk1">
+              <a:shade val="50000"/>
+            </a:schemeClr>
+          </a:lnRef>
+          <a:fillRef idx="1">
+            <a:schemeClr val="dk1"/>
+          </a:fillRef>
+          <a:effectRef idx="0">
+            <a:schemeClr val="dk1"/>
+          </a:effectRef>
+          <a:fontRef idx="minor">
+            <a:schemeClr val="lt1"/>
+          </a:fontRef>
+        </p:style>
+        <p:txBody>
+          <a:bodyPr rtlCol="0" anchor="ctr"/>
+          <a:lstStyle/>
+          <a:p>
+            <a:pPr algn="ctr"/>
+            <a:endParaRPr lang="zh-TW" altLang="en-US"/>
+          </a:p>
+        </p:txBody>
+      </p:sp>
+      <p:grpSp>
+        <p:nvGrpSpPr>
+          <p:cNvPr id="468" name="群組 467">
+            <a:extLst>
+              <a:ext uri="{FF2B5EF4-FFF2-40B4-BE49-F238E27FC236}">
+                <a16:creationId xmlns:a16="http://schemas.microsoft.com/office/drawing/2014/main" id="{F206E947-6915-4FD3-B461-5668DBAB69EB}"/>
+              </a:ext>
+            </a:extLst>
+          </p:cNvPr>
+          <p:cNvGrpSpPr/>
+          <p:nvPr/>
+        </p:nvGrpSpPr>
+        <p:grpSpPr>
+          <a:xfrm>
+            <a:off x="5796719" y="1467415"/>
+            <a:ext cx="4306834" cy="333331"/>
+            <a:chOff x="4619820" y="424471"/>
+            <a:chExt cx="688254" cy="333331"/>
+          </a:xfrm>
+        </p:grpSpPr>
+        <p:cxnSp>
+          <p:nvCxnSpPr>
+            <p:cNvPr id="469" name="直線單箭頭接點 468">
+              <a:extLst>
+                <a:ext uri="{FF2B5EF4-FFF2-40B4-BE49-F238E27FC236}">
+                  <a16:creationId xmlns:a16="http://schemas.microsoft.com/office/drawing/2014/main" id="{8B5C72EB-7B1A-40B8-989B-C982F479DF66}"/>
+                </a:ext>
+              </a:extLst>
+            </p:cNvPr>
+            <p:cNvCxnSpPr>
+              <a:cxnSpLocks/>
+            </p:cNvCxnSpPr>
+            <p:nvPr/>
+          </p:nvCxnSpPr>
+          <p:spPr>
+            <a:xfrm>
+              <a:off x="4619820" y="675073"/>
+              <a:ext cx="484730" cy="0"/>
+            </a:xfrm>
+            <a:prstGeom prst="straightConnector1">
+              <a:avLst/>
+            </a:prstGeom>
+            <a:ln>
+              <a:tailEnd type="triangle"/>
+            </a:ln>
+          </p:spPr>
+          <p:style>
+            <a:lnRef idx="3">
+              <a:schemeClr val="accent1"/>
+            </a:lnRef>
+            <a:fillRef idx="0">
+              <a:schemeClr val="accent1"/>
+            </a:fillRef>
+            <a:effectRef idx="2">
+              <a:schemeClr val="accent1"/>
+            </a:effectRef>
+            <a:fontRef idx="minor">
+              <a:schemeClr val="tx1"/>
+            </a:fontRef>
+          </p:style>
+        </p:cxnSp>
+        <p:cxnSp>
+          <p:nvCxnSpPr>
+            <p:cNvPr id="470" name="直線接點 469">
+              <a:extLst>
+                <a:ext uri="{FF2B5EF4-FFF2-40B4-BE49-F238E27FC236}">
+                  <a16:creationId xmlns:a16="http://schemas.microsoft.com/office/drawing/2014/main" id="{FE582ECC-B6BD-4ECF-8022-9322366F5ABF}"/>
+                </a:ext>
+              </a:extLst>
+            </p:cNvPr>
+            <p:cNvCxnSpPr>
+              <a:cxnSpLocks/>
+            </p:cNvCxnSpPr>
+            <p:nvPr/>
+          </p:nvCxnSpPr>
+          <p:spPr>
+            <a:xfrm>
+              <a:off x="4750671" y="613267"/>
+              <a:ext cx="97186" cy="144535"/>
+            </a:xfrm>
+            <a:prstGeom prst="line">
+              <a:avLst/>
+            </a:prstGeom>
+          </p:spPr>
+          <p:style>
+            <a:lnRef idx="3">
+              <a:schemeClr val="dk1"/>
+            </a:lnRef>
+            <a:fillRef idx="0">
+              <a:schemeClr val="dk1"/>
+            </a:fillRef>
+            <a:effectRef idx="2">
+              <a:schemeClr val="dk1"/>
+            </a:effectRef>
+            <a:fontRef idx="minor">
+              <a:schemeClr val="tx1"/>
+            </a:fontRef>
+          </p:style>
+        </p:cxnSp>
+        <p:sp>
+          <p:nvSpPr>
+            <p:cNvPr id="471" name="文字方塊 470">
+              <a:extLst>
+                <a:ext uri="{FF2B5EF4-FFF2-40B4-BE49-F238E27FC236}">
+                  <a16:creationId xmlns:a16="http://schemas.microsoft.com/office/drawing/2014/main" id="{D57B5C2D-525C-41F5-BCC1-65B23504D4DC}"/>
+                </a:ext>
+              </a:extLst>
+            </p:cNvPr>
+            <p:cNvSpPr txBox="1"/>
+            <p:nvPr/>
+          </p:nvSpPr>
+          <p:spPr>
+            <a:xfrm>
+              <a:off x="4774674" y="424471"/>
+              <a:ext cx="533400" cy="276999"/>
+            </a:xfrm>
+            <a:prstGeom prst="rect">
+              <a:avLst/>
+            </a:prstGeom>
+            <a:noFill/>
+          </p:spPr>
+          <p:txBody>
+            <a:bodyPr wrap="square" rtlCol="0">
+              <a:spAutoFit/>
+            </a:bodyPr>
+            <a:lstStyle/>
+            <a:p>
+              <a:r>
+                <a:rPr lang="en-US" altLang="zh-TW" sz="1200" dirty="0">
+                  <a:latin typeface="Times New Roman" panose="02020603050405020304" pitchFamily="18" charset="0"/>
+                  <a:cs typeface="Times New Roman" panose="02020603050405020304" pitchFamily="18" charset="0"/>
+                </a:rPr>
+                <a:t>8</a:t>
+              </a:r>
+              <a:endParaRPr lang="zh-TW" altLang="en-US" sz="1200" dirty="0">
+                <a:latin typeface="Times New Roman" panose="02020603050405020304" pitchFamily="18" charset="0"/>
+                <a:cs typeface="Times New Roman" panose="02020603050405020304" pitchFamily="18" charset="0"/>
+              </a:endParaRPr>
+            </a:p>
+          </p:txBody>
+        </p:sp>
+      </p:grpSp>
+      <p:sp>
+        <p:nvSpPr>
+          <p:cNvPr id="472" name="文字方塊 471">
+            <a:extLst>
+              <a:ext uri="{FF2B5EF4-FFF2-40B4-BE49-F238E27FC236}">
+                <a16:creationId xmlns:a16="http://schemas.microsoft.com/office/drawing/2014/main" id="{4B7B95B2-2AD3-4D29-B06E-5492262443A4}"/>
+              </a:ext>
+            </a:extLst>
+          </p:cNvPr>
+          <p:cNvSpPr txBox="1"/>
+          <p:nvPr/>
+        </p:nvSpPr>
+        <p:spPr>
+          <a:xfrm>
+            <a:off x="7483935" y="1434399"/>
+            <a:ext cx="1500388" cy="276999"/>
+          </a:xfrm>
+          <a:prstGeom prst="rect">
+            <a:avLst/>
+          </a:prstGeom>
+          <a:noFill/>
+        </p:spPr>
+        <p:txBody>
+          <a:bodyPr wrap="square" rtlCol="0">
+            <a:spAutoFit/>
+          </a:bodyPr>
+          <a:lstStyle/>
+          <a:p>
+            <a:r>
+              <a:rPr lang="en-US" altLang="zh-TW" sz="1200" dirty="0">
+                <a:latin typeface="Times New Roman" panose="02020603050405020304" pitchFamily="18" charset="0"/>
+                <a:cs typeface="Times New Roman" panose="02020603050405020304" pitchFamily="18" charset="0"/>
+              </a:rPr>
+              <a:t>Idx_ptr_2_d</a:t>
+            </a:r>
+            <a:endParaRPr lang="zh-TW" altLang="en-US" sz="1200" dirty="0">
+              <a:latin typeface="Times New Roman" panose="02020603050405020304" pitchFamily="18" charset="0"/>
+              <a:cs typeface="Times New Roman" panose="02020603050405020304" pitchFamily="18" charset="0"/>
+            </a:endParaRPr>
+          </a:p>
+        </p:txBody>
+      </p:sp>
+      <p:sp>
+        <p:nvSpPr>
+          <p:cNvPr id="474" name="矩形 35">
+            <a:extLst>
+              <a:ext uri="{FF2B5EF4-FFF2-40B4-BE49-F238E27FC236}">
+                <a16:creationId xmlns:a16="http://schemas.microsoft.com/office/drawing/2014/main" id="{B262267F-09EC-459F-A1A4-A0212EC43B78}"/>
+              </a:ext>
+            </a:extLst>
+          </p:cNvPr>
+          <p:cNvSpPr/>
+          <p:nvPr/>
+        </p:nvSpPr>
+        <p:spPr>
+          <a:xfrm>
+            <a:off x="6419141" y="2748152"/>
+            <a:ext cx="273897" cy="845995"/>
+          </a:xfrm>
+          <a:custGeom>
+            <a:avLst/>
+            <a:gdLst>
+              <a:gd name="connsiteX0" fmla="*/ 0 w 460375"/>
+              <a:gd name="connsiteY0" fmla="*/ 0 h 673100"/>
+              <a:gd name="connsiteX1" fmla="*/ 460375 w 460375"/>
+              <a:gd name="connsiteY1" fmla="*/ 0 h 673100"/>
+              <a:gd name="connsiteX2" fmla="*/ 460375 w 460375"/>
+              <a:gd name="connsiteY2" fmla="*/ 673100 h 673100"/>
+              <a:gd name="connsiteX3" fmla="*/ 0 w 460375"/>
+              <a:gd name="connsiteY3" fmla="*/ 673100 h 673100"/>
+              <a:gd name="connsiteX4" fmla="*/ 0 w 460375"/>
+              <a:gd name="connsiteY4" fmla="*/ 0 h 673100"/>
+              <a:gd name="connsiteX0" fmla="*/ 0 w 463550"/>
+              <a:gd name="connsiteY0" fmla="*/ 0 h 673100"/>
+              <a:gd name="connsiteX1" fmla="*/ 463550 w 463550"/>
+              <a:gd name="connsiteY1" fmla="*/ 130175 h 673100"/>
+              <a:gd name="connsiteX2" fmla="*/ 460375 w 463550"/>
+              <a:gd name="connsiteY2" fmla="*/ 673100 h 673100"/>
+              <a:gd name="connsiteX3" fmla="*/ 0 w 463550"/>
+              <a:gd name="connsiteY3" fmla="*/ 673100 h 673100"/>
+              <a:gd name="connsiteX4" fmla="*/ 0 w 463550"/>
+              <a:gd name="connsiteY4" fmla="*/ 0 h 673100"/>
+              <a:gd name="connsiteX0" fmla="*/ 0 w 463855"/>
+              <a:gd name="connsiteY0" fmla="*/ 0 h 673100"/>
+              <a:gd name="connsiteX1" fmla="*/ 463550 w 463855"/>
+              <a:gd name="connsiteY1" fmla="*/ 130175 h 673100"/>
+              <a:gd name="connsiteX2" fmla="*/ 463550 w 463855"/>
+              <a:gd name="connsiteY2" fmla="*/ 555625 h 673100"/>
+              <a:gd name="connsiteX3" fmla="*/ 0 w 463855"/>
+              <a:gd name="connsiteY3" fmla="*/ 673100 h 673100"/>
+              <a:gd name="connsiteX4" fmla="*/ 0 w 463855"/>
+              <a:gd name="connsiteY4" fmla="*/ 0 h 673100"/>
+            </a:gdLst>
+            <a:ahLst/>
+            <a:cxnLst>
+              <a:cxn ang="0">
+                <a:pos x="connsiteX0" y="connsiteY0"/>
+              </a:cxn>
+              <a:cxn ang="0">
+                <a:pos x="connsiteX1" y="connsiteY1"/>
+              </a:cxn>
+              <a:cxn ang="0">
+                <a:pos x="connsiteX2" y="connsiteY2"/>
+              </a:cxn>
+              <a:cxn ang="0">
+                <a:pos x="connsiteX3" y="connsiteY3"/>
+              </a:cxn>
+              <a:cxn ang="0">
+                <a:pos x="connsiteX4" y="connsiteY4"/>
+              </a:cxn>
+            </a:cxnLst>
+            <a:rect l="l" t="t" r="r" b="b"/>
+            <a:pathLst>
+              <a:path w="463855" h="673100">
+                <a:moveTo>
+                  <a:pt x="0" y="0"/>
+                </a:moveTo>
+                <a:lnTo>
+                  <a:pt x="463550" y="130175"/>
+                </a:lnTo>
+                <a:cubicBezTo>
+                  <a:pt x="462492" y="311150"/>
+                  <a:pt x="464608" y="374650"/>
+                  <a:pt x="463550" y="555625"/>
+                </a:cubicBezTo>
+                <a:lnTo>
+                  <a:pt x="0" y="673100"/>
+                </a:lnTo>
+                <a:lnTo>
+                  <a:pt x="0" y="0"/>
+                </a:lnTo>
+                <a:close/>
+              </a:path>
+            </a:pathLst>
+          </a:custGeom>
+        </p:spPr>
+        <p:style>
+          <a:lnRef idx="0">
+            <a:schemeClr val="accent4"/>
+          </a:lnRef>
+          <a:fillRef idx="3">
+            <a:schemeClr val="accent4"/>
+          </a:fillRef>
+          <a:effectRef idx="3">
+            <a:schemeClr val="accent4"/>
+          </a:effectRef>
+          <a:fontRef idx="minor">
+            <a:schemeClr val="lt1"/>
+          </a:fontRef>
+        </p:style>
+        <p:txBody>
+          <a:bodyPr rtlCol="0" anchor="ctr"/>
+          <a:lstStyle/>
+          <a:p>
+            <a:pPr algn="ctr"/>
+            <a:endParaRPr lang="zh-TW" altLang="en-US" dirty="0"/>
+          </a:p>
+        </p:txBody>
+      </p:sp>
+      <p:grpSp>
+        <p:nvGrpSpPr>
+          <p:cNvPr id="475" name="群組 474">
+            <a:extLst>
+              <a:ext uri="{FF2B5EF4-FFF2-40B4-BE49-F238E27FC236}">
+                <a16:creationId xmlns:a16="http://schemas.microsoft.com/office/drawing/2014/main" id="{2BB22224-9144-4169-8505-5015529F4964}"/>
+              </a:ext>
+            </a:extLst>
+          </p:cNvPr>
+          <p:cNvGrpSpPr/>
+          <p:nvPr/>
+        </p:nvGrpSpPr>
+        <p:grpSpPr>
+          <a:xfrm>
+            <a:off x="5711917" y="2554635"/>
+            <a:ext cx="1115826" cy="462886"/>
+            <a:chOff x="3962694" y="3538410"/>
+            <a:chExt cx="1162511" cy="516497"/>
+          </a:xfrm>
+        </p:grpSpPr>
+        <p:grpSp>
+          <p:nvGrpSpPr>
+            <p:cNvPr id="476" name="群組 475">
+              <a:extLst>
+                <a:ext uri="{FF2B5EF4-FFF2-40B4-BE49-F238E27FC236}">
+                  <a16:creationId xmlns:a16="http://schemas.microsoft.com/office/drawing/2014/main" id="{63D5B485-76F5-4AB6-B0BE-96274C7618DD}"/>
+                </a:ext>
+              </a:extLst>
+            </p:cNvPr>
+            <p:cNvGrpSpPr/>
+            <p:nvPr/>
+          </p:nvGrpSpPr>
+          <p:grpSpPr>
+            <a:xfrm>
+              <a:off x="3979481" y="3615548"/>
+              <a:ext cx="692978" cy="439359"/>
+              <a:chOff x="3600931" y="1895753"/>
+              <a:chExt cx="977819" cy="712374"/>
+            </a:xfrm>
+          </p:grpSpPr>
+          <p:sp>
+            <p:nvSpPr>
+              <p:cNvPr id="492" name="箭號: 向右 491">
+                <a:extLst>
+                  <a:ext uri="{FF2B5EF4-FFF2-40B4-BE49-F238E27FC236}">
+                    <a16:creationId xmlns:a16="http://schemas.microsoft.com/office/drawing/2014/main" id="{7FFADF5A-A2E6-4CD1-AD63-F30B285A7D61}"/>
+                  </a:ext>
+                </a:extLst>
+              </p:cNvPr>
+              <p:cNvSpPr/>
+              <p:nvPr/>
+            </p:nvSpPr>
+            <p:spPr>
+              <a:xfrm>
+                <a:off x="3600931" y="2275408"/>
+                <a:ext cx="977819" cy="332719"/>
+              </a:xfrm>
+              <a:prstGeom prst="rightArrow">
+                <a:avLst/>
+              </a:prstGeom>
+            </p:spPr>
+            <p:style>
+              <a:lnRef idx="2">
+                <a:schemeClr val="accent1">
+                  <a:shade val="50000"/>
+                </a:schemeClr>
+              </a:lnRef>
+              <a:fillRef idx="1">
+                <a:schemeClr val="accent1"/>
+              </a:fillRef>
+              <a:effectRef idx="0">
+                <a:schemeClr val="accent1"/>
+              </a:effectRef>
+              <a:fontRef idx="minor">
+                <a:schemeClr val="lt1"/>
+              </a:fontRef>
+            </p:style>
+            <p:txBody>
+              <a:bodyPr rtlCol="0" anchor="ctr"/>
+              <a:lstStyle/>
+              <a:p>
+                <a:pPr algn="ctr"/>
+                <a:endParaRPr lang="zh-TW" altLang="en-US"/>
+              </a:p>
+            </p:txBody>
+          </p:sp>
+          <p:cxnSp>
+            <p:nvCxnSpPr>
+              <p:cNvPr id="498" name="直線接點 497">
+                <a:extLst>
+                  <a:ext uri="{FF2B5EF4-FFF2-40B4-BE49-F238E27FC236}">
+                    <a16:creationId xmlns:a16="http://schemas.microsoft.com/office/drawing/2014/main" id="{DF16EA5D-8249-49F3-8532-365C212D456C}"/>
+                  </a:ext>
+                </a:extLst>
+              </p:cNvPr>
+              <p:cNvCxnSpPr>
+                <a:cxnSpLocks/>
+              </p:cNvCxnSpPr>
+              <p:nvPr/>
+            </p:nvCxnSpPr>
+            <p:spPr>
+              <a:xfrm>
+                <a:off x="3907230" y="2269581"/>
+                <a:ext cx="147349" cy="317026"/>
+              </a:xfrm>
+              <a:prstGeom prst="line">
+                <a:avLst/>
+              </a:prstGeom>
+            </p:spPr>
+            <p:style>
+              <a:lnRef idx="3">
+                <a:schemeClr val="dk1"/>
+              </a:lnRef>
+              <a:fillRef idx="0">
+                <a:schemeClr val="dk1"/>
+              </a:fillRef>
+              <a:effectRef idx="2">
+                <a:schemeClr val="dk1"/>
+              </a:effectRef>
+              <a:fontRef idx="minor">
+                <a:schemeClr val="tx1"/>
+              </a:fontRef>
+            </p:style>
+          </p:cxnSp>
+          <p:sp>
+            <p:nvSpPr>
+              <p:cNvPr id="501" name="文字方塊 500">
+                <a:extLst>
+                  <a:ext uri="{FF2B5EF4-FFF2-40B4-BE49-F238E27FC236}">
+                    <a16:creationId xmlns:a16="http://schemas.microsoft.com/office/drawing/2014/main" id="{63228F76-76CA-4E26-8580-1C544BB17F51}"/>
+                  </a:ext>
+                </a:extLst>
+              </p:cNvPr>
+              <p:cNvSpPr txBox="1"/>
+              <p:nvPr/>
+            </p:nvSpPr>
+            <p:spPr>
+              <a:xfrm>
+                <a:off x="3749241" y="1895753"/>
+                <a:ext cx="796016" cy="276999"/>
+              </a:xfrm>
+              <a:prstGeom prst="rect">
+                <a:avLst/>
+              </a:prstGeom>
+              <a:noFill/>
+            </p:spPr>
+            <p:txBody>
+              <a:bodyPr wrap="square" rtlCol="0">
+                <a:spAutoFit/>
+              </a:bodyPr>
+              <a:lstStyle/>
+              <a:p>
+                <a:r>
+                  <a:rPr lang="en-US" altLang="zh-TW" sz="1200" dirty="0">
+                    <a:latin typeface="Times New Roman" panose="02020603050405020304" pitchFamily="18" charset="0"/>
+                    <a:cs typeface="Times New Roman" panose="02020603050405020304" pitchFamily="18" charset="0"/>
+                  </a:rPr>
+                  <a:t>11*2</a:t>
+                </a:r>
+                <a:endParaRPr lang="zh-TW" altLang="en-US" sz="1200" dirty="0">
+                  <a:latin typeface="Times New Roman" panose="02020603050405020304" pitchFamily="18" charset="0"/>
+                  <a:cs typeface="Times New Roman" panose="02020603050405020304" pitchFamily="18" charset="0"/>
+                </a:endParaRPr>
+              </a:p>
+            </p:txBody>
+          </p:sp>
+        </p:grpSp>
+        <p:sp>
+          <p:nvSpPr>
+            <p:cNvPr id="485" name="文字方塊 484">
+              <a:extLst>
+                <a:ext uri="{FF2B5EF4-FFF2-40B4-BE49-F238E27FC236}">
+                  <a16:creationId xmlns:a16="http://schemas.microsoft.com/office/drawing/2014/main" id="{D6224FE1-5D57-49C3-BD67-CF7973802508}"/>
+                </a:ext>
+              </a:extLst>
+            </p:cNvPr>
+            <p:cNvSpPr txBox="1"/>
+            <p:nvPr/>
+          </p:nvSpPr>
+          <p:spPr>
+            <a:xfrm>
+              <a:off x="3962694" y="3538410"/>
+              <a:ext cx="1162511" cy="240397"/>
+            </a:xfrm>
+            <a:prstGeom prst="rect">
+              <a:avLst/>
+            </a:prstGeom>
+            <a:noFill/>
+          </p:spPr>
+          <p:txBody>
+            <a:bodyPr wrap="square" rtlCol="0">
+              <a:spAutoFit/>
+            </a:bodyPr>
+            <a:lstStyle/>
+            <a:p>
+              <a:r>
+                <a:rPr lang="en-US" altLang="zh-TW" sz="800" dirty="0">
+                  <a:latin typeface="Times New Roman" panose="02020603050405020304" pitchFamily="18" charset="0"/>
+                  <a:cs typeface="Times New Roman" panose="02020603050405020304" pitchFamily="18" charset="0"/>
+                </a:rPr>
+                <a:t>Off_State2_CRX</a:t>
+              </a:r>
+              <a:endParaRPr lang="zh-TW" altLang="en-US" sz="800" dirty="0">
+                <a:latin typeface="Times New Roman" panose="02020603050405020304" pitchFamily="18" charset="0"/>
+                <a:cs typeface="Times New Roman" panose="02020603050405020304" pitchFamily="18" charset="0"/>
+              </a:endParaRPr>
+            </a:p>
+          </p:txBody>
+        </p:sp>
+      </p:grpSp>
+      <p:grpSp>
+        <p:nvGrpSpPr>
+          <p:cNvPr id="507" name="群組 506">
+            <a:extLst>
+              <a:ext uri="{FF2B5EF4-FFF2-40B4-BE49-F238E27FC236}">
+                <a16:creationId xmlns:a16="http://schemas.microsoft.com/office/drawing/2014/main" id="{D692671F-24E6-46B7-A921-FD733875B334}"/>
+              </a:ext>
+            </a:extLst>
+          </p:cNvPr>
+          <p:cNvGrpSpPr/>
+          <p:nvPr/>
+        </p:nvGrpSpPr>
+        <p:grpSpPr>
+          <a:xfrm>
+            <a:off x="6603723" y="2856521"/>
+            <a:ext cx="1798788" cy="542864"/>
+            <a:chOff x="3910975" y="3637986"/>
+            <a:chExt cx="1162511" cy="542864"/>
+          </a:xfrm>
+        </p:grpSpPr>
+        <p:grpSp>
+          <p:nvGrpSpPr>
+            <p:cNvPr id="513" name="群組 512">
+              <a:extLst>
+                <a:ext uri="{FF2B5EF4-FFF2-40B4-BE49-F238E27FC236}">
+                  <a16:creationId xmlns:a16="http://schemas.microsoft.com/office/drawing/2014/main" id="{F01C3064-734F-44C6-95A3-153C835B84F3}"/>
+                </a:ext>
+              </a:extLst>
+            </p:cNvPr>
+            <p:cNvGrpSpPr/>
+            <p:nvPr/>
+          </p:nvGrpSpPr>
+          <p:grpSpPr>
+            <a:xfrm>
+              <a:off x="3933455" y="3637986"/>
+              <a:ext cx="564135" cy="404472"/>
+              <a:chOff x="3535984" y="1932134"/>
+              <a:chExt cx="796016" cy="655808"/>
+            </a:xfrm>
+          </p:grpSpPr>
+          <p:sp>
+            <p:nvSpPr>
+              <p:cNvPr id="515" name="箭號: 向右 514">
+                <a:extLst>
+                  <a:ext uri="{FF2B5EF4-FFF2-40B4-BE49-F238E27FC236}">
+                    <a16:creationId xmlns:a16="http://schemas.microsoft.com/office/drawing/2014/main" id="{CD7789EE-E07B-41A3-8B1C-FB24A21F1814}"/>
+                  </a:ext>
+                </a:extLst>
+              </p:cNvPr>
+              <p:cNvSpPr/>
+              <p:nvPr/>
+            </p:nvSpPr>
+            <p:spPr>
+              <a:xfrm>
+                <a:off x="3600931" y="2275407"/>
+                <a:ext cx="372868" cy="312535"/>
+              </a:xfrm>
+              <a:prstGeom prst="rightArrow">
+                <a:avLst/>
+              </a:prstGeom>
+            </p:spPr>
+            <p:style>
+              <a:lnRef idx="2">
+                <a:schemeClr val="accent1">
+                  <a:shade val="50000"/>
+                </a:schemeClr>
+              </a:lnRef>
+              <a:fillRef idx="1">
+                <a:schemeClr val="accent1"/>
+              </a:fillRef>
+              <a:effectRef idx="0">
+                <a:schemeClr val="accent1"/>
+              </a:effectRef>
+              <a:fontRef idx="minor">
+                <a:schemeClr val="lt1"/>
+              </a:fontRef>
+            </p:style>
+            <p:txBody>
+              <a:bodyPr rtlCol="0" anchor="ctr"/>
+              <a:lstStyle/>
+              <a:p>
+                <a:pPr algn="ctr"/>
+                <a:endParaRPr lang="zh-TW" altLang="en-US" dirty="0"/>
+              </a:p>
+            </p:txBody>
+          </p:sp>
+          <p:cxnSp>
+            <p:nvCxnSpPr>
+              <p:cNvPr id="516" name="直線接點 515">
+                <a:extLst>
+                  <a:ext uri="{FF2B5EF4-FFF2-40B4-BE49-F238E27FC236}">
+                    <a16:creationId xmlns:a16="http://schemas.microsoft.com/office/drawing/2014/main" id="{19A6D7C2-A9ED-4846-974B-4B9E062664A7}"/>
+                  </a:ext>
+                </a:extLst>
+              </p:cNvPr>
+              <p:cNvCxnSpPr>
+                <a:cxnSpLocks/>
+              </p:cNvCxnSpPr>
+              <p:nvPr/>
+            </p:nvCxnSpPr>
+            <p:spPr>
+              <a:xfrm>
+                <a:off x="3677613" y="2256787"/>
+                <a:ext cx="147349" cy="317026"/>
+              </a:xfrm>
+              <a:prstGeom prst="line">
+                <a:avLst/>
+              </a:prstGeom>
+            </p:spPr>
+            <p:style>
+              <a:lnRef idx="3">
+                <a:schemeClr val="dk1"/>
+              </a:lnRef>
+              <a:fillRef idx="0">
+                <a:schemeClr val="dk1"/>
+              </a:fillRef>
+              <a:effectRef idx="2">
+                <a:schemeClr val="dk1"/>
+              </a:effectRef>
+              <a:fontRef idx="minor">
+                <a:schemeClr val="tx1"/>
+              </a:fontRef>
+            </p:style>
+          </p:cxnSp>
+          <p:sp>
+            <p:nvSpPr>
+              <p:cNvPr id="517" name="文字方塊 516">
+                <a:extLst>
+                  <a:ext uri="{FF2B5EF4-FFF2-40B4-BE49-F238E27FC236}">
+                    <a16:creationId xmlns:a16="http://schemas.microsoft.com/office/drawing/2014/main" id="{A1792C72-F294-4DD1-8D25-438CADCDAB94}"/>
+                  </a:ext>
+                </a:extLst>
+              </p:cNvPr>
+              <p:cNvSpPr txBox="1"/>
+              <p:nvPr/>
+            </p:nvSpPr>
+            <p:spPr>
+              <a:xfrm>
+                <a:off x="3535984" y="1932134"/>
+                <a:ext cx="796016" cy="276999"/>
+              </a:xfrm>
+              <a:prstGeom prst="rect">
+                <a:avLst/>
+              </a:prstGeom>
+              <a:noFill/>
+            </p:spPr>
+            <p:txBody>
+              <a:bodyPr wrap="square" rtlCol="0">
+                <a:spAutoFit/>
+              </a:bodyPr>
+              <a:lstStyle/>
+              <a:p>
+                <a:r>
+                  <a:rPr lang="en-US" altLang="zh-TW" sz="1200" dirty="0">
+                    <a:latin typeface="Times New Roman" panose="02020603050405020304" pitchFamily="18" charset="0"/>
+                    <a:cs typeface="Times New Roman" panose="02020603050405020304" pitchFamily="18" charset="0"/>
+                  </a:rPr>
+                  <a:t>11*2</a:t>
+                </a:r>
+                <a:endParaRPr lang="zh-TW" altLang="en-US" sz="1200" dirty="0">
+                  <a:latin typeface="Times New Roman" panose="02020603050405020304" pitchFamily="18" charset="0"/>
+                  <a:cs typeface="Times New Roman" panose="02020603050405020304" pitchFamily="18" charset="0"/>
+                </a:endParaRPr>
+              </a:p>
+            </p:txBody>
+          </p:sp>
+        </p:grpSp>
+        <p:sp>
+          <p:nvSpPr>
+            <p:cNvPr id="514" name="文字方塊 513">
+              <a:extLst>
+                <a:ext uri="{FF2B5EF4-FFF2-40B4-BE49-F238E27FC236}">
+                  <a16:creationId xmlns:a16="http://schemas.microsoft.com/office/drawing/2014/main" id="{A9EE777E-93A2-4562-B248-1CF97D310422}"/>
+                </a:ext>
+              </a:extLst>
+            </p:cNvPr>
+            <p:cNvSpPr txBox="1"/>
+            <p:nvPr/>
+          </p:nvSpPr>
+          <p:spPr>
+            <a:xfrm>
+              <a:off x="3910975" y="3965406"/>
+              <a:ext cx="1162511" cy="215444"/>
+            </a:xfrm>
+            <a:prstGeom prst="rect">
+              <a:avLst/>
+            </a:prstGeom>
+            <a:noFill/>
+          </p:spPr>
+          <p:txBody>
+            <a:bodyPr wrap="square" rtlCol="0">
+              <a:spAutoFit/>
+            </a:bodyPr>
+            <a:lstStyle/>
+            <a:p>
+              <a:r>
+                <a:rPr lang="en-US" altLang="zh-TW" sz="800" dirty="0" err="1">
+                  <a:latin typeface="Times New Roman" panose="02020603050405020304" pitchFamily="18" charset="0"/>
+                  <a:cs typeface="Times New Roman" panose="02020603050405020304" pitchFamily="18" charset="0"/>
+                </a:rPr>
+                <a:t>CrossStateCRX</a:t>
+              </a:r>
+              <a:endParaRPr lang="zh-TW" altLang="en-US" sz="800" dirty="0">
+                <a:latin typeface="Times New Roman" panose="02020603050405020304" pitchFamily="18" charset="0"/>
+                <a:cs typeface="Times New Roman" panose="02020603050405020304" pitchFamily="18" charset="0"/>
+              </a:endParaRPr>
+            </a:p>
+          </p:txBody>
+        </p:sp>
+      </p:grpSp>
+      <p:grpSp>
+        <p:nvGrpSpPr>
+          <p:cNvPr id="523" name="群組 522">
+            <a:extLst>
+              <a:ext uri="{FF2B5EF4-FFF2-40B4-BE49-F238E27FC236}">
+                <a16:creationId xmlns:a16="http://schemas.microsoft.com/office/drawing/2014/main" id="{6A665CC2-0B08-4046-AFBF-B9B3DCDCE9E2}"/>
+              </a:ext>
+            </a:extLst>
+          </p:cNvPr>
+          <p:cNvGrpSpPr/>
+          <p:nvPr/>
+        </p:nvGrpSpPr>
+        <p:grpSpPr>
+          <a:xfrm>
+            <a:off x="5809438" y="3658390"/>
+            <a:ext cx="1798788" cy="597320"/>
+            <a:chOff x="3930661" y="3637986"/>
+            <a:chExt cx="1162511" cy="597320"/>
+          </a:xfrm>
+        </p:grpSpPr>
+        <p:grpSp>
+          <p:nvGrpSpPr>
+            <p:cNvPr id="524" name="群組 523">
+              <a:extLst>
+                <a:ext uri="{FF2B5EF4-FFF2-40B4-BE49-F238E27FC236}">
+                  <a16:creationId xmlns:a16="http://schemas.microsoft.com/office/drawing/2014/main" id="{6C76AE5A-FDA8-4E6D-B3FF-385FA5E2DB72}"/>
+                </a:ext>
+              </a:extLst>
+            </p:cNvPr>
+            <p:cNvGrpSpPr/>
+            <p:nvPr/>
+          </p:nvGrpSpPr>
+          <p:grpSpPr>
+            <a:xfrm>
+              <a:off x="3933455" y="3637986"/>
+              <a:ext cx="564135" cy="404472"/>
+              <a:chOff x="3535984" y="1932134"/>
+              <a:chExt cx="796016" cy="655808"/>
+            </a:xfrm>
+          </p:grpSpPr>
+          <p:sp>
+            <p:nvSpPr>
+              <p:cNvPr id="526" name="箭號: 向右 525">
+                <a:extLst>
+                  <a:ext uri="{FF2B5EF4-FFF2-40B4-BE49-F238E27FC236}">
+                    <a16:creationId xmlns:a16="http://schemas.microsoft.com/office/drawing/2014/main" id="{9A82273D-7909-4D89-BC0E-A5A6C5D63122}"/>
+                  </a:ext>
+                </a:extLst>
+              </p:cNvPr>
+              <p:cNvSpPr/>
+              <p:nvPr/>
+            </p:nvSpPr>
+            <p:spPr>
+              <a:xfrm>
+                <a:off x="3600931" y="2275407"/>
+                <a:ext cx="372868" cy="312535"/>
+              </a:xfrm>
+              <a:prstGeom prst="rightArrow">
+                <a:avLst/>
+              </a:prstGeom>
+            </p:spPr>
+            <p:style>
+              <a:lnRef idx="2">
+                <a:schemeClr val="accent1">
+                  <a:shade val="50000"/>
+                </a:schemeClr>
+              </a:lnRef>
+              <a:fillRef idx="1">
+                <a:schemeClr val="accent1"/>
+              </a:fillRef>
+              <a:effectRef idx="0">
+                <a:schemeClr val="accent1"/>
+              </a:effectRef>
+              <a:fontRef idx="minor">
+                <a:schemeClr val="lt1"/>
+              </a:fontRef>
+            </p:style>
+            <p:txBody>
+              <a:bodyPr rtlCol="0" anchor="ctr"/>
+              <a:lstStyle/>
+              <a:p>
+                <a:pPr algn="ctr"/>
+                <a:endParaRPr lang="zh-TW" altLang="en-US"/>
+              </a:p>
+            </p:txBody>
+          </p:sp>
+          <p:cxnSp>
+            <p:nvCxnSpPr>
+              <p:cNvPr id="527" name="直線接點 526">
+                <a:extLst>
+                  <a:ext uri="{FF2B5EF4-FFF2-40B4-BE49-F238E27FC236}">
+                    <a16:creationId xmlns:a16="http://schemas.microsoft.com/office/drawing/2014/main" id="{64577D98-645F-4527-81C2-388A48E8BC50}"/>
+                  </a:ext>
+                </a:extLst>
+              </p:cNvPr>
+              <p:cNvCxnSpPr>
+                <a:cxnSpLocks/>
+              </p:cNvCxnSpPr>
+              <p:nvPr/>
+            </p:nvCxnSpPr>
+            <p:spPr>
+              <a:xfrm>
+                <a:off x="3677613" y="2256787"/>
+                <a:ext cx="147349" cy="317026"/>
+              </a:xfrm>
+              <a:prstGeom prst="line">
+                <a:avLst/>
+              </a:prstGeom>
+            </p:spPr>
+            <p:style>
+              <a:lnRef idx="3">
+                <a:schemeClr val="dk1"/>
+              </a:lnRef>
+              <a:fillRef idx="0">
+                <a:schemeClr val="dk1"/>
+              </a:fillRef>
+              <a:effectRef idx="2">
+                <a:schemeClr val="dk1"/>
+              </a:effectRef>
+              <a:fontRef idx="minor">
+                <a:schemeClr val="tx1"/>
+              </a:fontRef>
+            </p:style>
+          </p:cxnSp>
+          <p:sp>
+            <p:nvSpPr>
+              <p:cNvPr id="528" name="文字方塊 527">
+                <a:extLst>
+                  <a:ext uri="{FF2B5EF4-FFF2-40B4-BE49-F238E27FC236}">
+                    <a16:creationId xmlns:a16="http://schemas.microsoft.com/office/drawing/2014/main" id="{6C80AAE5-604A-4575-BEBF-05BD083B5459}"/>
+                  </a:ext>
+                </a:extLst>
+              </p:cNvPr>
+              <p:cNvSpPr txBox="1"/>
+              <p:nvPr/>
+            </p:nvSpPr>
+            <p:spPr>
+              <a:xfrm>
+                <a:off x="3535984" y="1932134"/>
+                <a:ext cx="796016" cy="276999"/>
+              </a:xfrm>
+              <a:prstGeom prst="rect">
+                <a:avLst/>
+              </a:prstGeom>
+              <a:noFill/>
+            </p:spPr>
+            <p:txBody>
+              <a:bodyPr wrap="square" rtlCol="0">
+                <a:spAutoFit/>
+              </a:bodyPr>
+              <a:lstStyle/>
+              <a:p>
+                <a:r>
+                  <a:rPr lang="en-US" altLang="zh-TW" sz="1200" dirty="0">
+                    <a:latin typeface="Times New Roman" panose="02020603050405020304" pitchFamily="18" charset="0"/>
+                    <a:cs typeface="Times New Roman" panose="02020603050405020304" pitchFamily="18" charset="0"/>
+                  </a:rPr>
+                  <a:t>11*2</a:t>
+                </a:r>
+                <a:endParaRPr lang="zh-TW" altLang="en-US" sz="1200" dirty="0">
+                  <a:latin typeface="Times New Roman" panose="02020603050405020304" pitchFamily="18" charset="0"/>
+                  <a:cs typeface="Times New Roman" panose="02020603050405020304" pitchFamily="18" charset="0"/>
+                </a:endParaRPr>
+              </a:p>
+            </p:txBody>
+          </p:sp>
+        </p:grpSp>
+        <p:sp>
+          <p:nvSpPr>
+            <p:cNvPr id="525" name="文字方塊 524">
+              <a:extLst>
+                <a:ext uri="{FF2B5EF4-FFF2-40B4-BE49-F238E27FC236}">
+                  <a16:creationId xmlns:a16="http://schemas.microsoft.com/office/drawing/2014/main" id="{AF4B225F-06BF-403F-A280-5EF193254574}"/>
+                </a:ext>
+              </a:extLst>
+            </p:cNvPr>
+            <p:cNvSpPr txBox="1"/>
+            <p:nvPr/>
+          </p:nvSpPr>
+          <p:spPr>
+            <a:xfrm>
+              <a:off x="3930661" y="4019862"/>
+              <a:ext cx="1162511" cy="215444"/>
+            </a:xfrm>
+            <a:prstGeom prst="rect">
+              <a:avLst/>
+            </a:prstGeom>
+            <a:noFill/>
+          </p:spPr>
+          <p:txBody>
+            <a:bodyPr wrap="square" rtlCol="0">
+              <a:spAutoFit/>
+            </a:bodyPr>
+            <a:lstStyle/>
+            <a:p>
+              <a:r>
+                <a:rPr lang="en-US" altLang="zh-TW" sz="800" dirty="0" err="1">
+                  <a:latin typeface="Times New Roman" panose="02020603050405020304" pitchFamily="18" charset="0"/>
+                  <a:cs typeface="Times New Roman" panose="02020603050405020304" pitchFamily="18" charset="0"/>
+                </a:rPr>
+                <a:t>Pop_State_CRX</a:t>
+              </a:r>
+              <a:endParaRPr lang="zh-TW" altLang="en-US" sz="800" dirty="0">
+                <a:latin typeface="Times New Roman" panose="02020603050405020304" pitchFamily="18" charset="0"/>
+                <a:cs typeface="Times New Roman" panose="02020603050405020304" pitchFamily="18" charset="0"/>
+              </a:endParaRPr>
+            </a:p>
+          </p:txBody>
+        </p:sp>
+      </p:grpSp>
+      <p:grpSp>
+        <p:nvGrpSpPr>
+          <p:cNvPr id="530" name="群組 529">
+            <a:extLst>
+              <a:ext uri="{FF2B5EF4-FFF2-40B4-BE49-F238E27FC236}">
+                <a16:creationId xmlns:a16="http://schemas.microsoft.com/office/drawing/2014/main" id="{753F4105-21A5-4E9B-BA03-81012CCD3ED8}"/>
+              </a:ext>
+            </a:extLst>
+          </p:cNvPr>
+          <p:cNvGrpSpPr/>
+          <p:nvPr/>
+        </p:nvGrpSpPr>
+        <p:grpSpPr>
+          <a:xfrm>
+            <a:off x="5794062" y="4162612"/>
+            <a:ext cx="1798788" cy="597320"/>
+            <a:chOff x="3930661" y="3637986"/>
+            <a:chExt cx="1162511" cy="597320"/>
+          </a:xfrm>
+        </p:grpSpPr>
+        <p:grpSp>
+          <p:nvGrpSpPr>
+            <p:cNvPr id="531" name="群組 530">
+              <a:extLst>
+                <a:ext uri="{FF2B5EF4-FFF2-40B4-BE49-F238E27FC236}">
+                  <a16:creationId xmlns:a16="http://schemas.microsoft.com/office/drawing/2014/main" id="{34059DE8-FBDF-4206-A00C-3F30BD08696B}"/>
+                </a:ext>
+              </a:extLst>
+            </p:cNvPr>
+            <p:cNvGrpSpPr/>
+            <p:nvPr/>
+          </p:nvGrpSpPr>
+          <p:grpSpPr>
+            <a:xfrm>
+              <a:off x="3933455" y="3637986"/>
+              <a:ext cx="564135" cy="404472"/>
+              <a:chOff x="3535984" y="1932134"/>
+              <a:chExt cx="796016" cy="655808"/>
+            </a:xfrm>
+          </p:grpSpPr>
+          <p:sp>
+            <p:nvSpPr>
+              <p:cNvPr id="533" name="箭號: 向右 532">
+                <a:extLst>
+                  <a:ext uri="{FF2B5EF4-FFF2-40B4-BE49-F238E27FC236}">
+                    <a16:creationId xmlns:a16="http://schemas.microsoft.com/office/drawing/2014/main" id="{5E931EA5-9257-4350-BD52-5BC8408760B7}"/>
+                  </a:ext>
+                </a:extLst>
+              </p:cNvPr>
+              <p:cNvSpPr/>
+              <p:nvPr/>
+            </p:nvSpPr>
+            <p:spPr>
+              <a:xfrm>
+                <a:off x="3600931" y="2275407"/>
+                <a:ext cx="372868" cy="312535"/>
+              </a:xfrm>
+              <a:prstGeom prst="rightArrow">
+                <a:avLst/>
+              </a:prstGeom>
+            </p:spPr>
+            <p:style>
+              <a:lnRef idx="2">
+                <a:schemeClr val="accent1">
+                  <a:shade val="50000"/>
+                </a:schemeClr>
+              </a:lnRef>
+              <a:fillRef idx="1">
+                <a:schemeClr val="accent1"/>
+              </a:fillRef>
+              <a:effectRef idx="0">
+                <a:schemeClr val="accent1"/>
+              </a:effectRef>
+              <a:fontRef idx="minor">
+                <a:schemeClr val="lt1"/>
+              </a:fontRef>
+            </p:style>
+            <p:txBody>
+              <a:bodyPr rtlCol="0" anchor="ctr"/>
+              <a:lstStyle/>
+              <a:p>
+                <a:pPr algn="ctr"/>
+                <a:endParaRPr lang="zh-TW" altLang="en-US"/>
+              </a:p>
+            </p:txBody>
+          </p:sp>
+          <p:cxnSp>
+            <p:nvCxnSpPr>
+              <p:cNvPr id="534" name="直線接點 533">
+                <a:extLst>
+                  <a:ext uri="{FF2B5EF4-FFF2-40B4-BE49-F238E27FC236}">
+                    <a16:creationId xmlns:a16="http://schemas.microsoft.com/office/drawing/2014/main" id="{9A90FF74-67F5-4668-88FB-99906DD149BB}"/>
+                  </a:ext>
+                </a:extLst>
+              </p:cNvPr>
+              <p:cNvCxnSpPr>
+                <a:cxnSpLocks/>
+              </p:cNvCxnSpPr>
+              <p:nvPr/>
+            </p:nvCxnSpPr>
+            <p:spPr>
+              <a:xfrm>
+                <a:off x="3677613" y="2256787"/>
+                <a:ext cx="147349" cy="317026"/>
+              </a:xfrm>
+              <a:prstGeom prst="line">
+                <a:avLst/>
+              </a:prstGeom>
+            </p:spPr>
+            <p:style>
+              <a:lnRef idx="3">
+                <a:schemeClr val="dk1"/>
+              </a:lnRef>
+              <a:fillRef idx="0">
+                <a:schemeClr val="dk1"/>
+              </a:fillRef>
+              <a:effectRef idx="2">
+                <a:schemeClr val="dk1"/>
+              </a:effectRef>
+              <a:fontRef idx="minor">
+                <a:schemeClr val="tx1"/>
+              </a:fontRef>
+            </p:style>
+          </p:cxnSp>
+          <p:sp>
+            <p:nvSpPr>
+              <p:cNvPr id="550" name="文字方塊 549">
+                <a:extLst>
+                  <a:ext uri="{FF2B5EF4-FFF2-40B4-BE49-F238E27FC236}">
+                    <a16:creationId xmlns:a16="http://schemas.microsoft.com/office/drawing/2014/main" id="{B3AFCC03-8A18-4812-BA7D-3880D022C3E6}"/>
+                  </a:ext>
+                </a:extLst>
+              </p:cNvPr>
+              <p:cNvSpPr txBox="1"/>
+              <p:nvPr/>
+            </p:nvSpPr>
+            <p:spPr>
+              <a:xfrm>
+                <a:off x="3535984" y="1932134"/>
+                <a:ext cx="796016" cy="276999"/>
+              </a:xfrm>
+              <a:prstGeom prst="rect">
+                <a:avLst/>
+              </a:prstGeom>
+              <a:noFill/>
+            </p:spPr>
+            <p:txBody>
+              <a:bodyPr wrap="square" rtlCol="0">
+                <a:spAutoFit/>
+              </a:bodyPr>
+              <a:lstStyle/>
+              <a:p>
+                <a:r>
+                  <a:rPr lang="en-US" altLang="zh-TW" sz="1200" dirty="0">
+                    <a:latin typeface="Times New Roman" panose="02020603050405020304" pitchFamily="18" charset="0"/>
+                    <a:cs typeface="Times New Roman" panose="02020603050405020304" pitchFamily="18" charset="0"/>
+                  </a:rPr>
+                  <a:t>11*2</a:t>
+                </a:r>
+                <a:endParaRPr lang="zh-TW" altLang="en-US" sz="1200" dirty="0">
+                  <a:latin typeface="Times New Roman" panose="02020603050405020304" pitchFamily="18" charset="0"/>
+                  <a:cs typeface="Times New Roman" panose="02020603050405020304" pitchFamily="18" charset="0"/>
+                </a:endParaRPr>
+              </a:p>
+            </p:txBody>
+          </p:sp>
+        </p:grpSp>
+        <p:sp>
+          <p:nvSpPr>
+            <p:cNvPr id="532" name="文字方塊 531">
+              <a:extLst>
+                <a:ext uri="{FF2B5EF4-FFF2-40B4-BE49-F238E27FC236}">
+                  <a16:creationId xmlns:a16="http://schemas.microsoft.com/office/drawing/2014/main" id="{AE4A3CCC-5192-4C7D-95DC-8FCCB4D20611}"/>
+                </a:ext>
+              </a:extLst>
+            </p:cNvPr>
+            <p:cNvSpPr txBox="1"/>
+            <p:nvPr/>
+          </p:nvSpPr>
+          <p:spPr>
+            <a:xfrm>
+              <a:off x="3930661" y="4019862"/>
+              <a:ext cx="1162511" cy="215444"/>
+            </a:xfrm>
+            <a:prstGeom prst="rect">
+              <a:avLst/>
+            </a:prstGeom>
+            <a:noFill/>
+          </p:spPr>
+          <p:txBody>
+            <a:bodyPr wrap="square" rtlCol="0">
+              <a:spAutoFit/>
+            </a:bodyPr>
+            <a:lstStyle/>
+            <a:p>
+              <a:r>
+                <a:rPr lang="en-US" altLang="zh-TW" sz="800" dirty="0">
+                  <a:latin typeface="Times New Roman" panose="02020603050405020304" pitchFamily="18" charset="0"/>
+                  <a:cs typeface="Times New Roman" panose="02020603050405020304" pitchFamily="18" charset="0"/>
+                </a:rPr>
+                <a:t>Off_State2_CRX</a:t>
+              </a:r>
+              <a:endParaRPr lang="zh-TW" altLang="en-US" sz="800" dirty="0">
+                <a:latin typeface="Times New Roman" panose="02020603050405020304" pitchFamily="18" charset="0"/>
+                <a:cs typeface="Times New Roman" panose="02020603050405020304" pitchFamily="18" charset="0"/>
+              </a:endParaRPr>
+            </a:p>
+          </p:txBody>
+        </p:sp>
+      </p:grpSp>
+      <p:grpSp>
+        <p:nvGrpSpPr>
+          <p:cNvPr id="574" name="群組 573">
+            <a:extLst>
+              <a:ext uri="{FF2B5EF4-FFF2-40B4-BE49-F238E27FC236}">
+                <a16:creationId xmlns:a16="http://schemas.microsoft.com/office/drawing/2014/main" id="{B3CEAEB4-3410-4418-B613-ADB401408CC0}"/>
+              </a:ext>
+            </a:extLst>
+          </p:cNvPr>
+          <p:cNvGrpSpPr/>
+          <p:nvPr/>
+        </p:nvGrpSpPr>
+        <p:grpSpPr>
+          <a:xfrm>
+            <a:off x="6525202" y="3946345"/>
+            <a:ext cx="1864713" cy="597320"/>
+            <a:chOff x="3930661" y="3637986"/>
+            <a:chExt cx="1162511" cy="597320"/>
+          </a:xfrm>
+        </p:grpSpPr>
+        <p:grpSp>
+          <p:nvGrpSpPr>
+            <p:cNvPr id="578" name="群組 577">
+              <a:extLst>
+                <a:ext uri="{FF2B5EF4-FFF2-40B4-BE49-F238E27FC236}">
+                  <a16:creationId xmlns:a16="http://schemas.microsoft.com/office/drawing/2014/main" id="{C40C1D61-3356-4C77-9B61-9DC1083C9757}"/>
+                </a:ext>
+              </a:extLst>
+            </p:cNvPr>
+            <p:cNvGrpSpPr/>
+            <p:nvPr/>
+          </p:nvGrpSpPr>
+          <p:grpSpPr>
+            <a:xfrm>
+              <a:off x="3933455" y="3637986"/>
+              <a:ext cx="564135" cy="404472"/>
+              <a:chOff x="3535984" y="1932134"/>
+              <a:chExt cx="796016" cy="655808"/>
+            </a:xfrm>
+          </p:grpSpPr>
+          <p:sp>
+            <p:nvSpPr>
+              <p:cNvPr id="583" name="箭號: 向右 582">
+                <a:extLst>
+                  <a:ext uri="{FF2B5EF4-FFF2-40B4-BE49-F238E27FC236}">
+                    <a16:creationId xmlns:a16="http://schemas.microsoft.com/office/drawing/2014/main" id="{9A089659-778E-4853-BB6C-6CEF26F38692}"/>
+                  </a:ext>
+                </a:extLst>
+              </p:cNvPr>
+              <p:cNvSpPr/>
+              <p:nvPr/>
+            </p:nvSpPr>
+            <p:spPr>
+              <a:xfrm>
+                <a:off x="3600931" y="2275407"/>
+                <a:ext cx="372868" cy="312535"/>
+              </a:xfrm>
+              <a:prstGeom prst="rightArrow">
+                <a:avLst/>
+              </a:prstGeom>
+            </p:spPr>
+            <p:style>
+              <a:lnRef idx="2">
+                <a:schemeClr val="accent1">
+                  <a:shade val="50000"/>
+                </a:schemeClr>
+              </a:lnRef>
+              <a:fillRef idx="1">
+                <a:schemeClr val="accent1"/>
+              </a:fillRef>
+              <a:effectRef idx="0">
+                <a:schemeClr val="accent1"/>
+              </a:effectRef>
+              <a:fontRef idx="minor">
+                <a:schemeClr val="lt1"/>
+              </a:fontRef>
+            </p:style>
+            <p:txBody>
+              <a:bodyPr rtlCol="0" anchor="ctr"/>
+              <a:lstStyle/>
+              <a:p>
+                <a:pPr algn="ctr"/>
+                <a:endParaRPr lang="zh-TW" altLang="en-US"/>
+              </a:p>
+            </p:txBody>
+          </p:sp>
+          <p:cxnSp>
+            <p:nvCxnSpPr>
+              <p:cNvPr id="584" name="直線接點 583">
+                <a:extLst>
+                  <a:ext uri="{FF2B5EF4-FFF2-40B4-BE49-F238E27FC236}">
+                    <a16:creationId xmlns:a16="http://schemas.microsoft.com/office/drawing/2014/main" id="{2BF5CB64-B3AD-4554-A53C-5FD18F1A9916}"/>
+                  </a:ext>
+                </a:extLst>
+              </p:cNvPr>
+              <p:cNvCxnSpPr>
+                <a:cxnSpLocks/>
+              </p:cNvCxnSpPr>
+              <p:nvPr/>
+            </p:nvCxnSpPr>
+            <p:spPr>
+              <a:xfrm>
+                <a:off x="3677613" y="2256787"/>
+                <a:ext cx="147349" cy="317026"/>
+              </a:xfrm>
+              <a:prstGeom prst="line">
+                <a:avLst/>
+              </a:prstGeom>
+            </p:spPr>
+            <p:style>
+              <a:lnRef idx="3">
+                <a:schemeClr val="dk1"/>
+              </a:lnRef>
+              <a:fillRef idx="0">
+                <a:schemeClr val="dk1"/>
+              </a:fillRef>
+              <a:effectRef idx="2">
+                <a:schemeClr val="dk1"/>
+              </a:effectRef>
+              <a:fontRef idx="minor">
+                <a:schemeClr val="tx1"/>
+              </a:fontRef>
+            </p:style>
+          </p:cxnSp>
+          <p:sp>
+            <p:nvSpPr>
+              <p:cNvPr id="585" name="文字方塊 584">
+                <a:extLst>
+                  <a:ext uri="{FF2B5EF4-FFF2-40B4-BE49-F238E27FC236}">
+                    <a16:creationId xmlns:a16="http://schemas.microsoft.com/office/drawing/2014/main" id="{84FB5DDD-A090-4409-B921-CA3314B77004}"/>
+                  </a:ext>
+                </a:extLst>
+              </p:cNvPr>
+              <p:cNvSpPr txBox="1"/>
+              <p:nvPr/>
+            </p:nvSpPr>
+            <p:spPr>
+              <a:xfrm>
+                <a:off x="3535984" y="1932134"/>
+                <a:ext cx="796016" cy="276999"/>
+              </a:xfrm>
+              <a:prstGeom prst="rect">
+                <a:avLst/>
+              </a:prstGeom>
+              <a:noFill/>
+            </p:spPr>
+            <p:txBody>
+              <a:bodyPr wrap="square" rtlCol="0">
+                <a:spAutoFit/>
+              </a:bodyPr>
+              <a:lstStyle/>
+              <a:p>
+                <a:r>
+                  <a:rPr lang="en-US" altLang="zh-TW" sz="1200" dirty="0">
+                    <a:latin typeface="Times New Roman" panose="02020603050405020304" pitchFamily="18" charset="0"/>
+                    <a:cs typeface="Times New Roman" panose="02020603050405020304" pitchFamily="18" charset="0"/>
+                  </a:rPr>
+                  <a:t>11*2</a:t>
+                </a:r>
+                <a:endParaRPr lang="zh-TW" altLang="en-US" sz="1200" dirty="0">
+                  <a:latin typeface="Times New Roman" panose="02020603050405020304" pitchFamily="18" charset="0"/>
+                  <a:cs typeface="Times New Roman" panose="02020603050405020304" pitchFamily="18" charset="0"/>
+                </a:endParaRPr>
+              </a:p>
+            </p:txBody>
+          </p:sp>
+        </p:grpSp>
+        <p:sp>
+          <p:nvSpPr>
+            <p:cNvPr id="582" name="文字方塊 581">
+              <a:extLst>
+                <a:ext uri="{FF2B5EF4-FFF2-40B4-BE49-F238E27FC236}">
+                  <a16:creationId xmlns:a16="http://schemas.microsoft.com/office/drawing/2014/main" id="{1B4C7AF6-0FA7-4015-9874-4A955357C9A9}"/>
+                </a:ext>
+              </a:extLst>
+            </p:cNvPr>
+            <p:cNvSpPr txBox="1"/>
+            <p:nvPr/>
+          </p:nvSpPr>
+          <p:spPr>
+            <a:xfrm>
+              <a:off x="3930661" y="4019862"/>
+              <a:ext cx="1162511" cy="215444"/>
+            </a:xfrm>
+            <a:prstGeom prst="rect">
+              <a:avLst/>
+            </a:prstGeom>
+            <a:noFill/>
+          </p:spPr>
+          <p:txBody>
+            <a:bodyPr wrap="square" rtlCol="0">
+              <a:spAutoFit/>
+            </a:bodyPr>
+            <a:lstStyle/>
+            <a:p>
+              <a:r>
+                <a:rPr lang="en-US" altLang="zh-TW" sz="800" dirty="0" err="1">
+                  <a:latin typeface="Times New Roman" panose="02020603050405020304" pitchFamily="18" charset="0"/>
+                  <a:cs typeface="Times New Roman" panose="02020603050405020304" pitchFamily="18" charset="0"/>
+                </a:rPr>
+                <a:t>TourStateCRX</a:t>
+              </a:r>
+              <a:endParaRPr lang="zh-TW" altLang="en-US" sz="800" dirty="0">
+                <a:latin typeface="Times New Roman" panose="02020603050405020304" pitchFamily="18" charset="0"/>
+                <a:cs typeface="Times New Roman" panose="02020603050405020304" pitchFamily="18" charset="0"/>
+              </a:endParaRPr>
+            </a:p>
+          </p:txBody>
+        </p:sp>
+      </p:grpSp>
+      <p:cxnSp>
+        <p:nvCxnSpPr>
+          <p:cNvPr id="586" name="直線單箭頭接點 585">
+            <a:extLst>
+              <a:ext uri="{FF2B5EF4-FFF2-40B4-BE49-F238E27FC236}">
+                <a16:creationId xmlns:a16="http://schemas.microsoft.com/office/drawing/2014/main" id="{AA4F3450-DFF3-4935-9429-95D9C1E07360}"/>
+              </a:ext>
+            </a:extLst>
+          </p:cNvPr>
+          <p:cNvCxnSpPr>
+            <a:cxnSpLocks/>
+          </p:cNvCxnSpPr>
+          <p:nvPr/>
+        </p:nvCxnSpPr>
+        <p:spPr>
+          <a:xfrm flipV="1">
+            <a:off x="6448548" y="4523740"/>
+            <a:ext cx="0" cy="322445"/>
           </a:xfrm>
           <a:prstGeom prst="straightConnector1">
             <a:avLst/>
@@ -16117,13 +13730,564 @@
         </p:spPr>
         <p:style>
           <a:lnRef idx="3">
-            <a:schemeClr val="accent4"/>
+            <a:schemeClr val="accent2"/>
           </a:lnRef>
           <a:fillRef idx="0">
-            <a:schemeClr val="accent4"/>
+            <a:schemeClr val="accent2"/>
           </a:fillRef>
           <a:effectRef idx="2">
-            <a:schemeClr val="accent4"/>
+            <a:schemeClr val="accent2"/>
+          </a:effectRef>
+          <a:fontRef idx="minor">
+            <a:schemeClr val="tx1"/>
+          </a:fontRef>
+        </p:style>
+      </p:cxnSp>
+      <p:sp>
+        <p:nvSpPr>
+          <p:cNvPr id="587" name="文字方塊 586">
+            <a:extLst>
+              <a:ext uri="{FF2B5EF4-FFF2-40B4-BE49-F238E27FC236}">
+                <a16:creationId xmlns:a16="http://schemas.microsoft.com/office/drawing/2014/main" id="{B419C843-027A-4243-AF3E-FA1B9CE1BE1D}"/>
+              </a:ext>
+            </a:extLst>
+          </p:cNvPr>
+          <p:cNvSpPr txBox="1"/>
+          <p:nvPr/>
+        </p:nvSpPr>
+        <p:spPr>
+          <a:xfrm>
+            <a:off x="5848945" y="4844976"/>
+            <a:ext cx="1666700" cy="215444"/>
+          </a:xfrm>
+          <a:prstGeom prst="rect">
+            <a:avLst/>
+          </a:prstGeom>
+          <a:noFill/>
+        </p:spPr>
+        <p:txBody>
+          <a:bodyPr wrap="square" rtlCol="0">
+            <a:spAutoFit/>
+          </a:bodyPr>
+          <a:lstStyle/>
+          <a:p>
+            <a:r>
+              <a:rPr lang="en-US" altLang="zh-TW" sz="800" dirty="0" err="1">
+                <a:latin typeface="Times New Roman" panose="02020603050405020304" pitchFamily="18" charset="0"/>
+                <a:cs typeface="Times New Roman" panose="02020603050405020304" pitchFamily="18" charset="0"/>
+              </a:rPr>
+              <a:t>popFit_lr_offFit</a:t>
+            </a:r>
+            <a:endParaRPr lang="zh-TW" altLang="en-US" sz="800" dirty="0">
+              <a:latin typeface="Times New Roman" panose="02020603050405020304" pitchFamily="18" charset="0"/>
+              <a:cs typeface="Times New Roman" panose="02020603050405020304" pitchFamily="18" charset="0"/>
+            </a:endParaRPr>
+          </a:p>
+        </p:txBody>
+      </p:sp>
+      <p:cxnSp>
+        <p:nvCxnSpPr>
+          <p:cNvPr id="588" name="直線單箭頭接點 587">
+            <a:extLst>
+              <a:ext uri="{FF2B5EF4-FFF2-40B4-BE49-F238E27FC236}">
+                <a16:creationId xmlns:a16="http://schemas.microsoft.com/office/drawing/2014/main" id="{A4243552-893F-4AD3-B73E-9677D3A2F281}"/>
+              </a:ext>
+            </a:extLst>
+          </p:cNvPr>
+          <p:cNvCxnSpPr>
+            <a:cxnSpLocks/>
+          </p:cNvCxnSpPr>
+          <p:nvPr/>
+        </p:nvCxnSpPr>
+        <p:spPr>
+          <a:xfrm flipH="1">
+            <a:off x="6606343" y="2627582"/>
+            <a:ext cx="20832" cy="229044"/>
+          </a:xfrm>
+          <a:prstGeom prst="straightConnector1">
+            <a:avLst/>
+          </a:prstGeom>
+          <a:ln>
+            <a:tailEnd type="triangle"/>
+          </a:ln>
+        </p:spPr>
+        <p:style>
+          <a:lnRef idx="3">
+            <a:schemeClr val="accent2"/>
+          </a:lnRef>
+          <a:fillRef idx="0">
+            <a:schemeClr val="accent2"/>
+          </a:fillRef>
+          <a:effectRef idx="2">
+            <a:schemeClr val="accent2"/>
+          </a:effectRef>
+          <a:fontRef idx="minor">
+            <a:schemeClr val="tx1"/>
+          </a:fontRef>
+        </p:style>
+      </p:cxnSp>
+      <p:sp>
+        <p:nvSpPr>
+          <p:cNvPr id="589" name="文字方塊 588">
+            <a:extLst>
+              <a:ext uri="{FF2B5EF4-FFF2-40B4-BE49-F238E27FC236}">
+                <a16:creationId xmlns:a16="http://schemas.microsoft.com/office/drawing/2014/main" id="{20AAD03C-EA14-4B6E-9848-9EE9B3053C0E}"/>
+              </a:ext>
+            </a:extLst>
+          </p:cNvPr>
+          <p:cNvSpPr txBox="1"/>
+          <p:nvPr/>
+        </p:nvSpPr>
+        <p:spPr>
+          <a:xfrm>
+            <a:off x="6594117" y="2520171"/>
+            <a:ext cx="1870195" cy="230832"/>
+          </a:xfrm>
+          <a:prstGeom prst="rect">
+            <a:avLst/>
+          </a:prstGeom>
+          <a:noFill/>
+        </p:spPr>
+        <p:txBody>
+          <a:bodyPr wrap="square" rtlCol="0">
+            <a:spAutoFit/>
+          </a:bodyPr>
+          <a:lstStyle/>
+          <a:p>
+            <a:r>
+              <a:rPr lang="en-US" altLang="zh-TW" sz="900" dirty="0">
+                <a:latin typeface="Times New Roman" panose="02020603050405020304" pitchFamily="18" charset="0"/>
+                <a:cs typeface="Times New Roman" panose="02020603050405020304" pitchFamily="18" charset="0"/>
+              </a:rPr>
+              <a:t>[10:0]</a:t>
+            </a:r>
+            <a:r>
+              <a:rPr lang="en-US" altLang="zh-TW" sz="900" dirty="0" err="1">
+                <a:latin typeface="Times New Roman" panose="02020603050405020304" pitchFamily="18" charset="0"/>
+                <a:cs typeface="Times New Roman" panose="02020603050405020304" pitchFamily="18" charset="0"/>
+              </a:rPr>
+              <a:t>CrossStateSel</a:t>
+            </a:r>
+            <a:endParaRPr lang="zh-TW" altLang="en-US" sz="900" dirty="0">
+              <a:latin typeface="Times New Roman" panose="02020603050405020304" pitchFamily="18" charset="0"/>
+              <a:cs typeface="Times New Roman" panose="02020603050405020304" pitchFamily="18" charset="0"/>
+            </a:endParaRPr>
+          </a:p>
+        </p:txBody>
+      </p:sp>
+      <p:sp>
+        <p:nvSpPr>
+          <p:cNvPr id="590" name="文字方塊 589">
+            <a:extLst>
+              <a:ext uri="{FF2B5EF4-FFF2-40B4-BE49-F238E27FC236}">
+                <a16:creationId xmlns:a16="http://schemas.microsoft.com/office/drawing/2014/main" id="{70B443BB-9EC2-4E74-BAE2-3DB703FA0CE5}"/>
+              </a:ext>
+            </a:extLst>
+          </p:cNvPr>
+          <p:cNvSpPr txBox="1"/>
+          <p:nvPr/>
+        </p:nvSpPr>
+        <p:spPr>
+          <a:xfrm>
+            <a:off x="7216260" y="3867426"/>
+            <a:ext cx="1798784" cy="215444"/>
+          </a:xfrm>
+          <a:prstGeom prst="rect">
+            <a:avLst/>
+          </a:prstGeom>
+          <a:noFill/>
+        </p:spPr>
+        <p:txBody>
+          <a:bodyPr wrap="square" rtlCol="0">
+            <a:spAutoFit/>
+          </a:bodyPr>
+          <a:lstStyle/>
+          <a:p>
+            <a:r>
+              <a:rPr lang="en-US" altLang="zh-TW" sz="800" dirty="0" err="1">
+                <a:latin typeface="Times New Roman" panose="02020603050405020304" pitchFamily="18" charset="0"/>
+                <a:cs typeface="Times New Roman" panose="02020603050405020304" pitchFamily="18" charset="0"/>
+              </a:rPr>
+              <a:t>CrossOrTourSel</a:t>
+            </a:r>
+            <a:endParaRPr lang="zh-TW" altLang="en-US" sz="800" dirty="0">
+              <a:latin typeface="Times New Roman" panose="02020603050405020304" pitchFamily="18" charset="0"/>
+              <a:cs typeface="Times New Roman" panose="02020603050405020304" pitchFamily="18" charset="0"/>
+            </a:endParaRPr>
+          </a:p>
+        </p:txBody>
+      </p:sp>
+      <p:sp>
+        <p:nvSpPr>
+          <p:cNvPr id="592" name="箭號: 向右 591">
+            <a:extLst>
+              <a:ext uri="{FF2B5EF4-FFF2-40B4-BE49-F238E27FC236}">
+                <a16:creationId xmlns:a16="http://schemas.microsoft.com/office/drawing/2014/main" id="{4109A01D-6CF9-4DE0-8B1B-C1DFD6D40692}"/>
+              </a:ext>
+            </a:extLst>
+          </p:cNvPr>
+          <p:cNvSpPr/>
+          <p:nvPr/>
+        </p:nvSpPr>
+        <p:spPr>
+          <a:xfrm>
+            <a:off x="6694146" y="3495311"/>
+            <a:ext cx="408883" cy="192757"/>
+          </a:xfrm>
+          <a:prstGeom prst="rightArrow">
+            <a:avLst/>
+          </a:prstGeom>
+        </p:spPr>
+        <p:style>
+          <a:lnRef idx="2">
+            <a:schemeClr val="accent1">
+              <a:shade val="50000"/>
+            </a:schemeClr>
+          </a:lnRef>
+          <a:fillRef idx="1">
+            <a:schemeClr val="accent1"/>
+          </a:fillRef>
+          <a:effectRef idx="0">
+            <a:schemeClr val="accent1"/>
+          </a:effectRef>
+          <a:fontRef idx="minor">
+            <a:schemeClr val="lt1"/>
+          </a:fontRef>
+        </p:style>
+        <p:txBody>
+          <a:bodyPr rtlCol="0" anchor="ctr"/>
+          <a:lstStyle/>
+          <a:p>
+            <a:pPr algn="ctr"/>
+            <a:endParaRPr lang="zh-TW" altLang="en-US" dirty="0"/>
+          </a:p>
+        </p:txBody>
+      </p:sp>
+      <p:cxnSp>
+        <p:nvCxnSpPr>
+          <p:cNvPr id="593" name="直線接點 592">
+            <a:extLst>
+              <a:ext uri="{FF2B5EF4-FFF2-40B4-BE49-F238E27FC236}">
+                <a16:creationId xmlns:a16="http://schemas.microsoft.com/office/drawing/2014/main" id="{AA831E9A-A4BF-4411-A6C4-7CB57F309E03}"/>
+              </a:ext>
+            </a:extLst>
+          </p:cNvPr>
+          <p:cNvCxnSpPr>
+            <a:cxnSpLocks/>
+          </p:cNvCxnSpPr>
+          <p:nvPr/>
+        </p:nvCxnSpPr>
+        <p:spPr>
+          <a:xfrm>
+            <a:off x="6793816" y="3475097"/>
+            <a:ext cx="161581" cy="195527"/>
+          </a:xfrm>
+          <a:prstGeom prst="line">
+            <a:avLst/>
+          </a:prstGeom>
+        </p:spPr>
+        <p:style>
+          <a:lnRef idx="3">
+            <a:schemeClr val="dk1"/>
+          </a:lnRef>
+          <a:fillRef idx="0">
+            <a:schemeClr val="dk1"/>
+          </a:fillRef>
+          <a:effectRef idx="2">
+            <a:schemeClr val="dk1"/>
+          </a:effectRef>
+          <a:fontRef idx="minor">
+            <a:schemeClr val="tx1"/>
+          </a:fontRef>
+        </p:style>
+      </p:cxnSp>
+      <p:sp>
+        <p:nvSpPr>
+          <p:cNvPr id="595" name="文字方塊 594">
+            <a:extLst>
+              <a:ext uri="{FF2B5EF4-FFF2-40B4-BE49-F238E27FC236}">
+                <a16:creationId xmlns:a16="http://schemas.microsoft.com/office/drawing/2014/main" id="{960B8695-C05A-4034-87CA-984C02A50606}"/>
+              </a:ext>
+            </a:extLst>
+          </p:cNvPr>
+          <p:cNvSpPr txBox="1"/>
+          <p:nvPr/>
+        </p:nvSpPr>
+        <p:spPr>
+          <a:xfrm>
+            <a:off x="6601083" y="3298428"/>
+            <a:ext cx="872903" cy="170840"/>
+          </a:xfrm>
+          <a:prstGeom prst="rect">
+            <a:avLst/>
+          </a:prstGeom>
+          <a:noFill/>
+        </p:spPr>
+        <p:txBody>
+          <a:bodyPr wrap="square" rtlCol="0">
+            <a:spAutoFit/>
+          </a:bodyPr>
+          <a:lstStyle/>
+          <a:p>
+            <a:r>
+              <a:rPr lang="en-US" altLang="zh-TW" sz="1200" dirty="0">
+                <a:latin typeface="Times New Roman" panose="02020603050405020304" pitchFamily="18" charset="0"/>
+                <a:cs typeface="Times New Roman" panose="02020603050405020304" pitchFamily="18" charset="0"/>
+              </a:rPr>
+              <a:t>11*2</a:t>
+            </a:r>
+            <a:endParaRPr lang="zh-TW" altLang="en-US" sz="1200" dirty="0">
+              <a:latin typeface="Times New Roman" panose="02020603050405020304" pitchFamily="18" charset="0"/>
+              <a:cs typeface="Times New Roman" panose="02020603050405020304" pitchFamily="18" charset="0"/>
+            </a:endParaRPr>
+          </a:p>
+        </p:txBody>
+      </p:sp>
+      <p:sp>
+        <p:nvSpPr>
+          <p:cNvPr id="596" name="文字方塊 595">
+            <a:extLst>
+              <a:ext uri="{FF2B5EF4-FFF2-40B4-BE49-F238E27FC236}">
+                <a16:creationId xmlns:a16="http://schemas.microsoft.com/office/drawing/2014/main" id="{E969285C-B5F0-4BA9-8168-5D2923151F49}"/>
+              </a:ext>
+            </a:extLst>
+          </p:cNvPr>
+          <p:cNvSpPr txBox="1"/>
+          <p:nvPr/>
+        </p:nvSpPr>
+        <p:spPr>
+          <a:xfrm>
+            <a:off x="6435341" y="3609706"/>
+            <a:ext cx="1798788" cy="215444"/>
+          </a:xfrm>
+          <a:prstGeom prst="rect">
+            <a:avLst/>
+          </a:prstGeom>
+          <a:noFill/>
+        </p:spPr>
+        <p:txBody>
+          <a:bodyPr wrap="square" rtlCol="0">
+            <a:spAutoFit/>
+          </a:bodyPr>
+          <a:lstStyle/>
+          <a:p>
+            <a:r>
+              <a:rPr lang="en-US" altLang="zh-TW" sz="800" dirty="0">
+                <a:latin typeface="Times New Roman" panose="02020603050405020304" pitchFamily="18" charset="0"/>
+                <a:cs typeface="Times New Roman" panose="02020603050405020304" pitchFamily="18" charset="0"/>
+              </a:rPr>
+              <a:t>Off_State2_CRX</a:t>
+            </a:r>
+            <a:endParaRPr lang="zh-TW" altLang="en-US" sz="800" dirty="0">
+              <a:latin typeface="Times New Roman" panose="02020603050405020304" pitchFamily="18" charset="0"/>
+              <a:cs typeface="Times New Roman" panose="02020603050405020304" pitchFamily="18" charset="0"/>
+            </a:endParaRPr>
+          </a:p>
+        </p:txBody>
+      </p:sp>
+      <p:sp>
+        <p:nvSpPr>
+          <p:cNvPr id="597" name="文字方塊 596">
+            <a:extLst>
+              <a:ext uri="{FF2B5EF4-FFF2-40B4-BE49-F238E27FC236}">
+                <a16:creationId xmlns:a16="http://schemas.microsoft.com/office/drawing/2014/main" id="{A68BC5CB-DDC8-4FC9-B295-D6BDE2489C60}"/>
+              </a:ext>
+            </a:extLst>
+          </p:cNvPr>
+          <p:cNvSpPr txBox="1"/>
+          <p:nvPr/>
+        </p:nvSpPr>
+        <p:spPr>
+          <a:xfrm>
+            <a:off x="7432808" y="3064141"/>
+            <a:ext cx="1744541" cy="215444"/>
+          </a:xfrm>
+          <a:prstGeom prst="rect">
+            <a:avLst/>
+          </a:prstGeom>
+          <a:noFill/>
+        </p:spPr>
+        <p:txBody>
+          <a:bodyPr wrap="square" rtlCol="0">
+            <a:spAutoFit/>
+          </a:bodyPr>
+          <a:lstStyle/>
+          <a:p>
+            <a:r>
+              <a:rPr lang="en-US" altLang="zh-TW" sz="800" dirty="0" err="1">
+                <a:latin typeface="Times New Roman" panose="02020603050405020304" pitchFamily="18" charset="0"/>
+                <a:cs typeface="Times New Roman" panose="02020603050405020304" pitchFamily="18" charset="0"/>
+              </a:rPr>
+              <a:t>NewCrossStateCRX</a:t>
+            </a:r>
+            <a:endParaRPr lang="zh-TW" altLang="en-US" sz="800" dirty="0">
+              <a:latin typeface="Times New Roman" panose="02020603050405020304" pitchFamily="18" charset="0"/>
+              <a:cs typeface="Times New Roman" panose="02020603050405020304" pitchFamily="18" charset="0"/>
+            </a:endParaRPr>
+          </a:p>
+        </p:txBody>
+      </p:sp>
+      <p:cxnSp>
+        <p:nvCxnSpPr>
+          <p:cNvPr id="598" name="直線單箭頭接點 597">
+            <a:extLst>
+              <a:ext uri="{FF2B5EF4-FFF2-40B4-BE49-F238E27FC236}">
+                <a16:creationId xmlns:a16="http://schemas.microsoft.com/office/drawing/2014/main" id="{07578762-1B1B-478F-B576-9ED551F78BF8}"/>
+              </a:ext>
+            </a:extLst>
+          </p:cNvPr>
+          <p:cNvCxnSpPr>
+            <a:cxnSpLocks/>
+          </p:cNvCxnSpPr>
+          <p:nvPr/>
+        </p:nvCxnSpPr>
+        <p:spPr>
+          <a:xfrm flipH="1">
+            <a:off x="7285559" y="2825193"/>
+            <a:ext cx="20832" cy="229044"/>
+          </a:xfrm>
+          <a:prstGeom prst="straightConnector1">
+            <a:avLst/>
+          </a:prstGeom>
+          <a:ln>
+            <a:tailEnd type="triangle"/>
+          </a:ln>
+        </p:spPr>
+        <p:style>
+          <a:lnRef idx="3">
+            <a:schemeClr val="accent2"/>
+          </a:lnRef>
+          <a:fillRef idx="0">
+            <a:schemeClr val="accent2"/>
+          </a:fillRef>
+          <a:effectRef idx="2">
+            <a:schemeClr val="accent2"/>
+          </a:effectRef>
+          <a:fontRef idx="minor">
+            <a:schemeClr val="tx1"/>
+          </a:fontRef>
+        </p:style>
+      </p:cxnSp>
+      <p:sp>
+        <p:nvSpPr>
+          <p:cNvPr id="599" name="文字方塊 598">
+            <a:extLst>
+              <a:ext uri="{FF2B5EF4-FFF2-40B4-BE49-F238E27FC236}">
+                <a16:creationId xmlns:a16="http://schemas.microsoft.com/office/drawing/2014/main" id="{CA0C6449-3604-4648-B581-E2CE12B5D6CF}"/>
+              </a:ext>
+            </a:extLst>
+          </p:cNvPr>
+          <p:cNvSpPr txBox="1"/>
+          <p:nvPr/>
+        </p:nvSpPr>
+        <p:spPr>
+          <a:xfrm>
+            <a:off x="7278802" y="2746281"/>
+            <a:ext cx="1870195" cy="230832"/>
+          </a:xfrm>
+          <a:prstGeom prst="rect">
+            <a:avLst/>
+          </a:prstGeom>
+          <a:noFill/>
+        </p:spPr>
+        <p:txBody>
+          <a:bodyPr wrap="square" rtlCol="0">
+            <a:spAutoFit/>
+          </a:bodyPr>
+          <a:lstStyle/>
+          <a:p>
+            <a:r>
+              <a:rPr lang="en-US" altLang="zh-TW" sz="900" dirty="0" err="1">
+                <a:latin typeface="Times New Roman" panose="02020603050405020304" pitchFamily="18" charset="0"/>
+                <a:cs typeface="Times New Roman" panose="02020603050405020304" pitchFamily="18" charset="0"/>
+              </a:rPr>
+              <a:t>rn_gt_CROSSFRACTION</a:t>
+            </a:r>
+            <a:endParaRPr lang="zh-TW" altLang="en-US" sz="900" dirty="0">
+              <a:latin typeface="Times New Roman" panose="02020603050405020304" pitchFamily="18" charset="0"/>
+              <a:cs typeface="Times New Roman" panose="02020603050405020304" pitchFamily="18" charset="0"/>
+            </a:endParaRPr>
+          </a:p>
+        </p:txBody>
+      </p:sp>
+      <p:sp>
+        <p:nvSpPr>
+          <p:cNvPr id="600" name="箭號: 向右 599">
+            <a:extLst>
+              <a:ext uri="{FF2B5EF4-FFF2-40B4-BE49-F238E27FC236}">
+                <a16:creationId xmlns:a16="http://schemas.microsoft.com/office/drawing/2014/main" id="{FB35AF09-C0BD-46D0-9939-12C76CF8E62F}"/>
+              </a:ext>
+            </a:extLst>
+          </p:cNvPr>
+          <p:cNvSpPr/>
+          <p:nvPr/>
+        </p:nvSpPr>
+        <p:spPr>
+          <a:xfrm>
+            <a:off x="7404239" y="3205667"/>
+            <a:ext cx="423869" cy="192757"/>
+          </a:xfrm>
+          <a:prstGeom prst="rightArrow">
+            <a:avLst/>
+          </a:prstGeom>
+        </p:spPr>
+        <p:style>
+          <a:lnRef idx="2">
+            <a:schemeClr val="accent1">
+              <a:shade val="50000"/>
+            </a:schemeClr>
+          </a:lnRef>
+          <a:fillRef idx="1">
+            <a:schemeClr val="accent1"/>
+          </a:fillRef>
+          <a:effectRef idx="0">
+            <a:schemeClr val="accent1"/>
+          </a:effectRef>
+          <a:fontRef idx="minor">
+            <a:schemeClr val="lt1"/>
+          </a:fontRef>
+        </p:style>
+        <p:txBody>
+          <a:bodyPr rtlCol="0" anchor="ctr"/>
+          <a:lstStyle/>
+          <a:p>
+            <a:pPr algn="ctr"/>
+            <a:endParaRPr lang="zh-TW" altLang="en-US"/>
+          </a:p>
+        </p:txBody>
+      </p:sp>
+      <p:cxnSp>
+        <p:nvCxnSpPr>
+          <p:cNvPr id="601" name="直線接點 600">
+            <a:extLst>
+              <a:ext uri="{FF2B5EF4-FFF2-40B4-BE49-F238E27FC236}">
+                <a16:creationId xmlns:a16="http://schemas.microsoft.com/office/drawing/2014/main" id="{DFF93957-3BB0-4D5A-9681-FBD7185BF797}"/>
+              </a:ext>
+            </a:extLst>
+          </p:cNvPr>
+          <p:cNvCxnSpPr>
+            <a:cxnSpLocks/>
+          </p:cNvCxnSpPr>
+          <p:nvPr/>
+        </p:nvCxnSpPr>
+        <p:spPr>
+          <a:xfrm>
+            <a:off x="7491410" y="3194183"/>
+            <a:ext cx="167503" cy="195527"/>
+          </a:xfrm>
+          <a:prstGeom prst="line">
+            <a:avLst/>
+          </a:prstGeom>
+        </p:spPr>
+        <p:style>
+          <a:lnRef idx="3">
+            <a:schemeClr val="dk1"/>
+          </a:lnRef>
+          <a:fillRef idx="0">
+            <a:schemeClr val="dk1"/>
+          </a:fillRef>
+          <a:effectRef idx="2">
+            <a:schemeClr val="dk1"/>
           </a:effectRef>
           <a:fontRef idx="minor">
             <a:schemeClr val="tx1"/>
@@ -16132,10 +14296,10 @@
       </p:cxnSp>
       <p:grpSp>
         <p:nvGrpSpPr>
-          <p:cNvPr id="386" name="群組 385">
+          <p:cNvPr id="602" name="群組 601">
             <a:extLst>
               <a:ext uri="{FF2B5EF4-FFF2-40B4-BE49-F238E27FC236}">
-                <a16:creationId xmlns:a16="http://schemas.microsoft.com/office/drawing/2014/main" id="{4924A611-095B-43A3-88A5-B3F12D7BD239}"/>
+                <a16:creationId xmlns:a16="http://schemas.microsoft.com/office/drawing/2014/main" id="{4ADE36B3-7144-4C81-8E7B-D95823A8B71A}"/>
               </a:ext>
             </a:extLst>
           </p:cNvPr>
@@ -16144,18 +14308,386 @@
         </p:nvGrpSpPr>
         <p:grpSpPr>
           <a:xfrm>
-            <a:off x="5728790" y="6542004"/>
-            <a:ext cx="3585601" cy="344765"/>
-            <a:chOff x="242635" y="6407804"/>
-            <a:chExt cx="1472477" cy="344765"/>
+            <a:off x="9205086" y="1474309"/>
+            <a:ext cx="2131432" cy="333331"/>
+            <a:chOff x="4619820" y="424471"/>
+            <a:chExt cx="688254" cy="333331"/>
           </a:xfrm>
         </p:grpSpPr>
         <p:cxnSp>
           <p:nvCxnSpPr>
-            <p:cNvPr id="387" name="直線單箭頭接點 386">
+            <p:cNvPr id="603" name="直線單箭頭接點 602">
               <a:extLst>
                 <a:ext uri="{FF2B5EF4-FFF2-40B4-BE49-F238E27FC236}">
-                  <a16:creationId xmlns:a16="http://schemas.microsoft.com/office/drawing/2014/main" id="{582EBACC-7F6B-4B51-9B6D-490223F847D7}"/>
+                  <a16:creationId xmlns:a16="http://schemas.microsoft.com/office/drawing/2014/main" id="{84025BA9-41F3-4525-908C-61221EA4FF4D}"/>
+                </a:ext>
+              </a:extLst>
+            </p:cNvPr>
+            <p:cNvCxnSpPr>
+              <a:cxnSpLocks/>
+            </p:cNvCxnSpPr>
+            <p:nvPr/>
+          </p:nvCxnSpPr>
+          <p:spPr>
+            <a:xfrm>
+              <a:off x="4619820" y="675073"/>
+              <a:ext cx="484730" cy="0"/>
+            </a:xfrm>
+            <a:prstGeom prst="straightConnector1">
+              <a:avLst/>
+            </a:prstGeom>
+            <a:ln>
+              <a:tailEnd type="triangle"/>
+            </a:ln>
+          </p:spPr>
+          <p:style>
+            <a:lnRef idx="3">
+              <a:schemeClr val="accent1"/>
+            </a:lnRef>
+            <a:fillRef idx="0">
+              <a:schemeClr val="accent1"/>
+            </a:fillRef>
+            <a:effectRef idx="2">
+              <a:schemeClr val="accent1"/>
+            </a:effectRef>
+            <a:fontRef idx="minor">
+              <a:schemeClr val="tx1"/>
+            </a:fontRef>
+          </p:style>
+        </p:cxnSp>
+        <p:cxnSp>
+          <p:nvCxnSpPr>
+            <p:cNvPr id="604" name="直線接點 603">
+              <a:extLst>
+                <a:ext uri="{FF2B5EF4-FFF2-40B4-BE49-F238E27FC236}">
+                  <a16:creationId xmlns:a16="http://schemas.microsoft.com/office/drawing/2014/main" id="{DB5122B0-9E23-4E67-9889-1A0190431369}"/>
+                </a:ext>
+              </a:extLst>
+            </p:cNvPr>
+            <p:cNvCxnSpPr>
+              <a:cxnSpLocks/>
+            </p:cNvCxnSpPr>
+            <p:nvPr/>
+          </p:nvCxnSpPr>
+          <p:spPr>
+            <a:xfrm>
+              <a:off x="4750671" y="613267"/>
+              <a:ext cx="97186" cy="144535"/>
+            </a:xfrm>
+            <a:prstGeom prst="line">
+              <a:avLst/>
+            </a:prstGeom>
+          </p:spPr>
+          <p:style>
+            <a:lnRef idx="3">
+              <a:schemeClr val="dk1"/>
+            </a:lnRef>
+            <a:fillRef idx="0">
+              <a:schemeClr val="dk1"/>
+            </a:fillRef>
+            <a:effectRef idx="2">
+              <a:schemeClr val="dk1"/>
+            </a:effectRef>
+            <a:fontRef idx="minor">
+              <a:schemeClr val="tx1"/>
+            </a:fontRef>
+          </p:style>
+        </p:cxnSp>
+        <p:sp>
+          <p:nvSpPr>
+            <p:cNvPr id="605" name="文字方塊 604">
+              <a:extLst>
+                <a:ext uri="{FF2B5EF4-FFF2-40B4-BE49-F238E27FC236}">
+                  <a16:creationId xmlns:a16="http://schemas.microsoft.com/office/drawing/2014/main" id="{2325C3EF-7B80-4B62-9052-9DB0E8005C01}"/>
+                </a:ext>
+              </a:extLst>
+            </p:cNvPr>
+            <p:cNvSpPr txBox="1"/>
+            <p:nvPr/>
+          </p:nvSpPr>
+          <p:spPr>
+            <a:xfrm>
+              <a:off x="4774674" y="424471"/>
+              <a:ext cx="533400" cy="276999"/>
+            </a:xfrm>
+            <a:prstGeom prst="rect">
+              <a:avLst/>
+            </a:prstGeom>
+            <a:noFill/>
+          </p:spPr>
+          <p:txBody>
+            <a:bodyPr wrap="square" rtlCol="0">
+              <a:spAutoFit/>
+            </a:bodyPr>
+            <a:lstStyle/>
+            <a:p>
+              <a:r>
+                <a:rPr lang="en-US" altLang="zh-TW" sz="1200" dirty="0">
+                  <a:latin typeface="Times New Roman" panose="02020603050405020304" pitchFamily="18" charset="0"/>
+                  <a:cs typeface="Times New Roman" panose="02020603050405020304" pitchFamily="18" charset="0"/>
+                </a:rPr>
+                <a:t>8</a:t>
+              </a:r>
+              <a:endParaRPr lang="zh-TW" altLang="en-US" sz="1200" dirty="0">
+                <a:latin typeface="Times New Roman" panose="02020603050405020304" pitchFamily="18" charset="0"/>
+                <a:cs typeface="Times New Roman" panose="02020603050405020304" pitchFamily="18" charset="0"/>
+              </a:endParaRPr>
+            </a:p>
+          </p:txBody>
+        </p:sp>
+      </p:grpSp>
+      <p:sp>
+        <p:nvSpPr>
+          <p:cNvPr id="606" name="文字方塊 605">
+            <a:extLst>
+              <a:ext uri="{FF2B5EF4-FFF2-40B4-BE49-F238E27FC236}">
+                <a16:creationId xmlns:a16="http://schemas.microsoft.com/office/drawing/2014/main" id="{5C77452D-2808-4C6A-89A0-249352C18FB7}"/>
+              </a:ext>
+            </a:extLst>
+          </p:cNvPr>
+          <p:cNvSpPr txBox="1"/>
+          <p:nvPr/>
+        </p:nvSpPr>
+        <p:spPr>
+          <a:xfrm>
+            <a:off x="9321060" y="1335007"/>
+            <a:ext cx="1500388" cy="276999"/>
+          </a:xfrm>
+          <a:prstGeom prst="rect">
+            <a:avLst/>
+          </a:prstGeom>
+          <a:noFill/>
+        </p:spPr>
+        <p:txBody>
+          <a:bodyPr wrap="square" rtlCol="0">
+            <a:spAutoFit/>
+          </a:bodyPr>
+          <a:lstStyle/>
+          <a:p>
+            <a:r>
+              <a:rPr lang="en-US" altLang="zh-TW" sz="1200" dirty="0">
+                <a:latin typeface="Times New Roman" panose="02020603050405020304" pitchFamily="18" charset="0"/>
+                <a:cs typeface="Times New Roman" panose="02020603050405020304" pitchFamily="18" charset="0"/>
+              </a:rPr>
+              <a:t>Idx_ptr_2_d2</a:t>
+            </a:r>
+            <a:endParaRPr lang="zh-TW" altLang="en-US" sz="1200" dirty="0">
+              <a:latin typeface="Times New Roman" panose="02020603050405020304" pitchFamily="18" charset="0"/>
+              <a:cs typeface="Times New Roman" panose="02020603050405020304" pitchFamily="18" charset="0"/>
+            </a:endParaRPr>
+          </a:p>
+        </p:txBody>
+      </p:sp>
+      <p:grpSp>
+        <p:nvGrpSpPr>
+          <p:cNvPr id="607" name="群組 606">
+            <a:extLst>
+              <a:ext uri="{FF2B5EF4-FFF2-40B4-BE49-F238E27FC236}">
+                <a16:creationId xmlns:a16="http://schemas.microsoft.com/office/drawing/2014/main" id="{A907528A-96A3-491F-9BD2-AFDD814E2FEB}"/>
+              </a:ext>
+            </a:extLst>
+          </p:cNvPr>
+          <p:cNvGrpSpPr/>
+          <p:nvPr/>
+        </p:nvGrpSpPr>
+        <p:grpSpPr>
+          <a:xfrm>
+            <a:off x="11124881" y="1458426"/>
+            <a:ext cx="1303565" cy="333331"/>
+            <a:chOff x="4619820" y="424471"/>
+            <a:chExt cx="688254" cy="333331"/>
+          </a:xfrm>
+        </p:grpSpPr>
+        <p:cxnSp>
+          <p:nvCxnSpPr>
+            <p:cNvPr id="608" name="直線單箭頭接點 607">
+              <a:extLst>
+                <a:ext uri="{FF2B5EF4-FFF2-40B4-BE49-F238E27FC236}">
+                  <a16:creationId xmlns:a16="http://schemas.microsoft.com/office/drawing/2014/main" id="{A704D6A6-B779-465D-94F1-806EEF27E7F2}"/>
+                </a:ext>
+              </a:extLst>
+            </p:cNvPr>
+            <p:cNvCxnSpPr>
+              <a:cxnSpLocks/>
+            </p:cNvCxnSpPr>
+            <p:nvPr/>
+          </p:nvCxnSpPr>
+          <p:spPr>
+            <a:xfrm>
+              <a:off x="4619820" y="675073"/>
+              <a:ext cx="484730" cy="0"/>
+            </a:xfrm>
+            <a:prstGeom prst="straightConnector1">
+              <a:avLst/>
+            </a:prstGeom>
+            <a:ln>
+              <a:tailEnd type="triangle"/>
+            </a:ln>
+          </p:spPr>
+          <p:style>
+            <a:lnRef idx="3">
+              <a:schemeClr val="accent1"/>
+            </a:lnRef>
+            <a:fillRef idx="0">
+              <a:schemeClr val="accent1"/>
+            </a:fillRef>
+            <a:effectRef idx="2">
+              <a:schemeClr val="accent1"/>
+            </a:effectRef>
+            <a:fontRef idx="minor">
+              <a:schemeClr val="tx1"/>
+            </a:fontRef>
+          </p:style>
+        </p:cxnSp>
+        <p:cxnSp>
+          <p:nvCxnSpPr>
+            <p:cNvPr id="609" name="直線接點 608">
+              <a:extLst>
+                <a:ext uri="{FF2B5EF4-FFF2-40B4-BE49-F238E27FC236}">
+                  <a16:creationId xmlns:a16="http://schemas.microsoft.com/office/drawing/2014/main" id="{5131EB8C-83D0-4A02-BDA8-55EA8D360605}"/>
+                </a:ext>
+              </a:extLst>
+            </p:cNvPr>
+            <p:cNvCxnSpPr>
+              <a:cxnSpLocks/>
+            </p:cNvCxnSpPr>
+            <p:nvPr/>
+          </p:nvCxnSpPr>
+          <p:spPr>
+            <a:xfrm>
+              <a:off x="4750671" y="613267"/>
+              <a:ext cx="97186" cy="144535"/>
+            </a:xfrm>
+            <a:prstGeom prst="line">
+              <a:avLst/>
+            </a:prstGeom>
+          </p:spPr>
+          <p:style>
+            <a:lnRef idx="3">
+              <a:schemeClr val="dk1"/>
+            </a:lnRef>
+            <a:fillRef idx="0">
+              <a:schemeClr val="dk1"/>
+            </a:fillRef>
+            <a:effectRef idx="2">
+              <a:schemeClr val="dk1"/>
+            </a:effectRef>
+            <a:fontRef idx="minor">
+              <a:schemeClr val="tx1"/>
+            </a:fontRef>
+          </p:style>
+        </p:cxnSp>
+        <p:sp>
+          <p:nvSpPr>
+            <p:cNvPr id="610" name="文字方塊 609">
+              <a:extLst>
+                <a:ext uri="{FF2B5EF4-FFF2-40B4-BE49-F238E27FC236}">
+                  <a16:creationId xmlns:a16="http://schemas.microsoft.com/office/drawing/2014/main" id="{02DD8C3C-2A03-4DD9-9C57-094065D39EFF}"/>
+                </a:ext>
+              </a:extLst>
+            </p:cNvPr>
+            <p:cNvSpPr txBox="1"/>
+            <p:nvPr/>
+          </p:nvSpPr>
+          <p:spPr>
+            <a:xfrm>
+              <a:off x="4774674" y="424471"/>
+              <a:ext cx="533400" cy="276999"/>
+            </a:xfrm>
+            <a:prstGeom prst="rect">
+              <a:avLst/>
+            </a:prstGeom>
+            <a:noFill/>
+          </p:spPr>
+          <p:txBody>
+            <a:bodyPr wrap="square" rtlCol="0">
+              <a:spAutoFit/>
+            </a:bodyPr>
+            <a:lstStyle/>
+            <a:p>
+              <a:r>
+                <a:rPr lang="en-US" altLang="zh-TW" sz="1200" dirty="0">
+                  <a:latin typeface="Times New Roman" panose="02020603050405020304" pitchFamily="18" charset="0"/>
+                  <a:cs typeface="Times New Roman" panose="02020603050405020304" pitchFamily="18" charset="0"/>
+                </a:rPr>
+                <a:t>8</a:t>
+              </a:r>
+              <a:endParaRPr lang="zh-TW" altLang="en-US" sz="1200" dirty="0">
+                <a:latin typeface="Times New Roman" panose="02020603050405020304" pitchFamily="18" charset="0"/>
+                <a:cs typeface="Times New Roman" panose="02020603050405020304" pitchFamily="18" charset="0"/>
+              </a:endParaRPr>
+            </a:p>
+          </p:txBody>
+        </p:sp>
+      </p:grpSp>
+      <p:sp>
+        <p:nvSpPr>
+          <p:cNvPr id="611" name="文字方塊 610">
+            <a:extLst>
+              <a:ext uri="{FF2B5EF4-FFF2-40B4-BE49-F238E27FC236}">
+                <a16:creationId xmlns:a16="http://schemas.microsoft.com/office/drawing/2014/main" id="{94482EE6-F9A2-4463-8BAC-5B05AF1C8DA7}"/>
+              </a:ext>
+            </a:extLst>
+          </p:cNvPr>
+          <p:cNvSpPr txBox="1"/>
+          <p:nvPr/>
+        </p:nvSpPr>
+        <p:spPr>
+          <a:xfrm>
+            <a:off x="11088485" y="1303697"/>
+            <a:ext cx="1500388" cy="276999"/>
+          </a:xfrm>
+          <a:prstGeom prst="rect">
+            <a:avLst/>
+          </a:prstGeom>
+          <a:noFill/>
+        </p:spPr>
+        <p:txBody>
+          <a:bodyPr wrap="square" rtlCol="0">
+            <a:spAutoFit/>
+          </a:bodyPr>
+          <a:lstStyle/>
+          <a:p>
+            <a:r>
+              <a:rPr lang="en-US" altLang="zh-TW" sz="1200" dirty="0">
+                <a:latin typeface="Times New Roman" panose="02020603050405020304" pitchFamily="18" charset="0"/>
+                <a:cs typeface="Times New Roman" panose="02020603050405020304" pitchFamily="18" charset="0"/>
+              </a:rPr>
+              <a:t>Idx_ptr_2_d3</a:t>
+            </a:r>
+            <a:endParaRPr lang="zh-TW" altLang="en-US" sz="1200" dirty="0">
+              <a:latin typeface="Times New Roman" panose="02020603050405020304" pitchFamily="18" charset="0"/>
+              <a:cs typeface="Times New Roman" panose="02020603050405020304" pitchFamily="18" charset="0"/>
+            </a:endParaRPr>
+          </a:p>
+        </p:txBody>
+      </p:sp>
+      <p:grpSp>
+        <p:nvGrpSpPr>
+          <p:cNvPr id="612" name="群組 611">
+            <a:extLst>
+              <a:ext uri="{FF2B5EF4-FFF2-40B4-BE49-F238E27FC236}">
+                <a16:creationId xmlns:a16="http://schemas.microsoft.com/office/drawing/2014/main" id="{D640E9DD-E77B-474E-B065-D29FC477DBC7}"/>
+              </a:ext>
+            </a:extLst>
+          </p:cNvPr>
+          <p:cNvGrpSpPr/>
+          <p:nvPr/>
+        </p:nvGrpSpPr>
+        <p:grpSpPr>
+          <a:xfrm>
+            <a:off x="9127967" y="6457456"/>
+            <a:ext cx="2101811" cy="308521"/>
+            <a:chOff x="242635" y="6415400"/>
+            <a:chExt cx="1472477" cy="308521"/>
+          </a:xfrm>
+        </p:grpSpPr>
+        <p:cxnSp>
+          <p:nvCxnSpPr>
+            <p:cNvPr id="613" name="直線單箭頭接點 612">
+              <a:extLst>
+                <a:ext uri="{FF2B5EF4-FFF2-40B4-BE49-F238E27FC236}">
+                  <a16:creationId xmlns:a16="http://schemas.microsoft.com/office/drawing/2014/main" id="{A9234636-81CD-4DA5-BC6D-57E640954658}"/>
                 </a:ext>
               </a:extLst>
             </p:cNvPr>
@@ -16193,10 +14725,10 @@
         </p:cxnSp>
         <p:sp>
           <p:nvSpPr>
-            <p:cNvPr id="388" name="文字方塊 387">
+            <p:cNvPr id="614" name="文字方塊 613">
               <a:extLst>
                 <a:ext uri="{FF2B5EF4-FFF2-40B4-BE49-F238E27FC236}">
-                  <a16:creationId xmlns:a16="http://schemas.microsoft.com/office/drawing/2014/main" id="{CF8932C2-24BF-4731-89AA-8ED3C57B0EA9}"/>
+                  <a16:creationId xmlns:a16="http://schemas.microsoft.com/office/drawing/2014/main" id="{9E8389FD-8FD3-4B89-9DBD-75CC22F81D99}"/>
                 </a:ext>
               </a:extLst>
             </p:cNvPr>
@@ -16224,7 +14756,7 @@
                   <a:latin typeface="Times New Roman" panose="02020603050405020304" pitchFamily="18" charset="0"/>
                   <a:cs typeface="Times New Roman" panose="02020603050405020304" pitchFamily="18" charset="0"/>
                 </a:rPr>
-                <a:t>popMutateRate_CRX</a:t>
+                <a:t>offMutateRate_MU</a:t>
               </a:r>
               <a:endParaRPr lang="zh-TW" altLang="en-US" sz="800" dirty="0">
                 <a:latin typeface="Times New Roman" panose="02020603050405020304" pitchFamily="18" charset="0"/>
@@ -16235,10 +14767,378 @@
         </p:sp>
         <p:cxnSp>
           <p:nvCxnSpPr>
-            <p:cNvPr id="389" name="直線接點 388">
+            <p:cNvPr id="615" name="直線接點 614">
               <a:extLst>
                 <a:ext uri="{FF2B5EF4-FFF2-40B4-BE49-F238E27FC236}">
-                  <a16:creationId xmlns:a16="http://schemas.microsoft.com/office/drawing/2014/main" id="{9F8694C9-52E3-4672-83F4-10A0FB3B2582}"/>
+                  <a16:creationId xmlns:a16="http://schemas.microsoft.com/office/drawing/2014/main" id="{0E180473-D439-4F9D-9F1F-890DA0086813}"/>
+                </a:ext>
+              </a:extLst>
+            </p:cNvPr>
+            <p:cNvCxnSpPr>
+              <a:cxnSpLocks/>
+            </p:cNvCxnSpPr>
+            <p:nvPr/>
+          </p:nvCxnSpPr>
+          <p:spPr>
+            <a:xfrm>
+              <a:off x="1173054" y="6575705"/>
+              <a:ext cx="173322" cy="148216"/>
+            </a:xfrm>
+            <a:prstGeom prst="line">
+              <a:avLst/>
+            </a:prstGeom>
+          </p:spPr>
+          <p:style>
+            <a:lnRef idx="3">
+              <a:schemeClr val="dk1"/>
+            </a:lnRef>
+            <a:fillRef idx="0">
+              <a:schemeClr val="dk1"/>
+            </a:fillRef>
+            <a:effectRef idx="2">
+              <a:schemeClr val="dk1"/>
+            </a:effectRef>
+            <a:fontRef idx="minor">
+              <a:schemeClr val="tx1"/>
+            </a:fontRef>
+          </p:style>
+        </p:cxnSp>
+        <p:sp>
+          <p:nvSpPr>
+            <p:cNvPr id="616" name="文字方塊 615">
+              <a:extLst>
+                <a:ext uri="{FF2B5EF4-FFF2-40B4-BE49-F238E27FC236}">
+                  <a16:creationId xmlns:a16="http://schemas.microsoft.com/office/drawing/2014/main" id="{A8DA2D68-2150-460C-94EE-82875E967D99}"/>
+                </a:ext>
+              </a:extLst>
+            </p:cNvPr>
+            <p:cNvSpPr txBox="1"/>
+            <p:nvPr/>
+          </p:nvSpPr>
+          <p:spPr>
+            <a:xfrm>
+              <a:off x="1025875" y="6415400"/>
+              <a:ext cx="564135" cy="276999"/>
+            </a:xfrm>
+            <a:prstGeom prst="rect">
+              <a:avLst/>
+            </a:prstGeom>
+            <a:noFill/>
+          </p:spPr>
+          <p:txBody>
+            <a:bodyPr wrap="square" rtlCol="0">
+              <a:spAutoFit/>
+            </a:bodyPr>
+            <a:lstStyle/>
+            <a:p>
+              <a:r>
+                <a:rPr lang="en-US" altLang="zh-TW" sz="1200" dirty="0">
+                  <a:latin typeface="Times New Roman" panose="02020603050405020304" pitchFamily="18" charset="0"/>
+                  <a:cs typeface="Times New Roman" panose="02020603050405020304" pitchFamily="18" charset="0"/>
+                </a:rPr>
+                <a:t>8</a:t>
+              </a:r>
+              <a:endParaRPr lang="zh-TW" altLang="en-US" sz="1200" dirty="0">
+                <a:latin typeface="Times New Roman" panose="02020603050405020304" pitchFamily="18" charset="0"/>
+                <a:cs typeface="Times New Roman" panose="02020603050405020304" pitchFamily="18" charset="0"/>
+              </a:endParaRPr>
+            </a:p>
+          </p:txBody>
+        </p:sp>
+      </p:grpSp>
+      <p:grpSp>
+        <p:nvGrpSpPr>
+          <p:cNvPr id="618" name="群組 617">
+            <a:extLst>
+              <a:ext uri="{FF2B5EF4-FFF2-40B4-BE49-F238E27FC236}">
+                <a16:creationId xmlns:a16="http://schemas.microsoft.com/office/drawing/2014/main" id="{D578A67E-F565-46F9-85D2-46C746EE619C}"/>
+              </a:ext>
+            </a:extLst>
+          </p:cNvPr>
+          <p:cNvGrpSpPr/>
+          <p:nvPr/>
+        </p:nvGrpSpPr>
+        <p:grpSpPr>
+          <a:xfrm>
+            <a:off x="11088503" y="6388160"/>
+            <a:ext cx="1175738" cy="409029"/>
+            <a:chOff x="234618" y="6332168"/>
+            <a:chExt cx="1472477" cy="409029"/>
+          </a:xfrm>
+        </p:grpSpPr>
+        <p:cxnSp>
+          <p:nvCxnSpPr>
+            <p:cNvPr id="619" name="直線單箭頭接點 618">
+              <a:extLst>
+                <a:ext uri="{FF2B5EF4-FFF2-40B4-BE49-F238E27FC236}">
+                  <a16:creationId xmlns:a16="http://schemas.microsoft.com/office/drawing/2014/main" id="{948C5DF9-EBE7-4CD0-80EA-46EB40A0D818}"/>
+                </a:ext>
+              </a:extLst>
+            </p:cNvPr>
+            <p:cNvCxnSpPr>
+              <a:cxnSpLocks/>
+            </p:cNvCxnSpPr>
+            <p:nvPr/>
+          </p:nvCxnSpPr>
+          <p:spPr>
+            <a:xfrm>
+              <a:off x="271714" y="6664305"/>
+              <a:ext cx="1226857" cy="0"/>
+            </a:xfrm>
+            <a:prstGeom prst="straightConnector1">
+              <a:avLst/>
+            </a:prstGeom>
+            <a:ln>
+              <a:tailEnd type="triangle"/>
+            </a:ln>
+          </p:spPr>
+          <p:style>
+            <a:lnRef idx="3">
+              <a:schemeClr val="accent1"/>
+            </a:lnRef>
+            <a:fillRef idx="0">
+              <a:schemeClr val="accent1"/>
+            </a:fillRef>
+            <a:effectRef idx="2">
+              <a:schemeClr val="accent1"/>
+            </a:effectRef>
+            <a:fontRef idx="minor">
+              <a:schemeClr val="tx1"/>
+            </a:fontRef>
+          </p:style>
+        </p:cxnSp>
+        <p:sp>
+          <p:nvSpPr>
+            <p:cNvPr id="620" name="文字方塊 619">
+              <a:extLst>
+                <a:ext uri="{FF2B5EF4-FFF2-40B4-BE49-F238E27FC236}">
+                  <a16:creationId xmlns:a16="http://schemas.microsoft.com/office/drawing/2014/main" id="{B20AF714-8C0A-4D99-8201-4BA41273012D}"/>
+                </a:ext>
+              </a:extLst>
+            </p:cNvPr>
+            <p:cNvSpPr txBox="1"/>
+            <p:nvPr/>
+          </p:nvSpPr>
+          <p:spPr>
+            <a:xfrm>
+              <a:off x="234618" y="6332168"/>
+              <a:ext cx="1472477" cy="215444"/>
+            </a:xfrm>
+            <a:prstGeom prst="rect">
+              <a:avLst/>
+            </a:prstGeom>
+            <a:noFill/>
+          </p:spPr>
+          <p:txBody>
+            <a:bodyPr wrap="square" rtlCol="0">
+              <a:spAutoFit/>
+            </a:bodyPr>
+            <a:lstStyle/>
+            <a:p>
+              <a:r>
+                <a:rPr lang="en-US" altLang="zh-TW" sz="800" dirty="0" err="1">
+                  <a:latin typeface="Times New Roman" panose="02020603050405020304" pitchFamily="18" charset="0"/>
+                  <a:cs typeface="Times New Roman" panose="02020603050405020304" pitchFamily="18" charset="0"/>
+                </a:rPr>
+                <a:t>offMutateRate_EF</a:t>
+              </a:r>
+              <a:endParaRPr lang="zh-TW" altLang="en-US" sz="800" dirty="0">
+                <a:latin typeface="Times New Roman" panose="02020603050405020304" pitchFamily="18" charset="0"/>
+                <a:cs typeface="Times New Roman" panose="02020603050405020304" pitchFamily="18" charset="0"/>
+              </a:endParaRPr>
+            </a:p>
+          </p:txBody>
+        </p:sp>
+        <p:cxnSp>
+          <p:nvCxnSpPr>
+            <p:cNvPr id="621" name="直線接點 620">
+              <a:extLst>
+                <a:ext uri="{FF2B5EF4-FFF2-40B4-BE49-F238E27FC236}">
+                  <a16:creationId xmlns:a16="http://schemas.microsoft.com/office/drawing/2014/main" id="{2292EBEF-F1BB-4C64-8C00-F43072C74FF6}"/>
+                </a:ext>
+              </a:extLst>
+            </p:cNvPr>
+            <p:cNvCxnSpPr>
+              <a:cxnSpLocks/>
+            </p:cNvCxnSpPr>
+            <p:nvPr/>
+          </p:nvCxnSpPr>
+          <p:spPr>
+            <a:xfrm>
+              <a:off x="1173054" y="6575705"/>
+              <a:ext cx="173322" cy="148216"/>
+            </a:xfrm>
+            <a:prstGeom prst="line">
+              <a:avLst/>
+            </a:prstGeom>
+          </p:spPr>
+          <p:style>
+            <a:lnRef idx="3">
+              <a:schemeClr val="dk1"/>
+            </a:lnRef>
+            <a:fillRef idx="0">
+              <a:schemeClr val="dk1"/>
+            </a:fillRef>
+            <a:effectRef idx="2">
+              <a:schemeClr val="dk1"/>
+            </a:effectRef>
+            <a:fontRef idx="minor">
+              <a:schemeClr val="tx1"/>
+            </a:fontRef>
+          </p:style>
+        </p:cxnSp>
+        <p:sp>
+          <p:nvSpPr>
+            <p:cNvPr id="622" name="文字方塊 621">
+              <a:extLst>
+                <a:ext uri="{FF2B5EF4-FFF2-40B4-BE49-F238E27FC236}">
+                  <a16:creationId xmlns:a16="http://schemas.microsoft.com/office/drawing/2014/main" id="{7F16C75A-2C7C-40D0-9D6F-1A93B9ECB15F}"/>
+                </a:ext>
+              </a:extLst>
+            </p:cNvPr>
+            <p:cNvSpPr txBox="1"/>
+            <p:nvPr/>
+          </p:nvSpPr>
+          <p:spPr>
+            <a:xfrm>
+              <a:off x="642108" y="6464198"/>
+              <a:ext cx="564134" cy="276999"/>
+            </a:xfrm>
+            <a:prstGeom prst="rect">
+              <a:avLst/>
+            </a:prstGeom>
+            <a:noFill/>
+          </p:spPr>
+          <p:txBody>
+            <a:bodyPr wrap="square" rtlCol="0">
+              <a:spAutoFit/>
+            </a:bodyPr>
+            <a:lstStyle/>
+            <a:p>
+              <a:r>
+                <a:rPr lang="en-US" altLang="zh-TW" sz="1200" dirty="0">
+                  <a:latin typeface="Times New Roman" panose="02020603050405020304" pitchFamily="18" charset="0"/>
+                  <a:cs typeface="Times New Roman" panose="02020603050405020304" pitchFamily="18" charset="0"/>
+                </a:rPr>
+                <a:t>8</a:t>
+              </a:r>
+              <a:endParaRPr lang="zh-TW" altLang="en-US" sz="1200" dirty="0">
+                <a:latin typeface="Times New Roman" panose="02020603050405020304" pitchFamily="18" charset="0"/>
+                <a:cs typeface="Times New Roman" panose="02020603050405020304" pitchFamily="18" charset="0"/>
+              </a:endParaRPr>
+            </a:p>
+          </p:txBody>
+        </p:sp>
+      </p:grpSp>
+      <p:grpSp>
+        <p:nvGrpSpPr>
+          <p:cNvPr id="623" name="群組 622">
+            <a:extLst>
+              <a:ext uri="{FF2B5EF4-FFF2-40B4-BE49-F238E27FC236}">
+                <a16:creationId xmlns:a16="http://schemas.microsoft.com/office/drawing/2014/main" id="{1E72B788-FA65-4898-B017-8757D449075E}"/>
+              </a:ext>
+            </a:extLst>
+          </p:cNvPr>
+          <p:cNvGrpSpPr/>
+          <p:nvPr/>
+        </p:nvGrpSpPr>
+        <p:grpSpPr>
+          <a:xfrm>
+            <a:off x="5698133" y="5961589"/>
+            <a:ext cx="3585601" cy="344765"/>
+            <a:chOff x="242635" y="6407804"/>
+            <a:chExt cx="1472477" cy="344765"/>
+          </a:xfrm>
+        </p:grpSpPr>
+        <p:cxnSp>
+          <p:nvCxnSpPr>
+            <p:cNvPr id="624" name="直線單箭頭接點 623">
+              <a:extLst>
+                <a:ext uri="{FF2B5EF4-FFF2-40B4-BE49-F238E27FC236}">
+                  <a16:creationId xmlns:a16="http://schemas.microsoft.com/office/drawing/2014/main" id="{2AF913F2-5AF8-4EE7-858A-298CD939E85B}"/>
+                </a:ext>
+              </a:extLst>
+            </p:cNvPr>
+            <p:cNvCxnSpPr>
+              <a:cxnSpLocks/>
+            </p:cNvCxnSpPr>
+            <p:nvPr/>
+          </p:nvCxnSpPr>
+          <p:spPr>
+            <a:xfrm>
+              <a:off x="271714" y="6664305"/>
+              <a:ext cx="1226857" cy="0"/>
+            </a:xfrm>
+            <a:prstGeom prst="straightConnector1">
+              <a:avLst/>
+            </a:prstGeom>
+            <a:ln>
+              <a:tailEnd type="triangle"/>
+            </a:ln>
+          </p:spPr>
+          <p:style>
+            <a:lnRef idx="3">
+              <a:schemeClr val="accent1"/>
+            </a:lnRef>
+            <a:fillRef idx="0">
+              <a:schemeClr val="accent1"/>
+            </a:fillRef>
+            <a:effectRef idx="2">
+              <a:schemeClr val="accent1"/>
+            </a:effectRef>
+            <a:fontRef idx="minor">
+              <a:schemeClr val="tx1"/>
+            </a:fontRef>
+          </p:style>
+        </p:cxnSp>
+        <p:sp>
+          <p:nvSpPr>
+            <p:cNvPr id="625" name="文字方塊 624">
+              <a:extLst>
+                <a:ext uri="{FF2B5EF4-FFF2-40B4-BE49-F238E27FC236}">
+                  <a16:creationId xmlns:a16="http://schemas.microsoft.com/office/drawing/2014/main" id="{DCB6C666-841F-4DA0-BF3C-51877A3830D3}"/>
+                </a:ext>
+              </a:extLst>
+            </p:cNvPr>
+            <p:cNvSpPr txBox="1"/>
+            <p:nvPr/>
+          </p:nvSpPr>
+          <p:spPr>
+            <a:xfrm>
+              <a:off x="242635" y="6469359"/>
+              <a:ext cx="1472477" cy="215444"/>
+            </a:xfrm>
+            <a:prstGeom prst="rect">
+              <a:avLst/>
+            </a:prstGeom>
+            <a:noFill/>
+          </p:spPr>
+          <p:txBody>
+            <a:bodyPr wrap="square" rtlCol="0">
+              <a:spAutoFit/>
+            </a:bodyPr>
+            <a:lstStyle/>
+            <a:p>
+              <a:r>
+                <a:rPr lang="en-US" altLang="zh-TW" sz="800" dirty="0" err="1">
+                  <a:latin typeface="Times New Roman" panose="02020603050405020304" pitchFamily="18" charset="0"/>
+                  <a:cs typeface="Times New Roman" panose="02020603050405020304" pitchFamily="18" charset="0"/>
+                </a:rPr>
+                <a:t>offFit_CRX</a:t>
+              </a:r>
+              <a:endParaRPr lang="zh-TW" altLang="en-US" sz="800" dirty="0">
+                <a:latin typeface="Times New Roman" panose="02020603050405020304" pitchFamily="18" charset="0"/>
+                <a:cs typeface="Times New Roman" panose="02020603050405020304" pitchFamily="18" charset="0"/>
+              </a:endParaRPr>
+            </a:p>
+          </p:txBody>
+        </p:sp>
+        <p:cxnSp>
+          <p:nvCxnSpPr>
+            <p:cNvPr id="626" name="直線接點 625">
+              <a:extLst>
+                <a:ext uri="{FF2B5EF4-FFF2-40B4-BE49-F238E27FC236}">
+                  <a16:creationId xmlns:a16="http://schemas.microsoft.com/office/drawing/2014/main" id="{FEF78B5E-65AE-471C-BA5A-E9D2E502BD7A}"/>
                 </a:ext>
               </a:extLst>
             </p:cNvPr>
@@ -16273,10 +15173,10 @@
         </p:cxnSp>
         <p:sp>
           <p:nvSpPr>
-            <p:cNvPr id="390" name="文字方塊 389">
+            <p:cNvPr id="627" name="文字方塊 626">
               <a:extLst>
                 <a:ext uri="{FF2B5EF4-FFF2-40B4-BE49-F238E27FC236}">
-                  <a16:creationId xmlns:a16="http://schemas.microsoft.com/office/drawing/2014/main" id="{937B8D56-743C-4B55-A9C5-D6DA872AC919}"/>
+                  <a16:creationId xmlns:a16="http://schemas.microsoft.com/office/drawing/2014/main" id="{260A98F4-A25C-423C-84D8-8B84AA893318}"/>
                 </a:ext>
               </a:extLst>
             </p:cNvPr>
@@ -16304,7 +15204,191 @@
                   <a:latin typeface="Times New Roman" panose="02020603050405020304" pitchFamily="18" charset="0"/>
                   <a:cs typeface="Times New Roman" panose="02020603050405020304" pitchFamily="18" charset="0"/>
                 </a:rPr>
-                <a:t>8</a:t>
+                <a:t>10</a:t>
+              </a:r>
+              <a:endParaRPr lang="zh-TW" altLang="en-US" sz="1200" dirty="0">
+                <a:latin typeface="Times New Roman" panose="02020603050405020304" pitchFamily="18" charset="0"/>
+                <a:cs typeface="Times New Roman" panose="02020603050405020304" pitchFamily="18" charset="0"/>
+              </a:endParaRPr>
+            </a:p>
+          </p:txBody>
+        </p:sp>
+      </p:grpSp>
+      <p:grpSp>
+        <p:nvGrpSpPr>
+          <p:cNvPr id="628" name="群組 627">
+            <a:extLst>
+              <a:ext uri="{FF2B5EF4-FFF2-40B4-BE49-F238E27FC236}">
+                <a16:creationId xmlns:a16="http://schemas.microsoft.com/office/drawing/2014/main" id="{970D3B64-1681-4735-B9DA-A9D8C6C9E529}"/>
+              </a:ext>
+            </a:extLst>
+          </p:cNvPr>
+          <p:cNvGrpSpPr/>
+          <p:nvPr/>
+        </p:nvGrpSpPr>
+        <p:grpSpPr>
+          <a:xfrm>
+            <a:off x="9130618" y="6601488"/>
+            <a:ext cx="1949602" cy="344765"/>
+            <a:chOff x="242635" y="6407804"/>
+            <a:chExt cx="1472477" cy="344765"/>
+          </a:xfrm>
+        </p:grpSpPr>
+        <p:cxnSp>
+          <p:nvCxnSpPr>
+            <p:cNvPr id="629" name="直線單箭頭接點 628">
+              <a:extLst>
+                <a:ext uri="{FF2B5EF4-FFF2-40B4-BE49-F238E27FC236}">
+                  <a16:creationId xmlns:a16="http://schemas.microsoft.com/office/drawing/2014/main" id="{569137EA-A1C9-4ED5-844D-E13C76F2053C}"/>
+                </a:ext>
+              </a:extLst>
+            </p:cNvPr>
+            <p:cNvCxnSpPr>
+              <a:cxnSpLocks/>
+            </p:cNvCxnSpPr>
+            <p:nvPr/>
+          </p:nvCxnSpPr>
+          <p:spPr>
+            <a:xfrm>
+              <a:off x="271714" y="6664305"/>
+              <a:ext cx="1226857" cy="0"/>
+            </a:xfrm>
+            <a:prstGeom prst="straightConnector1">
+              <a:avLst/>
+            </a:prstGeom>
+            <a:ln>
+              <a:tailEnd type="triangle"/>
+            </a:ln>
+          </p:spPr>
+          <p:style>
+            <a:lnRef idx="3">
+              <a:schemeClr val="accent1"/>
+            </a:lnRef>
+            <a:fillRef idx="0">
+              <a:schemeClr val="accent1"/>
+            </a:fillRef>
+            <a:effectRef idx="2">
+              <a:schemeClr val="accent1"/>
+            </a:effectRef>
+            <a:fontRef idx="minor">
+              <a:schemeClr val="tx1"/>
+            </a:fontRef>
+          </p:style>
+        </p:cxnSp>
+        <p:sp>
+          <p:nvSpPr>
+            <p:cNvPr id="630" name="文字方塊 629">
+              <a:extLst>
+                <a:ext uri="{FF2B5EF4-FFF2-40B4-BE49-F238E27FC236}">
+                  <a16:creationId xmlns:a16="http://schemas.microsoft.com/office/drawing/2014/main" id="{BB5A0F43-C6AF-4B38-8E4A-1F1651EDE2EC}"/>
+                </a:ext>
+              </a:extLst>
+            </p:cNvPr>
+            <p:cNvSpPr txBox="1"/>
+            <p:nvPr/>
+          </p:nvSpPr>
+          <p:spPr>
+            <a:xfrm>
+              <a:off x="242635" y="6469359"/>
+              <a:ext cx="1472477" cy="215444"/>
+            </a:xfrm>
+            <a:prstGeom prst="rect">
+              <a:avLst/>
+            </a:prstGeom>
+            <a:noFill/>
+          </p:spPr>
+          <p:txBody>
+            <a:bodyPr wrap="square" rtlCol="0">
+              <a:spAutoFit/>
+            </a:bodyPr>
+            <a:lstStyle/>
+            <a:p>
+              <a:r>
+                <a:rPr lang="en-US" altLang="zh-TW" sz="800" dirty="0" err="1">
+                  <a:latin typeface="Times New Roman" panose="02020603050405020304" pitchFamily="18" charset="0"/>
+                  <a:cs typeface="Times New Roman" panose="02020603050405020304" pitchFamily="18" charset="0"/>
+                </a:rPr>
+                <a:t>offFit_MU</a:t>
+              </a:r>
+              <a:endParaRPr lang="zh-TW" altLang="en-US" sz="800" dirty="0">
+                <a:latin typeface="Times New Roman" panose="02020603050405020304" pitchFamily="18" charset="0"/>
+                <a:cs typeface="Times New Roman" panose="02020603050405020304" pitchFamily="18" charset="0"/>
+              </a:endParaRPr>
+            </a:p>
+          </p:txBody>
+        </p:sp>
+        <p:cxnSp>
+          <p:nvCxnSpPr>
+            <p:cNvPr id="631" name="直線接點 630">
+              <a:extLst>
+                <a:ext uri="{FF2B5EF4-FFF2-40B4-BE49-F238E27FC236}">
+                  <a16:creationId xmlns:a16="http://schemas.microsoft.com/office/drawing/2014/main" id="{43D7FA60-5DC5-4D43-B0FC-71B0C2DCB10A}"/>
+                </a:ext>
+              </a:extLst>
+            </p:cNvPr>
+            <p:cNvCxnSpPr>
+              <a:cxnSpLocks/>
+            </p:cNvCxnSpPr>
+            <p:nvPr/>
+          </p:nvCxnSpPr>
+          <p:spPr>
+            <a:xfrm>
+              <a:off x="739660" y="6604353"/>
+              <a:ext cx="173322" cy="148216"/>
+            </a:xfrm>
+            <a:prstGeom prst="line">
+              <a:avLst/>
+            </a:prstGeom>
+          </p:spPr>
+          <p:style>
+            <a:lnRef idx="3">
+              <a:schemeClr val="dk1"/>
+            </a:lnRef>
+            <a:fillRef idx="0">
+              <a:schemeClr val="dk1"/>
+            </a:fillRef>
+            <a:effectRef idx="2">
+              <a:schemeClr val="dk1"/>
+            </a:effectRef>
+            <a:fontRef idx="minor">
+              <a:schemeClr val="tx1"/>
+            </a:fontRef>
+          </p:style>
+        </p:cxnSp>
+        <p:sp>
+          <p:nvSpPr>
+            <p:cNvPr id="632" name="文字方塊 631">
+              <a:extLst>
+                <a:ext uri="{FF2B5EF4-FFF2-40B4-BE49-F238E27FC236}">
+                  <a16:creationId xmlns:a16="http://schemas.microsoft.com/office/drawing/2014/main" id="{7A022849-2D5D-4367-885C-E10B51B69875}"/>
+                </a:ext>
+              </a:extLst>
+            </p:cNvPr>
+            <p:cNvSpPr txBox="1"/>
+            <p:nvPr/>
+          </p:nvSpPr>
+          <p:spPr>
+            <a:xfrm>
+              <a:off x="767546" y="6407804"/>
+              <a:ext cx="564135" cy="276999"/>
+            </a:xfrm>
+            <a:prstGeom prst="rect">
+              <a:avLst/>
+            </a:prstGeom>
+            <a:noFill/>
+          </p:spPr>
+          <p:txBody>
+            <a:bodyPr wrap="square" rtlCol="0">
+              <a:spAutoFit/>
+            </a:bodyPr>
+            <a:lstStyle/>
+            <a:p>
+              <a:r>
+                <a:rPr lang="en-US" altLang="zh-TW" sz="1200" dirty="0">
+                  <a:latin typeface="Times New Roman" panose="02020603050405020304" pitchFamily="18" charset="0"/>
+                  <a:cs typeface="Times New Roman" panose="02020603050405020304" pitchFamily="18" charset="0"/>
+                </a:rPr>
+                <a:t>10</a:t>
               </a:r>
               <a:endParaRPr lang="zh-TW" altLang="en-US" sz="1200" dirty="0">
                 <a:latin typeface="Times New Roman" panose="02020603050405020304" pitchFamily="18" charset="0"/>
@@ -16316,10 +15400,10 @@
       </p:grpSp>
       <p:sp>
         <p:nvSpPr>
-          <p:cNvPr id="433" name="文字方塊 432">
+          <p:cNvPr id="633" name="文字方塊 632">
             <a:extLst>
               <a:ext uri="{FF2B5EF4-FFF2-40B4-BE49-F238E27FC236}">
-                <a16:creationId xmlns:a16="http://schemas.microsoft.com/office/drawing/2014/main" id="{63FA8711-B9D2-46A8-A5C8-26A44676A5BE}"/>
+                <a16:creationId xmlns:a16="http://schemas.microsoft.com/office/drawing/2014/main" id="{F5BA54A2-8C94-442C-AC20-72B74563587B}"/>
               </a:ext>
             </a:extLst>
           </p:cNvPr>
@@ -16328,8 +15412,8 @@
         </p:nvSpPr>
         <p:spPr>
           <a:xfrm>
-            <a:off x="8989113" y="4509646"/>
-            <a:ext cx="930119" cy="276999"/>
+            <a:off x="1886870" y="5914117"/>
+            <a:ext cx="1806077" cy="215444"/>
           </a:xfrm>
           <a:prstGeom prst="rect">
             <a:avLst/>
@@ -16343,13 +15427,220 @@
           <a:lstStyle/>
           <a:p>
             <a:r>
-              <a:rPr lang="en-US" altLang="zh-TW" sz="1200" dirty="0">
+              <a:rPr lang="en-US" altLang="zh-TW" sz="800" dirty="0" err="1">
                 <a:latin typeface="Times New Roman" panose="02020603050405020304" pitchFamily="18" charset="0"/>
                 <a:cs typeface="Times New Roman" panose="02020603050405020304" pitchFamily="18" charset="0"/>
               </a:rPr>
-              <a:t>11*2+8+10</a:t>
+              <a:t>Tour_wb_idx_MU</a:t>
             </a:r>
-            <a:endParaRPr lang="zh-TW" altLang="en-US" sz="1200" dirty="0">
+            <a:endParaRPr lang="zh-TW" altLang="en-US" sz="800" dirty="0">
+              <a:latin typeface="Times New Roman" panose="02020603050405020304" pitchFamily="18" charset="0"/>
+              <a:cs typeface="Times New Roman" panose="02020603050405020304" pitchFamily="18" charset="0"/>
+            </a:endParaRPr>
+          </a:p>
+        </p:txBody>
+      </p:sp>
+      <p:cxnSp>
+        <p:nvCxnSpPr>
+          <p:cNvPr id="640" name="直線單箭頭接點 639">
+            <a:extLst>
+              <a:ext uri="{FF2B5EF4-FFF2-40B4-BE49-F238E27FC236}">
+                <a16:creationId xmlns:a16="http://schemas.microsoft.com/office/drawing/2014/main" id="{07FDB304-129A-41DC-9904-D4811293808E}"/>
+              </a:ext>
+            </a:extLst>
+          </p:cNvPr>
+          <p:cNvCxnSpPr>
+            <a:cxnSpLocks/>
+          </p:cNvCxnSpPr>
+          <p:nvPr/>
+        </p:nvCxnSpPr>
+        <p:spPr>
+          <a:xfrm>
+            <a:off x="2852181" y="6026394"/>
+            <a:ext cx="274503" cy="0"/>
+          </a:xfrm>
+          <a:prstGeom prst="straightConnector1">
+            <a:avLst/>
+          </a:prstGeom>
+          <a:ln>
+            <a:tailEnd type="triangle"/>
+          </a:ln>
+        </p:spPr>
+        <p:style>
+          <a:lnRef idx="3">
+            <a:schemeClr val="accent1"/>
+          </a:lnRef>
+          <a:fillRef idx="0">
+            <a:schemeClr val="accent1"/>
+          </a:fillRef>
+          <a:effectRef idx="2">
+            <a:schemeClr val="accent1"/>
+          </a:effectRef>
+          <a:fontRef idx="minor">
+            <a:schemeClr val="tx1"/>
+          </a:fontRef>
+        </p:style>
+      </p:cxnSp>
+      <p:cxnSp>
+        <p:nvCxnSpPr>
+          <p:cNvPr id="641" name="直線單箭頭接點 640">
+            <a:extLst>
+              <a:ext uri="{FF2B5EF4-FFF2-40B4-BE49-F238E27FC236}">
+                <a16:creationId xmlns:a16="http://schemas.microsoft.com/office/drawing/2014/main" id="{CCD6D278-78DF-4367-BADB-F51C949485DA}"/>
+              </a:ext>
+            </a:extLst>
+          </p:cNvPr>
+          <p:cNvCxnSpPr>
+            <a:cxnSpLocks/>
+          </p:cNvCxnSpPr>
+          <p:nvPr/>
+        </p:nvCxnSpPr>
+        <p:spPr>
+          <a:xfrm>
+            <a:off x="2852181" y="6223600"/>
+            <a:ext cx="274503" cy="0"/>
+          </a:xfrm>
+          <a:prstGeom prst="straightConnector1">
+            <a:avLst/>
+          </a:prstGeom>
+          <a:ln>
+            <a:tailEnd type="triangle"/>
+          </a:ln>
+        </p:spPr>
+        <p:style>
+          <a:lnRef idx="3">
+            <a:schemeClr val="accent1"/>
+          </a:lnRef>
+          <a:fillRef idx="0">
+            <a:schemeClr val="accent1"/>
+          </a:fillRef>
+          <a:effectRef idx="2">
+            <a:schemeClr val="accent1"/>
+          </a:effectRef>
+          <a:fontRef idx="minor">
+            <a:schemeClr val="tx1"/>
+          </a:fontRef>
+        </p:style>
+      </p:cxnSp>
+      <p:sp>
+        <p:nvSpPr>
+          <p:cNvPr id="642" name="文字方塊 641">
+            <a:extLst>
+              <a:ext uri="{FF2B5EF4-FFF2-40B4-BE49-F238E27FC236}">
+                <a16:creationId xmlns:a16="http://schemas.microsoft.com/office/drawing/2014/main" id="{EAE8D02C-FF47-43FD-B21E-CBBB52EE7645}"/>
+              </a:ext>
+            </a:extLst>
+          </p:cNvPr>
+          <p:cNvSpPr txBox="1"/>
+          <p:nvPr/>
+        </p:nvSpPr>
+        <p:spPr>
+          <a:xfrm>
+            <a:off x="1902279" y="6142880"/>
+            <a:ext cx="1806077" cy="215444"/>
+          </a:xfrm>
+          <a:prstGeom prst="rect">
+            <a:avLst/>
+          </a:prstGeom>
+          <a:noFill/>
+        </p:spPr>
+        <p:txBody>
+          <a:bodyPr wrap="square" rtlCol="0">
+            <a:spAutoFit/>
+          </a:bodyPr>
+          <a:lstStyle/>
+          <a:p>
+            <a:r>
+              <a:rPr lang="en-US" altLang="zh-TW" sz="800" dirty="0" err="1">
+                <a:latin typeface="Times New Roman" panose="02020603050405020304" pitchFamily="18" charset="0"/>
+                <a:cs typeface="Times New Roman" panose="02020603050405020304" pitchFamily="18" charset="0"/>
+              </a:rPr>
+              <a:t>currentState_MU</a:t>
+            </a:r>
+            <a:endParaRPr lang="zh-TW" altLang="en-US" sz="800" dirty="0">
+              <a:latin typeface="Times New Roman" panose="02020603050405020304" pitchFamily="18" charset="0"/>
+              <a:cs typeface="Times New Roman" panose="02020603050405020304" pitchFamily="18" charset="0"/>
+            </a:endParaRPr>
+          </a:p>
+        </p:txBody>
+      </p:sp>
+      <p:cxnSp>
+        <p:nvCxnSpPr>
+          <p:cNvPr id="643" name="直線單箭頭接點 642">
+            <a:extLst>
+              <a:ext uri="{FF2B5EF4-FFF2-40B4-BE49-F238E27FC236}">
+                <a16:creationId xmlns:a16="http://schemas.microsoft.com/office/drawing/2014/main" id="{6AB1CA26-A240-4597-A0D9-BE8721068B6A}"/>
+              </a:ext>
+            </a:extLst>
+          </p:cNvPr>
+          <p:cNvCxnSpPr>
+            <a:cxnSpLocks/>
+          </p:cNvCxnSpPr>
+          <p:nvPr/>
+        </p:nvCxnSpPr>
+        <p:spPr>
+          <a:xfrm>
+            <a:off x="2863195" y="5824849"/>
+            <a:ext cx="274503" cy="0"/>
+          </a:xfrm>
+          <a:prstGeom prst="straightConnector1">
+            <a:avLst/>
+          </a:prstGeom>
+          <a:ln>
+            <a:tailEnd type="triangle"/>
+          </a:ln>
+        </p:spPr>
+        <p:style>
+          <a:lnRef idx="3">
+            <a:schemeClr val="accent1"/>
+          </a:lnRef>
+          <a:fillRef idx="0">
+            <a:schemeClr val="accent1"/>
+          </a:fillRef>
+          <a:effectRef idx="2">
+            <a:schemeClr val="accent1"/>
+          </a:effectRef>
+          <a:fontRef idx="minor">
+            <a:schemeClr val="tx1"/>
+          </a:fontRef>
+        </p:style>
+      </p:cxnSp>
+      <p:sp>
+        <p:nvSpPr>
+          <p:cNvPr id="644" name="文字方塊 643">
+            <a:extLst>
+              <a:ext uri="{FF2B5EF4-FFF2-40B4-BE49-F238E27FC236}">
+                <a16:creationId xmlns:a16="http://schemas.microsoft.com/office/drawing/2014/main" id="{4D101224-D038-4AA2-943D-C76F242B0F9D}"/>
+              </a:ext>
+            </a:extLst>
+          </p:cNvPr>
+          <p:cNvSpPr txBox="1"/>
+          <p:nvPr/>
+        </p:nvSpPr>
+        <p:spPr>
+          <a:xfrm>
+            <a:off x="1971259" y="5731809"/>
+            <a:ext cx="1806077" cy="215444"/>
+          </a:xfrm>
+          <a:prstGeom prst="rect">
+            <a:avLst/>
+          </a:prstGeom>
+          <a:noFill/>
+        </p:spPr>
+        <p:txBody>
+          <a:bodyPr wrap="square" rtlCol="0">
+            <a:spAutoFit/>
+          </a:bodyPr>
+          <a:lstStyle/>
+          <a:p>
+            <a:r>
+              <a:rPr lang="en-US" altLang="zh-TW" sz="800" dirty="0" err="1">
+                <a:latin typeface="Times New Roman" panose="02020603050405020304" pitchFamily="18" charset="0"/>
+                <a:cs typeface="Times New Roman" panose="02020603050405020304" pitchFamily="18" charset="0"/>
+              </a:rPr>
+              <a:t>out_valid_ff_o</a:t>
+            </a:r>
+            <a:endParaRPr lang="zh-TW" altLang="en-US" sz="800" dirty="0">
               <a:latin typeface="Times New Roman" panose="02020603050405020304" pitchFamily="18" charset="0"/>
               <a:cs typeface="Times New Roman" panose="02020603050405020304" pitchFamily="18" charset="0"/>
             </a:endParaRPr>
